--- a/midterm_project/Determining which variables contribute to likely hood of.pptx
+++ b/midterm_project/Determining which variables contribute to likely hood of.pptx
@@ -6,18 +6,17 @@
   </p:sldMasterIdLst>
   <p:sldIdLst>
     <p:sldId id="256" r:id="rId2"/>
-    <p:sldId id="257" r:id="rId3"/>
-    <p:sldId id="258" r:id="rId4"/>
-    <p:sldId id="260" r:id="rId5"/>
-    <p:sldId id="262" r:id="rId6"/>
-    <p:sldId id="266" r:id="rId7"/>
-    <p:sldId id="265" r:id="rId8"/>
-    <p:sldId id="267" r:id="rId9"/>
-    <p:sldId id="264" r:id="rId10"/>
-    <p:sldId id="261" r:id="rId11"/>
-    <p:sldId id="263" r:id="rId12"/>
-    <p:sldId id="259" r:id="rId13"/>
-    <p:sldId id="268" r:id="rId14"/>
+    <p:sldId id="258" r:id="rId3"/>
+    <p:sldId id="260" r:id="rId4"/>
+    <p:sldId id="262" r:id="rId5"/>
+    <p:sldId id="269" r:id="rId6"/>
+    <p:sldId id="265" r:id="rId7"/>
+    <p:sldId id="267" r:id="rId8"/>
+    <p:sldId id="264" r:id="rId9"/>
+    <p:sldId id="261" r:id="rId10"/>
+    <p:sldId id="271" r:id="rId11"/>
+    <p:sldId id="259" r:id="rId12"/>
+    <p:sldId id="268" r:id="rId13"/>
   </p:sldIdLst>
   <p:sldSz cx="12192000" cy="6858000"/>
   <p:notesSz cx="6858000" cy="9144000"/>
@@ -116,6 +115,11 @@
       </a:defRPr>
     </a:lvl9pPr>
   </p:defaultTextStyle>
+  <p:extLst>
+    <p:ext uri="{EFAFB233-063F-42B5-8137-9DF3F51BA10A}">
+      <p15:sldGuideLst xmlns:p15="http://schemas.microsoft.com/office/powerpoint/2012/main"/>
+    </p:ext>
+  </p:extLst>
 </p:presentation>
 </file>
 
@@ -141,7 +145,7 @@
           <p:cNvPr id="2" name="Title 1">
             <a:extLst>
               <a:ext uri="{FF2B5EF4-FFF2-40B4-BE49-F238E27FC236}">
-                <a16:creationId xmlns:a16="http://schemas.microsoft.com/office/drawing/2014/main" id="{FB25774F-A20A-4FC2-ACE7-42D83D27E4B6}"/>
+                <a16:creationId xmlns:a16="http://schemas.microsoft.com/office/drawing/2014/main" xmlns="" id="{FB25774F-A20A-4FC2-ACE7-42D83D27E4B6}"/>
               </a:ext>
             </a:extLst>
           </p:cNvPr>
@@ -178,7 +182,7 @@
           <p:cNvPr id="3" name="Subtitle 2">
             <a:extLst>
               <a:ext uri="{FF2B5EF4-FFF2-40B4-BE49-F238E27FC236}">
-                <a16:creationId xmlns:a16="http://schemas.microsoft.com/office/drawing/2014/main" id="{72B84185-3944-43B7-A2BD-4BD59E26A699}"/>
+                <a16:creationId xmlns:a16="http://schemas.microsoft.com/office/drawing/2014/main" xmlns="" id="{72B84185-3944-43B7-A2BD-4BD59E26A699}"/>
               </a:ext>
             </a:extLst>
           </p:cNvPr>
@@ -248,7 +252,7 @@
           <p:cNvPr id="4" name="Date Placeholder 3">
             <a:extLst>
               <a:ext uri="{FF2B5EF4-FFF2-40B4-BE49-F238E27FC236}">
-                <a16:creationId xmlns:a16="http://schemas.microsoft.com/office/drawing/2014/main" id="{AD5207E0-3F19-4992-A877-FAB40004E2CE}"/>
+                <a16:creationId xmlns:a16="http://schemas.microsoft.com/office/drawing/2014/main" xmlns="" id="{AD5207E0-3F19-4992-A877-FAB40004E2CE}"/>
               </a:ext>
             </a:extLst>
           </p:cNvPr>
@@ -266,7 +270,7 @@
           <a:p>
             <a:fld id="{EAA50B2D-1099-4D4A-84CF-763226D33A53}" type="datetimeFigureOut">
               <a:rPr lang="en-US" smtClean="0"/>
-              <a:t>2/28/2022</a:t>
+              <a:t>3/8/2022</a:t>
             </a:fld>
             <a:endParaRPr lang="en-US"/>
           </a:p>
@@ -277,7 +281,7 @@
           <p:cNvPr id="5" name="Footer Placeholder 4">
             <a:extLst>
               <a:ext uri="{FF2B5EF4-FFF2-40B4-BE49-F238E27FC236}">
-                <a16:creationId xmlns:a16="http://schemas.microsoft.com/office/drawing/2014/main" id="{5CF1C43B-2ECD-4DA3-B761-AE1EB261FC98}"/>
+                <a16:creationId xmlns:a16="http://schemas.microsoft.com/office/drawing/2014/main" xmlns="" id="{5CF1C43B-2ECD-4DA3-B761-AE1EB261FC98}"/>
               </a:ext>
             </a:extLst>
           </p:cNvPr>
@@ -302,7 +306,7 @@
           <p:cNvPr id="6" name="Slide Number Placeholder 5">
             <a:extLst>
               <a:ext uri="{FF2B5EF4-FFF2-40B4-BE49-F238E27FC236}">
-                <a16:creationId xmlns:a16="http://schemas.microsoft.com/office/drawing/2014/main" id="{A3FE33B1-9CCA-4199-9E0D-E2F8D7D1C18B}"/>
+                <a16:creationId xmlns:a16="http://schemas.microsoft.com/office/drawing/2014/main" xmlns="" id="{A3FE33B1-9CCA-4199-9E0D-E2F8D7D1C18B}"/>
               </a:ext>
             </a:extLst>
           </p:cNvPr>
@@ -361,7 +365,7 @@
           <p:cNvPr id="2" name="Title 1">
             <a:extLst>
               <a:ext uri="{FF2B5EF4-FFF2-40B4-BE49-F238E27FC236}">
-                <a16:creationId xmlns:a16="http://schemas.microsoft.com/office/drawing/2014/main" id="{76DFED00-6D4F-499A-8B36-1C90EC692F3E}"/>
+                <a16:creationId xmlns:a16="http://schemas.microsoft.com/office/drawing/2014/main" xmlns="" id="{76DFED00-6D4F-499A-8B36-1C90EC692F3E}"/>
               </a:ext>
             </a:extLst>
           </p:cNvPr>
@@ -389,7 +393,7 @@
           <p:cNvPr id="3" name="Vertical Text Placeholder 2">
             <a:extLst>
               <a:ext uri="{FF2B5EF4-FFF2-40B4-BE49-F238E27FC236}">
-                <a16:creationId xmlns:a16="http://schemas.microsoft.com/office/drawing/2014/main" id="{99B0F380-2436-4CD3-8DAE-75E8B44B3A41}"/>
+                <a16:creationId xmlns:a16="http://schemas.microsoft.com/office/drawing/2014/main" xmlns="" id="{99B0F380-2436-4CD3-8DAE-75E8B44B3A41}"/>
               </a:ext>
             </a:extLst>
           </p:cNvPr>
@@ -446,7 +450,7 @@
           <p:cNvPr id="4" name="Date Placeholder 3">
             <a:extLst>
               <a:ext uri="{FF2B5EF4-FFF2-40B4-BE49-F238E27FC236}">
-                <a16:creationId xmlns:a16="http://schemas.microsoft.com/office/drawing/2014/main" id="{4364A7C8-657B-45E8-B865-A0E3CEA71F31}"/>
+                <a16:creationId xmlns:a16="http://schemas.microsoft.com/office/drawing/2014/main" xmlns="" id="{4364A7C8-657B-45E8-B865-A0E3CEA71F31}"/>
               </a:ext>
             </a:extLst>
           </p:cNvPr>
@@ -464,7 +468,7 @@
           <a:p>
             <a:fld id="{EAA50B2D-1099-4D4A-84CF-763226D33A53}" type="datetimeFigureOut">
               <a:rPr lang="en-US" smtClean="0"/>
-              <a:t>2/28/2022</a:t>
+              <a:t>3/8/2022</a:t>
             </a:fld>
             <a:endParaRPr lang="en-US"/>
           </a:p>
@@ -475,7 +479,7 @@
           <p:cNvPr id="5" name="Footer Placeholder 4">
             <a:extLst>
               <a:ext uri="{FF2B5EF4-FFF2-40B4-BE49-F238E27FC236}">
-                <a16:creationId xmlns:a16="http://schemas.microsoft.com/office/drawing/2014/main" id="{88F42CB0-6AD7-441E-94E6-2BF22230D434}"/>
+                <a16:creationId xmlns:a16="http://schemas.microsoft.com/office/drawing/2014/main" xmlns="" id="{88F42CB0-6AD7-441E-94E6-2BF22230D434}"/>
               </a:ext>
             </a:extLst>
           </p:cNvPr>
@@ -500,7 +504,7 @@
           <p:cNvPr id="6" name="Slide Number Placeholder 5">
             <a:extLst>
               <a:ext uri="{FF2B5EF4-FFF2-40B4-BE49-F238E27FC236}">
-                <a16:creationId xmlns:a16="http://schemas.microsoft.com/office/drawing/2014/main" id="{19F7CF98-4D8C-4AD0-B045-CE7C8805B171}"/>
+                <a16:creationId xmlns:a16="http://schemas.microsoft.com/office/drawing/2014/main" xmlns="" id="{19F7CF98-4D8C-4AD0-B045-CE7C8805B171}"/>
               </a:ext>
             </a:extLst>
           </p:cNvPr>
@@ -559,7 +563,7 @@
           <p:cNvPr id="2" name="Vertical Title 1">
             <a:extLst>
               <a:ext uri="{FF2B5EF4-FFF2-40B4-BE49-F238E27FC236}">
-                <a16:creationId xmlns:a16="http://schemas.microsoft.com/office/drawing/2014/main" id="{B3806EFC-7D43-48BF-97F9-F513300571BE}"/>
+                <a16:creationId xmlns:a16="http://schemas.microsoft.com/office/drawing/2014/main" xmlns="" id="{B3806EFC-7D43-48BF-97F9-F513300571BE}"/>
               </a:ext>
             </a:extLst>
           </p:cNvPr>
@@ -592,7 +596,7 @@
           <p:cNvPr id="3" name="Vertical Text Placeholder 2">
             <a:extLst>
               <a:ext uri="{FF2B5EF4-FFF2-40B4-BE49-F238E27FC236}">
-                <a16:creationId xmlns:a16="http://schemas.microsoft.com/office/drawing/2014/main" id="{0DF19E8F-90A4-426A-A10E-4A2B18A18292}"/>
+                <a16:creationId xmlns:a16="http://schemas.microsoft.com/office/drawing/2014/main" xmlns="" id="{0DF19E8F-90A4-426A-A10E-4A2B18A18292}"/>
               </a:ext>
             </a:extLst>
           </p:cNvPr>
@@ -654,7 +658,7 @@
           <p:cNvPr id="4" name="Date Placeholder 3">
             <a:extLst>
               <a:ext uri="{FF2B5EF4-FFF2-40B4-BE49-F238E27FC236}">
-                <a16:creationId xmlns:a16="http://schemas.microsoft.com/office/drawing/2014/main" id="{B956B393-A0A9-4CC3-BE36-036FC0070980}"/>
+                <a16:creationId xmlns:a16="http://schemas.microsoft.com/office/drawing/2014/main" xmlns="" id="{B956B393-A0A9-4CC3-BE36-036FC0070980}"/>
               </a:ext>
             </a:extLst>
           </p:cNvPr>
@@ -672,7 +676,7 @@
           <a:p>
             <a:fld id="{EAA50B2D-1099-4D4A-84CF-763226D33A53}" type="datetimeFigureOut">
               <a:rPr lang="en-US" smtClean="0"/>
-              <a:t>2/28/2022</a:t>
+              <a:t>3/8/2022</a:t>
             </a:fld>
             <a:endParaRPr lang="en-US"/>
           </a:p>
@@ -683,7 +687,7 @@
           <p:cNvPr id="5" name="Footer Placeholder 4">
             <a:extLst>
               <a:ext uri="{FF2B5EF4-FFF2-40B4-BE49-F238E27FC236}">
-                <a16:creationId xmlns:a16="http://schemas.microsoft.com/office/drawing/2014/main" id="{DEC491FE-35A3-407C-A01A-80C25D9D28F4}"/>
+                <a16:creationId xmlns:a16="http://schemas.microsoft.com/office/drawing/2014/main" xmlns="" id="{DEC491FE-35A3-407C-A01A-80C25D9D28F4}"/>
               </a:ext>
             </a:extLst>
           </p:cNvPr>
@@ -708,7 +712,7 @@
           <p:cNvPr id="6" name="Slide Number Placeholder 5">
             <a:extLst>
               <a:ext uri="{FF2B5EF4-FFF2-40B4-BE49-F238E27FC236}">
-                <a16:creationId xmlns:a16="http://schemas.microsoft.com/office/drawing/2014/main" id="{EADB9B4B-9171-4041-976D-32434C4A16FE}"/>
+                <a16:creationId xmlns:a16="http://schemas.microsoft.com/office/drawing/2014/main" xmlns="" id="{EADB9B4B-9171-4041-976D-32434C4A16FE}"/>
               </a:ext>
             </a:extLst>
           </p:cNvPr>
@@ -767,7 +771,7 @@
           <p:cNvPr id="2" name="Title 1">
             <a:extLst>
               <a:ext uri="{FF2B5EF4-FFF2-40B4-BE49-F238E27FC236}">
-                <a16:creationId xmlns:a16="http://schemas.microsoft.com/office/drawing/2014/main" id="{3D01F5FA-441A-4F59-A005-9AB0686C0469}"/>
+                <a16:creationId xmlns:a16="http://schemas.microsoft.com/office/drawing/2014/main" xmlns="" id="{3D01F5FA-441A-4F59-A005-9AB0686C0469}"/>
               </a:ext>
             </a:extLst>
           </p:cNvPr>
@@ -795,7 +799,7 @@
           <p:cNvPr id="3" name="Content Placeholder 2">
             <a:extLst>
               <a:ext uri="{FF2B5EF4-FFF2-40B4-BE49-F238E27FC236}">
-                <a16:creationId xmlns:a16="http://schemas.microsoft.com/office/drawing/2014/main" id="{CB223984-009F-4CAF-8FE1-9A30FF88D8E0}"/>
+                <a16:creationId xmlns:a16="http://schemas.microsoft.com/office/drawing/2014/main" xmlns="" id="{CB223984-009F-4CAF-8FE1-9A30FF88D8E0}"/>
               </a:ext>
             </a:extLst>
           </p:cNvPr>
@@ -852,7 +856,7 @@
           <p:cNvPr id="4" name="Date Placeholder 3">
             <a:extLst>
               <a:ext uri="{FF2B5EF4-FFF2-40B4-BE49-F238E27FC236}">
-                <a16:creationId xmlns:a16="http://schemas.microsoft.com/office/drawing/2014/main" id="{0B2AD834-02FE-4911-BC3B-BC1874B817CD}"/>
+                <a16:creationId xmlns:a16="http://schemas.microsoft.com/office/drawing/2014/main" xmlns="" id="{0B2AD834-02FE-4911-BC3B-BC1874B817CD}"/>
               </a:ext>
             </a:extLst>
           </p:cNvPr>
@@ -870,7 +874,7 @@
           <a:p>
             <a:fld id="{EAA50B2D-1099-4D4A-84CF-763226D33A53}" type="datetimeFigureOut">
               <a:rPr lang="en-US" smtClean="0"/>
-              <a:t>2/28/2022</a:t>
+              <a:t>3/8/2022</a:t>
             </a:fld>
             <a:endParaRPr lang="en-US"/>
           </a:p>
@@ -881,7 +885,7 @@
           <p:cNvPr id="5" name="Footer Placeholder 4">
             <a:extLst>
               <a:ext uri="{FF2B5EF4-FFF2-40B4-BE49-F238E27FC236}">
-                <a16:creationId xmlns:a16="http://schemas.microsoft.com/office/drawing/2014/main" id="{30FA8F9C-2F2A-440F-88A2-3575533817C0}"/>
+                <a16:creationId xmlns:a16="http://schemas.microsoft.com/office/drawing/2014/main" xmlns="" id="{30FA8F9C-2F2A-440F-88A2-3575533817C0}"/>
               </a:ext>
             </a:extLst>
           </p:cNvPr>
@@ -906,7 +910,7 @@
           <p:cNvPr id="6" name="Slide Number Placeholder 5">
             <a:extLst>
               <a:ext uri="{FF2B5EF4-FFF2-40B4-BE49-F238E27FC236}">
-                <a16:creationId xmlns:a16="http://schemas.microsoft.com/office/drawing/2014/main" id="{A0B4216F-93E5-4681-9A2E-7AAB30CD723E}"/>
+                <a16:creationId xmlns:a16="http://schemas.microsoft.com/office/drawing/2014/main" xmlns="" id="{A0B4216F-93E5-4681-9A2E-7AAB30CD723E}"/>
               </a:ext>
             </a:extLst>
           </p:cNvPr>
@@ -965,7 +969,7 @@
           <p:cNvPr id="2" name="Title 1">
             <a:extLst>
               <a:ext uri="{FF2B5EF4-FFF2-40B4-BE49-F238E27FC236}">
-                <a16:creationId xmlns:a16="http://schemas.microsoft.com/office/drawing/2014/main" id="{C2B36304-E80B-4704-9227-BD4599ADE75F}"/>
+                <a16:creationId xmlns:a16="http://schemas.microsoft.com/office/drawing/2014/main" xmlns="" id="{C2B36304-E80B-4704-9227-BD4599ADE75F}"/>
               </a:ext>
             </a:extLst>
           </p:cNvPr>
@@ -1002,7 +1006,7 @@
           <p:cNvPr id="3" name="Text Placeholder 2">
             <a:extLst>
               <a:ext uri="{FF2B5EF4-FFF2-40B4-BE49-F238E27FC236}">
-                <a16:creationId xmlns:a16="http://schemas.microsoft.com/office/drawing/2014/main" id="{9B19717F-46B5-42C8-9AF4-8CD50FAF0FFD}"/>
+                <a16:creationId xmlns:a16="http://schemas.microsoft.com/office/drawing/2014/main" xmlns="" id="{9B19717F-46B5-42C8-9AF4-8CD50FAF0FFD}"/>
               </a:ext>
             </a:extLst>
           </p:cNvPr>
@@ -1127,7 +1131,7 @@
           <p:cNvPr id="4" name="Date Placeholder 3">
             <a:extLst>
               <a:ext uri="{FF2B5EF4-FFF2-40B4-BE49-F238E27FC236}">
-                <a16:creationId xmlns:a16="http://schemas.microsoft.com/office/drawing/2014/main" id="{D8C750D7-3EFB-401E-907E-37D0FE9BEFF5}"/>
+                <a16:creationId xmlns:a16="http://schemas.microsoft.com/office/drawing/2014/main" xmlns="" id="{D8C750D7-3EFB-401E-907E-37D0FE9BEFF5}"/>
               </a:ext>
             </a:extLst>
           </p:cNvPr>
@@ -1145,7 +1149,7 @@
           <a:p>
             <a:fld id="{EAA50B2D-1099-4D4A-84CF-763226D33A53}" type="datetimeFigureOut">
               <a:rPr lang="en-US" smtClean="0"/>
-              <a:t>2/28/2022</a:t>
+              <a:t>3/8/2022</a:t>
             </a:fld>
             <a:endParaRPr lang="en-US"/>
           </a:p>
@@ -1156,7 +1160,7 @@
           <p:cNvPr id="5" name="Footer Placeholder 4">
             <a:extLst>
               <a:ext uri="{FF2B5EF4-FFF2-40B4-BE49-F238E27FC236}">
-                <a16:creationId xmlns:a16="http://schemas.microsoft.com/office/drawing/2014/main" id="{0F880988-D94C-4A9E-A2C2-2D3BB2C809D1}"/>
+                <a16:creationId xmlns:a16="http://schemas.microsoft.com/office/drawing/2014/main" xmlns="" id="{0F880988-D94C-4A9E-A2C2-2D3BB2C809D1}"/>
               </a:ext>
             </a:extLst>
           </p:cNvPr>
@@ -1181,7 +1185,7 @@
           <p:cNvPr id="6" name="Slide Number Placeholder 5">
             <a:extLst>
               <a:ext uri="{FF2B5EF4-FFF2-40B4-BE49-F238E27FC236}">
-                <a16:creationId xmlns:a16="http://schemas.microsoft.com/office/drawing/2014/main" id="{E4F98BA4-4ADB-402F-B38A-711911A55244}"/>
+                <a16:creationId xmlns:a16="http://schemas.microsoft.com/office/drawing/2014/main" xmlns="" id="{E4F98BA4-4ADB-402F-B38A-711911A55244}"/>
               </a:ext>
             </a:extLst>
           </p:cNvPr>
@@ -1240,7 +1244,7 @@
           <p:cNvPr id="2" name="Title 1">
             <a:extLst>
               <a:ext uri="{FF2B5EF4-FFF2-40B4-BE49-F238E27FC236}">
-                <a16:creationId xmlns:a16="http://schemas.microsoft.com/office/drawing/2014/main" id="{D4FC2318-BD94-462B-A8F1-9B236BA1E906}"/>
+                <a16:creationId xmlns:a16="http://schemas.microsoft.com/office/drawing/2014/main" xmlns="" id="{D4FC2318-BD94-462B-A8F1-9B236BA1E906}"/>
               </a:ext>
             </a:extLst>
           </p:cNvPr>
@@ -1268,7 +1272,7 @@
           <p:cNvPr id="3" name="Content Placeholder 2">
             <a:extLst>
               <a:ext uri="{FF2B5EF4-FFF2-40B4-BE49-F238E27FC236}">
-                <a16:creationId xmlns:a16="http://schemas.microsoft.com/office/drawing/2014/main" id="{1F561BF1-D67C-4FE9-91D1-3FFBD3401FA3}"/>
+                <a16:creationId xmlns:a16="http://schemas.microsoft.com/office/drawing/2014/main" xmlns="" id="{1F561BF1-D67C-4FE9-91D1-3FFBD3401FA3}"/>
               </a:ext>
             </a:extLst>
           </p:cNvPr>
@@ -1330,7 +1334,7 @@
           <p:cNvPr id="4" name="Content Placeholder 3">
             <a:extLst>
               <a:ext uri="{FF2B5EF4-FFF2-40B4-BE49-F238E27FC236}">
-                <a16:creationId xmlns:a16="http://schemas.microsoft.com/office/drawing/2014/main" id="{281286E1-FCED-4B4D-8988-A532D4273001}"/>
+                <a16:creationId xmlns:a16="http://schemas.microsoft.com/office/drawing/2014/main" xmlns="" id="{281286E1-FCED-4B4D-8988-A532D4273001}"/>
               </a:ext>
             </a:extLst>
           </p:cNvPr>
@@ -1392,7 +1396,7 @@
           <p:cNvPr id="5" name="Date Placeholder 4">
             <a:extLst>
               <a:ext uri="{FF2B5EF4-FFF2-40B4-BE49-F238E27FC236}">
-                <a16:creationId xmlns:a16="http://schemas.microsoft.com/office/drawing/2014/main" id="{88FEED14-AED0-4C3E-BE8D-54C9B0804238}"/>
+                <a16:creationId xmlns:a16="http://schemas.microsoft.com/office/drawing/2014/main" xmlns="" id="{88FEED14-AED0-4C3E-BE8D-54C9B0804238}"/>
               </a:ext>
             </a:extLst>
           </p:cNvPr>
@@ -1410,7 +1414,7 @@
           <a:p>
             <a:fld id="{EAA50B2D-1099-4D4A-84CF-763226D33A53}" type="datetimeFigureOut">
               <a:rPr lang="en-US" smtClean="0"/>
-              <a:t>2/28/2022</a:t>
+              <a:t>3/8/2022</a:t>
             </a:fld>
             <a:endParaRPr lang="en-US"/>
           </a:p>
@@ -1421,7 +1425,7 @@
           <p:cNvPr id="6" name="Footer Placeholder 5">
             <a:extLst>
               <a:ext uri="{FF2B5EF4-FFF2-40B4-BE49-F238E27FC236}">
-                <a16:creationId xmlns:a16="http://schemas.microsoft.com/office/drawing/2014/main" id="{D292634D-AAE3-4EB7-8279-598A685C5CDB}"/>
+                <a16:creationId xmlns:a16="http://schemas.microsoft.com/office/drawing/2014/main" xmlns="" id="{D292634D-AAE3-4EB7-8279-598A685C5CDB}"/>
               </a:ext>
             </a:extLst>
           </p:cNvPr>
@@ -1446,7 +1450,7 @@
           <p:cNvPr id="7" name="Slide Number Placeholder 6">
             <a:extLst>
               <a:ext uri="{FF2B5EF4-FFF2-40B4-BE49-F238E27FC236}">
-                <a16:creationId xmlns:a16="http://schemas.microsoft.com/office/drawing/2014/main" id="{875B3F94-30E3-4BAF-969B-9E4F986B3298}"/>
+                <a16:creationId xmlns:a16="http://schemas.microsoft.com/office/drawing/2014/main" xmlns="" id="{875B3F94-30E3-4BAF-969B-9E4F986B3298}"/>
               </a:ext>
             </a:extLst>
           </p:cNvPr>
@@ -1505,7 +1509,7 @@
           <p:cNvPr id="2" name="Title 1">
             <a:extLst>
               <a:ext uri="{FF2B5EF4-FFF2-40B4-BE49-F238E27FC236}">
-                <a16:creationId xmlns:a16="http://schemas.microsoft.com/office/drawing/2014/main" id="{32455E56-C711-4A5F-85EF-EC6BC0DAE32D}"/>
+                <a16:creationId xmlns:a16="http://schemas.microsoft.com/office/drawing/2014/main" xmlns="" id="{32455E56-C711-4A5F-85EF-EC6BC0DAE32D}"/>
               </a:ext>
             </a:extLst>
           </p:cNvPr>
@@ -1538,7 +1542,7 @@
           <p:cNvPr id="3" name="Text Placeholder 2">
             <a:extLst>
               <a:ext uri="{FF2B5EF4-FFF2-40B4-BE49-F238E27FC236}">
-                <a16:creationId xmlns:a16="http://schemas.microsoft.com/office/drawing/2014/main" id="{25DF1123-BF5C-4C5B-966A-BCAA672D30D8}"/>
+                <a16:creationId xmlns:a16="http://schemas.microsoft.com/office/drawing/2014/main" xmlns="" id="{25DF1123-BF5C-4C5B-966A-BCAA672D30D8}"/>
               </a:ext>
             </a:extLst>
           </p:cNvPr>
@@ -1609,7 +1613,7 @@
           <p:cNvPr id="4" name="Content Placeholder 3">
             <a:extLst>
               <a:ext uri="{FF2B5EF4-FFF2-40B4-BE49-F238E27FC236}">
-                <a16:creationId xmlns:a16="http://schemas.microsoft.com/office/drawing/2014/main" id="{41915B5C-BAFB-496C-A48F-10213E28D518}"/>
+                <a16:creationId xmlns:a16="http://schemas.microsoft.com/office/drawing/2014/main" xmlns="" id="{41915B5C-BAFB-496C-A48F-10213E28D518}"/>
               </a:ext>
             </a:extLst>
           </p:cNvPr>
@@ -1671,7 +1675,7 @@
           <p:cNvPr id="5" name="Text Placeholder 4">
             <a:extLst>
               <a:ext uri="{FF2B5EF4-FFF2-40B4-BE49-F238E27FC236}">
-                <a16:creationId xmlns:a16="http://schemas.microsoft.com/office/drawing/2014/main" id="{DC1B892F-BCB3-4F60-A4AC-A65D21D34008}"/>
+                <a16:creationId xmlns:a16="http://schemas.microsoft.com/office/drawing/2014/main" xmlns="" id="{DC1B892F-BCB3-4F60-A4AC-A65D21D34008}"/>
               </a:ext>
             </a:extLst>
           </p:cNvPr>
@@ -1742,7 +1746,7 @@
           <p:cNvPr id="6" name="Content Placeholder 5">
             <a:extLst>
               <a:ext uri="{FF2B5EF4-FFF2-40B4-BE49-F238E27FC236}">
-                <a16:creationId xmlns:a16="http://schemas.microsoft.com/office/drawing/2014/main" id="{AD84EFB1-D7B2-46BB-9986-880661B09BE6}"/>
+                <a16:creationId xmlns:a16="http://schemas.microsoft.com/office/drawing/2014/main" xmlns="" id="{AD84EFB1-D7B2-46BB-9986-880661B09BE6}"/>
               </a:ext>
             </a:extLst>
           </p:cNvPr>
@@ -1804,7 +1808,7 @@
           <p:cNvPr id="7" name="Date Placeholder 6">
             <a:extLst>
               <a:ext uri="{FF2B5EF4-FFF2-40B4-BE49-F238E27FC236}">
-                <a16:creationId xmlns:a16="http://schemas.microsoft.com/office/drawing/2014/main" id="{1D818B26-0597-4DF5-9763-321830FE471F}"/>
+                <a16:creationId xmlns:a16="http://schemas.microsoft.com/office/drawing/2014/main" xmlns="" id="{1D818B26-0597-4DF5-9763-321830FE471F}"/>
               </a:ext>
             </a:extLst>
           </p:cNvPr>
@@ -1822,7 +1826,7 @@
           <a:p>
             <a:fld id="{EAA50B2D-1099-4D4A-84CF-763226D33A53}" type="datetimeFigureOut">
               <a:rPr lang="en-US" smtClean="0"/>
-              <a:t>2/28/2022</a:t>
+              <a:t>3/8/2022</a:t>
             </a:fld>
             <a:endParaRPr lang="en-US"/>
           </a:p>
@@ -1833,7 +1837,7 @@
           <p:cNvPr id="8" name="Footer Placeholder 7">
             <a:extLst>
               <a:ext uri="{FF2B5EF4-FFF2-40B4-BE49-F238E27FC236}">
-                <a16:creationId xmlns:a16="http://schemas.microsoft.com/office/drawing/2014/main" id="{D9C1177A-261A-4C2B-83C9-4D63FD97AEAC}"/>
+                <a16:creationId xmlns:a16="http://schemas.microsoft.com/office/drawing/2014/main" xmlns="" id="{D9C1177A-261A-4C2B-83C9-4D63FD97AEAC}"/>
               </a:ext>
             </a:extLst>
           </p:cNvPr>
@@ -1858,7 +1862,7 @@
           <p:cNvPr id="9" name="Slide Number Placeholder 8">
             <a:extLst>
               <a:ext uri="{FF2B5EF4-FFF2-40B4-BE49-F238E27FC236}">
-                <a16:creationId xmlns:a16="http://schemas.microsoft.com/office/drawing/2014/main" id="{FADD913E-0C98-4611-94C9-ED4F4D325163}"/>
+                <a16:creationId xmlns:a16="http://schemas.microsoft.com/office/drawing/2014/main" xmlns="" id="{FADD913E-0C98-4611-94C9-ED4F4D325163}"/>
               </a:ext>
             </a:extLst>
           </p:cNvPr>
@@ -1917,7 +1921,7 @@
           <p:cNvPr id="2" name="Title 1">
             <a:extLst>
               <a:ext uri="{FF2B5EF4-FFF2-40B4-BE49-F238E27FC236}">
-                <a16:creationId xmlns:a16="http://schemas.microsoft.com/office/drawing/2014/main" id="{BC618DB2-18FB-4DAA-8360-91C5CE97A317}"/>
+                <a16:creationId xmlns:a16="http://schemas.microsoft.com/office/drawing/2014/main" xmlns="" id="{BC618DB2-18FB-4DAA-8360-91C5CE97A317}"/>
               </a:ext>
             </a:extLst>
           </p:cNvPr>
@@ -1945,7 +1949,7 @@
           <p:cNvPr id="3" name="Date Placeholder 2">
             <a:extLst>
               <a:ext uri="{FF2B5EF4-FFF2-40B4-BE49-F238E27FC236}">
-                <a16:creationId xmlns:a16="http://schemas.microsoft.com/office/drawing/2014/main" id="{192A9BD7-130F-48E4-93A8-D36FCFE94593}"/>
+                <a16:creationId xmlns:a16="http://schemas.microsoft.com/office/drawing/2014/main" xmlns="" id="{192A9BD7-130F-48E4-93A8-D36FCFE94593}"/>
               </a:ext>
             </a:extLst>
           </p:cNvPr>
@@ -1963,7 +1967,7 @@
           <a:p>
             <a:fld id="{EAA50B2D-1099-4D4A-84CF-763226D33A53}" type="datetimeFigureOut">
               <a:rPr lang="en-US" smtClean="0"/>
-              <a:t>2/28/2022</a:t>
+              <a:t>3/8/2022</a:t>
             </a:fld>
             <a:endParaRPr lang="en-US"/>
           </a:p>
@@ -1974,7 +1978,7 @@
           <p:cNvPr id="4" name="Footer Placeholder 3">
             <a:extLst>
               <a:ext uri="{FF2B5EF4-FFF2-40B4-BE49-F238E27FC236}">
-                <a16:creationId xmlns:a16="http://schemas.microsoft.com/office/drawing/2014/main" id="{321DA2C5-31F6-4360-99A4-64DF94EE1E3E}"/>
+                <a16:creationId xmlns:a16="http://schemas.microsoft.com/office/drawing/2014/main" xmlns="" id="{321DA2C5-31F6-4360-99A4-64DF94EE1E3E}"/>
               </a:ext>
             </a:extLst>
           </p:cNvPr>
@@ -1999,7 +2003,7 @@
           <p:cNvPr id="5" name="Slide Number Placeholder 4">
             <a:extLst>
               <a:ext uri="{FF2B5EF4-FFF2-40B4-BE49-F238E27FC236}">
-                <a16:creationId xmlns:a16="http://schemas.microsoft.com/office/drawing/2014/main" id="{C7DED1C8-1F44-4931-95A5-4CFBF3193408}"/>
+                <a16:creationId xmlns:a16="http://schemas.microsoft.com/office/drawing/2014/main" xmlns="" id="{C7DED1C8-1F44-4931-95A5-4CFBF3193408}"/>
               </a:ext>
             </a:extLst>
           </p:cNvPr>
@@ -2058,7 +2062,7 @@
           <p:cNvPr id="2" name="Date Placeholder 1">
             <a:extLst>
               <a:ext uri="{FF2B5EF4-FFF2-40B4-BE49-F238E27FC236}">
-                <a16:creationId xmlns:a16="http://schemas.microsoft.com/office/drawing/2014/main" id="{B3419324-B673-4C8A-9155-119D365D7D44}"/>
+                <a16:creationId xmlns:a16="http://schemas.microsoft.com/office/drawing/2014/main" xmlns="" id="{B3419324-B673-4C8A-9155-119D365D7D44}"/>
               </a:ext>
             </a:extLst>
           </p:cNvPr>
@@ -2076,7 +2080,7 @@
           <a:p>
             <a:fld id="{EAA50B2D-1099-4D4A-84CF-763226D33A53}" type="datetimeFigureOut">
               <a:rPr lang="en-US" smtClean="0"/>
-              <a:t>2/28/2022</a:t>
+              <a:t>3/8/2022</a:t>
             </a:fld>
             <a:endParaRPr lang="en-US"/>
           </a:p>
@@ -2087,7 +2091,7 @@
           <p:cNvPr id="3" name="Footer Placeholder 2">
             <a:extLst>
               <a:ext uri="{FF2B5EF4-FFF2-40B4-BE49-F238E27FC236}">
-                <a16:creationId xmlns:a16="http://schemas.microsoft.com/office/drawing/2014/main" id="{4B8F4D7D-D4E6-4D06-9A03-37964F0BCB35}"/>
+                <a16:creationId xmlns:a16="http://schemas.microsoft.com/office/drawing/2014/main" xmlns="" id="{4B8F4D7D-D4E6-4D06-9A03-37964F0BCB35}"/>
               </a:ext>
             </a:extLst>
           </p:cNvPr>
@@ -2112,7 +2116,7 @@
           <p:cNvPr id="4" name="Slide Number Placeholder 3">
             <a:extLst>
               <a:ext uri="{FF2B5EF4-FFF2-40B4-BE49-F238E27FC236}">
-                <a16:creationId xmlns:a16="http://schemas.microsoft.com/office/drawing/2014/main" id="{F4D247D1-B810-4644-8BB6-B41C28A33DB2}"/>
+                <a16:creationId xmlns:a16="http://schemas.microsoft.com/office/drawing/2014/main" xmlns="" id="{F4D247D1-B810-4644-8BB6-B41C28A33DB2}"/>
               </a:ext>
             </a:extLst>
           </p:cNvPr>
@@ -2171,7 +2175,7 @@
           <p:cNvPr id="2" name="Title 1">
             <a:extLst>
               <a:ext uri="{FF2B5EF4-FFF2-40B4-BE49-F238E27FC236}">
-                <a16:creationId xmlns:a16="http://schemas.microsoft.com/office/drawing/2014/main" id="{15AE3250-45A2-44A6-9723-89CD77361683}"/>
+                <a16:creationId xmlns:a16="http://schemas.microsoft.com/office/drawing/2014/main" xmlns="" id="{15AE3250-45A2-44A6-9723-89CD77361683}"/>
               </a:ext>
             </a:extLst>
           </p:cNvPr>
@@ -2208,7 +2212,7 @@
           <p:cNvPr id="3" name="Content Placeholder 2">
             <a:extLst>
               <a:ext uri="{FF2B5EF4-FFF2-40B4-BE49-F238E27FC236}">
-                <a16:creationId xmlns:a16="http://schemas.microsoft.com/office/drawing/2014/main" id="{3AB327E7-2A1B-487F-AC19-6ECF253EB86F}"/>
+                <a16:creationId xmlns:a16="http://schemas.microsoft.com/office/drawing/2014/main" xmlns="" id="{3AB327E7-2A1B-487F-AC19-6ECF253EB86F}"/>
               </a:ext>
             </a:extLst>
           </p:cNvPr>
@@ -2298,7 +2302,7 @@
           <p:cNvPr id="4" name="Text Placeholder 3">
             <a:extLst>
               <a:ext uri="{FF2B5EF4-FFF2-40B4-BE49-F238E27FC236}">
-                <a16:creationId xmlns:a16="http://schemas.microsoft.com/office/drawing/2014/main" id="{6C03DED6-2C9D-40B2-B0A4-37C78D0DF360}"/>
+                <a16:creationId xmlns:a16="http://schemas.microsoft.com/office/drawing/2014/main" xmlns="" id="{6C03DED6-2C9D-40B2-B0A4-37C78D0DF360}"/>
               </a:ext>
             </a:extLst>
           </p:cNvPr>
@@ -2369,7 +2373,7 @@
           <p:cNvPr id="5" name="Date Placeholder 4">
             <a:extLst>
               <a:ext uri="{FF2B5EF4-FFF2-40B4-BE49-F238E27FC236}">
-                <a16:creationId xmlns:a16="http://schemas.microsoft.com/office/drawing/2014/main" id="{A8CEB13A-79B9-466F-A689-70BF83431C7B}"/>
+                <a16:creationId xmlns:a16="http://schemas.microsoft.com/office/drawing/2014/main" xmlns="" id="{A8CEB13A-79B9-466F-A689-70BF83431C7B}"/>
               </a:ext>
             </a:extLst>
           </p:cNvPr>
@@ -2387,7 +2391,7 @@
           <a:p>
             <a:fld id="{EAA50B2D-1099-4D4A-84CF-763226D33A53}" type="datetimeFigureOut">
               <a:rPr lang="en-US" smtClean="0"/>
-              <a:t>2/28/2022</a:t>
+              <a:t>3/8/2022</a:t>
             </a:fld>
             <a:endParaRPr lang="en-US"/>
           </a:p>
@@ -2398,7 +2402,7 @@
           <p:cNvPr id="6" name="Footer Placeholder 5">
             <a:extLst>
               <a:ext uri="{FF2B5EF4-FFF2-40B4-BE49-F238E27FC236}">
-                <a16:creationId xmlns:a16="http://schemas.microsoft.com/office/drawing/2014/main" id="{EA9AED05-0E1A-449F-8CC5-B658366A9833}"/>
+                <a16:creationId xmlns:a16="http://schemas.microsoft.com/office/drawing/2014/main" xmlns="" id="{EA9AED05-0E1A-449F-8CC5-B658366A9833}"/>
               </a:ext>
             </a:extLst>
           </p:cNvPr>
@@ -2423,7 +2427,7 @@
           <p:cNvPr id="7" name="Slide Number Placeholder 6">
             <a:extLst>
               <a:ext uri="{FF2B5EF4-FFF2-40B4-BE49-F238E27FC236}">
-                <a16:creationId xmlns:a16="http://schemas.microsoft.com/office/drawing/2014/main" id="{6E61978B-15CB-4694-9975-C943237FBD16}"/>
+                <a16:creationId xmlns:a16="http://schemas.microsoft.com/office/drawing/2014/main" xmlns="" id="{6E61978B-15CB-4694-9975-C943237FBD16}"/>
               </a:ext>
             </a:extLst>
           </p:cNvPr>
@@ -2482,7 +2486,7 @@
           <p:cNvPr id="2" name="Title 1">
             <a:extLst>
               <a:ext uri="{FF2B5EF4-FFF2-40B4-BE49-F238E27FC236}">
-                <a16:creationId xmlns:a16="http://schemas.microsoft.com/office/drawing/2014/main" id="{D4A3446B-AE1B-434C-A2AE-3751B885FCCF}"/>
+                <a16:creationId xmlns:a16="http://schemas.microsoft.com/office/drawing/2014/main" xmlns="" id="{D4A3446B-AE1B-434C-A2AE-3751B885FCCF}"/>
               </a:ext>
             </a:extLst>
           </p:cNvPr>
@@ -2519,7 +2523,7 @@
           <p:cNvPr id="3" name="Picture Placeholder 2">
             <a:extLst>
               <a:ext uri="{FF2B5EF4-FFF2-40B4-BE49-F238E27FC236}">
-                <a16:creationId xmlns:a16="http://schemas.microsoft.com/office/drawing/2014/main" id="{F9706E78-1242-4BA1-B2F8-DBEA3E2A973E}"/>
+                <a16:creationId xmlns:a16="http://schemas.microsoft.com/office/drawing/2014/main" xmlns="" id="{F9706E78-1242-4BA1-B2F8-DBEA3E2A973E}"/>
               </a:ext>
             </a:extLst>
           </p:cNvPr>
@@ -2586,7 +2590,7 @@
           <p:cNvPr id="4" name="Text Placeholder 3">
             <a:extLst>
               <a:ext uri="{FF2B5EF4-FFF2-40B4-BE49-F238E27FC236}">
-                <a16:creationId xmlns:a16="http://schemas.microsoft.com/office/drawing/2014/main" id="{5F65BDBE-3135-47D6-ACB1-642FB485DA30}"/>
+                <a16:creationId xmlns:a16="http://schemas.microsoft.com/office/drawing/2014/main" xmlns="" id="{5F65BDBE-3135-47D6-ACB1-642FB485DA30}"/>
               </a:ext>
             </a:extLst>
           </p:cNvPr>
@@ -2657,7 +2661,7 @@
           <p:cNvPr id="5" name="Date Placeholder 4">
             <a:extLst>
               <a:ext uri="{FF2B5EF4-FFF2-40B4-BE49-F238E27FC236}">
-                <a16:creationId xmlns:a16="http://schemas.microsoft.com/office/drawing/2014/main" id="{C083E1DB-374D-46B9-8FE8-6A710E0015FE}"/>
+                <a16:creationId xmlns:a16="http://schemas.microsoft.com/office/drawing/2014/main" xmlns="" id="{C083E1DB-374D-46B9-8FE8-6A710E0015FE}"/>
               </a:ext>
             </a:extLst>
           </p:cNvPr>
@@ -2675,7 +2679,7 @@
           <a:p>
             <a:fld id="{EAA50B2D-1099-4D4A-84CF-763226D33A53}" type="datetimeFigureOut">
               <a:rPr lang="en-US" smtClean="0"/>
-              <a:t>2/28/2022</a:t>
+              <a:t>3/8/2022</a:t>
             </a:fld>
             <a:endParaRPr lang="en-US"/>
           </a:p>
@@ -2686,7 +2690,7 @@
           <p:cNvPr id="6" name="Footer Placeholder 5">
             <a:extLst>
               <a:ext uri="{FF2B5EF4-FFF2-40B4-BE49-F238E27FC236}">
-                <a16:creationId xmlns:a16="http://schemas.microsoft.com/office/drawing/2014/main" id="{69154990-CF32-4A93-8890-8367FDFCFDB2}"/>
+                <a16:creationId xmlns:a16="http://schemas.microsoft.com/office/drawing/2014/main" xmlns="" id="{69154990-CF32-4A93-8890-8367FDFCFDB2}"/>
               </a:ext>
             </a:extLst>
           </p:cNvPr>
@@ -2711,7 +2715,7 @@
           <p:cNvPr id="7" name="Slide Number Placeholder 6">
             <a:extLst>
               <a:ext uri="{FF2B5EF4-FFF2-40B4-BE49-F238E27FC236}">
-                <a16:creationId xmlns:a16="http://schemas.microsoft.com/office/drawing/2014/main" id="{0ED00F40-AB49-42AB-8A12-8838BB5C9479}"/>
+                <a16:creationId xmlns:a16="http://schemas.microsoft.com/office/drawing/2014/main" xmlns="" id="{0ED00F40-AB49-42AB-8A12-8838BB5C9479}"/>
               </a:ext>
             </a:extLst>
           </p:cNvPr>
@@ -2775,7 +2779,7 @@
           <p:cNvPr id="2" name="Title Placeholder 1">
             <a:extLst>
               <a:ext uri="{FF2B5EF4-FFF2-40B4-BE49-F238E27FC236}">
-                <a16:creationId xmlns:a16="http://schemas.microsoft.com/office/drawing/2014/main" id="{3C293650-B304-4F54-86C2-CB9AB0E01ACE}"/>
+                <a16:creationId xmlns:a16="http://schemas.microsoft.com/office/drawing/2014/main" xmlns="" id="{3C293650-B304-4F54-86C2-CB9AB0E01ACE}"/>
               </a:ext>
             </a:extLst>
           </p:cNvPr>
@@ -2813,7 +2817,7 @@
           <p:cNvPr id="3" name="Text Placeholder 2">
             <a:extLst>
               <a:ext uri="{FF2B5EF4-FFF2-40B4-BE49-F238E27FC236}">
-                <a16:creationId xmlns:a16="http://schemas.microsoft.com/office/drawing/2014/main" id="{0F94AEFA-3FB4-44CB-8FC3-665909F19B1B}"/>
+                <a16:creationId xmlns:a16="http://schemas.microsoft.com/office/drawing/2014/main" xmlns="" id="{0F94AEFA-3FB4-44CB-8FC3-665909F19B1B}"/>
               </a:ext>
             </a:extLst>
           </p:cNvPr>
@@ -2880,7 +2884,7 @@
           <p:cNvPr id="4" name="Date Placeholder 3">
             <a:extLst>
               <a:ext uri="{FF2B5EF4-FFF2-40B4-BE49-F238E27FC236}">
-                <a16:creationId xmlns:a16="http://schemas.microsoft.com/office/drawing/2014/main" id="{E6FBBCA1-D16D-4FEF-85C4-B458EBE96722}"/>
+                <a16:creationId xmlns:a16="http://schemas.microsoft.com/office/drawing/2014/main" xmlns="" id="{E6FBBCA1-D16D-4FEF-85C4-B458EBE96722}"/>
               </a:ext>
             </a:extLst>
           </p:cNvPr>
@@ -2916,7 +2920,7 @@
           <a:p>
             <a:fld id="{EAA50B2D-1099-4D4A-84CF-763226D33A53}" type="datetimeFigureOut">
               <a:rPr lang="en-US" smtClean="0"/>
-              <a:t>2/28/2022</a:t>
+              <a:t>3/8/2022</a:t>
             </a:fld>
             <a:endParaRPr lang="en-US"/>
           </a:p>
@@ -2927,7 +2931,7 @@
           <p:cNvPr id="5" name="Footer Placeholder 4">
             <a:extLst>
               <a:ext uri="{FF2B5EF4-FFF2-40B4-BE49-F238E27FC236}">
-                <a16:creationId xmlns:a16="http://schemas.microsoft.com/office/drawing/2014/main" id="{EB108423-2FD6-48CF-B529-AEE16E2EAAA1}"/>
+                <a16:creationId xmlns:a16="http://schemas.microsoft.com/office/drawing/2014/main" xmlns="" id="{EB108423-2FD6-48CF-B529-AEE16E2EAAA1}"/>
               </a:ext>
             </a:extLst>
           </p:cNvPr>
@@ -2970,7 +2974,7 @@
           <p:cNvPr id="6" name="Slide Number Placeholder 5">
             <a:extLst>
               <a:ext uri="{FF2B5EF4-FFF2-40B4-BE49-F238E27FC236}">
-                <a16:creationId xmlns:a16="http://schemas.microsoft.com/office/drawing/2014/main" id="{89FBC860-9EB4-41CC-8FA6-BB58944089D7}"/>
+                <a16:creationId xmlns:a16="http://schemas.microsoft.com/office/drawing/2014/main" xmlns="" id="{89FBC860-9EB4-41CC-8FA6-BB58944089D7}"/>
               </a:ext>
             </a:extLst>
           </p:cNvPr>
@@ -3338,7 +3342,7 @@
           <p:cNvPr id="2" name="Title 1">
             <a:extLst>
               <a:ext uri="{FF2B5EF4-FFF2-40B4-BE49-F238E27FC236}">
-                <a16:creationId xmlns:a16="http://schemas.microsoft.com/office/drawing/2014/main" id="{D44CBB88-75A0-46BE-A9D5-1302138C3289}"/>
+                <a16:creationId xmlns:a16="http://schemas.microsoft.com/office/drawing/2014/main" xmlns="" id="{D44CBB88-75A0-46BE-A9D5-1302138C3289}"/>
               </a:ext>
             </a:extLst>
           </p:cNvPr>
@@ -3373,7 +3377,7 @@
           <p:cNvPr id="3" name="Subtitle 2">
             <a:extLst>
               <a:ext uri="{FF2B5EF4-FFF2-40B4-BE49-F238E27FC236}">
-                <a16:creationId xmlns:a16="http://schemas.microsoft.com/office/drawing/2014/main" id="{572D7E2B-2D66-4A45-B7BD-8A0BC144AD36}"/>
+                <a16:creationId xmlns:a16="http://schemas.microsoft.com/office/drawing/2014/main" xmlns="" id="{572D7E2B-2D66-4A45-B7BD-8A0BC144AD36}"/>
               </a:ext>
             </a:extLst>
           </p:cNvPr>
@@ -3453,7 +3457,7 @@
           <p:cNvPr id="2" name="TextBox 1">
             <a:extLst>
               <a:ext uri="{FF2B5EF4-FFF2-40B4-BE49-F238E27FC236}">
-                <a16:creationId xmlns:a16="http://schemas.microsoft.com/office/drawing/2014/main" id="{1E9E0E37-71F7-4506-A4A0-38A592F50849}"/>
+                <a16:creationId xmlns:a16="http://schemas.microsoft.com/office/drawing/2014/main" xmlns="" id="{1E9E0E37-71F7-4506-A4A0-38A592F50849}"/>
               </a:ext>
             </a:extLst>
           </p:cNvPr>
@@ -3463,7 +3467,7 @@
         <p:spPr>
           <a:xfrm>
             <a:off x="622571" y="291830"/>
-            <a:ext cx="2615011" cy="584775"/>
+            <a:ext cx="2289794" cy="584775"/>
           </a:xfrm>
           <a:prstGeom prst="rect">
             <a:avLst/>
@@ -3477,36 +3481,45 @@
           <a:lstStyle/>
           <a:p>
             <a:r>
-              <a:rPr lang="en-US" sz="3200" b="1" dirty="0"/>
-              <a:t>Shot Location:</a:t>
-            </a:r>
+              <a:rPr lang="en-US" sz="3200" b="1" dirty="0" smtClean="0"/>
+              <a:t>Shot </a:t>
+            </a:r>
+            <a:r>
+              <a:rPr lang="en-US" sz="3200" b="1" dirty="0" err="1" smtClean="0"/>
+              <a:t>vs</a:t>
+            </a:r>
+            <a:r>
+              <a:rPr lang="en-US" sz="3200" b="1" dirty="0" smtClean="0"/>
+              <a:t> Goal</a:t>
+            </a:r>
+            <a:endParaRPr lang="en-US" sz="3200" b="1" dirty="0"/>
           </a:p>
         </p:txBody>
       </p:sp>
       <p:pic>
         <p:nvPicPr>
-          <p:cNvPr id="4" name="Picture 3">
-            <a:extLst>
-              <a:ext uri="{FF2B5EF4-FFF2-40B4-BE49-F238E27FC236}">
-                <a16:creationId xmlns:a16="http://schemas.microsoft.com/office/drawing/2014/main" id="{040BCDBE-40FF-4834-BE30-7D8CB8D373C1}"/>
-              </a:ext>
-            </a:extLst>
-          </p:cNvPr>
+          <p:cNvPr id="4" name="Picture 3"/>
           <p:cNvPicPr>
             <a:picLocks noChangeAspect="1"/>
           </p:cNvPicPr>
           <p:nvPr/>
         </p:nvPicPr>
         <p:blipFill>
-          <a:blip r:embed="rId2"/>
+          <a:blip r:embed="rId2" cstate="print">
+            <a:extLst>
+              <a:ext uri="{28A0092B-C50C-407E-A947-70E740481C1C}">
+                <a14:useLocalDpi xmlns:a14="http://schemas.microsoft.com/office/drawing/2010/main" val="0"/>
+              </a:ext>
+            </a:extLst>
+          </a:blip>
           <a:stretch>
             <a:fillRect/>
           </a:stretch>
         </p:blipFill>
         <p:spPr>
           <a:xfrm>
-            <a:off x="398671" y="944707"/>
-            <a:ext cx="5584334" cy="3450320"/>
+            <a:off x="622571" y="3857269"/>
+            <a:ext cx="4528853" cy="2797027"/>
           </a:xfrm>
           <a:prstGeom prst="rect">
             <a:avLst/>
@@ -3515,28 +3528,58 @@
       </p:pic>
       <p:pic>
         <p:nvPicPr>
-          <p:cNvPr id="5" name="Picture 4">
-            <a:extLst>
-              <a:ext uri="{FF2B5EF4-FFF2-40B4-BE49-F238E27FC236}">
-                <a16:creationId xmlns:a16="http://schemas.microsoft.com/office/drawing/2014/main" id="{8E86F2BE-527D-4151-A081-EE387B2797BD}"/>
-              </a:ext>
-            </a:extLst>
-          </p:cNvPr>
+          <p:cNvPr id="5" name="Picture 4"/>
           <p:cNvPicPr>
             <a:picLocks noChangeAspect="1"/>
           </p:cNvPicPr>
           <p:nvPr/>
         </p:nvPicPr>
         <p:blipFill>
-          <a:blip r:embed="rId3"/>
+          <a:blip r:embed="rId3" cstate="print">
+            <a:extLst>
+              <a:ext uri="{28A0092B-C50C-407E-A947-70E740481C1C}">
+                <a14:useLocalDpi xmlns:a14="http://schemas.microsoft.com/office/drawing/2010/main" val="0"/>
+              </a:ext>
+            </a:extLst>
+          </a:blip>
           <a:stretch>
             <a:fillRect/>
           </a:stretch>
         </p:blipFill>
         <p:spPr>
           <a:xfrm>
-            <a:off x="6267989" y="944707"/>
-            <a:ext cx="5584334" cy="3450320"/>
+            <a:off x="3736695" y="908033"/>
+            <a:ext cx="4775304" cy="2949236"/>
+          </a:xfrm>
+          <a:prstGeom prst="rect">
+            <a:avLst/>
+          </a:prstGeom>
+        </p:spPr>
+      </p:pic>
+      <p:pic>
+        <p:nvPicPr>
+          <p:cNvPr id="7" name="Picture 6"/>
+          <p:cNvPicPr>
+            <a:picLocks noChangeAspect="1"/>
+          </p:cNvPicPr>
+          <p:nvPr/>
+        </p:nvPicPr>
+        <p:blipFill>
+          <a:blip r:embed="rId4" cstate="print">
+            <a:extLst>
+              <a:ext uri="{28A0092B-C50C-407E-A947-70E740481C1C}">
+                <a14:useLocalDpi xmlns:a14="http://schemas.microsoft.com/office/drawing/2010/main" val="0"/>
+              </a:ext>
+            </a:extLst>
+          </a:blip>
+          <a:stretch>
+            <a:fillRect/>
+          </a:stretch>
+        </p:blipFill>
+        <p:spPr>
+          <a:xfrm>
+            <a:off x="7104778" y="3861906"/>
+            <a:ext cx="4521345" cy="2792390"/>
           </a:xfrm>
           <a:prstGeom prst="rect">
             <a:avLst/>
@@ -3546,7 +3589,7 @@
     </p:spTree>
     <p:extLst>
       <p:ext uri="{BB962C8B-B14F-4D97-AF65-F5344CB8AC3E}">
-        <p14:creationId xmlns:p14="http://schemas.microsoft.com/office/powerpoint/2010/main" val="2741190650"/>
+        <p14:creationId xmlns:p14="http://schemas.microsoft.com/office/powerpoint/2010/main" val="3327911083"/>
       </p:ext>
     </p:extLst>
   </p:cSld>
@@ -3573,137 +3616,12 @@
           <a:chExt cx="0" cy="0"/>
         </a:xfrm>
       </p:grpSpPr>
-      <p:sp>
-        <p:nvSpPr>
-          <p:cNvPr id="2" name="TextBox 1">
-            <a:extLst>
-              <a:ext uri="{FF2B5EF4-FFF2-40B4-BE49-F238E27FC236}">
-                <a16:creationId xmlns:a16="http://schemas.microsoft.com/office/drawing/2014/main" id="{510A2E78-C401-49F7-A22D-1DBEEDBCDE5A}"/>
-              </a:ext>
-            </a:extLst>
-          </p:cNvPr>
-          <p:cNvSpPr txBox="1"/>
-          <p:nvPr/>
-        </p:nvSpPr>
-        <p:spPr>
-          <a:xfrm>
-            <a:off x="612739" y="213172"/>
-            <a:ext cx="6066469" cy="584775"/>
-          </a:xfrm>
-          <a:prstGeom prst="rect">
-            <a:avLst/>
-          </a:prstGeom>
-          <a:noFill/>
-        </p:spPr>
-        <p:txBody>
-          <a:bodyPr wrap="none" rtlCol="0">
-            <a:spAutoFit/>
-          </a:bodyPr>
-          <a:lstStyle/>
-          <a:p>
-            <a:r>
-              <a:rPr lang="en-US" sz="3200" b="1" dirty="0"/>
-              <a:t>Location of Assists and Key Passes:</a:t>
-            </a:r>
-          </a:p>
-        </p:txBody>
-      </p:sp>
-      <p:pic>
-        <p:nvPicPr>
-          <p:cNvPr id="4" name="Picture 3">
-            <a:extLst>
-              <a:ext uri="{FF2B5EF4-FFF2-40B4-BE49-F238E27FC236}">
-                <a16:creationId xmlns:a16="http://schemas.microsoft.com/office/drawing/2014/main" id="{4C664DEA-0535-4B15-8BF8-D85C2590EE5B}"/>
-              </a:ext>
-            </a:extLst>
-          </p:cNvPr>
-          <p:cNvPicPr>
-            <a:picLocks noChangeAspect="1"/>
-          </p:cNvPicPr>
-          <p:nvPr/>
-        </p:nvPicPr>
-        <p:blipFill>
-          <a:blip r:embed="rId2"/>
-          <a:stretch>
-            <a:fillRect/>
-          </a:stretch>
-        </p:blipFill>
-        <p:spPr>
-          <a:xfrm>
-            <a:off x="420477" y="1038109"/>
-            <a:ext cx="5576378" cy="3445404"/>
-          </a:xfrm>
-          <a:prstGeom prst="rect">
-            <a:avLst/>
-          </a:prstGeom>
-        </p:spPr>
-      </p:pic>
-      <p:pic>
-        <p:nvPicPr>
-          <p:cNvPr id="6" name="Picture 5">
-            <a:extLst>
-              <a:ext uri="{FF2B5EF4-FFF2-40B4-BE49-F238E27FC236}">
-                <a16:creationId xmlns:a16="http://schemas.microsoft.com/office/drawing/2014/main" id="{B51DBB8D-10D3-4458-AC93-165018866315}"/>
-              </a:ext>
-            </a:extLst>
-          </p:cNvPr>
-          <p:cNvPicPr>
-            <a:picLocks noChangeAspect="1"/>
-          </p:cNvPicPr>
-          <p:nvPr/>
-        </p:nvPicPr>
-        <p:blipFill>
-          <a:blip r:embed="rId3"/>
-          <a:stretch>
-            <a:fillRect/>
-          </a:stretch>
-        </p:blipFill>
-        <p:spPr>
-          <a:xfrm>
-            <a:off x="6195147" y="1038108"/>
-            <a:ext cx="5576378" cy="3445404"/>
-          </a:xfrm>
-          <a:prstGeom prst="rect">
-            <a:avLst/>
-          </a:prstGeom>
-        </p:spPr>
-      </p:pic>
-    </p:spTree>
-    <p:extLst>
-      <p:ext uri="{BB962C8B-B14F-4D97-AF65-F5344CB8AC3E}">
-        <p14:creationId xmlns:p14="http://schemas.microsoft.com/office/powerpoint/2010/main" val="1062705968"/>
-      </p:ext>
-    </p:extLst>
-  </p:cSld>
-  <p:clrMapOvr>
-    <a:masterClrMapping/>
-  </p:clrMapOvr>
-</p:sld>
-</file>
-
-<file path=ppt/slides/slide12.xml><?xml version="1.0" encoding="utf-8"?>
-<p:sld xmlns:a="http://schemas.openxmlformats.org/drawingml/2006/main" xmlns:r="http://schemas.openxmlformats.org/officeDocument/2006/relationships" xmlns:p="http://schemas.openxmlformats.org/presentationml/2006/main">
-  <p:cSld>
-    <p:spTree>
-      <p:nvGrpSpPr>
-        <p:cNvPr id="1" name=""/>
-        <p:cNvGrpSpPr/>
-        <p:nvPr/>
-      </p:nvGrpSpPr>
-      <p:grpSpPr>
-        <a:xfrm>
-          <a:off x="0" y="0"/>
-          <a:ext cx="0" cy="0"/>
-          <a:chOff x="0" y="0"/>
-          <a:chExt cx="0" cy="0"/>
-        </a:xfrm>
-      </p:grpSpPr>
       <p:pic>
         <p:nvPicPr>
           <p:cNvPr id="2" name="Picture 1">
             <a:extLst>
               <a:ext uri="{FF2B5EF4-FFF2-40B4-BE49-F238E27FC236}">
-                <a16:creationId xmlns:a16="http://schemas.microsoft.com/office/drawing/2014/main" id="{632249DD-AD0D-4461-865C-3EE7DAB0C698}"/>
+                <a16:creationId xmlns:a16="http://schemas.microsoft.com/office/drawing/2014/main" xmlns="" id="{632249DD-AD0D-4461-865C-3EE7DAB0C698}"/>
               </a:ext>
             </a:extLst>
           </p:cNvPr>
@@ -3733,7 +3651,7 @@
           <p:cNvPr id="3" name="TextBox 2">
             <a:extLst>
               <a:ext uri="{FF2B5EF4-FFF2-40B4-BE49-F238E27FC236}">
-                <a16:creationId xmlns:a16="http://schemas.microsoft.com/office/drawing/2014/main" id="{A6FEC46B-0DCF-4A6F-AD09-6B8120C2F40F}"/>
+                <a16:creationId xmlns:a16="http://schemas.microsoft.com/office/drawing/2014/main" xmlns="" id="{A6FEC46B-0DCF-4A6F-AD09-6B8120C2F40F}"/>
               </a:ext>
             </a:extLst>
           </p:cNvPr>
@@ -3768,7 +3686,7 @@
           <p:cNvPr id="5" name="Picture 4">
             <a:extLst>
               <a:ext uri="{FF2B5EF4-FFF2-40B4-BE49-F238E27FC236}">
-                <a16:creationId xmlns:a16="http://schemas.microsoft.com/office/drawing/2014/main" id="{AD12B680-ADA2-435A-A8EC-D1167FC3D266}"/>
+                <a16:creationId xmlns:a16="http://schemas.microsoft.com/office/drawing/2014/main" xmlns="" id="{AD12B680-ADA2-435A-A8EC-D1167FC3D266}"/>
               </a:ext>
             </a:extLst>
           </p:cNvPr>
@@ -3806,7 +3724,7 @@
 </p:sld>
 </file>
 
-<file path=ppt/slides/slide13.xml><?xml version="1.0" encoding="utf-8"?>
+<file path=ppt/slides/slide12.xml><?xml version="1.0" encoding="utf-8"?>
 <p:sld xmlns:a="http://schemas.openxmlformats.org/drawingml/2006/main" xmlns:r="http://schemas.openxmlformats.org/officeDocument/2006/relationships" xmlns:p="http://schemas.openxmlformats.org/presentationml/2006/main">
   <p:cSld>
     <p:spTree>
@@ -3828,7 +3746,7 @@
           <p:cNvPr id="2" name="TextBox 1">
             <a:extLst>
               <a:ext uri="{FF2B5EF4-FFF2-40B4-BE49-F238E27FC236}">
-                <a16:creationId xmlns:a16="http://schemas.microsoft.com/office/drawing/2014/main" id="{403E5C2C-0B2A-40B0-B292-DFBFD50F3A00}"/>
+                <a16:creationId xmlns:a16="http://schemas.microsoft.com/office/drawing/2014/main" xmlns="" id="{403E5C2C-0B2A-40B0-B292-DFBFD50F3A00}"/>
               </a:ext>
             </a:extLst>
           </p:cNvPr>
@@ -3893,128 +3811,7 @@
           <p:cNvPr id="2" name="TextBox 1">
             <a:extLst>
               <a:ext uri="{FF2B5EF4-FFF2-40B4-BE49-F238E27FC236}">
-                <a16:creationId xmlns:a16="http://schemas.microsoft.com/office/drawing/2014/main" id="{E52715F9-5F16-40CE-A04B-CF83EA31FBBF}"/>
-              </a:ext>
-            </a:extLst>
-          </p:cNvPr>
-          <p:cNvSpPr txBox="1"/>
-          <p:nvPr/>
-        </p:nvSpPr>
-        <p:spPr>
-          <a:xfrm>
-            <a:off x="622571" y="291830"/>
-            <a:ext cx="2961260" cy="584775"/>
-          </a:xfrm>
-          <a:prstGeom prst="rect">
-            <a:avLst/>
-          </a:prstGeom>
-          <a:noFill/>
-        </p:spPr>
-        <p:txBody>
-          <a:bodyPr wrap="none" rtlCol="0">
-            <a:spAutoFit/>
-          </a:bodyPr>
-          <a:lstStyle/>
-          <a:p>
-            <a:r>
-              <a:rPr lang="en-US" sz="3200" b="1" dirty="0"/>
-              <a:t>Smart Question:</a:t>
-            </a:r>
-          </a:p>
-        </p:txBody>
-      </p:sp>
-      <p:sp>
-        <p:nvSpPr>
-          <p:cNvPr id="4" name="TextBox 3">
-            <a:extLst>
-              <a:ext uri="{FF2B5EF4-FFF2-40B4-BE49-F238E27FC236}">
-                <a16:creationId xmlns:a16="http://schemas.microsoft.com/office/drawing/2014/main" id="{B202A72A-202B-415D-B39F-6FE5382C4849}"/>
-              </a:ext>
-            </a:extLst>
-          </p:cNvPr>
-          <p:cNvSpPr txBox="1"/>
-          <p:nvPr/>
-        </p:nvSpPr>
-        <p:spPr>
-          <a:xfrm>
-            <a:off x="622570" y="2551837"/>
-            <a:ext cx="10972799" cy="1569660"/>
-          </a:xfrm>
-          <a:prstGeom prst="rect">
-            <a:avLst/>
-          </a:prstGeom>
-          <a:noFill/>
-        </p:spPr>
-        <p:txBody>
-          <a:bodyPr wrap="square">
-            <a:spAutoFit/>
-          </a:bodyPr>
-          <a:lstStyle/>
-          <a:p>
-            <a:r>
-              <a:rPr lang="en-US" sz="2400" dirty="0">
-                <a:effectLst/>
-                <a:latin typeface="Times New Roman" panose="02020603050405020304" pitchFamily="18" charset="0"/>
-                <a:ea typeface="Calibri" panose="020F0502020204030204" pitchFamily="34" charset="0"/>
-              </a:rPr>
-              <a:t>Based on the matches played during the 2017/2018 season for Europe’s top five leagues, the 2016 European Championship, and the 2018 World Cup, which match variables (ex: shot location, assist location, assist duration, </a:t>
-            </a:r>
-            <a:r>
-              <a:rPr lang="en-US" sz="2400" dirty="0" err="1">
-                <a:effectLst/>
-                <a:latin typeface="Times New Roman" panose="02020603050405020304" pitchFamily="18" charset="0"/>
-                <a:ea typeface="Calibri" panose="020F0502020204030204" pitchFamily="34" charset="0"/>
-              </a:rPr>
-              <a:t>etc</a:t>
-            </a:r>
-            <a:r>
-              <a:rPr lang="en-US" sz="2400" dirty="0">
-                <a:effectLst/>
-                <a:latin typeface="Times New Roman" panose="02020603050405020304" pitchFamily="18" charset="0"/>
-                <a:ea typeface="Calibri" panose="020F0502020204030204" pitchFamily="34" charset="0"/>
-              </a:rPr>
-              <a:t>…) result in the highest probability of a shot on goal being successful, result in a goal?</a:t>
-            </a:r>
-            <a:endParaRPr lang="en-US" sz="2400" dirty="0"/>
-          </a:p>
-        </p:txBody>
-      </p:sp>
-    </p:spTree>
-    <p:extLst>
-      <p:ext uri="{BB962C8B-B14F-4D97-AF65-F5344CB8AC3E}">
-        <p14:creationId xmlns:p14="http://schemas.microsoft.com/office/powerpoint/2010/main" val="2002504047"/>
-      </p:ext>
-    </p:extLst>
-  </p:cSld>
-  <p:clrMapOvr>
-    <a:masterClrMapping/>
-  </p:clrMapOvr>
-</p:sld>
-</file>
-
-<file path=ppt/slides/slide3.xml><?xml version="1.0" encoding="utf-8"?>
-<p:sld xmlns:a="http://schemas.openxmlformats.org/drawingml/2006/main" xmlns:r="http://schemas.openxmlformats.org/officeDocument/2006/relationships" xmlns:p="http://schemas.openxmlformats.org/presentationml/2006/main">
-  <p:cSld>
-    <p:spTree>
-      <p:nvGrpSpPr>
-        <p:cNvPr id="1" name=""/>
-        <p:cNvGrpSpPr/>
-        <p:nvPr/>
-      </p:nvGrpSpPr>
-      <p:grpSpPr>
-        <a:xfrm>
-          <a:off x="0" y="0"/>
-          <a:ext cx="0" cy="0"/>
-          <a:chOff x="0" y="0"/>
-          <a:chExt cx="0" cy="0"/>
-        </a:xfrm>
-      </p:grpSpPr>
-      <p:sp>
-        <p:nvSpPr>
-          <p:cNvPr id="2" name="TextBox 1">
-            <a:extLst>
-              <a:ext uri="{FF2B5EF4-FFF2-40B4-BE49-F238E27FC236}">
-                <a16:creationId xmlns:a16="http://schemas.microsoft.com/office/drawing/2014/main" id="{6E7F4BA1-E473-4273-8CC9-9A5E056A5317}"/>
+                <a16:creationId xmlns:a16="http://schemas.microsoft.com/office/drawing/2014/main" xmlns="" id="{6E7F4BA1-E473-4273-8CC9-9A5E056A5317}"/>
               </a:ext>
             </a:extLst>
           </p:cNvPr>
@@ -4049,7 +3846,7 @@
           <p:cNvPr id="3" name="TextBox 2">
             <a:extLst>
               <a:ext uri="{FF2B5EF4-FFF2-40B4-BE49-F238E27FC236}">
-                <a16:creationId xmlns:a16="http://schemas.microsoft.com/office/drawing/2014/main" id="{D1D0B343-EC0E-4FE5-8A83-97DB22C2B0FE}"/>
+                <a16:creationId xmlns:a16="http://schemas.microsoft.com/office/drawing/2014/main" xmlns="" id="{D1D0B343-EC0E-4FE5-8A83-97DB22C2B0FE}"/>
               </a:ext>
             </a:extLst>
           </p:cNvPr>
@@ -4084,7 +3881,7 @@
           <p:cNvPr id="4" name="TextBox 3">
             <a:extLst>
               <a:ext uri="{FF2B5EF4-FFF2-40B4-BE49-F238E27FC236}">
-                <a16:creationId xmlns:a16="http://schemas.microsoft.com/office/drawing/2014/main" id="{690C2353-02BE-4642-85DA-78D14370A180}"/>
+                <a16:creationId xmlns:a16="http://schemas.microsoft.com/office/drawing/2014/main" xmlns="" id="{690C2353-02BE-4642-85DA-78D14370A180}"/>
               </a:ext>
             </a:extLst>
           </p:cNvPr>
@@ -4119,7 +3916,7 @@
           <p:cNvPr id="5" name="TextBox 4">
             <a:extLst>
               <a:ext uri="{FF2B5EF4-FFF2-40B4-BE49-F238E27FC236}">
-                <a16:creationId xmlns:a16="http://schemas.microsoft.com/office/drawing/2014/main" id="{C2F07132-D448-4C15-9BFB-E87670F5C6FE}"/>
+                <a16:creationId xmlns:a16="http://schemas.microsoft.com/office/drawing/2014/main" xmlns="" id="{C2F07132-D448-4C15-9BFB-E87670F5C6FE}"/>
               </a:ext>
             </a:extLst>
           </p:cNvPr>
@@ -4154,7 +3951,7 @@
           <p:cNvPr id="6" name="Rectangle: Rounded Corners 5">
             <a:extLst>
               <a:ext uri="{FF2B5EF4-FFF2-40B4-BE49-F238E27FC236}">
-                <a16:creationId xmlns:a16="http://schemas.microsoft.com/office/drawing/2014/main" id="{CD032F2B-AAF7-4DFA-B443-0EC9EF882280}"/>
+                <a16:creationId xmlns:a16="http://schemas.microsoft.com/office/drawing/2014/main" xmlns="" id="{CD032F2B-AAF7-4DFA-B443-0EC9EF882280}"/>
               </a:ext>
             </a:extLst>
           </p:cNvPr>
@@ -4170,13 +3967,13 @@
             <a:avLst/>
           </a:prstGeom>
           <a:blipFill dpi="0" rotWithShape="1">
-            <a:blip r:embed="rId2">
+            <a:blip r:embed="rId2" cstate="print">
               <a:extLst>
                 <a:ext uri="{28A0092B-C50C-407E-A947-70E740481C1C}">
                   <a14:useLocalDpi xmlns:a14="http://schemas.microsoft.com/office/drawing/2010/main" val="0"/>
                 </a:ext>
                 <a:ext uri="{837473B0-CC2E-450A-ABE3-18F120FF3D39}">
-                  <a1611:picAttrSrcUrl xmlns:a1611="http://schemas.microsoft.com/office/drawing/2016/11/main" r:id="rId3"/>
+                  <a1611:picAttrSrcUrl xmlns:a1611="http://schemas.microsoft.com/office/drawing/2016/11/main" xmlns="" r:id="rId3"/>
                 </a:ext>
               </a:extLst>
             </a:blip>
@@ -4225,7 +4022,7 @@
           <p:cNvPr id="7" name="Rectangle: Rounded Corners 6">
             <a:extLst>
               <a:ext uri="{FF2B5EF4-FFF2-40B4-BE49-F238E27FC236}">
-                <a16:creationId xmlns:a16="http://schemas.microsoft.com/office/drawing/2014/main" id="{47E4AC7D-DEB2-41F7-BE71-AA4A58F596CC}"/>
+                <a16:creationId xmlns:a16="http://schemas.microsoft.com/office/drawing/2014/main" xmlns="" id="{47E4AC7D-DEB2-41F7-BE71-AA4A58F596CC}"/>
               </a:ext>
             </a:extLst>
           </p:cNvPr>
@@ -4247,7 +4044,7 @@
                   <a14:useLocalDpi xmlns:a14="http://schemas.microsoft.com/office/drawing/2010/main" val="0"/>
                 </a:ext>
                 <a:ext uri="{837473B0-CC2E-450A-ABE3-18F120FF3D39}">
-                  <a1611:picAttrSrcUrl xmlns:a1611="http://schemas.microsoft.com/office/drawing/2016/11/main" r:id="rId5"/>
+                  <a1611:picAttrSrcUrl xmlns:a1611="http://schemas.microsoft.com/office/drawing/2016/11/main" xmlns="" r:id="rId5"/>
                 </a:ext>
               </a:extLst>
             </a:blip>
@@ -4296,7 +4093,7 @@
           <p:cNvPr id="8" name="Rectangle: Rounded Corners 7">
             <a:extLst>
               <a:ext uri="{FF2B5EF4-FFF2-40B4-BE49-F238E27FC236}">
-                <a16:creationId xmlns:a16="http://schemas.microsoft.com/office/drawing/2014/main" id="{568076BC-B447-45DD-BFFC-78D227B93316}"/>
+                <a16:creationId xmlns:a16="http://schemas.microsoft.com/office/drawing/2014/main" xmlns="" id="{568076BC-B447-45DD-BFFC-78D227B93316}"/>
               </a:ext>
             </a:extLst>
           </p:cNvPr>
@@ -4312,13 +4109,13 @@
             <a:avLst/>
           </a:prstGeom>
           <a:blipFill dpi="0" rotWithShape="1">
-            <a:blip r:embed="rId6">
+            <a:blip r:embed="rId6" cstate="print">
               <a:extLst>
                 <a:ext uri="{28A0092B-C50C-407E-A947-70E740481C1C}">
                   <a14:useLocalDpi xmlns:a14="http://schemas.microsoft.com/office/drawing/2010/main" val="0"/>
                 </a:ext>
                 <a:ext uri="{837473B0-CC2E-450A-ABE3-18F120FF3D39}">
-                  <a1611:picAttrSrcUrl xmlns:a1611="http://schemas.microsoft.com/office/drawing/2016/11/main" r:id="rId7"/>
+                  <a1611:picAttrSrcUrl xmlns:a1611="http://schemas.microsoft.com/office/drawing/2016/11/main" xmlns="" r:id="rId7"/>
                 </a:ext>
               </a:extLst>
             </a:blip>
@@ -4367,7 +4164,7 @@
           <p:cNvPr id="9" name="Rectangle: Rounded Corners 8">
             <a:extLst>
               <a:ext uri="{FF2B5EF4-FFF2-40B4-BE49-F238E27FC236}">
-                <a16:creationId xmlns:a16="http://schemas.microsoft.com/office/drawing/2014/main" id="{A1CA3B86-5D81-4A62-90E7-6A692B96B779}"/>
+                <a16:creationId xmlns:a16="http://schemas.microsoft.com/office/drawing/2014/main" xmlns="" id="{A1CA3B86-5D81-4A62-90E7-6A692B96B779}"/>
               </a:ext>
             </a:extLst>
           </p:cNvPr>
@@ -4389,7 +4186,7 @@
                   <a14:useLocalDpi xmlns:a14="http://schemas.microsoft.com/office/drawing/2010/main" val="0"/>
                 </a:ext>
                 <a:ext uri="{837473B0-CC2E-450A-ABE3-18F120FF3D39}">
-                  <a1611:picAttrSrcUrl xmlns:a1611="http://schemas.microsoft.com/office/drawing/2016/11/main" r:id="rId9"/>
+                  <a1611:picAttrSrcUrl xmlns:a1611="http://schemas.microsoft.com/office/drawing/2016/11/main" xmlns="" r:id="rId9"/>
                 </a:ext>
               </a:extLst>
             </a:blip>
@@ -4438,7 +4235,7 @@
           <p:cNvPr id="10" name="Rectangle: Rounded Corners 9">
             <a:extLst>
               <a:ext uri="{FF2B5EF4-FFF2-40B4-BE49-F238E27FC236}">
-                <a16:creationId xmlns:a16="http://schemas.microsoft.com/office/drawing/2014/main" id="{861CD96B-41CB-4C57-AFE0-DFC936A9912D}"/>
+                <a16:creationId xmlns:a16="http://schemas.microsoft.com/office/drawing/2014/main" xmlns="" id="{861CD96B-41CB-4C57-AFE0-DFC936A9912D}"/>
               </a:ext>
             </a:extLst>
           </p:cNvPr>
@@ -4454,13 +4251,13 @@
             <a:avLst/>
           </a:prstGeom>
           <a:blipFill dpi="0" rotWithShape="1">
-            <a:blip r:embed="rId10">
+            <a:blip r:embed="rId10" cstate="print">
               <a:extLst>
                 <a:ext uri="{28A0092B-C50C-407E-A947-70E740481C1C}">
                   <a14:useLocalDpi xmlns:a14="http://schemas.microsoft.com/office/drawing/2010/main" val="0"/>
                 </a:ext>
                 <a:ext uri="{837473B0-CC2E-450A-ABE3-18F120FF3D39}">
-                  <a1611:picAttrSrcUrl xmlns:a1611="http://schemas.microsoft.com/office/drawing/2016/11/main" r:id="rId11"/>
+                  <a1611:picAttrSrcUrl xmlns:a1611="http://schemas.microsoft.com/office/drawing/2016/11/main" xmlns="" r:id="rId11"/>
                 </a:ext>
               </a:extLst>
             </a:blip>
@@ -4509,7 +4306,7 @@
           <p:cNvPr id="11" name="Rectangle: Rounded Corners 10">
             <a:extLst>
               <a:ext uri="{FF2B5EF4-FFF2-40B4-BE49-F238E27FC236}">
-                <a16:creationId xmlns:a16="http://schemas.microsoft.com/office/drawing/2014/main" id="{A049D730-445B-41E1-8D86-1636E53E014B}"/>
+                <a16:creationId xmlns:a16="http://schemas.microsoft.com/office/drawing/2014/main" xmlns="" id="{A049D730-445B-41E1-8D86-1636E53E014B}"/>
               </a:ext>
             </a:extLst>
           </p:cNvPr>
@@ -4525,13 +4322,13 @@
             <a:avLst/>
           </a:prstGeom>
           <a:blipFill dpi="0" rotWithShape="1">
-            <a:blip r:embed="rId12">
+            <a:blip r:embed="rId12" cstate="print">
               <a:extLst>
                 <a:ext uri="{28A0092B-C50C-407E-A947-70E740481C1C}">
                   <a14:useLocalDpi xmlns:a14="http://schemas.microsoft.com/office/drawing/2010/main" val="0"/>
                 </a:ext>
                 <a:ext uri="{837473B0-CC2E-450A-ABE3-18F120FF3D39}">
-                  <a1611:picAttrSrcUrl xmlns:a1611="http://schemas.microsoft.com/office/drawing/2016/11/main" r:id="rId13"/>
+                  <a1611:picAttrSrcUrl xmlns:a1611="http://schemas.microsoft.com/office/drawing/2016/11/main" xmlns="" r:id="rId13"/>
                 </a:ext>
               </a:extLst>
             </a:blip>
@@ -4580,7 +4377,7 @@
           <p:cNvPr id="12" name="Rectangle: Rounded Corners 11">
             <a:extLst>
               <a:ext uri="{FF2B5EF4-FFF2-40B4-BE49-F238E27FC236}">
-                <a16:creationId xmlns:a16="http://schemas.microsoft.com/office/drawing/2014/main" id="{8F16978B-7F5F-4B30-94AA-AC679B3F6D91}"/>
+                <a16:creationId xmlns:a16="http://schemas.microsoft.com/office/drawing/2014/main" xmlns="" id="{8F16978B-7F5F-4B30-94AA-AC679B3F6D91}"/>
               </a:ext>
             </a:extLst>
           </p:cNvPr>
@@ -4596,13 +4393,13 @@
             <a:avLst/>
           </a:prstGeom>
           <a:blipFill dpi="0" rotWithShape="1">
-            <a:blip r:embed="rId14">
+            <a:blip r:embed="rId14" cstate="print">
               <a:extLst>
                 <a:ext uri="{28A0092B-C50C-407E-A947-70E740481C1C}">
                   <a14:useLocalDpi xmlns:a14="http://schemas.microsoft.com/office/drawing/2010/main" val="0"/>
                 </a:ext>
                 <a:ext uri="{837473B0-CC2E-450A-ABE3-18F120FF3D39}">
-                  <a1611:picAttrSrcUrl xmlns:a1611="http://schemas.microsoft.com/office/drawing/2016/11/main" r:id="rId15"/>
+                  <a1611:picAttrSrcUrl xmlns:a1611="http://schemas.microsoft.com/office/drawing/2016/11/main" xmlns="" r:id="rId15"/>
                 </a:ext>
               </a:extLst>
             </a:blip>
@@ -4651,7 +4448,7 @@
           <p:cNvPr id="17" name="Group 16">
             <a:extLst>
               <a:ext uri="{FF2B5EF4-FFF2-40B4-BE49-F238E27FC236}">
-                <a16:creationId xmlns:a16="http://schemas.microsoft.com/office/drawing/2014/main" id="{C0ECEAF2-7E40-4D12-B72E-5EBB28CDE8E7}"/>
+                <a16:creationId xmlns:a16="http://schemas.microsoft.com/office/drawing/2014/main" xmlns="" id="{C0ECEAF2-7E40-4D12-B72E-5EBB28CDE8E7}"/>
               </a:ext>
             </a:extLst>
           </p:cNvPr>
@@ -4671,7 +4468,7 @@
             <p:cNvPr id="13" name="Rectangle: Rounded Corners 12">
               <a:extLst>
                 <a:ext uri="{FF2B5EF4-FFF2-40B4-BE49-F238E27FC236}">
-                  <a16:creationId xmlns:a16="http://schemas.microsoft.com/office/drawing/2014/main" id="{EEDEE5DB-1CA9-4D70-9B97-B9CF2D1B27C4}"/>
+                  <a16:creationId xmlns:a16="http://schemas.microsoft.com/office/drawing/2014/main" xmlns="" id="{EEDEE5DB-1CA9-4D70-9B97-B9CF2D1B27C4}"/>
                 </a:ext>
               </a:extLst>
             </p:cNvPr>
@@ -4719,7 +4516,7 @@
             <p:cNvPr id="14" name="TextBox 13">
               <a:extLst>
                 <a:ext uri="{FF2B5EF4-FFF2-40B4-BE49-F238E27FC236}">
-                  <a16:creationId xmlns:a16="http://schemas.microsoft.com/office/drawing/2014/main" id="{0119417F-7B8C-4457-B319-890D604EE57E}"/>
+                  <a16:creationId xmlns:a16="http://schemas.microsoft.com/office/drawing/2014/main" xmlns="" id="{0119417F-7B8C-4457-B319-890D604EE57E}"/>
                 </a:ext>
               </a:extLst>
             </p:cNvPr>
@@ -4754,7 +4551,7 @@
             <p:cNvPr id="15" name="Arrow: Down 14">
               <a:extLst>
                 <a:ext uri="{FF2B5EF4-FFF2-40B4-BE49-F238E27FC236}">
-                  <a16:creationId xmlns:a16="http://schemas.microsoft.com/office/drawing/2014/main" id="{BC337AC8-C6AB-459F-A43E-72D57EC55C57}"/>
+                  <a16:creationId xmlns:a16="http://schemas.microsoft.com/office/drawing/2014/main" xmlns="" id="{BC337AC8-C6AB-459F-A43E-72D57EC55C57}"/>
                 </a:ext>
               </a:extLst>
             </p:cNvPr>
@@ -4800,7 +4597,7 @@
             <p:cNvPr id="16" name="TextBox 15">
               <a:extLst>
                 <a:ext uri="{FF2B5EF4-FFF2-40B4-BE49-F238E27FC236}">
-                  <a16:creationId xmlns:a16="http://schemas.microsoft.com/office/drawing/2014/main" id="{7CC6FE22-9E6F-433A-83BF-C50D146F26C0}"/>
+                  <a16:creationId xmlns:a16="http://schemas.microsoft.com/office/drawing/2014/main" xmlns="" id="{7CC6FE22-9E6F-433A-83BF-C50D146F26C0}"/>
                 </a:ext>
               </a:extLst>
             </p:cNvPr>
@@ -4919,7 +4716,7 @@
 </p:sld>
 </file>
 
-<file path=ppt/slides/slide4.xml><?xml version="1.0" encoding="utf-8"?>
+<file path=ppt/slides/slide3.xml><?xml version="1.0" encoding="utf-8"?>
 <p:sld xmlns:a="http://schemas.openxmlformats.org/drawingml/2006/main" xmlns:r="http://schemas.openxmlformats.org/officeDocument/2006/relationships" xmlns:p="http://schemas.openxmlformats.org/presentationml/2006/main">
   <p:cSld>
     <p:spTree>
@@ -4941,7 +4738,7 @@
           <p:cNvPr id="2" name="TextBox 1">
             <a:extLst>
               <a:ext uri="{FF2B5EF4-FFF2-40B4-BE49-F238E27FC236}">
-                <a16:creationId xmlns:a16="http://schemas.microsoft.com/office/drawing/2014/main" id="{29D59A62-E70A-49C9-8024-60EF785867C5}"/>
+                <a16:creationId xmlns:a16="http://schemas.microsoft.com/office/drawing/2014/main" xmlns="" id="{29D59A62-E70A-49C9-8024-60EF785867C5}"/>
               </a:ext>
             </a:extLst>
           </p:cNvPr>
@@ -4976,7 +4773,7 @@
           <p:cNvPr id="32" name="Group 31">
             <a:extLst>
               <a:ext uri="{FF2B5EF4-FFF2-40B4-BE49-F238E27FC236}">
-                <a16:creationId xmlns:a16="http://schemas.microsoft.com/office/drawing/2014/main" id="{6AF792DB-27EB-4946-B828-927148B49FD0}"/>
+                <a16:creationId xmlns:a16="http://schemas.microsoft.com/office/drawing/2014/main" xmlns="" id="{6AF792DB-27EB-4946-B828-927148B49FD0}"/>
               </a:ext>
             </a:extLst>
           </p:cNvPr>
@@ -4996,7 +4793,7 @@
             <p:cNvPr id="9" name="Rectangle: Rounded Corners 8">
               <a:extLst>
                 <a:ext uri="{FF2B5EF4-FFF2-40B4-BE49-F238E27FC236}">
-                  <a16:creationId xmlns:a16="http://schemas.microsoft.com/office/drawing/2014/main" id="{F52F6091-4484-4315-8271-D721DF502976}"/>
+                  <a16:creationId xmlns:a16="http://schemas.microsoft.com/office/drawing/2014/main" xmlns="" id="{F52F6091-4484-4315-8271-D721DF502976}"/>
                 </a:ext>
               </a:extLst>
             </p:cNvPr>
@@ -5045,7 +4842,7 @@
             <p:cNvPr id="10" name="Rectangle: Rounded Corners 9">
               <a:extLst>
                 <a:ext uri="{FF2B5EF4-FFF2-40B4-BE49-F238E27FC236}">
-                  <a16:creationId xmlns:a16="http://schemas.microsoft.com/office/drawing/2014/main" id="{2310663F-5B97-40FF-920E-495A0A70C9B0}"/>
+                  <a16:creationId xmlns:a16="http://schemas.microsoft.com/office/drawing/2014/main" xmlns="" id="{2310663F-5B97-40FF-920E-495A0A70C9B0}"/>
                 </a:ext>
               </a:extLst>
             </p:cNvPr>
@@ -5094,7 +4891,7 @@
             <p:cNvPr id="11" name="Rectangle: Rounded Corners 10">
               <a:extLst>
                 <a:ext uri="{FF2B5EF4-FFF2-40B4-BE49-F238E27FC236}">
-                  <a16:creationId xmlns:a16="http://schemas.microsoft.com/office/drawing/2014/main" id="{F6C94883-0A49-40E2-8854-58DFD485F1D1}"/>
+                  <a16:creationId xmlns:a16="http://schemas.microsoft.com/office/drawing/2014/main" xmlns="" id="{F6C94883-0A49-40E2-8854-58DFD485F1D1}"/>
                 </a:ext>
               </a:extLst>
             </p:cNvPr>
@@ -5143,7 +4940,7 @@
             <p:cNvPr id="12" name="Rectangle: Rounded Corners 11">
               <a:extLst>
                 <a:ext uri="{FF2B5EF4-FFF2-40B4-BE49-F238E27FC236}">
-                  <a16:creationId xmlns:a16="http://schemas.microsoft.com/office/drawing/2014/main" id="{B6519773-B1CF-4173-87A4-FFCD3C1ACF40}"/>
+                  <a16:creationId xmlns:a16="http://schemas.microsoft.com/office/drawing/2014/main" xmlns="" id="{B6519773-B1CF-4173-87A4-FFCD3C1ACF40}"/>
                 </a:ext>
               </a:extLst>
             </p:cNvPr>
@@ -5192,7 +4989,7 @@
             <p:cNvPr id="13" name="Rectangle: Rounded Corners 12">
               <a:extLst>
                 <a:ext uri="{FF2B5EF4-FFF2-40B4-BE49-F238E27FC236}">
-                  <a16:creationId xmlns:a16="http://schemas.microsoft.com/office/drawing/2014/main" id="{A96382AD-81C6-45AA-A98B-2EADBADC8038}"/>
+                  <a16:creationId xmlns:a16="http://schemas.microsoft.com/office/drawing/2014/main" xmlns="" id="{A96382AD-81C6-45AA-A98B-2EADBADC8038}"/>
                 </a:ext>
               </a:extLst>
             </p:cNvPr>
@@ -5241,7 +5038,7 @@
             <p:cNvPr id="14" name="Rectangle: Rounded Corners 13">
               <a:extLst>
                 <a:ext uri="{FF2B5EF4-FFF2-40B4-BE49-F238E27FC236}">
-                  <a16:creationId xmlns:a16="http://schemas.microsoft.com/office/drawing/2014/main" id="{012613B4-719D-4D3F-BDEF-E322707EAB6E}"/>
+                  <a16:creationId xmlns:a16="http://schemas.microsoft.com/office/drawing/2014/main" xmlns="" id="{012613B4-719D-4D3F-BDEF-E322707EAB6E}"/>
                 </a:ext>
               </a:extLst>
             </p:cNvPr>
@@ -5290,7 +5087,7 @@
             <p:cNvPr id="15" name="Rectangle: Rounded Corners 14">
               <a:extLst>
                 <a:ext uri="{FF2B5EF4-FFF2-40B4-BE49-F238E27FC236}">
-                  <a16:creationId xmlns:a16="http://schemas.microsoft.com/office/drawing/2014/main" id="{8356F25B-8AAD-43B4-B975-53C23791B5D7}"/>
+                  <a16:creationId xmlns:a16="http://schemas.microsoft.com/office/drawing/2014/main" xmlns="" id="{8356F25B-8AAD-43B4-B975-53C23791B5D7}"/>
                 </a:ext>
               </a:extLst>
             </p:cNvPr>
@@ -5339,7 +5136,7 @@
             <p:cNvPr id="16" name="Rectangle: Rounded Corners 15">
               <a:extLst>
                 <a:ext uri="{FF2B5EF4-FFF2-40B4-BE49-F238E27FC236}">
-                  <a16:creationId xmlns:a16="http://schemas.microsoft.com/office/drawing/2014/main" id="{4E99C617-9232-4DA2-B034-4A528711A525}"/>
+                  <a16:creationId xmlns:a16="http://schemas.microsoft.com/office/drawing/2014/main" xmlns="" id="{4E99C617-9232-4DA2-B034-4A528711A525}"/>
                 </a:ext>
               </a:extLst>
             </p:cNvPr>
@@ -5388,7 +5185,7 @@
             <p:cNvPr id="17" name="Rectangle: Rounded Corners 16">
               <a:extLst>
                 <a:ext uri="{FF2B5EF4-FFF2-40B4-BE49-F238E27FC236}">
-                  <a16:creationId xmlns:a16="http://schemas.microsoft.com/office/drawing/2014/main" id="{BCDE1A8E-590A-4425-9156-81F19717AC97}"/>
+                  <a16:creationId xmlns:a16="http://schemas.microsoft.com/office/drawing/2014/main" xmlns="" id="{BCDE1A8E-590A-4425-9156-81F19717AC97}"/>
                 </a:ext>
               </a:extLst>
             </p:cNvPr>
@@ -5437,7 +5234,7 @@
             <p:cNvPr id="18" name="Rectangle: Rounded Corners 17">
               <a:extLst>
                 <a:ext uri="{FF2B5EF4-FFF2-40B4-BE49-F238E27FC236}">
-                  <a16:creationId xmlns:a16="http://schemas.microsoft.com/office/drawing/2014/main" id="{926D988B-A87F-472F-A083-9EDC41AD2618}"/>
+                  <a16:creationId xmlns:a16="http://schemas.microsoft.com/office/drawing/2014/main" xmlns="" id="{926D988B-A87F-472F-A083-9EDC41AD2618}"/>
                 </a:ext>
               </a:extLst>
             </p:cNvPr>
@@ -5486,7 +5283,7 @@
             <p:cNvPr id="19" name="Rectangle: Rounded Corners 18">
               <a:extLst>
                 <a:ext uri="{FF2B5EF4-FFF2-40B4-BE49-F238E27FC236}">
-                  <a16:creationId xmlns:a16="http://schemas.microsoft.com/office/drawing/2014/main" id="{F67626E6-E695-4A99-BC0E-35D1AB104E50}"/>
+                  <a16:creationId xmlns:a16="http://schemas.microsoft.com/office/drawing/2014/main" xmlns="" id="{F67626E6-E695-4A99-BC0E-35D1AB104E50}"/>
                 </a:ext>
               </a:extLst>
             </p:cNvPr>
@@ -5535,7 +5332,7 @@
             <p:cNvPr id="20" name="Rectangle: Rounded Corners 19">
               <a:extLst>
                 <a:ext uri="{FF2B5EF4-FFF2-40B4-BE49-F238E27FC236}">
-                  <a16:creationId xmlns:a16="http://schemas.microsoft.com/office/drawing/2014/main" id="{0BC1A1BA-133D-4651-89DD-A802FE7AD3B4}"/>
+                  <a16:creationId xmlns:a16="http://schemas.microsoft.com/office/drawing/2014/main" xmlns="" id="{0BC1A1BA-133D-4651-89DD-A802FE7AD3B4}"/>
                 </a:ext>
               </a:extLst>
             </p:cNvPr>
@@ -5584,7 +5381,7 @@
             <p:cNvPr id="21" name="Rectangle: Rounded Corners 20">
               <a:extLst>
                 <a:ext uri="{FF2B5EF4-FFF2-40B4-BE49-F238E27FC236}">
-                  <a16:creationId xmlns:a16="http://schemas.microsoft.com/office/drawing/2014/main" id="{7B782F5A-F16F-49BE-BCF3-F27C57FA816E}"/>
+                  <a16:creationId xmlns:a16="http://schemas.microsoft.com/office/drawing/2014/main" xmlns="" id="{7B782F5A-F16F-49BE-BCF3-F27C57FA816E}"/>
                 </a:ext>
               </a:extLst>
             </p:cNvPr>
@@ -5633,7 +5430,7 @@
             <p:cNvPr id="22" name="Rectangle: Rounded Corners 21">
               <a:extLst>
                 <a:ext uri="{FF2B5EF4-FFF2-40B4-BE49-F238E27FC236}">
-                  <a16:creationId xmlns:a16="http://schemas.microsoft.com/office/drawing/2014/main" id="{C8606D9E-3608-46EE-BD13-8A9EFA39A8E1}"/>
+                  <a16:creationId xmlns:a16="http://schemas.microsoft.com/office/drawing/2014/main" xmlns="" id="{C8606D9E-3608-46EE-BD13-8A9EFA39A8E1}"/>
                 </a:ext>
               </a:extLst>
             </p:cNvPr>
@@ -5685,7 +5482,7 @@
             <p:cNvPr id="23" name="Rectangle: Rounded Corners 22">
               <a:extLst>
                 <a:ext uri="{FF2B5EF4-FFF2-40B4-BE49-F238E27FC236}">
-                  <a16:creationId xmlns:a16="http://schemas.microsoft.com/office/drawing/2014/main" id="{E1196CC7-6DDA-404B-AF85-E65601277E39}"/>
+                  <a16:creationId xmlns:a16="http://schemas.microsoft.com/office/drawing/2014/main" xmlns="" id="{E1196CC7-6DDA-404B-AF85-E65601277E39}"/>
                 </a:ext>
               </a:extLst>
             </p:cNvPr>
@@ -5734,7 +5531,7 @@
             <p:cNvPr id="24" name="Rectangle: Rounded Corners 23">
               <a:extLst>
                 <a:ext uri="{FF2B5EF4-FFF2-40B4-BE49-F238E27FC236}">
-                  <a16:creationId xmlns:a16="http://schemas.microsoft.com/office/drawing/2014/main" id="{7FD89A78-7417-4FDF-912E-8B8C94A48710}"/>
+                  <a16:creationId xmlns:a16="http://schemas.microsoft.com/office/drawing/2014/main" xmlns="" id="{7FD89A78-7417-4FDF-912E-8B8C94A48710}"/>
                 </a:ext>
               </a:extLst>
             </p:cNvPr>
@@ -5783,7 +5580,7 @@
             <p:cNvPr id="27" name="TextBox 26">
               <a:extLst>
                 <a:ext uri="{FF2B5EF4-FFF2-40B4-BE49-F238E27FC236}">
-                  <a16:creationId xmlns:a16="http://schemas.microsoft.com/office/drawing/2014/main" id="{E4F407CD-2FFC-4252-A8CA-D6A66AFF85C8}"/>
+                  <a16:creationId xmlns:a16="http://schemas.microsoft.com/office/drawing/2014/main" xmlns="" id="{E4F407CD-2FFC-4252-A8CA-D6A66AFF85C8}"/>
                 </a:ext>
               </a:extLst>
             </p:cNvPr>
@@ -5842,7 +5639,7 @@
             <p:cNvPr id="28" name="TextBox 27">
               <a:extLst>
                 <a:ext uri="{FF2B5EF4-FFF2-40B4-BE49-F238E27FC236}">
-                  <a16:creationId xmlns:a16="http://schemas.microsoft.com/office/drawing/2014/main" id="{EB2DBE27-2CEF-41E4-AFA4-D2166DC3D968}"/>
+                  <a16:creationId xmlns:a16="http://schemas.microsoft.com/office/drawing/2014/main" xmlns="" id="{EB2DBE27-2CEF-41E4-AFA4-D2166DC3D968}"/>
                 </a:ext>
               </a:extLst>
             </p:cNvPr>
@@ -5901,7 +5698,7 @@
             <p:cNvPr id="29" name="TextBox 28">
               <a:extLst>
                 <a:ext uri="{FF2B5EF4-FFF2-40B4-BE49-F238E27FC236}">
-                  <a16:creationId xmlns:a16="http://schemas.microsoft.com/office/drawing/2014/main" id="{62513543-586A-4205-BD35-217991FCA942}"/>
+                  <a16:creationId xmlns:a16="http://schemas.microsoft.com/office/drawing/2014/main" xmlns="" id="{62513543-586A-4205-BD35-217991FCA942}"/>
                 </a:ext>
               </a:extLst>
             </p:cNvPr>
@@ -5960,7 +5757,7 @@
             <p:cNvPr id="31" name="TextBox 30">
               <a:extLst>
                 <a:ext uri="{FF2B5EF4-FFF2-40B4-BE49-F238E27FC236}">
-                  <a16:creationId xmlns:a16="http://schemas.microsoft.com/office/drawing/2014/main" id="{4685DCCA-212F-42B9-A547-BADB68EC13F9}"/>
+                  <a16:creationId xmlns:a16="http://schemas.microsoft.com/office/drawing/2014/main" xmlns="" id="{4685DCCA-212F-42B9-A547-BADB68EC13F9}"/>
                 </a:ext>
               </a:extLst>
             </p:cNvPr>
@@ -6028,7 +5825,7 @@
 </p:sld>
 </file>
 
-<file path=ppt/slides/slide5.xml><?xml version="1.0" encoding="utf-8"?>
+<file path=ppt/slides/slide4.xml><?xml version="1.0" encoding="utf-8"?>
 <p:sld xmlns:a="http://schemas.openxmlformats.org/drawingml/2006/main" xmlns:r="http://schemas.openxmlformats.org/officeDocument/2006/relationships" xmlns:p="http://schemas.openxmlformats.org/presentationml/2006/main">
   <p:cSld>
     <p:spTree>
@@ -6050,7 +5847,7 @@
           <p:cNvPr id="2" name="TextBox 1">
             <a:extLst>
               <a:ext uri="{FF2B5EF4-FFF2-40B4-BE49-F238E27FC236}">
-                <a16:creationId xmlns:a16="http://schemas.microsoft.com/office/drawing/2014/main" id="{29D59A62-E70A-49C9-8024-60EF785867C5}"/>
+                <a16:creationId xmlns:a16="http://schemas.microsoft.com/office/drawing/2014/main" xmlns="" id="{29D59A62-E70A-49C9-8024-60EF785867C5}"/>
               </a:ext>
             </a:extLst>
           </p:cNvPr>
@@ -6085,7 +5882,7 @@
           <p:cNvPr id="4" name="Group 3">
             <a:extLst>
               <a:ext uri="{FF2B5EF4-FFF2-40B4-BE49-F238E27FC236}">
-                <a16:creationId xmlns:a16="http://schemas.microsoft.com/office/drawing/2014/main" id="{B0F207C1-ADED-422B-8AD3-B6E8F0965A94}"/>
+                <a16:creationId xmlns:a16="http://schemas.microsoft.com/office/drawing/2014/main" xmlns="" id="{B0F207C1-ADED-422B-8AD3-B6E8F0965A94}"/>
               </a:ext>
             </a:extLst>
           </p:cNvPr>
@@ -6105,7 +5902,7 @@
             <p:cNvPr id="9" name="Rectangle: Rounded Corners 8">
               <a:extLst>
                 <a:ext uri="{FF2B5EF4-FFF2-40B4-BE49-F238E27FC236}">
-                  <a16:creationId xmlns:a16="http://schemas.microsoft.com/office/drawing/2014/main" id="{F52F6091-4484-4315-8271-D721DF502976}"/>
+                  <a16:creationId xmlns:a16="http://schemas.microsoft.com/office/drawing/2014/main" xmlns="" id="{F52F6091-4484-4315-8271-D721DF502976}"/>
                 </a:ext>
               </a:extLst>
             </p:cNvPr>
@@ -6162,7 +5959,7 @@
             <p:cNvPr id="10" name="Rectangle: Rounded Corners 9">
               <a:extLst>
                 <a:ext uri="{FF2B5EF4-FFF2-40B4-BE49-F238E27FC236}">
-                  <a16:creationId xmlns:a16="http://schemas.microsoft.com/office/drawing/2014/main" id="{2310663F-5B97-40FF-920E-495A0A70C9B0}"/>
+                  <a16:creationId xmlns:a16="http://schemas.microsoft.com/office/drawing/2014/main" xmlns="" id="{2310663F-5B97-40FF-920E-495A0A70C9B0}"/>
                 </a:ext>
               </a:extLst>
             </p:cNvPr>
@@ -6211,7 +6008,7 @@
             <p:cNvPr id="11" name="Rectangle: Rounded Corners 10">
               <a:extLst>
                 <a:ext uri="{FF2B5EF4-FFF2-40B4-BE49-F238E27FC236}">
-                  <a16:creationId xmlns:a16="http://schemas.microsoft.com/office/drawing/2014/main" id="{F6C94883-0A49-40E2-8854-58DFD485F1D1}"/>
+                  <a16:creationId xmlns:a16="http://schemas.microsoft.com/office/drawing/2014/main" xmlns="" id="{F6C94883-0A49-40E2-8854-58DFD485F1D1}"/>
                 </a:ext>
               </a:extLst>
             </p:cNvPr>
@@ -6260,7 +6057,7 @@
             <p:cNvPr id="12" name="Rectangle: Rounded Corners 11">
               <a:extLst>
                 <a:ext uri="{FF2B5EF4-FFF2-40B4-BE49-F238E27FC236}">
-                  <a16:creationId xmlns:a16="http://schemas.microsoft.com/office/drawing/2014/main" id="{B6519773-B1CF-4173-87A4-FFCD3C1ACF40}"/>
+                  <a16:creationId xmlns:a16="http://schemas.microsoft.com/office/drawing/2014/main" xmlns="" id="{B6519773-B1CF-4173-87A4-FFCD3C1ACF40}"/>
                 </a:ext>
               </a:extLst>
             </p:cNvPr>
@@ -6317,7 +6114,7 @@
             <p:cNvPr id="13" name="Rectangle: Rounded Corners 12">
               <a:extLst>
                 <a:ext uri="{FF2B5EF4-FFF2-40B4-BE49-F238E27FC236}">
-                  <a16:creationId xmlns:a16="http://schemas.microsoft.com/office/drawing/2014/main" id="{A96382AD-81C6-45AA-A98B-2EADBADC8038}"/>
+                  <a16:creationId xmlns:a16="http://schemas.microsoft.com/office/drawing/2014/main" xmlns="" id="{A96382AD-81C6-45AA-A98B-2EADBADC8038}"/>
                 </a:ext>
               </a:extLst>
             </p:cNvPr>
@@ -6366,7 +6163,7 @@
             <p:cNvPr id="14" name="Rectangle: Rounded Corners 13">
               <a:extLst>
                 <a:ext uri="{FF2B5EF4-FFF2-40B4-BE49-F238E27FC236}">
-                  <a16:creationId xmlns:a16="http://schemas.microsoft.com/office/drawing/2014/main" id="{012613B4-719D-4D3F-BDEF-E322707EAB6E}"/>
+                  <a16:creationId xmlns:a16="http://schemas.microsoft.com/office/drawing/2014/main" xmlns="" id="{012613B4-719D-4D3F-BDEF-E322707EAB6E}"/>
                 </a:ext>
               </a:extLst>
             </p:cNvPr>
@@ -6415,7 +6212,7 @@
             <p:cNvPr id="15" name="Rectangle: Rounded Corners 14">
               <a:extLst>
                 <a:ext uri="{FF2B5EF4-FFF2-40B4-BE49-F238E27FC236}">
-                  <a16:creationId xmlns:a16="http://schemas.microsoft.com/office/drawing/2014/main" id="{8356F25B-8AAD-43B4-B975-53C23791B5D7}"/>
+                  <a16:creationId xmlns:a16="http://schemas.microsoft.com/office/drawing/2014/main" xmlns="" id="{8356F25B-8AAD-43B4-B975-53C23791B5D7}"/>
                 </a:ext>
               </a:extLst>
             </p:cNvPr>
@@ -6464,7 +6261,7 @@
             <p:cNvPr id="16" name="Rectangle: Rounded Corners 15">
               <a:extLst>
                 <a:ext uri="{FF2B5EF4-FFF2-40B4-BE49-F238E27FC236}">
-                  <a16:creationId xmlns:a16="http://schemas.microsoft.com/office/drawing/2014/main" id="{4E99C617-9232-4DA2-B034-4A528711A525}"/>
+                  <a16:creationId xmlns:a16="http://schemas.microsoft.com/office/drawing/2014/main" xmlns="" id="{4E99C617-9232-4DA2-B034-4A528711A525}"/>
                 </a:ext>
               </a:extLst>
             </p:cNvPr>
@@ -6521,7 +6318,7 @@
             <p:cNvPr id="17" name="Rectangle: Rounded Corners 16">
               <a:extLst>
                 <a:ext uri="{FF2B5EF4-FFF2-40B4-BE49-F238E27FC236}">
-                  <a16:creationId xmlns:a16="http://schemas.microsoft.com/office/drawing/2014/main" id="{BCDE1A8E-590A-4425-9156-81F19717AC97}"/>
+                  <a16:creationId xmlns:a16="http://schemas.microsoft.com/office/drawing/2014/main" xmlns="" id="{BCDE1A8E-590A-4425-9156-81F19717AC97}"/>
                 </a:ext>
               </a:extLst>
             </p:cNvPr>
@@ -6575,7 +6372,7 @@
             <p:cNvPr id="18" name="Rectangle: Rounded Corners 17">
               <a:extLst>
                 <a:ext uri="{FF2B5EF4-FFF2-40B4-BE49-F238E27FC236}">
-                  <a16:creationId xmlns:a16="http://schemas.microsoft.com/office/drawing/2014/main" id="{926D988B-A87F-472F-A083-9EDC41AD2618}"/>
+                  <a16:creationId xmlns:a16="http://schemas.microsoft.com/office/drawing/2014/main" xmlns="" id="{926D988B-A87F-472F-A083-9EDC41AD2618}"/>
                 </a:ext>
               </a:extLst>
             </p:cNvPr>
@@ -6624,7 +6421,7 @@
             <p:cNvPr id="19" name="Rectangle: Rounded Corners 18">
               <a:extLst>
                 <a:ext uri="{FF2B5EF4-FFF2-40B4-BE49-F238E27FC236}">
-                  <a16:creationId xmlns:a16="http://schemas.microsoft.com/office/drawing/2014/main" id="{F67626E6-E695-4A99-BC0E-35D1AB104E50}"/>
+                  <a16:creationId xmlns:a16="http://schemas.microsoft.com/office/drawing/2014/main" xmlns="" id="{F67626E6-E695-4A99-BC0E-35D1AB104E50}"/>
                 </a:ext>
               </a:extLst>
             </p:cNvPr>
@@ -6673,7 +6470,7 @@
             <p:cNvPr id="20" name="Rectangle: Rounded Corners 19">
               <a:extLst>
                 <a:ext uri="{FF2B5EF4-FFF2-40B4-BE49-F238E27FC236}">
-                  <a16:creationId xmlns:a16="http://schemas.microsoft.com/office/drawing/2014/main" id="{0BC1A1BA-133D-4651-89DD-A802FE7AD3B4}"/>
+                  <a16:creationId xmlns:a16="http://schemas.microsoft.com/office/drawing/2014/main" xmlns="" id="{0BC1A1BA-133D-4651-89DD-A802FE7AD3B4}"/>
                 </a:ext>
               </a:extLst>
             </p:cNvPr>
@@ -6727,7 +6524,7 @@
             <p:cNvPr id="21" name="Rectangle: Rounded Corners 20">
               <a:extLst>
                 <a:ext uri="{FF2B5EF4-FFF2-40B4-BE49-F238E27FC236}">
-                  <a16:creationId xmlns:a16="http://schemas.microsoft.com/office/drawing/2014/main" id="{7B782F5A-F16F-49BE-BCF3-F27C57FA816E}"/>
+                  <a16:creationId xmlns:a16="http://schemas.microsoft.com/office/drawing/2014/main" xmlns="" id="{7B782F5A-F16F-49BE-BCF3-F27C57FA816E}"/>
                 </a:ext>
               </a:extLst>
             </p:cNvPr>
@@ -6776,7 +6573,7 @@
             <p:cNvPr id="22" name="Rectangle: Rounded Corners 21">
               <a:extLst>
                 <a:ext uri="{FF2B5EF4-FFF2-40B4-BE49-F238E27FC236}">
-                  <a16:creationId xmlns:a16="http://schemas.microsoft.com/office/drawing/2014/main" id="{C8606D9E-3608-46EE-BD13-8A9EFA39A8E1}"/>
+                  <a16:creationId xmlns:a16="http://schemas.microsoft.com/office/drawing/2014/main" xmlns="" id="{C8606D9E-3608-46EE-BD13-8A9EFA39A8E1}"/>
                 </a:ext>
               </a:extLst>
             </p:cNvPr>
@@ -6828,7 +6625,7 @@
             <p:cNvPr id="23" name="Rectangle: Rounded Corners 22">
               <a:extLst>
                 <a:ext uri="{FF2B5EF4-FFF2-40B4-BE49-F238E27FC236}">
-                  <a16:creationId xmlns:a16="http://schemas.microsoft.com/office/drawing/2014/main" id="{E1196CC7-6DDA-404B-AF85-E65601277E39}"/>
+                  <a16:creationId xmlns:a16="http://schemas.microsoft.com/office/drawing/2014/main" xmlns="" id="{E1196CC7-6DDA-404B-AF85-E65601277E39}"/>
                 </a:ext>
               </a:extLst>
             </p:cNvPr>
@@ -6877,7 +6674,7 @@
             <p:cNvPr id="24" name="Rectangle: Rounded Corners 23">
               <a:extLst>
                 <a:ext uri="{FF2B5EF4-FFF2-40B4-BE49-F238E27FC236}">
-                  <a16:creationId xmlns:a16="http://schemas.microsoft.com/office/drawing/2014/main" id="{7FD89A78-7417-4FDF-912E-8B8C94A48710}"/>
+                  <a16:creationId xmlns:a16="http://schemas.microsoft.com/office/drawing/2014/main" xmlns="" id="{7FD89A78-7417-4FDF-912E-8B8C94A48710}"/>
                 </a:ext>
               </a:extLst>
             </p:cNvPr>
@@ -6931,7 +6728,7 @@
             <p:cNvPr id="27" name="TextBox 26">
               <a:extLst>
                 <a:ext uri="{FF2B5EF4-FFF2-40B4-BE49-F238E27FC236}">
-                  <a16:creationId xmlns:a16="http://schemas.microsoft.com/office/drawing/2014/main" id="{E4F407CD-2FFC-4252-A8CA-D6A66AFF85C8}"/>
+                  <a16:creationId xmlns:a16="http://schemas.microsoft.com/office/drawing/2014/main" xmlns="" id="{E4F407CD-2FFC-4252-A8CA-D6A66AFF85C8}"/>
                 </a:ext>
               </a:extLst>
             </p:cNvPr>
@@ -6990,7 +6787,7 @@
             <p:cNvPr id="28" name="TextBox 27">
               <a:extLst>
                 <a:ext uri="{FF2B5EF4-FFF2-40B4-BE49-F238E27FC236}">
-                  <a16:creationId xmlns:a16="http://schemas.microsoft.com/office/drawing/2014/main" id="{EB2DBE27-2CEF-41E4-AFA4-D2166DC3D968}"/>
+                  <a16:creationId xmlns:a16="http://schemas.microsoft.com/office/drawing/2014/main" xmlns="" id="{EB2DBE27-2CEF-41E4-AFA4-D2166DC3D968}"/>
                 </a:ext>
               </a:extLst>
             </p:cNvPr>
@@ -7049,7 +6846,7 @@
             <p:cNvPr id="29" name="TextBox 28">
               <a:extLst>
                 <a:ext uri="{FF2B5EF4-FFF2-40B4-BE49-F238E27FC236}">
-                  <a16:creationId xmlns:a16="http://schemas.microsoft.com/office/drawing/2014/main" id="{62513543-586A-4205-BD35-217991FCA942}"/>
+                  <a16:creationId xmlns:a16="http://schemas.microsoft.com/office/drawing/2014/main" xmlns="" id="{62513543-586A-4205-BD35-217991FCA942}"/>
                 </a:ext>
               </a:extLst>
             </p:cNvPr>
@@ -7108,7 +6905,7 @@
             <p:cNvPr id="35" name="TextBox 34">
               <a:extLst>
                 <a:ext uri="{FF2B5EF4-FFF2-40B4-BE49-F238E27FC236}">
-                  <a16:creationId xmlns:a16="http://schemas.microsoft.com/office/drawing/2014/main" id="{81C18030-13F8-40B6-AC34-A6F076ED57BF}"/>
+                  <a16:creationId xmlns:a16="http://schemas.microsoft.com/office/drawing/2014/main" xmlns="" id="{81C18030-13F8-40B6-AC34-A6F076ED57BF}"/>
                 </a:ext>
               </a:extLst>
             </p:cNvPr>
@@ -7176,6 +6973,131 @@
 </p:sld>
 </file>
 
+<file path=ppt/slides/slide5.xml><?xml version="1.0" encoding="utf-8"?>
+<p:sld xmlns:a="http://schemas.openxmlformats.org/drawingml/2006/main" xmlns:r="http://schemas.openxmlformats.org/officeDocument/2006/relationships" xmlns:p="http://schemas.openxmlformats.org/presentationml/2006/main">
+  <p:cSld>
+    <p:spTree>
+      <p:nvGrpSpPr>
+        <p:cNvPr id="1" name=""/>
+        <p:cNvGrpSpPr/>
+        <p:nvPr/>
+      </p:nvGrpSpPr>
+      <p:grpSpPr>
+        <a:xfrm>
+          <a:off x="0" y="0"/>
+          <a:ext cx="0" cy="0"/>
+          <a:chOff x="0" y="0"/>
+          <a:chExt cx="0" cy="0"/>
+        </a:xfrm>
+      </p:grpSpPr>
+      <p:sp>
+        <p:nvSpPr>
+          <p:cNvPr id="2" name="TextBox 1">
+            <a:extLst>
+              <a:ext uri="{FF2B5EF4-FFF2-40B4-BE49-F238E27FC236}">
+                <a16:creationId xmlns:a16="http://schemas.microsoft.com/office/drawing/2014/main" xmlns="" id="{E52715F9-5F16-40CE-A04B-CF83EA31FBBF}"/>
+              </a:ext>
+            </a:extLst>
+          </p:cNvPr>
+          <p:cNvSpPr txBox="1"/>
+          <p:nvPr/>
+        </p:nvSpPr>
+        <p:spPr>
+          <a:xfrm>
+            <a:off x="622571" y="291830"/>
+            <a:ext cx="3175228" cy="584775"/>
+          </a:xfrm>
+          <a:prstGeom prst="rect">
+            <a:avLst/>
+          </a:prstGeom>
+          <a:noFill/>
+        </p:spPr>
+        <p:txBody>
+          <a:bodyPr wrap="none" rtlCol="0">
+            <a:spAutoFit/>
+          </a:bodyPr>
+          <a:lstStyle/>
+          <a:p>
+            <a:r>
+              <a:rPr lang="en-US" sz="3200" b="1" dirty="0" smtClean="0"/>
+              <a:t>SMART </a:t>
+            </a:r>
+            <a:r>
+              <a:rPr lang="en-US" sz="3200" b="1" dirty="0"/>
+              <a:t>Question:</a:t>
+            </a:r>
+          </a:p>
+        </p:txBody>
+      </p:sp>
+      <p:sp>
+        <p:nvSpPr>
+          <p:cNvPr id="4" name="TextBox 3">
+            <a:extLst>
+              <a:ext uri="{FF2B5EF4-FFF2-40B4-BE49-F238E27FC236}">
+                <a16:creationId xmlns:a16="http://schemas.microsoft.com/office/drawing/2014/main" xmlns="" id="{B202A72A-202B-415D-B39F-6FE5382C4849}"/>
+              </a:ext>
+            </a:extLst>
+          </p:cNvPr>
+          <p:cNvSpPr txBox="1"/>
+          <p:nvPr/>
+        </p:nvSpPr>
+        <p:spPr>
+          <a:xfrm>
+            <a:off x="622570" y="2551837"/>
+            <a:ext cx="10972799" cy="1569660"/>
+          </a:xfrm>
+          <a:prstGeom prst="rect">
+            <a:avLst/>
+          </a:prstGeom>
+          <a:noFill/>
+        </p:spPr>
+        <p:txBody>
+          <a:bodyPr wrap="square">
+            <a:spAutoFit/>
+          </a:bodyPr>
+          <a:lstStyle/>
+          <a:p>
+            <a:r>
+              <a:rPr lang="en-US" sz="2400" dirty="0">
+                <a:effectLst/>
+                <a:latin typeface="Times New Roman" panose="02020603050405020304" pitchFamily="18" charset="0"/>
+                <a:ea typeface="Calibri" panose="020F0502020204030204" pitchFamily="34" charset="0"/>
+              </a:rPr>
+              <a:t>Based on the matches played during the 2017/2018 season for Europe’s top five leagues, the 2016 European Championship, and the 2018 World Cup, which match variables (ex: shot location, assist location, assist </a:t>
+            </a:r>
+            <a:r>
+              <a:rPr lang="en-US" sz="2400" dirty="0" smtClean="0">
+                <a:effectLst/>
+                <a:latin typeface="Times New Roman" panose="02020603050405020304" pitchFamily="18" charset="0"/>
+                <a:ea typeface="Calibri" panose="020F0502020204030204" pitchFamily="34" charset="0"/>
+              </a:rPr>
+              <a:t>distance, </a:t>
+            </a:r>
+            <a:r>
+              <a:rPr lang="en-US" sz="2400" dirty="0">
+                <a:effectLst/>
+                <a:latin typeface="Times New Roman" panose="02020603050405020304" pitchFamily="18" charset="0"/>
+                <a:ea typeface="Calibri" panose="020F0502020204030204" pitchFamily="34" charset="0"/>
+              </a:rPr>
+              <a:t>etc…) result in the highest probability of a shot on goal being successful, result in a goal?</a:t>
+            </a:r>
+            <a:endParaRPr lang="en-US" sz="2400" dirty="0"/>
+          </a:p>
+        </p:txBody>
+      </p:sp>
+    </p:spTree>
+    <p:extLst>
+      <p:ext uri="{BB962C8B-B14F-4D97-AF65-F5344CB8AC3E}">
+        <p14:creationId xmlns:p14="http://schemas.microsoft.com/office/powerpoint/2010/main" val="1925036813"/>
+      </p:ext>
+    </p:extLst>
+  </p:cSld>
+  <p:clrMapOvr>
+    <a:masterClrMapping/>
+  </p:clrMapOvr>
+</p:sld>
+</file>
+
 <file path=ppt/slides/slide6.xml><?xml version="1.0" encoding="utf-8"?>
 <p:sld xmlns:a="http://schemas.openxmlformats.org/drawingml/2006/main" xmlns:r="http://schemas.openxmlformats.org/officeDocument/2006/relationships" xmlns:p="http://schemas.openxmlformats.org/presentationml/2006/main">
   <p:cSld>
@@ -7198,7 +7120,7 @@
           <p:cNvPr id="2" name="TextBox 1">
             <a:extLst>
               <a:ext uri="{FF2B5EF4-FFF2-40B4-BE49-F238E27FC236}">
-                <a16:creationId xmlns:a16="http://schemas.microsoft.com/office/drawing/2014/main" id="{E52715F9-5F16-40CE-A04B-CF83EA31FBBF}"/>
+                <a16:creationId xmlns:a16="http://schemas.microsoft.com/office/drawing/2014/main" xmlns="" id="{0B2F962F-478E-41EE-8A61-25FFDB01A5BB}"/>
               </a:ext>
             </a:extLst>
           </p:cNvPr>
@@ -7208,7 +7130,7 @@
         <p:spPr>
           <a:xfrm>
             <a:off x="622571" y="291830"/>
-            <a:ext cx="2961260" cy="584775"/>
+            <a:ext cx="1941365" cy="584775"/>
           </a:xfrm>
           <a:prstGeom prst="rect">
             <a:avLst/>
@@ -7223,71 +7145,383 @@
           <a:p>
             <a:r>
               <a:rPr lang="en-US" sz="3200" b="1" dirty="0"/>
-              <a:t>Smart Question:</a:t>
-            </a:r>
-          </a:p>
-        </p:txBody>
-      </p:sp>
-      <p:sp>
-        <p:nvSpPr>
-          <p:cNvPr id="4" name="TextBox 3">
-            <a:extLst>
-              <a:ext uri="{FF2B5EF4-FFF2-40B4-BE49-F238E27FC236}">
-                <a16:creationId xmlns:a16="http://schemas.microsoft.com/office/drawing/2014/main" id="{B202A72A-202B-415D-B39F-6FE5382C4849}"/>
-              </a:ext>
-            </a:extLst>
-          </p:cNvPr>
-          <p:cNvSpPr txBox="1"/>
+              <a:t>Approach:</a:t>
+            </a:r>
+          </a:p>
+        </p:txBody>
+      </p:sp>
+      <p:pic>
+        <p:nvPicPr>
+          <p:cNvPr id="3" name="Picture 2">
+            <a:extLst>
+              <a:ext uri="{FF2B5EF4-FFF2-40B4-BE49-F238E27FC236}">
+                <a16:creationId xmlns:a16="http://schemas.microsoft.com/office/drawing/2014/main" xmlns="" id="{1F3D482E-9F08-4286-BADC-6102EDFBCFEF}"/>
+              </a:ext>
+            </a:extLst>
+          </p:cNvPr>
+          <p:cNvPicPr>
+            <a:picLocks noChangeAspect="1"/>
+          </p:cNvPicPr>
           <p:nvPr/>
-        </p:nvSpPr>
+        </p:nvPicPr>
+        <p:blipFill>
+          <a:blip r:embed="rId2"/>
+          <a:stretch>
+            <a:fillRect/>
+          </a:stretch>
+        </p:blipFill>
         <p:spPr>
           <a:xfrm>
-            <a:off x="622570" y="2551837"/>
-            <a:ext cx="10972799" cy="1569660"/>
+            <a:off x="396428" y="1999328"/>
+            <a:ext cx="4091295" cy="2859344"/>
           </a:xfrm>
           <a:prstGeom prst="rect">
             <a:avLst/>
           </a:prstGeom>
-          <a:noFill/>
         </p:spPr>
-        <p:txBody>
-          <a:bodyPr wrap="square">
-            <a:spAutoFit/>
-          </a:bodyPr>
+      </p:pic>
+      <p:sp>
+        <p:nvSpPr>
+          <p:cNvPr id="4" name="Rectangle: Rounded Corners 3">
+            <a:extLst>
+              <a:ext uri="{FF2B5EF4-FFF2-40B4-BE49-F238E27FC236}">
+                <a16:creationId xmlns:a16="http://schemas.microsoft.com/office/drawing/2014/main" xmlns="" id="{6E5D743D-4B8E-4A64-8FF9-0309B5CBF38E}"/>
+              </a:ext>
+            </a:extLst>
+          </p:cNvPr>
+          <p:cNvSpPr/>
+          <p:nvPr/>
+        </p:nvSpPr>
+        <p:spPr>
+          <a:xfrm>
+            <a:off x="6105841" y="1071716"/>
+            <a:ext cx="1779638" cy="1052052"/>
+          </a:xfrm>
+          <a:prstGeom prst="roundRect">
+            <a:avLst/>
+          </a:prstGeom>
+        </p:spPr>
+        <p:style>
+          <a:lnRef idx="2">
+            <a:schemeClr val="accent1">
+              <a:shade val="50000"/>
+            </a:schemeClr>
+          </a:lnRef>
+          <a:fillRef idx="1">
+            <a:schemeClr val="accent1"/>
+          </a:fillRef>
+          <a:effectRef idx="0">
+            <a:schemeClr val="accent1"/>
+          </a:effectRef>
+          <a:fontRef idx="minor">
+            <a:schemeClr val="lt1"/>
+          </a:fontRef>
+        </p:style>
+        <p:txBody>
+          <a:bodyPr rtlCol="0" anchor="ctr"/>
           <a:lstStyle/>
           <a:p>
-            <a:r>
-              <a:rPr lang="en-US" sz="2400" dirty="0">
-                <a:effectLst/>
-                <a:latin typeface="Times New Roman" panose="02020603050405020304" pitchFamily="18" charset="0"/>
-                <a:ea typeface="Calibri" panose="020F0502020204030204" pitchFamily="34" charset="0"/>
-              </a:rPr>
-              <a:t>Based on the matches played during the 2017/2018 season for Europe’s top five leagues, the 2016 European Championship, and the 2018 World Cup, which match variables (ex: shot location, assist location, assist duration, </a:t>
-            </a:r>
-            <a:r>
-              <a:rPr lang="en-US" sz="2400" dirty="0" err="1">
-                <a:effectLst/>
-                <a:latin typeface="Times New Roman" panose="02020603050405020304" pitchFamily="18" charset="0"/>
-                <a:ea typeface="Calibri" panose="020F0502020204030204" pitchFamily="34" charset="0"/>
-              </a:rPr>
-              <a:t>etc</a:t>
-            </a:r>
-            <a:r>
-              <a:rPr lang="en-US" sz="2400" dirty="0">
-                <a:effectLst/>
-                <a:latin typeface="Times New Roman" panose="02020603050405020304" pitchFamily="18" charset="0"/>
-                <a:ea typeface="Calibri" panose="020F0502020204030204" pitchFamily="34" charset="0"/>
-              </a:rPr>
-              <a:t>…) result in the highest probability of a shot on goal being successful, result in a goal?</a:t>
-            </a:r>
-            <a:endParaRPr lang="en-US" sz="2400" dirty="0"/>
+            <a:pPr algn="ctr"/>
+            <a:r>
+              <a:rPr lang="en-US" sz="3600" dirty="0"/>
+              <a:t>Shots</a:t>
+            </a:r>
+          </a:p>
+        </p:txBody>
+      </p:sp>
+      <p:sp>
+        <p:nvSpPr>
+          <p:cNvPr id="5" name="Rectangle: Rounded Corners 4">
+            <a:extLst>
+              <a:ext uri="{FF2B5EF4-FFF2-40B4-BE49-F238E27FC236}">
+                <a16:creationId xmlns:a16="http://schemas.microsoft.com/office/drawing/2014/main" xmlns="" id="{B2563DD1-0E21-4485-BF64-BEE30290C5BB}"/>
+              </a:ext>
+            </a:extLst>
+          </p:cNvPr>
+          <p:cNvSpPr/>
+          <p:nvPr/>
+        </p:nvSpPr>
+        <p:spPr>
+          <a:xfrm>
+            <a:off x="6105841" y="2902974"/>
+            <a:ext cx="1779638" cy="1052052"/>
+          </a:xfrm>
+          <a:prstGeom prst="roundRect">
+            <a:avLst/>
+          </a:prstGeom>
+        </p:spPr>
+        <p:style>
+          <a:lnRef idx="2">
+            <a:schemeClr val="accent1">
+              <a:shade val="50000"/>
+            </a:schemeClr>
+          </a:lnRef>
+          <a:fillRef idx="1">
+            <a:schemeClr val="accent1"/>
+          </a:fillRef>
+          <a:effectRef idx="0">
+            <a:schemeClr val="accent1"/>
+          </a:effectRef>
+          <a:fontRef idx="minor">
+            <a:schemeClr val="lt1"/>
+          </a:fontRef>
+        </p:style>
+        <p:txBody>
+          <a:bodyPr rtlCol="0" anchor="ctr"/>
+          <a:lstStyle/>
+          <a:p>
+            <a:pPr algn="ctr"/>
+            <a:r>
+              <a:rPr lang="en-US" sz="3600" dirty="0"/>
+              <a:t>Assists</a:t>
+            </a:r>
+          </a:p>
+        </p:txBody>
+      </p:sp>
+      <p:sp>
+        <p:nvSpPr>
+          <p:cNvPr id="6" name="Rectangle: Rounded Corners 5">
+            <a:extLst>
+              <a:ext uri="{FF2B5EF4-FFF2-40B4-BE49-F238E27FC236}">
+                <a16:creationId xmlns:a16="http://schemas.microsoft.com/office/drawing/2014/main" xmlns="" id="{96EC9A64-4F95-4F7B-8C2D-15597EBF4B68}"/>
+              </a:ext>
+            </a:extLst>
+          </p:cNvPr>
+          <p:cNvSpPr/>
+          <p:nvPr/>
+        </p:nvSpPr>
+        <p:spPr>
+          <a:xfrm>
+            <a:off x="6105841" y="4595659"/>
+            <a:ext cx="1779638" cy="1052052"/>
+          </a:xfrm>
+          <a:prstGeom prst="roundRect">
+            <a:avLst/>
+          </a:prstGeom>
+        </p:spPr>
+        <p:style>
+          <a:lnRef idx="2">
+            <a:schemeClr val="accent1">
+              <a:shade val="50000"/>
+            </a:schemeClr>
+          </a:lnRef>
+          <a:fillRef idx="1">
+            <a:schemeClr val="accent1"/>
+          </a:fillRef>
+          <a:effectRef idx="0">
+            <a:schemeClr val="accent1"/>
+          </a:effectRef>
+          <a:fontRef idx="minor">
+            <a:schemeClr val="lt1"/>
+          </a:fontRef>
+        </p:style>
+        <p:txBody>
+          <a:bodyPr rtlCol="0" anchor="ctr"/>
+          <a:lstStyle/>
+          <a:p>
+            <a:pPr algn="ctr"/>
+            <a:r>
+              <a:rPr lang="en-US" sz="3600" dirty="0"/>
+              <a:t>Key Passes</a:t>
+            </a:r>
+          </a:p>
+        </p:txBody>
+      </p:sp>
+      <p:sp>
+        <p:nvSpPr>
+          <p:cNvPr id="7" name="Arrow: Left 6">
+            <a:extLst>
+              <a:ext uri="{FF2B5EF4-FFF2-40B4-BE49-F238E27FC236}">
+                <a16:creationId xmlns:a16="http://schemas.microsoft.com/office/drawing/2014/main" xmlns="" id="{E436EB20-076C-4527-ACE7-693F2E5C2E40}"/>
+              </a:ext>
+            </a:extLst>
+          </p:cNvPr>
+          <p:cNvSpPr/>
+          <p:nvPr/>
+        </p:nvSpPr>
+        <p:spPr>
+          <a:xfrm>
+            <a:off x="4365734" y="2957051"/>
+            <a:ext cx="1347019" cy="943897"/>
+          </a:xfrm>
+          <a:prstGeom prst="leftArrow">
+            <a:avLst/>
+          </a:prstGeom>
+        </p:spPr>
+        <p:style>
+          <a:lnRef idx="2">
+            <a:schemeClr val="accent1">
+              <a:shade val="50000"/>
+            </a:schemeClr>
+          </a:lnRef>
+          <a:fillRef idx="1">
+            <a:schemeClr val="accent1"/>
+          </a:fillRef>
+          <a:effectRef idx="0">
+            <a:schemeClr val="accent1"/>
+          </a:effectRef>
+          <a:fontRef idx="minor">
+            <a:schemeClr val="lt1"/>
+          </a:fontRef>
+        </p:style>
+        <p:txBody>
+          <a:bodyPr rtlCol="0" anchor="ctr"/>
+          <a:lstStyle/>
+          <a:p>
+            <a:pPr algn="ctr"/>
+            <a:endParaRPr lang="en-US"/>
+          </a:p>
+        </p:txBody>
+      </p:sp>
+      <p:sp>
+        <p:nvSpPr>
+          <p:cNvPr id="8" name="Arrow: Left 7">
+            <a:extLst>
+              <a:ext uri="{FF2B5EF4-FFF2-40B4-BE49-F238E27FC236}">
+                <a16:creationId xmlns:a16="http://schemas.microsoft.com/office/drawing/2014/main" xmlns="" id="{6428C742-0FF1-4C6F-A486-8EFCE628A655}"/>
+              </a:ext>
+            </a:extLst>
+          </p:cNvPr>
+          <p:cNvSpPr/>
+          <p:nvPr/>
+        </p:nvSpPr>
+        <p:spPr>
+          <a:xfrm>
+            <a:off x="8278567" y="2957051"/>
+            <a:ext cx="1347019" cy="943897"/>
+          </a:xfrm>
+          <a:prstGeom prst="leftArrow">
+            <a:avLst/>
+          </a:prstGeom>
+        </p:spPr>
+        <p:style>
+          <a:lnRef idx="2">
+            <a:schemeClr val="accent1">
+              <a:shade val="50000"/>
+            </a:schemeClr>
+          </a:lnRef>
+          <a:fillRef idx="1">
+            <a:schemeClr val="accent1"/>
+          </a:fillRef>
+          <a:effectRef idx="0">
+            <a:schemeClr val="accent1"/>
+          </a:effectRef>
+          <a:fontRef idx="minor">
+            <a:schemeClr val="lt1"/>
+          </a:fontRef>
+        </p:style>
+        <p:txBody>
+          <a:bodyPr rtlCol="0" anchor="ctr"/>
+          <a:lstStyle/>
+          <a:p>
+            <a:pPr algn="ctr"/>
+            <a:endParaRPr lang="en-US"/>
+          </a:p>
+        </p:txBody>
+      </p:sp>
+      <p:sp>
+        <p:nvSpPr>
+          <p:cNvPr id="9" name="Rectangle: Rounded Corners 8">
+            <a:extLst>
+              <a:ext uri="{FF2B5EF4-FFF2-40B4-BE49-F238E27FC236}">
+                <a16:creationId xmlns:a16="http://schemas.microsoft.com/office/drawing/2014/main" xmlns="" id="{A1BF728C-5458-4EC1-82A3-67D6C6AE75C4}"/>
+              </a:ext>
+            </a:extLst>
+          </p:cNvPr>
+          <p:cNvSpPr/>
+          <p:nvPr/>
+        </p:nvSpPr>
+        <p:spPr>
+          <a:xfrm>
+            <a:off x="9893039" y="2123768"/>
+            <a:ext cx="1902533" cy="1052052"/>
+          </a:xfrm>
+          <a:prstGeom prst="roundRect">
+            <a:avLst/>
+          </a:prstGeom>
+        </p:spPr>
+        <p:style>
+          <a:lnRef idx="2">
+            <a:schemeClr val="accent1">
+              <a:shade val="50000"/>
+            </a:schemeClr>
+          </a:lnRef>
+          <a:fillRef idx="1">
+            <a:schemeClr val="accent1"/>
+          </a:fillRef>
+          <a:effectRef idx="0">
+            <a:schemeClr val="accent1"/>
+          </a:effectRef>
+          <a:fontRef idx="minor">
+            <a:schemeClr val="lt1"/>
+          </a:fontRef>
+        </p:style>
+        <p:txBody>
+          <a:bodyPr rtlCol="0" anchor="ctr"/>
+          <a:lstStyle/>
+          <a:p>
+            <a:pPr algn="ctr"/>
+            <a:r>
+              <a:rPr lang="en-US" sz="3600" dirty="0"/>
+              <a:t>Location</a:t>
+            </a:r>
+          </a:p>
+        </p:txBody>
+      </p:sp>
+      <p:sp>
+        <p:nvSpPr>
+          <p:cNvPr id="10" name="Rectangle: Rounded Corners 9">
+            <a:extLst>
+              <a:ext uri="{FF2B5EF4-FFF2-40B4-BE49-F238E27FC236}">
+                <a16:creationId xmlns:a16="http://schemas.microsoft.com/office/drawing/2014/main" xmlns="" id="{9CC69B22-A411-48CF-B4F2-45D0C72CC745}"/>
+              </a:ext>
+            </a:extLst>
+          </p:cNvPr>
+          <p:cNvSpPr/>
+          <p:nvPr/>
+        </p:nvSpPr>
+        <p:spPr>
+          <a:xfrm>
+            <a:off x="9893039" y="3428999"/>
+            <a:ext cx="1902533" cy="1052052"/>
+          </a:xfrm>
+          <a:prstGeom prst="roundRect">
+            <a:avLst/>
+          </a:prstGeom>
+        </p:spPr>
+        <p:style>
+          <a:lnRef idx="2">
+            <a:schemeClr val="accent1">
+              <a:shade val="50000"/>
+            </a:schemeClr>
+          </a:lnRef>
+          <a:fillRef idx="1">
+            <a:schemeClr val="accent1"/>
+          </a:fillRef>
+          <a:effectRef idx="0">
+            <a:schemeClr val="accent1"/>
+          </a:effectRef>
+          <a:fontRef idx="minor">
+            <a:schemeClr val="lt1"/>
+          </a:fontRef>
+        </p:style>
+        <p:txBody>
+          <a:bodyPr rtlCol="0" anchor="ctr"/>
+          <a:lstStyle/>
+          <a:p>
+            <a:pPr algn="ctr"/>
+            <a:r>
+              <a:rPr lang="en-US" sz="3600" dirty="0" smtClean="0"/>
+              <a:t>Distance</a:t>
+            </a:r>
+            <a:endParaRPr lang="en-US" sz="3600" dirty="0"/>
           </a:p>
         </p:txBody>
       </p:sp>
     </p:spTree>
     <p:extLst>
       <p:ext uri="{BB962C8B-B14F-4D97-AF65-F5344CB8AC3E}">
-        <p14:creationId xmlns:p14="http://schemas.microsoft.com/office/powerpoint/2010/main" val="3273117118"/>
+        <p14:creationId xmlns:p14="http://schemas.microsoft.com/office/powerpoint/2010/main" val="157254342"/>
       </p:ext>
     </p:extLst>
   </p:cSld>
@@ -7319,439 +7553,7 @@
           <p:cNvPr id="2" name="TextBox 1">
             <a:extLst>
               <a:ext uri="{FF2B5EF4-FFF2-40B4-BE49-F238E27FC236}">
-                <a16:creationId xmlns:a16="http://schemas.microsoft.com/office/drawing/2014/main" id="{0B2F962F-478E-41EE-8A61-25FFDB01A5BB}"/>
-              </a:ext>
-            </a:extLst>
-          </p:cNvPr>
-          <p:cNvSpPr txBox="1"/>
-          <p:nvPr/>
-        </p:nvSpPr>
-        <p:spPr>
-          <a:xfrm>
-            <a:off x="622571" y="291830"/>
-            <a:ext cx="1941365" cy="584775"/>
-          </a:xfrm>
-          <a:prstGeom prst="rect">
-            <a:avLst/>
-          </a:prstGeom>
-          <a:noFill/>
-        </p:spPr>
-        <p:txBody>
-          <a:bodyPr wrap="none" rtlCol="0">
-            <a:spAutoFit/>
-          </a:bodyPr>
-          <a:lstStyle/>
-          <a:p>
-            <a:r>
-              <a:rPr lang="en-US" sz="3200" b="1" dirty="0"/>
-              <a:t>Approach:</a:t>
-            </a:r>
-          </a:p>
-        </p:txBody>
-      </p:sp>
-      <p:pic>
-        <p:nvPicPr>
-          <p:cNvPr id="3" name="Picture 2">
-            <a:extLst>
-              <a:ext uri="{FF2B5EF4-FFF2-40B4-BE49-F238E27FC236}">
-                <a16:creationId xmlns:a16="http://schemas.microsoft.com/office/drawing/2014/main" id="{1F3D482E-9F08-4286-BADC-6102EDFBCFEF}"/>
-              </a:ext>
-            </a:extLst>
-          </p:cNvPr>
-          <p:cNvPicPr>
-            <a:picLocks noChangeAspect="1"/>
-          </p:cNvPicPr>
-          <p:nvPr/>
-        </p:nvPicPr>
-        <p:blipFill>
-          <a:blip r:embed="rId2"/>
-          <a:stretch>
-            <a:fillRect/>
-          </a:stretch>
-        </p:blipFill>
-        <p:spPr>
-          <a:xfrm>
-            <a:off x="396428" y="1999328"/>
-            <a:ext cx="4091295" cy="2859344"/>
-          </a:xfrm>
-          <a:prstGeom prst="rect">
-            <a:avLst/>
-          </a:prstGeom>
-        </p:spPr>
-      </p:pic>
-      <p:sp>
-        <p:nvSpPr>
-          <p:cNvPr id="4" name="Rectangle: Rounded Corners 3">
-            <a:extLst>
-              <a:ext uri="{FF2B5EF4-FFF2-40B4-BE49-F238E27FC236}">
-                <a16:creationId xmlns:a16="http://schemas.microsoft.com/office/drawing/2014/main" id="{6E5D743D-4B8E-4A64-8FF9-0309B5CBF38E}"/>
-              </a:ext>
-            </a:extLst>
-          </p:cNvPr>
-          <p:cNvSpPr/>
-          <p:nvPr/>
-        </p:nvSpPr>
-        <p:spPr>
-          <a:xfrm>
-            <a:off x="6105841" y="1071716"/>
-            <a:ext cx="1779638" cy="1052052"/>
-          </a:xfrm>
-          <a:prstGeom prst="roundRect">
-            <a:avLst/>
-          </a:prstGeom>
-        </p:spPr>
-        <p:style>
-          <a:lnRef idx="2">
-            <a:schemeClr val="accent1">
-              <a:shade val="50000"/>
-            </a:schemeClr>
-          </a:lnRef>
-          <a:fillRef idx="1">
-            <a:schemeClr val="accent1"/>
-          </a:fillRef>
-          <a:effectRef idx="0">
-            <a:schemeClr val="accent1"/>
-          </a:effectRef>
-          <a:fontRef idx="minor">
-            <a:schemeClr val="lt1"/>
-          </a:fontRef>
-        </p:style>
-        <p:txBody>
-          <a:bodyPr rtlCol="0" anchor="ctr"/>
-          <a:lstStyle/>
-          <a:p>
-            <a:pPr algn="ctr"/>
-            <a:r>
-              <a:rPr lang="en-US" sz="3600" dirty="0"/>
-              <a:t>Shots</a:t>
-            </a:r>
-          </a:p>
-        </p:txBody>
-      </p:sp>
-      <p:sp>
-        <p:nvSpPr>
-          <p:cNvPr id="5" name="Rectangle: Rounded Corners 4">
-            <a:extLst>
-              <a:ext uri="{FF2B5EF4-FFF2-40B4-BE49-F238E27FC236}">
-                <a16:creationId xmlns:a16="http://schemas.microsoft.com/office/drawing/2014/main" id="{B2563DD1-0E21-4485-BF64-BEE30290C5BB}"/>
-              </a:ext>
-            </a:extLst>
-          </p:cNvPr>
-          <p:cNvSpPr/>
-          <p:nvPr/>
-        </p:nvSpPr>
-        <p:spPr>
-          <a:xfrm>
-            <a:off x="6105841" y="2902974"/>
-            <a:ext cx="1779638" cy="1052052"/>
-          </a:xfrm>
-          <a:prstGeom prst="roundRect">
-            <a:avLst/>
-          </a:prstGeom>
-        </p:spPr>
-        <p:style>
-          <a:lnRef idx="2">
-            <a:schemeClr val="accent1">
-              <a:shade val="50000"/>
-            </a:schemeClr>
-          </a:lnRef>
-          <a:fillRef idx="1">
-            <a:schemeClr val="accent1"/>
-          </a:fillRef>
-          <a:effectRef idx="0">
-            <a:schemeClr val="accent1"/>
-          </a:effectRef>
-          <a:fontRef idx="minor">
-            <a:schemeClr val="lt1"/>
-          </a:fontRef>
-        </p:style>
-        <p:txBody>
-          <a:bodyPr rtlCol="0" anchor="ctr"/>
-          <a:lstStyle/>
-          <a:p>
-            <a:pPr algn="ctr"/>
-            <a:r>
-              <a:rPr lang="en-US" sz="3600" dirty="0"/>
-              <a:t>Assists</a:t>
-            </a:r>
-          </a:p>
-        </p:txBody>
-      </p:sp>
-      <p:sp>
-        <p:nvSpPr>
-          <p:cNvPr id="6" name="Rectangle: Rounded Corners 5">
-            <a:extLst>
-              <a:ext uri="{FF2B5EF4-FFF2-40B4-BE49-F238E27FC236}">
-                <a16:creationId xmlns:a16="http://schemas.microsoft.com/office/drawing/2014/main" id="{96EC9A64-4F95-4F7B-8C2D-15597EBF4B68}"/>
-              </a:ext>
-            </a:extLst>
-          </p:cNvPr>
-          <p:cNvSpPr/>
-          <p:nvPr/>
-        </p:nvSpPr>
-        <p:spPr>
-          <a:xfrm>
-            <a:off x="6105841" y="4595659"/>
-            <a:ext cx="1779638" cy="1052052"/>
-          </a:xfrm>
-          <a:prstGeom prst="roundRect">
-            <a:avLst/>
-          </a:prstGeom>
-        </p:spPr>
-        <p:style>
-          <a:lnRef idx="2">
-            <a:schemeClr val="accent1">
-              <a:shade val="50000"/>
-            </a:schemeClr>
-          </a:lnRef>
-          <a:fillRef idx="1">
-            <a:schemeClr val="accent1"/>
-          </a:fillRef>
-          <a:effectRef idx="0">
-            <a:schemeClr val="accent1"/>
-          </a:effectRef>
-          <a:fontRef idx="minor">
-            <a:schemeClr val="lt1"/>
-          </a:fontRef>
-        </p:style>
-        <p:txBody>
-          <a:bodyPr rtlCol="0" anchor="ctr"/>
-          <a:lstStyle/>
-          <a:p>
-            <a:pPr algn="ctr"/>
-            <a:r>
-              <a:rPr lang="en-US" sz="3600" dirty="0"/>
-              <a:t>Key Passes</a:t>
-            </a:r>
-          </a:p>
-        </p:txBody>
-      </p:sp>
-      <p:sp>
-        <p:nvSpPr>
-          <p:cNvPr id="7" name="Arrow: Left 6">
-            <a:extLst>
-              <a:ext uri="{FF2B5EF4-FFF2-40B4-BE49-F238E27FC236}">
-                <a16:creationId xmlns:a16="http://schemas.microsoft.com/office/drawing/2014/main" id="{E436EB20-076C-4527-ACE7-693F2E5C2E40}"/>
-              </a:ext>
-            </a:extLst>
-          </p:cNvPr>
-          <p:cNvSpPr/>
-          <p:nvPr/>
-        </p:nvSpPr>
-        <p:spPr>
-          <a:xfrm>
-            <a:off x="4365734" y="2957051"/>
-            <a:ext cx="1347019" cy="943897"/>
-          </a:xfrm>
-          <a:prstGeom prst="leftArrow">
-            <a:avLst/>
-          </a:prstGeom>
-        </p:spPr>
-        <p:style>
-          <a:lnRef idx="2">
-            <a:schemeClr val="accent1">
-              <a:shade val="50000"/>
-            </a:schemeClr>
-          </a:lnRef>
-          <a:fillRef idx="1">
-            <a:schemeClr val="accent1"/>
-          </a:fillRef>
-          <a:effectRef idx="0">
-            <a:schemeClr val="accent1"/>
-          </a:effectRef>
-          <a:fontRef idx="minor">
-            <a:schemeClr val="lt1"/>
-          </a:fontRef>
-        </p:style>
-        <p:txBody>
-          <a:bodyPr rtlCol="0" anchor="ctr"/>
-          <a:lstStyle/>
-          <a:p>
-            <a:pPr algn="ctr"/>
-            <a:endParaRPr lang="en-US"/>
-          </a:p>
-        </p:txBody>
-      </p:sp>
-      <p:sp>
-        <p:nvSpPr>
-          <p:cNvPr id="8" name="Arrow: Left 7">
-            <a:extLst>
-              <a:ext uri="{FF2B5EF4-FFF2-40B4-BE49-F238E27FC236}">
-                <a16:creationId xmlns:a16="http://schemas.microsoft.com/office/drawing/2014/main" id="{6428C742-0FF1-4C6F-A486-8EFCE628A655}"/>
-              </a:ext>
-            </a:extLst>
-          </p:cNvPr>
-          <p:cNvSpPr/>
-          <p:nvPr/>
-        </p:nvSpPr>
-        <p:spPr>
-          <a:xfrm>
-            <a:off x="8278567" y="2957051"/>
-            <a:ext cx="1347019" cy="943897"/>
-          </a:xfrm>
-          <a:prstGeom prst="leftArrow">
-            <a:avLst/>
-          </a:prstGeom>
-        </p:spPr>
-        <p:style>
-          <a:lnRef idx="2">
-            <a:schemeClr val="accent1">
-              <a:shade val="50000"/>
-            </a:schemeClr>
-          </a:lnRef>
-          <a:fillRef idx="1">
-            <a:schemeClr val="accent1"/>
-          </a:fillRef>
-          <a:effectRef idx="0">
-            <a:schemeClr val="accent1"/>
-          </a:effectRef>
-          <a:fontRef idx="minor">
-            <a:schemeClr val="lt1"/>
-          </a:fontRef>
-        </p:style>
-        <p:txBody>
-          <a:bodyPr rtlCol="0" anchor="ctr"/>
-          <a:lstStyle/>
-          <a:p>
-            <a:pPr algn="ctr"/>
-            <a:endParaRPr lang="en-US"/>
-          </a:p>
-        </p:txBody>
-      </p:sp>
-      <p:sp>
-        <p:nvSpPr>
-          <p:cNvPr id="9" name="Rectangle: Rounded Corners 8">
-            <a:extLst>
-              <a:ext uri="{FF2B5EF4-FFF2-40B4-BE49-F238E27FC236}">
-                <a16:creationId xmlns:a16="http://schemas.microsoft.com/office/drawing/2014/main" id="{A1BF728C-5458-4EC1-82A3-67D6C6AE75C4}"/>
-              </a:ext>
-            </a:extLst>
-          </p:cNvPr>
-          <p:cNvSpPr/>
-          <p:nvPr/>
-        </p:nvSpPr>
-        <p:spPr>
-          <a:xfrm>
-            <a:off x="9893039" y="2123768"/>
-            <a:ext cx="1902533" cy="1052052"/>
-          </a:xfrm>
-          <a:prstGeom prst="roundRect">
-            <a:avLst/>
-          </a:prstGeom>
-        </p:spPr>
-        <p:style>
-          <a:lnRef idx="2">
-            <a:schemeClr val="accent1">
-              <a:shade val="50000"/>
-            </a:schemeClr>
-          </a:lnRef>
-          <a:fillRef idx="1">
-            <a:schemeClr val="accent1"/>
-          </a:fillRef>
-          <a:effectRef idx="0">
-            <a:schemeClr val="accent1"/>
-          </a:effectRef>
-          <a:fontRef idx="minor">
-            <a:schemeClr val="lt1"/>
-          </a:fontRef>
-        </p:style>
-        <p:txBody>
-          <a:bodyPr rtlCol="0" anchor="ctr"/>
-          <a:lstStyle/>
-          <a:p>
-            <a:pPr algn="ctr"/>
-            <a:r>
-              <a:rPr lang="en-US" sz="3600" dirty="0"/>
-              <a:t>Location</a:t>
-            </a:r>
-          </a:p>
-        </p:txBody>
-      </p:sp>
-      <p:sp>
-        <p:nvSpPr>
-          <p:cNvPr id="10" name="Rectangle: Rounded Corners 9">
-            <a:extLst>
-              <a:ext uri="{FF2B5EF4-FFF2-40B4-BE49-F238E27FC236}">
-                <a16:creationId xmlns:a16="http://schemas.microsoft.com/office/drawing/2014/main" id="{9CC69B22-A411-48CF-B4F2-45D0C72CC745}"/>
-              </a:ext>
-            </a:extLst>
-          </p:cNvPr>
-          <p:cNvSpPr/>
-          <p:nvPr/>
-        </p:nvSpPr>
-        <p:spPr>
-          <a:xfrm>
-            <a:off x="9893039" y="3428999"/>
-            <a:ext cx="1902533" cy="1052052"/>
-          </a:xfrm>
-          <a:prstGeom prst="roundRect">
-            <a:avLst/>
-          </a:prstGeom>
-        </p:spPr>
-        <p:style>
-          <a:lnRef idx="2">
-            <a:schemeClr val="accent1">
-              <a:shade val="50000"/>
-            </a:schemeClr>
-          </a:lnRef>
-          <a:fillRef idx="1">
-            <a:schemeClr val="accent1"/>
-          </a:fillRef>
-          <a:effectRef idx="0">
-            <a:schemeClr val="accent1"/>
-          </a:effectRef>
-          <a:fontRef idx="minor">
-            <a:schemeClr val="lt1"/>
-          </a:fontRef>
-        </p:style>
-        <p:txBody>
-          <a:bodyPr rtlCol="0" anchor="ctr"/>
-          <a:lstStyle/>
-          <a:p>
-            <a:pPr algn="ctr"/>
-            <a:r>
-              <a:rPr lang="en-US" sz="3600" dirty="0"/>
-              <a:t>Length</a:t>
-            </a:r>
-          </a:p>
-        </p:txBody>
-      </p:sp>
-    </p:spTree>
-    <p:extLst>
-      <p:ext uri="{BB962C8B-B14F-4D97-AF65-F5344CB8AC3E}">
-        <p14:creationId xmlns:p14="http://schemas.microsoft.com/office/powerpoint/2010/main" val="157254342"/>
-      </p:ext>
-    </p:extLst>
-  </p:cSld>
-  <p:clrMapOvr>
-    <a:masterClrMapping/>
-  </p:clrMapOvr>
-</p:sld>
-</file>
-
-<file path=ppt/slides/slide8.xml><?xml version="1.0" encoding="utf-8"?>
-<p:sld xmlns:a="http://schemas.openxmlformats.org/drawingml/2006/main" xmlns:r="http://schemas.openxmlformats.org/officeDocument/2006/relationships" xmlns:p="http://schemas.openxmlformats.org/presentationml/2006/main">
-  <p:cSld>
-    <p:spTree>
-      <p:nvGrpSpPr>
-        <p:cNvPr id="1" name=""/>
-        <p:cNvGrpSpPr/>
-        <p:nvPr/>
-      </p:nvGrpSpPr>
-      <p:grpSpPr>
-        <a:xfrm>
-          <a:off x="0" y="0"/>
-          <a:ext cx="0" cy="0"/>
-          <a:chOff x="0" y="0"/>
-          <a:chExt cx="0" cy="0"/>
-        </a:xfrm>
-      </p:grpSpPr>
-      <p:sp>
-        <p:nvSpPr>
-          <p:cNvPr id="2" name="TextBox 1">
-            <a:extLst>
-              <a:ext uri="{FF2B5EF4-FFF2-40B4-BE49-F238E27FC236}">
-                <a16:creationId xmlns:a16="http://schemas.microsoft.com/office/drawing/2014/main" id="{C8FA0A63-E669-400A-B853-1301ADFAA5C8}"/>
+                <a16:creationId xmlns:a16="http://schemas.microsoft.com/office/drawing/2014/main" xmlns="" id="{C8FA0A63-E669-400A-B853-1301ADFAA5C8}"/>
               </a:ext>
             </a:extLst>
           </p:cNvPr>
@@ -7786,7 +7588,7 @@
           <p:cNvPr id="22" name="Group 21">
             <a:extLst>
               <a:ext uri="{FF2B5EF4-FFF2-40B4-BE49-F238E27FC236}">
-                <a16:creationId xmlns:a16="http://schemas.microsoft.com/office/drawing/2014/main" id="{DA30DEB6-6110-49A3-8FBA-099EE2B30A27}"/>
+                <a16:creationId xmlns:a16="http://schemas.microsoft.com/office/drawing/2014/main" xmlns="" id="{DA30DEB6-6110-49A3-8FBA-099EE2B30A27}"/>
               </a:ext>
             </a:extLst>
           </p:cNvPr>
@@ -7806,7 +7608,7 @@
             <p:cNvPr id="14" name="Group 13">
               <a:extLst>
                 <a:ext uri="{FF2B5EF4-FFF2-40B4-BE49-F238E27FC236}">
-                  <a16:creationId xmlns:a16="http://schemas.microsoft.com/office/drawing/2014/main" id="{AC77212E-7D1C-4E02-9FD0-F75835E8D8F2}"/>
+                  <a16:creationId xmlns:a16="http://schemas.microsoft.com/office/drawing/2014/main" xmlns="" id="{AC77212E-7D1C-4E02-9FD0-F75835E8D8F2}"/>
                 </a:ext>
               </a:extLst>
             </p:cNvPr>
@@ -7826,7 +7628,7 @@
               <p:cNvPr id="3" name="Picture 2">
                 <a:extLst>
                   <a:ext uri="{FF2B5EF4-FFF2-40B4-BE49-F238E27FC236}">
-                    <a16:creationId xmlns:a16="http://schemas.microsoft.com/office/drawing/2014/main" id="{D5876341-5DEC-4DD4-B40B-F53F7A582269}"/>
+                    <a16:creationId xmlns:a16="http://schemas.microsoft.com/office/drawing/2014/main" xmlns="" id="{D5876341-5DEC-4DD4-B40B-F53F7A582269}"/>
                   </a:ext>
                 </a:extLst>
               </p:cNvPr>
@@ -7856,7 +7658,7 @@
               <p:cNvPr id="7" name="Group 6">
                 <a:extLst>
                   <a:ext uri="{FF2B5EF4-FFF2-40B4-BE49-F238E27FC236}">
-                    <a16:creationId xmlns:a16="http://schemas.microsoft.com/office/drawing/2014/main" id="{AB5BBB8F-3AAB-4509-8223-ABD5BC5991F9}"/>
+                    <a16:creationId xmlns:a16="http://schemas.microsoft.com/office/drawing/2014/main" xmlns="" id="{AB5BBB8F-3AAB-4509-8223-ABD5BC5991F9}"/>
                   </a:ext>
                 </a:extLst>
               </p:cNvPr>
@@ -7876,7 +7678,7 @@
                 <p:cNvPr id="4" name="TextBox 3">
                   <a:extLst>
                     <a:ext uri="{FF2B5EF4-FFF2-40B4-BE49-F238E27FC236}">
-                      <a16:creationId xmlns:a16="http://schemas.microsoft.com/office/drawing/2014/main" id="{DCD921CD-DC7B-41E6-A5FB-187A65CF3EE3}"/>
+                      <a16:creationId xmlns:a16="http://schemas.microsoft.com/office/drawing/2014/main" xmlns="" id="{DCD921CD-DC7B-41E6-A5FB-187A65CF3EE3}"/>
                     </a:ext>
                   </a:extLst>
                 </p:cNvPr>
@@ -7912,7 +7714,7 @@
                 <p:cNvPr id="6" name="Straight Arrow Connector 5">
                   <a:extLst>
                     <a:ext uri="{FF2B5EF4-FFF2-40B4-BE49-F238E27FC236}">
-                      <a16:creationId xmlns:a16="http://schemas.microsoft.com/office/drawing/2014/main" id="{C8E52E64-7FE9-4B78-9F68-93C6BC9C8678}"/>
+                      <a16:creationId xmlns:a16="http://schemas.microsoft.com/office/drawing/2014/main" xmlns="" id="{C8E52E64-7FE9-4B78-9F68-93C6BC9C8678}"/>
                     </a:ext>
                   </a:extLst>
                 </p:cNvPr>
@@ -7954,7 +7756,7 @@
               <p:cNvPr id="8" name="TextBox 7">
                 <a:extLst>
                   <a:ext uri="{FF2B5EF4-FFF2-40B4-BE49-F238E27FC236}">
-                    <a16:creationId xmlns:a16="http://schemas.microsoft.com/office/drawing/2014/main" id="{FEDFDE0F-F925-4205-B331-5C7D3F310F4B}"/>
+                    <a16:creationId xmlns:a16="http://schemas.microsoft.com/office/drawing/2014/main" xmlns="" id="{FEDFDE0F-F925-4205-B331-5C7D3F310F4B}"/>
                   </a:ext>
                 </a:extLst>
               </p:cNvPr>
@@ -7990,7 +7792,7 @@
               <p:cNvPr id="9" name="TextBox 8">
                 <a:extLst>
                   <a:ext uri="{FF2B5EF4-FFF2-40B4-BE49-F238E27FC236}">
-                    <a16:creationId xmlns:a16="http://schemas.microsoft.com/office/drawing/2014/main" id="{67A32881-F932-44B9-A800-AF1E18BDC09F}"/>
+                    <a16:creationId xmlns:a16="http://schemas.microsoft.com/office/drawing/2014/main" xmlns="" id="{67A32881-F932-44B9-A800-AF1E18BDC09F}"/>
                   </a:ext>
                 </a:extLst>
               </p:cNvPr>
@@ -8026,7 +7828,7 @@
               <p:cNvPr id="10" name="TextBox 9">
                 <a:extLst>
                   <a:ext uri="{FF2B5EF4-FFF2-40B4-BE49-F238E27FC236}">
-                    <a16:creationId xmlns:a16="http://schemas.microsoft.com/office/drawing/2014/main" id="{48986CCF-5FDC-47CB-BD99-C82E33EC3378}"/>
+                    <a16:creationId xmlns:a16="http://schemas.microsoft.com/office/drawing/2014/main" xmlns="" id="{48986CCF-5FDC-47CB-BD99-C82E33EC3378}"/>
                   </a:ext>
                 </a:extLst>
               </p:cNvPr>
@@ -8062,7 +7864,7 @@
               <p:cNvPr id="11" name="TextBox 10">
                 <a:extLst>
                   <a:ext uri="{FF2B5EF4-FFF2-40B4-BE49-F238E27FC236}">
-                    <a16:creationId xmlns:a16="http://schemas.microsoft.com/office/drawing/2014/main" id="{39845953-148F-4E0F-9039-AB390F022FF7}"/>
+                    <a16:creationId xmlns:a16="http://schemas.microsoft.com/office/drawing/2014/main" xmlns="" id="{39845953-148F-4E0F-9039-AB390F022FF7}"/>
                   </a:ext>
                 </a:extLst>
               </p:cNvPr>
@@ -8098,7 +7900,7 @@
               <p:cNvPr id="12" name="TextBox 11">
                 <a:extLst>
                   <a:ext uri="{FF2B5EF4-FFF2-40B4-BE49-F238E27FC236}">
-                    <a16:creationId xmlns:a16="http://schemas.microsoft.com/office/drawing/2014/main" id="{1DCCE120-047F-4047-8B88-C6F0E81CCDF9}"/>
+                    <a16:creationId xmlns:a16="http://schemas.microsoft.com/office/drawing/2014/main" xmlns="" id="{1DCCE120-047F-4047-8B88-C6F0E81CCDF9}"/>
                   </a:ext>
                 </a:extLst>
               </p:cNvPr>
@@ -8134,7 +7936,7 @@
               <p:cNvPr id="13" name="TextBox 12">
                 <a:extLst>
                   <a:ext uri="{FF2B5EF4-FFF2-40B4-BE49-F238E27FC236}">
-                    <a16:creationId xmlns:a16="http://schemas.microsoft.com/office/drawing/2014/main" id="{BE775840-34F6-4290-BD21-FD1B27C8796F}"/>
+                    <a16:creationId xmlns:a16="http://schemas.microsoft.com/office/drawing/2014/main" xmlns="" id="{BE775840-34F6-4290-BD21-FD1B27C8796F}"/>
                   </a:ext>
                 </a:extLst>
               </p:cNvPr>
@@ -8171,7 +7973,7 @@
             <p:cNvPr id="15" name="Star: 5 Points 14">
               <a:extLst>
                 <a:ext uri="{FF2B5EF4-FFF2-40B4-BE49-F238E27FC236}">
-                  <a16:creationId xmlns:a16="http://schemas.microsoft.com/office/drawing/2014/main" id="{5AA1D222-D0B2-4F61-9C42-AC1D0DF1735C}"/>
+                  <a16:creationId xmlns:a16="http://schemas.microsoft.com/office/drawing/2014/main" xmlns="" id="{5AA1D222-D0B2-4F61-9C42-AC1D0DF1735C}"/>
                 </a:ext>
               </a:extLst>
             </p:cNvPr>
@@ -8217,7 +8019,7 @@
             <p:cNvPr id="17" name="Straight Arrow Connector 16">
               <a:extLst>
                 <a:ext uri="{FF2B5EF4-FFF2-40B4-BE49-F238E27FC236}">
-                  <a16:creationId xmlns:a16="http://schemas.microsoft.com/office/drawing/2014/main" id="{D7DD48AC-3313-49DE-9C91-B5DF4C1836FA}"/>
+                  <a16:creationId xmlns:a16="http://schemas.microsoft.com/office/drawing/2014/main" xmlns="" id="{D7DD48AC-3313-49DE-9C91-B5DF4C1836FA}"/>
                 </a:ext>
               </a:extLst>
             </p:cNvPr>
@@ -8259,7 +8061,7 @@
             <p:cNvPr id="18" name="Explosion: 8 Points 17">
               <a:extLst>
                 <a:ext uri="{FF2B5EF4-FFF2-40B4-BE49-F238E27FC236}">
-                  <a16:creationId xmlns:a16="http://schemas.microsoft.com/office/drawing/2014/main" id="{2B39A1D8-1B89-46CB-9904-6E4DB2E565C2}"/>
+                  <a16:creationId xmlns:a16="http://schemas.microsoft.com/office/drawing/2014/main" xmlns="" id="{2B39A1D8-1B89-46CB-9904-6E4DB2E565C2}"/>
                 </a:ext>
               </a:extLst>
             </p:cNvPr>
@@ -8313,7 +8115,7 @@
             <p:cNvPr id="19" name="TextBox 18">
               <a:extLst>
                 <a:ext uri="{FF2B5EF4-FFF2-40B4-BE49-F238E27FC236}">
-                  <a16:creationId xmlns:a16="http://schemas.microsoft.com/office/drawing/2014/main" id="{350D02C1-E44C-4191-B587-0B3EC392CDBF}"/>
+                  <a16:creationId xmlns:a16="http://schemas.microsoft.com/office/drawing/2014/main" xmlns="" id="{350D02C1-E44C-4191-B587-0B3EC392CDBF}"/>
                 </a:ext>
               </a:extLst>
             </p:cNvPr>
@@ -8357,7 +8159,7 @@
             <p:cNvPr id="20" name="TextBox 19">
               <a:extLst>
                 <a:ext uri="{FF2B5EF4-FFF2-40B4-BE49-F238E27FC236}">
-                  <a16:creationId xmlns:a16="http://schemas.microsoft.com/office/drawing/2014/main" id="{021924B3-F418-42FB-8871-CF2D44C6E42A}"/>
+                  <a16:creationId xmlns:a16="http://schemas.microsoft.com/office/drawing/2014/main" xmlns="" id="{021924B3-F418-42FB-8871-CF2D44C6E42A}"/>
                 </a:ext>
               </a:extLst>
             </p:cNvPr>
@@ -8401,7 +8203,7 @@
             <p:cNvPr id="21" name="TextBox 20">
               <a:extLst>
                 <a:ext uri="{FF2B5EF4-FFF2-40B4-BE49-F238E27FC236}">
-                  <a16:creationId xmlns:a16="http://schemas.microsoft.com/office/drawing/2014/main" id="{6EC244C8-5D78-4A7F-BB72-B4F6E1F68809}"/>
+                  <a16:creationId xmlns:a16="http://schemas.microsoft.com/office/drawing/2014/main" xmlns="" id="{6EC244C8-5D78-4A7F-BB72-B4F6E1F68809}"/>
                 </a:ext>
               </a:extLst>
             </p:cNvPr>
@@ -8410,8 +8212,8 @@
           </p:nvSpPr>
           <p:spPr>
             <a:xfrm rot="18501028">
-              <a:off x="7501894" y="4333189"/>
-              <a:ext cx="996748" cy="461665"/>
+              <a:off x="7374968" y="4333189"/>
+              <a:ext cx="1250600" cy="461665"/>
             </a:xfrm>
             <a:prstGeom prst="rect">
               <a:avLst/>
@@ -8426,9 +8228,10 @@
             <a:p>
               <a:pPr algn="ctr"/>
               <a:r>
-                <a:rPr lang="en-US" sz="2400" b="1" dirty="0"/>
-                <a:t>length</a:t>
+                <a:rPr lang="en-US" sz="2400" b="1" dirty="0" smtClean="0"/>
+                <a:t>distance</a:t>
               </a:r>
+              <a:endParaRPr lang="en-US" sz="2400" b="1" dirty="0"/>
             </a:p>
           </p:txBody>
         </p:sp>
@@ -8437,6 +8240,107 @@
     <p:extLst>
       <p:ext uri="{BB962C8B-B14F-4D97-AF65-F5344CB8AC3E}">
         <p14:creationId xmlns:p14="http://schemas.microsoft.com/office/powerpoint/2010/main" val="98088369"/>
+      </p:ext>
+    </p:extLst>
+  </p:cSld>
+  <p:clrMapOvr>
+    <a:masterClrMapping/>
+  </p:clrMapOvr>
+</p:sld>
+</file>
+
+<file path=ppt/slides/slide8.xml><?xml version="1.0" encoding="utf-8"?>
+<p:sld xmlns:a="http://schemas.openxmlformats.org/drawingml/2006/main" xmlns:r="http://schemas.openxmlformats.org/officeDocument/2006/relationships" xmlns:p="http://schemas.openxmlformats.org/presentationml/2006/main">
+  <p:cSld>
+    <p:spTree>
+      <p:nvGrpSpPr>
+        <p:cNvPr id="1" name=""/>
+        <p:cNvGrpSpPr/>
+        <p:nvPr/>
+      </p:nvGrpSpPr>
+      <p:grpSpPr>
+        <a:xfrm>
+          <a:off x="0" y="0"/>
+          <a:ext cx="0" cy="0"/>
+          <a:chOff x="0" y="0"/>
+          <a:chExt cx="0" cy="0"/>
+        </a:xfrm>
+      </p:grpSpPr>
+      <p:pic>
+        <p:nvPicPr>
+          <p:cNvPr id="2" name="Picture 1">
+            <a:extLst>
+              <a:ext uri="{FF2B5EF4-FFF2-40B4-BE49-F238E27FC236}">
+                <a16:creationId xmlns:a16="http://schemas.microsoft.com/office/drawing/2014/main" xmlns="" id="{A3D0C13E-2FAD-4B38-A8AC-86F95A177DC6}"/>
+              </a:ext>
+            </a:extLst>
+          </p:cNvPr>
+          <p:cNvPicPr>
+            <a:picLocks noChangeAspect="1"/>
+          </p:cNvPicPr>
+          <p:nvPr/>
+        </p:nvPicPr>
+        <p:blipFill>
+          <a:blip r:embed="rId2"/>
+          <a:stretch>
+            <a:fillRect/>
+          </a:stretch>
+        </p:blipFill>
+        <p:spPr>
+          <a:xfrm>
+            <a:off x="1705850" y="1009413"/>
+            <a:ext cx="8780299" cy="5424968"/>
+          </a:xfrm>
+          <a:prstGeom prst="rect">
+            <a:avLst/>
+          </a:prstGeom>
+        </p:spPr>
+      </p:pic>
+      <p:sp>
+        <p:nvSpPr>
+          <p:cNvPr id="3" name="TextBox 2">
+            <a:extLst>
+              <a:ext uri="{FF2B5EF4-FFF2-40B4-BE49-F238E27FC236}">
+                <a16:creationId xmlns:a16="http://schemas.microsoft.com/office/drawing/2014/main" xmlns="" id="{B718B72E-6A45-486D-A67D-99311A977FFE}"/>
+              </a:ext>
+            </a:extLst>
+          </p:cNvPr>
+          <p:cNvSpPr txBox="1"/>
+          <p:nvPr/>
+        </p:nvSpPr>
+        <p:spPr>
+          <a:xfrm>
+            <a:off x="622571" y="291830"/>
+            <a:ext cx="3948517" cy="954107"/>
+          </a:xfrm>
+          <a:prstGeom prst="rect">
+            <a:avLst/>
+          </a:prstGeom>
+          <a:noFill/>
+        </p:spPr>
+        <p:txBody>
+          <a:bodyPr wrap="none" rtlCol="0">
+            <a:spAutoFit/>
+          </a:bodyPr>
+          <a:lstStyle/>
+          <a:p>
+            <a:r>
+              <a:rPr lang="en-US" sz="3200" b="1" dirty="0"/>
+              <a:t>Checking for Outliers: </a:t>
+            </a:r>
+          </a:p>
+          <a:p>
+            <a:r>
+              <a:rPr lang="en-US" sz="2400" b="1" dirty="0"/>
+              <a:t>Example: Shots</a:t>
+            </a:r>
+          </a:p>
+        </p:txBody>
+      </p:sp>
+    </p:spTree>
+    <p:extLst>
+      <p:ext uri="{BB962C8B-B14F-4D97-AF65-F5344CB8AC3E}">
+        <p14:creationId xmlns:p14="http://schemas.microsoft.com/office/powerpoint/2010/main" val="752583925"/>
       </p:ext>
     </p:extLst>
   </p:cSld>
@@ -8463,81 +8367,144 @@
           <a:chExt cx="0" cy="0"/>
         </a:xfrm>
       </p:grpSpPr>
+      <p:sp>
+        <p:nvSpPr>
+          <p:cNvPr id="2" name="TextBox 1">
+            <a:extLst>
+              <a:ext uri="{FF2B5EF4-FFF2-40B4-BE49-F238E27FC236}">
+                <a16:creationId xmlns:a16="http://schemas.microsoft.com/office/drawing/2014/main" xmlns="" id="{1E9E0E37-71F7-4506-A4A0-38A592F50849}"/>
+              </a:ext>
+            </a:extLst>
+          </p:cNvPr>
+          <p:cNvSpPr txBox="1"/>
+          <p:nvPr/>
+        </p:nvSpPr>
+        <p:spPr>
+          <a:xfrm>
+            <a:off x="622571" y="291830"/>
+            <a:ext cx="3150799" cy="584775"/>
+          </a:xfrm>
+          <a:prstGeom prst="rect">
+            <a:avLst/>
+          </a:prstGeom>
+          <a:noFill/>
+        </p:spPr>
+        <p:txBody>
+          <a:bodyPr wrap="none" rtlCol="0">
+            <a:spAutoFit/>
+          </a:bodyPr>
+          <a:lstStyle/>
+          <a:p>
+            <a:r>
+              <a:rPr lang="en-US" sz="3200" b="1" dirty="0" smtClean="0"/>
+              <a:t>Assist </a:t>
+            </a:r>
+            <a:r>
+              <a:rPr lang="en-US" sz="3200" b="1" dirty="0" err="1" smtClean="0"/>
+              <a:t>vs</a:t>
+            </a:r>
+            <a:r>
+              <a:rPr lang="en-US" sz="3200" b="1" dirty="0" smtClean="0"/>
+              <a:t> Key Pass</a:t>
+            </a:r>
+            <a:endParaRPr lang="en-US" sz="3200" b="1" dirty="0"/>
+          </a:p>
+        </p:txBody>
+      </p:sp>
       <p:pic>
         <p:nvPicPr>
-          <p:cNvPr id="2" name="Picture 1">
-            <a:extLst>
-              <a:ext uri="{FF2B5EF4-FFF2-40B4-BE49-F238E27FC236}">
-                <a16:creationId xmlns:a16="http://schemas.microsoft.com/office/drawing/2014/main" id="{A3D0C13E-2FAD-4B38-A8AC-86F95A177DC6}"/>
-              </a:ext>
-            </a:extLst>
-          </p:cNvPr>
+          <p:cNvPr id="6" name="Picture 5"/>
           <p:cNvPicPr>
             <a:picLocks noChangeAspect="1"/>
           </p:cNvPicPr>
           <p:nvPr/>
         </p:nvPicPr>
         <p:blipFill>
-          <a:blip r:embed="rId2"/>
+          <a:blip r:embed="rId2" cstate="print">
+            <a:extLst>
+              <a:ext uri="{28A0092B-C50C-407E-A947-70E740481C1C}">
+                <a14:useLocalDpi xmlns:a14="http://schemas.microsoft.com/office/drawing/2010/main" val="0"/>
+              </a:ext>
+            </a:extLst>
+          </a:blip>
           <a:stretch>
             <a:fillRect/>
           </a:stretch>
         </p:blipFill>
         <p:spPr>
           <a:xfrm>
-            <a:off x="1705850" y="1009413"/>
-            <a:ext cx="8780299" cy="5424968"/>
+            <a:off x="3711249" y="876605"/>
+            <a:ext cx="4826194" cy="2980665"/>
           </a:xfrm>
           <a:prstGeom prst="rect">
             <a:avLst/>
           </a:prstGeom>
         </p:spPr>
       </p:pic>
-      <p:sp>
-        <p:nvSpPr>
-          <p:cNvPr id="3" name="TextBox 2">
-            <a:extLst>
-              <a:ext uri="{FF2B5EF4-FFF2-40B4-BE49-F238E27FC236}">
-                <a16:creationId xmlns:a16="http://schemas.microsoft.com/office/drawing/2014/main" id="{B718B72E-6A45-486D-A67D-99311A977FFE}"/>
-              </a:ext>
-            </a:extLst>
-          </p:cNvPr>
-          <p:cNvSpPr txBox="1"/>
+      <p:pic>
+        <p:nvPicPr>
+          <p:cNvPr id="10" name="Picture 9"/>
+          <p:cNvPicPr>
+            <a:picLocks noChangeAspect="1"/>
+          </p:cNvPicPr>
           <p:nvPr/>
-        </p:nvSpPr>
+        </p:nvPicPr>
+        <p:blipFill>
+          <a:blip r:embed="rId3" cstate="print">
+            <a:extLst>
+              <a:ext uri="{28A0092B-C50C-407E-A947-70E740481C1C}">
+                <a14:useLocalDpi xmlns:a14="http://schemas.microsoft.com/office/drawing/2010/main" val="0"/>
+              </a:ext>
+            </a:extLst>
+          </a:blip>
+          <a:stretch>
+            <a:fillRect/>
+          </a:stretch>
+        </p:blipFill>
         <p:spPr>
           <a:xfrm>
-            <a:off x="622571" y="291830"/>
-            <a:ext cx="3948517" cy="954107"/>
+            <a:off x="622571" y="3857270"/>
+            <a:ext cx="4528852" cy="2797027"/>
           </a:xfrm>
           <a:prstGeom prst="rect">
             <a:avLst/>
           </a:prstGeom>
-          <a:noFill/>
         </p:spPr>
-        <p:txBody>
-          <a:bodyPr wrap="none" rtlCol="0">
-            <a:spAutoFit/>
-          </a:bodyPr>
-          <a:lstStyle/>
-          <a:p>
-            <a:r>
-              <a:rPr lang="en-US" sz="3200" b="1" dirty="0"/>
-              <a:t>Checking for Outliers: </a:t>
-            </a:r>
-          </a:p>
-          <a:p>
-            <a:r>
-              <a:rPr lang="en-US" sz="2400" b="1" dirty="0"/>
-              <a:t>Example: Shots</a:t>
-            </a:r>
-          </a:p>
-        </p:txBody>
-      </p:sp>
+      </p:pic>
+      <p:pic>
+        <p:nvPicPr>
+          <p:cNvPr id="11" name="Picture 10"/>
+          <p:cNvPicPr>
+            <a:picLocks noChangeAspect="1"/>
+          </p:cNvPicPr>
+          <p:nvPr/>
+        </p:nvPicPr>
+        <p:blipFill>
+          <a:blip r:embed="rId4" cstate="print">
+            <a:extLst>
+              <a:ext uri="{28A0092B-C50C-407E-A947-70E740481C1C}">
+                <a14:useLocalDpi xmlns:a14="http://schemas.microsoft.com/office/drawing/2010/main" val="0"/>
+              </a:ext>
+            </a:extLst>
+          </a:blip>
+          <a:stretch>
+            <a:fillRect/>
+          </a:stretch>
+        </p:blipFill>
+        <p:spPr>
+          <a:xfrm>
+            <a:off x="7097269" y="3857270"/>
+            <a:ext cx="4528853" cy="2797027"/>
+          </a:xfrm>
+          <a:prstGeom prst="rect">
+            <a:avLst/>
+          </a:prstGeom>
+        </p:spPr>
+      </p:pic>
     </p:spTree>
     <p:extLst>
       <p:ext uri="{BB962C8B-B14F-4D97-AF65-F5344CB8AC3E}">
-        <p14:creationId xmlns:p14="http://schemas.microsoft.com/office/powerpoint/2010/main" val="752583925"/>
+        <p14:creationId xmlns:p14="http://schemas.microsoft.com/office/powerpoint/2010/main" val="2741190650"/>
       </p:ext>
     </p:extLst>
   </p:cSld>

--- a/midterm_project/Determining which variables contribute to likely hood of.pptx
+++ b/midterm_project/Determining which variables contribute to likely hood of.pptx
@@ -12,11 +12,15 @@
     <p:sldId id="269" r:id="rId6"/>
     <p:sldId id="265" r:id="rId7"/>
     <p:sldId id="267" r:id="rId8"/>
-    <p:sldId id="264" r:id="rId9"/>
-    <p:sldId id="261" r:id="rId10"/>
-    <p:sldId id="271" r:id="rId11"/>
-    <p:sldId id="259" r:id="rId12"/>
-    <p:sldId id="268" r:id="rId13"/>
+    <p:sldId id="276" r:id="rId9"/>
+    <p:sldId id="264" r:id="rId10"/>
+    <p:sldId id="261" r:id="rId11"/>
+    <p:sldId id="271" r:id="rId12"/>
+    <p:sldId id="272" r:id="rId13"/>
+    <p:sldId id="273" r:id="rId14"/>
+    <p:sldId id="274" r:id="rId15"/>
+    <p:sldId id="275" r:id="rId16"/>
+    <p:sldId id="268" r:id="rId17"/>
   </p:sldIdLst>
   <p:sldSz cx="12192000" cy="6858000"/>
   <p:notesSz cx="6858000" cy="9144000"/>
@@ -3467,6 +3471,170 @@
         <p:spPr>
           <a:xfrm>
             <a:off x="622571" y="291830"/>
+            <a:ext cx="3150799" cy="584775"/>
+          </a:xfrm>
+          <a:prstGeom prst="rect">
+            <a:avLst/>
+          </a:prstGeom>
+          <a:noFill/>
+        </p:spPr>
+        <p:txBody>
+          <a:bodyPr wrap="none" rtlCol="0">
+            <a:spAutoFit/>
+          </a:bodyPr>
+          <a:lstStyle/>
+          <a:p>
+            <a:r>
+              <a:rPr lang="en-US" sz="3200" b="1" dirty="0" smtClean="0"/>
+              <a:t>Assist </a:t>
+            </a:r>
+            <a:r>
+              <a:rPr lang="en-US" sz="3200" b="1" dirty="0" err="1" smtClean="0"/>
+              <a:t>vs</a:t>
+            </a:r>
+            <a:r>
+              <a:rPr lang="en-US" sz="3200" b="1" dirty="0" smtClean="0"/>
+              <a:t> Key Pass</a:t>
+            </a:r>
+            <a:endParaRPr lang="en-US" sz="3200" b="1" dirty="0"/>
+          </a:p>
+        </p:txBody>
+      </p:sp>
+      <p:pic>
+        <p:nvPicPr>
+          <p:cNvPr id="6" name="Picture 5"/>
+          <p:cNvPicPr>
+            <a:picLocks noChangeAspect="1"/>
+          </p:cNvPicPr>
+          <p:nvPr/>
+        </p:nvPicPr>
+        <p:blipFill>
+          <a:blip r:embed="rId2" cstate="print">
+            <a:extLst>
+              <a:ext uri="{28A0092B-C50C-407E-A947-70E740481C1C}">
+                <a14:useLocalDpi xmlns:a14="http://schemas.microsoft.com/office/drawing/2010/main" val="0"/>
+              </a:ext>
+            </a:extLst>
+          </a:blip>
+          <a:stretch>
+            <a:fillRect/>
+          </a:stretch>
+        </p:blipFill>
+        <p:spPr>
+          <a:xfrm>
+            <a:off x="3711249" y="876605"/>
+            <a:ext cx="4826194" cy="2980665"/>
+          </a:xfrm>
+          <a:prstGeom prst="rect">
+            <a:avLst/>
+          </a:prstGeom>
+        </p:spPr>
+      </p:pic>
+      <p:pic>
+        <p:nvPicPr>
+          <p:cNvPr id="10" name="Picture 9"/>
+          <p:cNvPicPr>
+            <a:picLocks noChangeAspect="1"/>
+          </p:cNvPicPr>
+          <p:nvPr/>
+        </p:nvPicPr>
+        <p:blipFill>
+          <a:blip r:embed="rId3" cstate="print">
+            <a:extLst>
+              <a:ext uri="{28A0092B-C50C-407E-A947-70E740481C1C}">
+                <a14:useLocalDpi xmlns:a14="http://schemas.microsoft.com/office/drawing/2010/main" val="0"/>
+              </a:ext>
+            </a:extLst>
+          </a:blip>
+          <a:stretch>
+            <a:fillRect/>
+          </a:stretch>
+        </p:blipFill>
+        <p:spPr>
+          <a:xfrm>
+            <a:off x="622571" y="3857270"/>
+            <a:ext cx="4528852" cy="2797027"/>
+          </a:xfrm>
+          <a:prstGeom prst="rect">
+            <a:avLst/>
+          </a:prstGeom>
+        </p:spPr>
+      </p:pic>
+      <p:pic>
+        <p:nvPicPr>
+          <p:cNvPr id="11" name="Picture 10"/>
+          <p:cNvPicPr>
+            <a:picLocks noChangeAspect="1"/>
+          </p:cNvPicPr>
+          <p:nvPr/>
+        </p:nvPicPr>
+        <p:blipFill>
+          <a:blip r:embed="rId4" cstate="print">
+            <a:extLst>
+              <a:ext uri="{28A0092B-C50C-407E-A947-70E740481C1C}">
+                <a14:useLocalDpi xmlns:a14="http://schemas.microsoft.com/office/drawing/2010/main" val="0"/>
+              </a:ext>
+            </a:extLst>
+          </a:blip>
+          <a:stretch>
+            <a:fillRect/>
+          </a:stretch>
+        </p:blipFill>
+        <p:spPr>
+          <a:xfrm>
+            <a:off x="7097269" y="3857270"/>
+            <a:ext cx="4528853" cy="2797027"/>
+          </a:xfrm>
+          <a:prstGeom prst="rect">
+            <a:avLst/>
+          </a:prstGeom>
+        </p:spPr>
+      </p:pic>
+    </p:spTree>
+    <p:extLst>
+      <p:ext uri="{BB962C8B-B14F-4D97-AF65-F5344CB8AC3E}">
+        <p14:creationId xmlns:p14="http://schemas.microsoft.com/office/powerpoint/2010/main" val="2741190650"/>
+      </p:ext>
+    </p:extLst>
+  </p:cSld>
+  <p:clrMapOvr>
+    <a:masterClrMapping/>
+  </p:clrMapOvr>
+</p:sld>
+</file>
+
+<file path=ppt/slides/slide11.xml><?xml version="1.0" encoding="utf-8"?>
+<p:sld xmlns:a="http://schemas.openxmlformats.org/drawingml/2006/main" xmlns:r="http://schemas.openxmlformats.org/officeDocument/2006/relationships" xmlns:p="http://schemas.openxmlformats.org/presentationml/2006/main">
+  <p:cSld>
+    <p:spTree>
+      <p:nvGrpSpPr>
+        <p:cNvPr id="1" name=""/>
+        <p:cNvGrpSpPr/>
+        <p:nvPr/>
+      </p:nvGrpSpPr>
+      <p:grpSpPr>
+        <a:xfrm>
+          <a:off x="0" y="0"/>
+          <a:ext cx="0" cy="0"/>
+          <a:chOff x="0" y="0"/>
+          <a:chExt cx="0" cy="0"/>
+        </a:xfrm>
+      </p:grpSpPr>
+      <p:sp>
+        <p:nvSpPr>
+          <p:cNvPr id="2" name="TextBox 1">
+            <a:extLst>
+              <a:ext uri="{FF2B5EF4-FFF2-40B4-BE49-F238E27FC236}">
+                <a16:creationId xmlns:a16="http://schemas.microsoft.com/office/drawing/2014/main" xmlns="" id="{1E9E0E37-71F7-4506-A4A0-38A592F50849}"/>
+              </a:ext>
+            </a:extLst>
+          </p:cNvPr>
+          <p:cNvSpPr txBox="1"/>
+          <p:nvPr/>
+        </p:nvSpPr>
+        <p:spPr>
+          <a:xfrm>
+            <a:off x="622571" y="291830"/>
             <a:ext cx="2289794" cy="584775"/>
           </a:xfrm>
           <a:prstGeom prst="rect">
@@ -3599,7 +3767,7 @@
 </p:sld>
 </file>
 
-<file path=ppt/slides/slide11.xml><?xml version="1.0" encoding="utf-8"?>
+<file path=ppt/slides/slide12.xml><?xml version="1.0" encoding="utf-8"?>
 <p:sld xmlns:a="http://schemas.openxmlformats.org/drawingml/2006/main" xmlns:r="http://schemas.openxmlformats.org/officeDocument/2006/relationships" xmlns:p="http://schemas.openxmlformats.org/presentationml/2006/main">
   <p:cSld>
     <p:spTree>
@@ -3616,105 +3784,386 @@
           <a:chExt cx="0" cy="0"/>
         </a:xfrm>
       </p:grpSpPr>
+      <p:sp>
+        <p:nvSpPr>
+          <p:cNvPr id="2" name="TextBox 1">
+            <a:extLst>
+              <a:ext uri="{FF2B5EF4-FFF2-40B4-BE49-F238E27FC236}">
+                <a16:creationId xmlns:a16="http://schemas.microsoft.com/office/drawing/2014/main" xmlns="" id="{1E9E0E37-71F7-4506-A4A0-38A592F50849}"/>
+              </a:ext>
+            </a:extLst>
+          </p:cNvPr>
+          <p:cNvSpPr txBox="1"/>
+          <p:nvPr/>
+        </p:nvSpPr>
+        <p:spPr>
+          <a:xfrm>
+            <a:off x="622571" y="291830"/>
+            <a:ext cx="6533135" cy="584775"/>
+          </a:xfrm>
+          <a:prstGeom prst="rect">
+            <a:avLst/>
+          </a:prstGeom>
+          <a:noFill/>
+        </p:spPr>
+        <p:txBody>
+          <a:bodyPr wrap="none" rtlCol="0">
+            <a:spAutoFit/>
+          </a:bodyPr>
+          <a:lstStyle/>
+          <a:p>
+            <a:r>
+              <a:rPr lang="en-US" sz="3200" b="1" dirty="0" smtClean="0"/>
+              <a:t>Hypothesis Testing: Assist </a:t>
+            </a:r>
+            <a:r>
+              <a:rPr lang="en-US" sz="3200" b="1" dirty="0" err="1" smtClean="0"/>
+              <a:t>vs</a:t>
+            </a:r>
+            <a:r>
+              <a:rPr lang="en-US" sz="3200" b="1" dirty="0" smtClean="0"/>
+              <a:t> Key Pass</a:t>
+            </a:r>
+            <a:endParaRPr lang="en-US" sz="3200" b="1" dirty="0"/>
+          </a:p>
+        </p:txBody>
+      </p:sp>
       <p:pic>
         <p:nvPicPr>
-          <p:cNvPr id="2" name="Picture 1">
-            <a:extLst>
-              <a:ext uri="{FF2B5EF4-FFF2-40B4-BE49-F238E27FC236}">
-                <a16:creationId xmlns:a16="http://schemas.microsoft.com/office/drawing/2014/main" xmlns="" id="{632249DD-AD0D-4461-865C-3EE7DAB0C698}"/>
-              </a:ext>
-            </a:extLst>
-          </p:cNvPr>
+          <p:cNvPr id="6" name="Picture 5"/>
           <p:cNvPicPr>
             <a:picLocks noChangeAspect="1"/>
           </p:cNvPicPr>
           <p:nvPr/>
         </p:nvPicPr>
         <p:blipFill>
-          <a:blip r:embed="rId2"/>
+          <a:blip r:embed="rId2" cstate="print">
+            <a:extLst>
+              <a:ext uri="{28A0092B-C50C-407E-A947-70E740481C1C}">
+                <a14:useLocalDpi xmlns:a14="http://schemas.microsoft.com/office/drawing/2010/main" val="0"/>
+              </a:ext>
+            </a:extLst>
+          </a:blip>
           <a:stretch>
             <a:fillRect/>
           </a:stretch>
         </p:blipFill>
         <p:spPr>
           <a:xfrm>
-            <a:off x="235242" y="1528899"/>
-            <a:ext cx="6150616" cy="3800201"/>
+            <a:off x="3711249" y="876605"/>
+            <a:ext cx="4826194" cy="2980665"/>
           </a:xfrm>
           <a:prstGeom prst="rect">
             <a:avLst/>
           </a:prstGeom>
         </p:spPr>
       </p:pic>
-      <p:sp>
-        <p:nvSpPr>
-          <p:cNvPr id="3" name="TextBox 2">
-            <a:extLst>
-              <a:ext uri="{FF2B5EF4-FFF2-40B4-BE49-F238E27FC236}">
-                <a16:creationId xmlns:a16="http://schemas.microsoft.com/office/drawing/2014/main" xmlns="" id="{A6FEC46B-0DCF-4A6F-AD09-6B8120C2F40F}"/>
-              </a:ext>
-            </a:extLst>
-          </p:cNvPr>
-          <p:cNvSpPr txBox="1"/>
-          <p:nvPr/>
-        </p:nvSpPr>
-        <p:spPr>
-          <a:xfrm>
-            <a:off x="612739" y="213172"/>
-            <a:ext cx="5773119" cy="584775"/>
-          </a:xfrm>
-          <a:prstGeom prst="rect">
-            <a:avLst/>
-          </a:prstGeom>
-          <a:noFill/>
-        </p:spPr>
-        <p:txBody>
-          <a:bodyPr wrap="none" rtlCol="0">
-            <a:spAutoFit/>
-          </a:bodyPr>
-          <a:lstStyle/>
-          <a:p>
-            <a:r>
-              <a:rPr lang="en-US" sz="3200" b="1" dirty="0"/>
-              <a:t>Length of Assists and Key Passes:</a:t>
-            </a:r>
-          </a:p>
-        </p:txBody>
-      </p:sp>
       <p:pic>
         <p:nvPicPr>
-          <p:cNvPr id="5" name="Picture 4">
-            <a:extLst>
-              <a:ext uri="{FF2B5EF4-FFF2-40B4-BE49-F238E27FC236}">
-                <a16:creationId xmlns:a16="http://schemas.microsoft.com/office/drawing/2014/main" xmlns="" id="{AD12B680-ADA2-435A-A8EC-D1167FC3D266}"/>
-              </a:ext>
-            </a:extLst>
-          </p:cNvPr>
+          <p:cNvPr id="10" name="Picture 9"/>
           <p:cNvPicPr>
             <a:picLocks noChangeAspect="1"/>
           </p:cNvPicPr>
           <p:nvPr/>
         </p:nvPicPr>
         <p:blipFill>
-          <a:blip r:embed="rId3"/>
+          <a:blip r:embed="rId3" cstate="print">
+            <a:extLst>
+              <a:ext uri="{28A0092B-C50C-407E-A947-70E740481C1C}">
+                <a14:useLocalDpi xmlns:a14="http://schemas.microsoft.com/office/drawing/2010/main" val="0"/>
+              </a:ext>
+            </a:extLst>
+          </a:blip>
           <a:stretch>
             <a:fillRect/>
           </a:stretch>
         </p:blipFill>
         <p:spPr>
           <a:xfrm>
-            <a:off x="6582328" y="2318813"/>
-            <a:ext cx="5448673" cy="2220371"/>
+            <a:off x="622571" y="3857270"/>
+            <a:ext cx="4528852" cy="2797027"/>
           </a:xfrm>
           <a:prstGeom prst="rect">
             <a:avLst/>
           </a:prstGeom>
         </p:spPr>
       </p:pic>
+      <p:pic>
+        <p:nvPicPr>
+          <p:cNvPr id="11" name="Picture 10"/>
+          <p:cNvPicPr>
+            <a:picLocks noChangeAspect="1"/>
+          </p:cNvPicPr>
+          <p:nvPr/>
+        </p:nvPicPr>
+        <p:blipFill>
+          <a:blip r:embed="rId4" cstate="print">
+            <a:extLst>
+              <a:ext uri="{28A0092B-C50C-407E-A947-70E740481C1C}">
+                <a14:useLocalDpi xmlns:a14="http://schemas.microsoft.com/office/drawing/2010/main" val="0"/>
+              </a:ext>
+            </a:extLst>
+          </a:blip>
+          <a:stretch>
+            <a:fillRect/>
+          </a:stretch>
+        </p:blipFill>
+        <p:spPr>
+          <a:xfrm>
+            <a:off x="7097269" y="3857270"/>
+            <a:ext cx="4528853" cy="2797027"/>
+          </a:xfrm>
+          <a:prstGeom prst="rect">
+            <a:avLst/>
+          </a:prstGeom>
+        </p:spPr>
+      </p:pic>
+      <p:sp>
+        <p:nvSpPr>
+          <p:cNvPr id="7" name="TextBox 6"/>
+          <p:cNvSpPr txBox="1"/>
+          <p:nvPr/>
+        </p:nvSpPr>
+        <p:spPr>
+          <a:xfrm>
+            <a:off x="8537443" y="876605"/>
+            <a:ext cx="2727434" cy="1200329"/>
+          </a:xfrm>
+          <a:prstGeom prst="rect">
+            <a:avLst/>
+          </a:prstGeom>
+        </p:spPr>
+        <p:style>
+          <a:lnRef idx="2">
+            <a:schemeClr val="accent3"/>
+          </a:lnRef>
+          <a:fillRef idx="1">
+            <a:schemeClr val="lt1"/>
+          </a:fillRef>
+          <a:effectRef idx="0">
+            <a:schemeClr val="accent3"/>
+          </a:effectRef>
+          <a:fontRef idx="minor">
+            <a:schemeClr val="dk1"/>
+          </a:fontRef>
+        </p:style>
+        <p:txBody>
+          <a:bodyPr wrap="square" rtlCol="0">
+            <a:spAutoFit/>
+          </a:bodyPr>
+          <a:lstStyle/>
+          <a:p>
+            <a:r>
+              <a:rPr lang="en-US" u="sng" dirty="0" smtClean="0"/>
+              <a:t>Welch Two Sample t-test</a:t>
+            </a:r>
+          </a:p>
+          <a:p>
+            <a:pPr marL="285750" indent="-285750">
+              <a:buFont typeface="Arial" panose="020B0604020202020204" pitchFamily="34" charset="0"/>
+              <a:buChar char="•"/>
+            </a:pPr>
+            <a:r>
+              <a:rPr lang="en-US" dirty="0">
+                <a:solidFill>
+                  <a:srgbClr val="FF0000"/>
+                </a:solidFill>
+              </a:rPr>
+              <a:t>p-value: &lt;</a:t>
+            </a:r>
+            <a:r>
+              <a:rPr lang="en-US" dirty="0" smtClean="0">
+                <a:solidFill>
+                  <a:srgbClr val="FF0000"/>
+                </a:solidFill>
+              </a:rPr>
+              <a:t>2e-16</a:t>
+            </a:r>
+          </a:p>
+          <a:p>
+            <a:pPr marL="285750" indent="-285750">
+              <a:buFont typeface="Arial" panose="020B0604020202020204" pitchFamily="34" charset="0"/>
+              <a:buChar char="•"/>
+            </a:pPr>
+            <a:r>
+              <a:rPr lang="en-US" dirty="0" smtClean="0"/>
+              <a:t>Assist Mean: 29.2</a:t>
+            </a:r>
+          </a:p>
+          <a:p>
+            <a:pPr marL="285750" indent="-285750">
+              <a:buFont typeface="Arial" panose="020B0604020202020204" pitchFamily="34" charset="0"/>
+              <a:buChar char="•"/>
+            </a:pPr>
+            <a:r>
+              <a:rPr lang="en-US" dirty="0" smtClean="0"/>
+              <a:t>Key Pass Mean: 33.2</a:t>
+            </a:r>
+            <a:endParaRPr lang="en-US" dirty="0"/>
+          </a:p>
+        </p:txBody>
+      </p:sp>
+      <p:sp>
+        <p:nvSpPr>
+          <p:cNvPr id="8" name="TextBox 7"/>
+          <p:cNvSpPr txBox="1"/>
+          <p:nvPr/>
+        </p:nvSpPr>
+        <p:spPr>
+          <a:xfrm>
+            <a:off x="983815" y="2656941"/>
+            <a:ext cx="2727434" cy="1200329"/>
+          </a:xfrm>
+          <a:prstGeom prst="rect">
+            <a:avLst/>
+          </a:prstGeom>
+        </p:spPr>
+        <p:style>
+          <a:lnRef idx="2">
+            <a:schemeClr val="accent3"/>
+          </a:lnRef>
+          <a:fillRef idx="1">
+            <a:schemeClr val="lt1"/>
+          </a:fillRef>
+          <a:effectRef idx="0">
+            <a:schemeClr val="accent3"/>
+          </a:effectRef>
+          <a:fontRef idx="minor">
+            <a:schemeClr val="dk1"/>
+          </a:fontRef>
+        </p:style>
+        <p:txBody>
+          <a:bodyPr wrap="square" rtlCol="0">
+            <a:spAutoFit/>
+          </a:bodyPr>
+          <a:lstStyle/>
+          <a:p>
+            <a:r>
+              <a:rPr lang="en-US" u="sng" dirty="0" smtClean="0"/>
+              <a:t>Welch Two Sample t-test</a:t>
+            </a:r>
+          </a:p>
+          <a:p>
+            <a:pPr marL="285750" indent="-285750">
+              <a:buFont typeface="Arial" panose="020B0604020202020204" pitchFamily="34" charset="0"/>
+              <a:buChar char="•"/>
+            </a:pPr>
+            <a:r>
+              <a:rPr lang="en-US" dirty="0" smtClean="0"/>
+              <a:t>p-value: 0.9</a:t>
+            </a:r>
+          </a:p>
+          <a:p>
+            <a:pPr marL="285750" indent="-285750">
+              <a:buFont typeface="Arial" panose="020B0604020202020204" pitchFamily="34" charset="0"/>
+              <a:buChar char="•"/>
+            </a:pPr>
+            <a:r>
+              <a:rPr lang="en-US" dirty="0" smtClean="0"/>
+              <a:t>Assist Mean: 84.7</a:t>
+            </a:r>
+          </a:p>
+          <a:p>
+            <a:pPr marL="285750" indent="-285750">
+              <a:buFont typeface="Arial" panose="020B0604020202020204" pitchFamily="34" charset="0"/>
+              <a:buChar char="•"/>
+            </a:pPr>
+            <a:r>
+              <a:rPr lang="en-US" dirty="0" smtClean="0"/>
+              <a:t>Key Pass Mean: </a:t>
+            </a:r>
+            <a:r>
+              <a:rPr lang="en-US" dirty="0"/>
+              <a:t>84.7</a:t>
+            </a:r>
+          </a:p>
+        </p:txBody>
+      </p:sp>
+      <p:sp>
+        <p:nvSpPr>
+          <p:cNvPr id="9" name="TextBox 8"/>
+          <p:cNvSpPr txBox="1"/>
+          <p:nvPr/>
+        </p:nvSpPr>
+        <p:spPr>
+          <a:xfrm>
+            <a:off x="8537443" y="2656940"/>
+            <a:ext cx="2727434" cy="1200329"/>
+          </a:xfrm>
+          <a:prstGeom prst="rect">
+            <a:avLst/>
+          </a:prstGeom>
+        </p:spPr>
+        <p:style>
+          <a:lnRef idx="2">
+            <a:schemeClr val="accent3"/>
+          </a:lnRef>
+          <a:fillRef idx="1">
+            <a:schemeClr val="lt1"/>
+          </a:fillRef>
+          <a:effectRef idx="0">
+            <a:schemeClr val="accent3"/>
+          </a:effectRef>
+          <a:fontRef idx="minor">
+            <a:schemeClr val="dk1"/>
+          </a:fontRef>
+        </p:style>
+        <p:txBody>
+          <a:bodyPr wrap="square" rtlCol="0">
+            <a:spAutoFit/>
+          </a:bodyPr>
+          <a:lstStyle/>
+          <a:p>
+            <a:r>
+              <a:rPr lang="en-US" u="sng" dirty="0" smtClean="0"/>
+              <a:t>Welch Two Sample t-test</a:t>
+            </a:r>
+          </a:p>
+          <a:p>
+            <a:pPr marL="285750" indent="-285750">
+              <a:buFont typeface="Arial" panose="020B0604020202020204" pitchFamily="34" charset="0"/>
+              <a:buChar char="•"/>
+            </a:pPr>
+            <a:r>
+              <a:rPr lang="en-US" dirty="0" smtClean="0"/>
+              <a:t>p-value: 0.6</a:t>
+            </a:r>
+          </a:p>
+          <a:p>
+            <a:pPr marL="285750" indent="-285750">
+              <a:buFont typeface="Arial" panose="020B0604020202020204" pitchFamily="34" charset="0"/>
+              <a:buChar char="•"/>
+            </a:pPr>
+            <a:r>
+              <a:rPr lang="en-US" dirty="0" smtClean="0"/>
+              <a:t>Assist Mean</a:t>
+            </a:r>
+            <a:r>
+              <a:rPr lang="en-US" dirty="0"/>
+              <a:t>: 51.7</a:t>
+            </a:r>
+            <a:endParaRPr lang="en-US" dirty="0" smtClean="0"/>
+          </a:p>
+          <a:p>
+            <a:pPr marL="285750" indent="-285750">
+              <a:buFont typeface="Arial" panose="020B0604020202020204" pitchFamily="34" charset="0"/>
+              <a:buChar char="•"/>
+            </a:pPr>
+            <a:r>
+              <a:rPr lang="en-US" dirty="0" smtClean="0"/>
+              <a:t>Key Pass Mean</a:t>
+            </a:r>
+            <a:r>
+              <a:rPr lang="en-US" dirty="0"/>
+              <a:t>: 52.1</a:t>
+            </a:r>
+          </a:p>
+        </p:txBody>
+      </p:sp>
     </p:spTree>
     <p:extLst>
       <p:ext uri="{BB962C8B-B14F-4D97-AF65-F5344CB8AC3E}">
-        <p14:creationId xmlns:p14="http://schemas.microsoft.com/office/powerpoint/2010/main" val="1675972314"/>
+        <p14:creationId xmlns:p14="http://schemas.microsoft.com/office/powerpoint/2010/main" val="2229208503"/>
       </p:ext>
     </p:extLst>
   </p:cSld>
@@ -3724,7 +4173,737 @@
 </p:sld>
 </file>
 
-<file path=ppt/slides/slide12.xml><?xml version="1.0" encoding="utf-8"?>
+<file path=ppt/slides/slide13.xml><?xml version="1.0" encoding="utf-8"?>
+<p:sld xmlns:a="http://schemas.openxmlformats.org/drawingml/2006/main" xmlns:r="http://schemas.openxmlformats.org/officeDocument/2006/relationships" xmlns:p="http://schemas.openxmlformats.org/presentationml/2006/main">
+  <p:cSld>
+    <p:spTree>
+      <p:nvGrpSpPr>
+        <p:cNvPr id="1" name=""/>
+        <p:cNvGrpSpPr/>
+        <p:nvPr/>
+      </p:nvGrpSpPr>
+      <p:grpSpPr>
+        <a:xfrm>
+          <a:off x="0" y="0"/>
+          <a:ext cx="0" cy="0"/>
+          <a:chOff x="0" y="0"/>
+          <a:chExt cx="0" cy="0"/>
+        </a:xfrm>
+      </p:grpSpPr>
+      <p:sp>
+        <p:nvSpPr>
+          <p:cNvPr id="2" name="TextBox 1">
+            <a:extLst>
+              <a:ext uri="{FF2B5EF4-FFF2-40B4-BE49-F238E27FC236}">
+                <a16:creationId xmlns:a16="http://schemas.microsoft.com/office/drawing/2014/main" xmlns="" id="{1E9E0E37-71F7-4506-A4A0-38A592F50849}"/>
+              </a:ext>
+            </a:extLst>
+          </p:cNvPr>
+          <p:cNvSpPr txBox="1"/>
+          <p:nvPr/>
+        </p:nvSpPr>
+        <p:spPr>
+          <a:xfrm>
+            <a:off x="622571" y="291830"/>
+            <a:ext cx="5672130" cy="584775"/>
+          </a:xfrm>
+          <a:prstGeom prst="rect">
+            <a:avLst/>
+          </a:prstGeom>
+          <a:noFill/>
+        </p:spPr>
+        <p:txBody>
+          <a:bodyPr wrap="none" rtlCol="0">
+            <a:spAutoFit/>
+          </a:bodyPr>
+          <a:lstStyle/>
+          <a:p>
+            <a:r>
+              <a:rPr lang="en-US" sz="3200" b="1" dirty="0" smtClean="0"/>
+              <a:t>Hypothesis Testing: Shot </a:t>
+            </a:r>
+            <a:r>
+              <a:rPr lang="en-US" sz="3200" b="1" dirty="0" err="1" smtClean="0"/>
+              <a:t>vs</a:t>
+            </a:r>
+            <a:r>
+              <a:rPr lang="en-US" sz="3200" b="1" dirty="0" smtClean="0"/>
+              <a:t> Goal</a:t>
+            </a:r>
+            <a:endParaRPr lang="en-US" sz="3200" b="1" dirty="0"/>
+          </a:p>
+        </p:txBody>
+      </p:sp>
+      <p:pic>
+        <p:nvPicPr>
+          <p:cNvPr id="4" name="Picture 3"/>
+          <p:cNvPicPr>
+            <a:picLocks noChangeAspect="1"/>
+          </p:cNvPicPr>
+          <p:nvPr/>
+        </p:nvPicPr>
+        <p:blipFill>
+          <a:blip r:embed="rId2" cstate="print">
+            <a:extLst>
+              <a:ext uri="{28A0092B-C50C-407E-A947-70E740481C1C}">
+                <a14:useLocalDpi xmlns:a14="http://schemas.microsoft.com/office/drawing/2010/main" val="0"/>
+              </a:ext>
+            </a:extLst>
+          </a:blip>
+          <a:stretch>
+            <a:fillRect/>
+          </a:stretch>
+        </p:blipFill>
+        <p:spPr>
+          <a:xfrm>
+            <a:off x="622571" y="3857269"/>
+            <a:ext cx="4528853" cy="2797027"/>
+          </a:xfrm>
+          <a:prstGeom prst="rect">
+            <a:avLst/>
+          </a:prstGeom>
+        </p:spPr>
+      </p:pic>
+      <p:pic>
+        <p:nvPicPr>
+          <p:cNvPr id="5" name="Picture 4"/>
+          <p:cNvPicPr>
+            <a:picLocks noChangeAspect="1"/>
+          </p:cNvPicPr>
+          <p:nvPr/>
+        </p:nvPicPr>
+        <p:blipFill>
+          <a:blip r:embed="rId3" cstate="print">
+            <a:extLst>
+              <a:ext uri="{28A0092B-C50C-407E-A947-70E740481C1C}">
+                <a14:useLocalDpi xmlns:a14="http://schemas.microsoft.com/office/drawing/2010/main" val="0"/>
+              </a:ext>
+            </a:extLst>
+          </a:blip>
+          <a:stretch>
+            <a:fillRect/>
+          </a:stretch>
+        </p:blipFill>
+        <p:spPr>
+          <a:xfrm>
+            <a:off x="3736695" y="908033"/>
+            <a:ext cx="4775304" cy="2949236"/>
+          </a:xfrm>
+          <a:prstGeom prst="rect">
+            <a:avLst/>
+          </a:prstGeom>
+        </p:spPr>
+      </p:pic>
+      <p:pic>
+        <p:nvPicPr>
+          <p:cNvPr id="7" name="Picture 6"/>
+          <p:cNvPicPr>
+            <a:picLocks noChangeAspect="1"/>
+          </p:cNvPicPr>
+          <p:nvPr/>
+        </p:nvPicPr>
+        <p:blipFill>
+          <a:blip r:embed="rId4" cstate="print">
+            <a:extLst>
+              <a:ext uri="{28A0092B-C50C-407E-A947-70E740481C1C}">
+                <a14:useLocalDpi xmlns:a14="http://schemas.microsoft.com/office/drawing/2010/main" val="0"/>
+              </a:ext>
+            </a:extLst>
+          </a:blip>
+          <a:stretch>
+            <a:fillRect/>
+          </a:stretch>
+        </p:blipFill>
+        <p:spPr>
+          <a:xfrm>
+            <a:off x="7104778" y="3861906"/>
+            <a:ext cx="4521345" cy="2792390"/>
+          </a:xfrm>
+          <a:prstGeom prst="rect">
+            <a:avLst/>
+          </a:prstGeom>
+        </p:spPr>
+      </p:pic>
+      <p:sp>
+        <p:nvSpPr>
+          <p:cNvPr id="6" name="TextBox 5"/>
+          <p:cNvSpPr txBox="1"/>
+          <p:nvPr/>
+        </p:nvSpPr>
+        <p:spPr>
+          <a:xfrm>
+            <a:off x="8537443" y="876605"/>
+            <a:ext cx="2727434" cy="1200329"/>
+          </a:xfrm>
+          <a:prstGeom prst="rect">
+            <a:avLst/>
+          </a:prstGeom>
+        </p:spPr>
+        <p:style>
+          <a:lnRef idx="2">
+            <a:schemeClr val="accent3"/>
+          </a:lnRef>
+          <a:fillRef idx="1">
+            <a:schemeClr val="lt1"/>
+          </a:fillRef>
+          <a:effectRef idx="0">
+            <a:schemeClr val="accent3"/>
+          </a:effectRef>
+          <a:fontRef idx="minor">
+            <a:schemeClr val="dk1"/>
+          </a:fontRef>
+        </p:style>
+        <p:txBody>
+          <a:bodyPr wrap="square" rtlCol="0">
+            <a:spAutoFit/>
+          </a:bodyPr>
+          <a:lstStyle/>
+          <a:p>
+            <a:r>
+              <a:rPr lang="en-US" u="sng" dirty="0" smtClean="0"/>
+              <a:t>Welch Two Sample t-test</a:t>
+            </a:r>
+          </a:p>
+          <a:p>
+            <a:pPr marL="285750" indent="-285750">
+              <a:buFont typeface="Arial" panose="020B0604020202020204" pitchFamily="34" charset="0"/>
+              <a:buChar char="•"/>
+            </a:pPr>
+            <a:r>
+              <a:rPr lang="en-US" dirty="0">
+                <a:solidFill>
+                  <a:srgbClr val="FF0000"/>
+                </a:solidFill>
+              </a:rPr>
+              <a:t>p-value: &lt;</a:t>
+            </a:r>
+            <a:r>
+              <a:rPr lang="en-US" dirty="0" smtClean="0">
+                <a:solidFill>
+                  <a:srgbClr val="FF0000"/>
+                </a:solidFill>
+              </a:rPr>
+              <a:t>2e-16</a:t>
+            </a:r>
+          </a:p>
+          <a:p>
+            <a:pPr marL="285750" indent="-285750">
+              <a:buFont typeface="Arial" panose="020B0604020202020204" pitchFamily="34" charset="0"/>
+              <a:buChar char="•"/>
+            </a:pPr>
+            <a:r>
+              <a:rPr lang="en-US" dirty="0" smtClean="0"/>
+              <a:t>Goal Mean: 83.4</a:t>
+            </a:r>
+          </a:p>
+          <a:p>
+            <a:pPr marL="285750" indent="-285750">
+              <a:buFont typeface="Arial" panose="020B0604020202020204" pitchFamily="34" charset="0"/>
+              <a:buChar char="•"/>
+            </a:pPr>
+            <a:r>
+              <a:rPr lang="en-US" dirty="0" smtClean="0"/>
+              <a:t>Shot Mean: 78.6</a:t>
+            </a:r>
+            <a:endParaRPr lang="en-US" dirty="0"/>
+          </a:p>
+        </p:txBody>
+      </p:sp>
+      <p:sp>
+        <p:nvSpPr>
+          <p:cNvPr id="8" name="TextBox 7"/>
+          <p:cNvSpPr txBox="1"/>
+          <p:nvPr/>
+        </p:nvSpPr>
+        <p:spPr>
+          <a:xfrm>
+            <a:off x="983815" y="2656941"/>
+            <a:ext cx="2727434" cy="1200329"/>
+          </a:xfrm>
+          <a:prstGeom prst="rect">
+            <a:avLst/>
+          </a:prstGeom>
+        </p:spPr>
+        <p:style>
+          <a:lnRef idx="2">
+            <a:schemeClr val="accent3"/>
+          </a:lnRef>
+          <a:fillRef idx="1">
+            <a:schemeClr val="lt1"/>
+          </a:fillRef>
+          <a:effectRef idx="0">
+            <a:schemeClr val="accent3"/>
+          </a:effectRef>
+          <a:fontRef idx="minor">
+            <a:schemeClr val="dk1"/>
+          </a:fontRef>
+        </p:style>
+        <p:txBody>
+          <a:bodyPr wrap="square" rtlCol="0">
+            <a:spAutoFit/>
+          </a:bodyPr>
+          <a:lstStyle/>
+          <a:p>
+            <a:r>
+              <a:rPr lang="en-US" u="sng" dirty="0" smtClean="0"/>
+              <a:t>Welch Two Sample t-test</a:t>
+            </a:r>
+          </a:p>
+          <a:p>
+            <a:pPr marL="285750" indent="-285750">
+              <a:buFont typeface="Arial" panose="020B0604020202020204" pitchFamily="34" charset="0"/>
+              <a:buChar char="•"/>
+            </a:pPr>
+            <a:r>
+              <a:rPr lang="en-US" dirty="0" smtClean="0">
+                <a:solidFill>
+                  <a:srgbClr val="FF0000"/>
+                </a:solidFill>
+              </a:rPr>
+              <a:t>p-value</a:t>
+            </a:r>
+            <a:r>
+              <a:rPr lang="en-US" dirty="0">
+                <a:solidFill>
+                  <a:srgbClr val="FF0000"/>
+                </a:solidFill>
+              </a:rPr>
+              <a:t>: &lt;2e-16</a:t>
+            </a:r>
+            <a:endParaRPr lang="en-US" dirty="0" smtClean="0">
+              <a:solidFill>
+                <a:srgbClr val="FF0000"/>
+              </a:solidFill>
+            </a:endParaRPr>
+          </a:p>
+          <a:p>
+            <a:pPr marL="285750" indent="-285750">
+              <a:buFont typeface="Arial" panose="020B0604020202020204" pitchFamily="34" charset="0"/>
+              <a:buChar char="•"/>
+            </a:pPr>
+            <a:r>
+              <a:rPr lang="en-US" dirty="0" smtClean="0"/>
+              <a:t>Goal Mean</a:t>
+            </a:r>
+            <a:r>
+              <a:rPr lang="en-US" dirty="0"/>
+              <a:t>: 93.5</a:t>
+            </a:r>
+            <a:endParaRPr lang="en-US" dirty="0" smtClean="0"/>
+          </a:p>
+          <a:p>
+            <a:pPr marL="285750" indent="-285750">
+              <a:buFont typeface="Arial" panose="020B0604020202020204" pitchFamily="34" charset="0"/>
+              <a:buChar char="•"/>
+            </a:pPr>
+            <a:r>
+              <a:rPr lang="en-US" dirty="0" smtClean="0"/>
+              <a:t>Shot Mean</a:t>
+            </a:r>
+            <a:r>
+              <a:rPr lang="en-US" dirty="0"/>
+              <a:t>: 84.3</a:t>
+            </a:r>
+          </a:p>
+        </p:txBody>
+      </p:sp>
+      <p:sp>
+        <p:nvSpPr>
+          <p:cNvPr id="9" name="TextBox 8"/>
+          <p:cNvSpPr txBox="1"/>
+          <p:nvPr/>
+        </p:nvSpPr>
+        <p:spPr>
+          <a:xfrm>
+            <a:off x="8537443" y="2656940"/>
+            <a:ext cx="2727434" cy="1200329"/>
+          </a:xfrm>
+          <a:prstGeom prst="rect">
+            <a:avLst/>
+          </a:prstGeom>
+        </p:spPr>
+        <p:style>
+          <a:lnRef idx="2">
+            <a:schemeClr val="accent3"/>
+          </a:lnRef>
+          <a:fillRef idx="1">
+            <a:schemeClr val="lt1"/>
+          </a:fillRef>
+          <a:effectRef idx="0">
+            <a:schemeClr val="accent3"/>
+          </a:effectRef>
+          <a:fontRef idx="minor">
+            <a:schemeClr val="dk1"/>
+          </a:fontRef>
+        </p:style>
+        <p:txBody>
+          <a:bodyPr wrap="square" rtlCol="0">
+            <a:spAutoFit/>
+          </a:bodyPr>
+          <a:lstStyle/>
+          <a:p>
+            <a:r>
+              <a:rPr lang="en-US" u="sng" dirty="0" smtClean="0"/>
+              <a:t>Welch Two Sample t-test</a:t>
+            </a:r>
+          </a:p>
+          <a:p>
+            <a:pPr marL="285750" indent="-285750">
+              <a:buFont typeface="Arial" panose="020B0604020202020204" pitchFamily="34" charset="0"/>
+              <a:buChar char="•"/>
+            </a:pPr>
+            <a:r>
+              <a:rPr lang="en-US" dirty="0" smtClean="0">
+                <a:solidFill>
+                  <a:srgbClr val="FF0000"/>
+                </a:solidFill>
+              </a:rPr>
+              <a:t>p-value: &lt;2e-16</a:t>
+            </a:r>
+          </a:p>
+          <a:p>
+            <a:pPr marL="285750" indent="-285750">
+              <a:buFont typeface="Arial" panose="020B0604020202020204" pitchFamily="34" charset="0"/>
+              <a:buChar char="•"/>
+            </a:pPr>
+            <a:r>
+              <a:rPr lang="en-US" dirty="0" smtClean="0"/>
+              <a:t>Goal Mean</a:t>
+            </a:r>
+            <a:r>
+              <a:rPr lang="en-US" dirty="0"/>
+              <a:t>: 68.1</a:t>
+            </a:r>
+            <a:endParaRPr lang="en-US" dirty="0" smtClean="0"/>
+          </a:p>
+          <a:p>
+            <a:pPr marL="285750" indent="-285750">
+              <a:buFont typeface="Arial" panose="020B0604020202020204" pitchFamily="34" charset="0"/>
+              <a:buChar char="•"/>
+            </a:pPr>
+            <a:r>
+              <a:rPr lang="en-US" dirty="0" smtClean="0"/>
+              <a:t>Shot Mean</a:t>
+            </a:r>
+            <a:r>
+              <a:rPr lang="en-US" dirty="0"/>
+              <a:t>: 49.2</a:t>
+            </a:r>
+          </a:p>
+        </p:txBody>
+      </p:sp>
+    </p:spTree>
+    <p:extLst>
+      <p:ext uri="{BB962C8B-B14F-4D97-AF65-F5344CB8AC3E}">
+        <p14:creationId xmlns:p14="http://schemas.microsoft.com/office/powerpoint/2010/main" val="2546947495"/>
+      </p:ext>
+    </p:extLst>
+  </p:cSld>
+  <p:clrMapOvr>
+    <a:masterClrMapping/>
+  </p:clrMapOvr>
+</p:sld>
+</file>
+
+<file path=ppt/slides/slide14.xml><?xml version="1.0" encoding="utf-8"?>
+<p:sld xmlns:a="http://schemas.openxmlformats.org/drawingml/2006/main" xmlns:r="http://schemas.openxmlformats.org/officeDocument/2006/relationships" xmlns:p="http://schemas.openxmlformats.org/presentationml/2006/main">
+  <p:cSld>
+    <p:spTree>
+      <p:nvGrpSpPr>
+        <p:cNvPr id="1" name=""/>
+        <p:cNvGrpSpPr/>
+        <p:nvPr/>
+      </p:nvGrpSpPr>
+      <p:grpSpPr>
+        <a:xfrm>
+          <a:off x="0" y="0"/>
+          <a:ext cx="0" cy="0"/>
+          <a:chOff x="0" y="0"/>
+          <a:chExt cx="0" cy="0"/>
+        </a:xfrm>
+      </p:grpSpPr>
+      <p:sp>
+        <p:nvSpPr>
+          <p:cNvPr id="2" name="TextBox 1">
+            <a:extLst>
+              <a:ext uri="{FF2B5EF4-FFF2-40B4-BE49-F238E27FC236}">
+                <a16:creationId xmlns:a16="http://schemas.microsoft.com/office/drawing/2014/main" xmlns="" id="{1E9E0E37-71F7-4506-A4A0-38A592F50849}"/>
+              </a:ext>
+            </a:extLst>
+          </p:cNvPr>
+          <p:cNvSpPr txBox="1"/>
+          <p:nvPr/>
+        </p:nvSpPr>
+        <p:spPr>
+          <a:xfrm>
+            <a:off x="622571" y="291830"/>
+            <a:ext cx="4475456" cy="584775"/>
+          </a:xfrm>
+          <a:prstGeom prst="rect">
+            <a:avLst/>
+          </a:prstGeom>
+          <a:noFill/>
+        </p:spPr>
+        <p:txBody>
+          <a:bodyPr wrap="none" rtlCol="0">
+            <a:spAutoFit/>
+          </a:bodyPr>
+          <a:lstStyle/>
+          <a:p>
+            <a:r>
+              <a:rPr lang="en-US" sz="3200" b="1" dirty="0" smtClean="0"/>
+              <a:t>Hypothesis Testing Reca</a:t>
+            </a:r>
+            <a:r>
+              <a:rPr lang="en-US" sz="3200" b="1" dirty="0"/>
+              <a:t>p</a:t>
+            </a:r>
+            <a:endParaRPr lang="en-US" sz="3200" b="1" dirty="0"/>
+          </a:p>
+        </p:txBody>
+      </p:sp>
+      <p:sp>
+        <p:nvSpPr>
+          <p:cNvPr id="8" name="TextBox 7"/>
+          <p:cNvSpPr txBox="1"/>
+          <p:nvPr/>
+        </p:nvSpPr>
+        <p:spPr>
+          <a:xfrm>
+            <a:off x="622571" y="876605"/>
+            <a:ext cx="5842654" cy="2031325"/>
+          </a:xfrm>
+          <a:prstGeom prst="rect">
+            <a:avLst/>
+          </a:prstGeom>
+        </p:spPr>
+        <p:style>
+          <a:lnRef idx="2">
+            <a:schemeClr val="accent3"/>
+          </a:lnRef>
+          <a:fillRef idx="1">
+            <a:schemeClr val="lt1"/>
+          </a:fillRef>
+          <a:effectRef idx="0">
+            <a:schemeClr val="accent3"/>
+          </a:effectRef>
+          <a:fontRef idx="minor">
+            <a:schemeClr val="dk1"/>
+          </a:fontRef>
+        </p:style>
+        <p:txBody>
+          <a:bodyPr wrap="square" rtlCol="0">
+            <a:spAutoFit/>
+          </a:bodyPr>
+          <a:lstStyle/>
+          <a:p>
+            <a:r>
+              <a:rPr lang="en-US" u="sng" dirty="0" smtClean="0"/>
+              <a:t>Significant Difference in Means</a:t>
+            </a:r>
+          </a:p>
+          <a:p>
+            <a:endParaRPr lang="en-US" dirty="0"/>
+          </a:p>
+          <a:p>
+            <a:pPr marL="285750" indent="-285750">
+              <a:buFont typeface="Arial" panose="020B0604020202020204" pitchFamily="34" charset="0"/>
+              <a:buChar char="•"/>
+            </a:pPr>
+            <a:r>
+              <a:rPr lang="en-US" dirty="0"/>
+              <a:t>1. Assist v. Key Pass Distance (higher mean for key pass)</a:t>
+            </a:r>
+          </a:p>
+          <a:p>
+            <a:pPr marL="285750" indent="-285750">
+              <a:buFont typeface="Arial" panose="020B0604020202020204" pitchFamily="34" charset="0"/>
+              <a:buChar char="•"/>
+            </a:pPr>
+            <a:r>
+              <a:rPr lang="en-US" dirty="0"/>
+              <a:t>2. Goal v. Shot Distance (higher mean for goals)</a:t>
+            </a:r>
+          </a:p>
+          <a:p>
+            <a:pPr marL="285750" indent="-285750">
+              <a:buFont typeface="Arial" panose="020B0604020202020204" pitchFamily="34" charset="0"/>
+              <a:buChar char="•"/>
+            </a:pPr>
+            <a:r>
+              <a:rPr lang="en-US" dirty="0"/>
+              <a:t>3. Goal v. Shot </a:t>
+            </a:r>
+            <a:r>
+              <a:rPr lang="en-US" dirty="0" err="1"/>
+              <a:t>x.Start</a:t>
+            </a:r>
+            <a:r>
+              <a:rPr lang="en-US" dirty="0"/>
+              <a:t> (higher mean for goals)</a:t>
+            </a:r>
+          </a:p>
+          <a:p>
+            <a:pPr marL="285750" indent="-285750">
+              <a:buFont typeface="Arial" panose="020B0604020202020204" pitchFamily="34" charset="0"/>
+              <a:buChar char="•"/>
+            </a:pPr>
+            <a:r>
+              <a:rPr lang="en-US" dirty="0"/>
+              <a:t>4. Goal v. Shot </a:t>
+            </a:r>
+            <a:r>
+              <a:rPr lang="en-US" dirty="0" err="1"/>
+              <a:t>y.Start</a:t>
+            </a:r>
+            <a:r>
+              <a:rPr lang="en-US" dirty="0"/>
+              <a:t> (higher mean for goals</a:t>
+            </a:r>
+            <a:r>
+              <a:rPr lang="en-US" dirty="0" smtClean="0"/>
+              <a:t>)</a:t>
+            </a:r>
+          </a:p>
+          <a:p>
+            <a:endParaRPr lang="en-US" dirty="0"/>
+          </a:p>
+        </p:txBody>
+      </p:sp>
+      <p:sp>
+        <p:nvSpPr>
+          <p:cNvPr id="10" name="TextBox 9"/>
+          <p:cNvSpPr txBox="1"/>
+          <p:nvPr/>
+        </p:nvSpPr>
+        <p:spPr>
+          <a:xfrm>
+            <a:off x="622571" y="3031040"/>
+            <a:ext cx="7053873" cy="923330"/>
+          </a:xfrm>
+          <a:prstGeom prst="rect">
+            <a:avLst/>
+          </a:prstGeom>
+          <a:ln>
+            <a:noFill/>
+          </a:ln>
+        </p:spPr>
+        <p:style>
+          <a:lnRef idx="2">
+            <a:schemeClr val="accent3"/>
+          </a:lnRef>
+          <a:fillRef idx="1">
+            <a:schemeClr val="lt1"/>
+          </a:fillRef>
+          <a:effectRef idx="0">
+            <a:schemeClr val="accent3"/>
+          </a:effectRef>
+          <a:fontRef idx="minor">
+            <a:schemeClr val="dk1"/>
+          </a:fontRef>
+        </p:style>
+        <p:txBody>
+          <a:bodyPr wrap="square" rtlCol="0">
+            <a:spAutoFit/>
+          </a:bodyPr>
+          <a:lstStyle/>
+          <a:p>
+            <a:r>
+              <a:rPr lang="en-US" dirty="0" smtClean="0"/>
+              <a:t>Do teams differ in their strategies when it comes to the above variables? Let’s take a look at some Teams in the World Cup.</a:t>
+            </a:r>
+          </a:p>
+          <a:p>
+            <a:endParaRPr lang="en-US" dirty="0"/>
+          </a:p>
+        </p:txBody>
+      </p:sp>
+    </p:spTree>
+    <p:extLst>
+      <p:ext uri="{BB962C8B-B14F-4D97-AF65-F5344CB8AC3E}">
+        <p14:creationId xmlns:p14="http://schemas.microsoft.com/office/powerpoint/2010/main" val="216769705"/>
+      </p:ext>
+    </p:extLst>
+  </p:cSld>
+  <p:clrMapOvr>
+    <a:masterClrMapping/>
+  </p:clrMapOvr>
+</p:sld>
+</file>
+
+<file path=ppt/slides/slide15.xml><?xml version="1.0" encoding="utf-8"?>
+<p:sld xmlns:a="http://schemas.openxmlformats.org/drawingml/2006/main" xmlns:r="http://schemas.openxmlformats.org/officeDocument/2006/relationships" xmlns:p="http://schemas.openxmlformats.org/presentationml/2006/main">
+  <p:cSld>
+    <p:spTree>
+      <p:nvGrpSpPr>
+        <p:cNvPr id="1" name=""/>
+        <p:cNvGrpSpPr/>
+        <p:nvPr/>
+      </p:nvGrpSpPr>
+      <p:grpSpPr>
+        <a:xfrm>
+          <a:off x="0" y="0"/>
+          <a:ext cx="0" cy="0"/>
+          <a:chOff x="0" y="0"/>
+          <a:chExt cx="0" cy="0"/>
+        </a:xfrm>
+      </p:grpSpPr>
+      <p:sp>
+        <p:nvSpPr>
+          <p:cNvPr id="2" name="Title 1"/>
+          <p:cNvSpPr>
+            <a:spLocks noGrp="1"/>
+          </p:cNvSpPr>
+          <p:nvPr>
+            <p:ph type="ctrTitle"/>
+          </p:nvPr>
+        </p:nvSpPr>
+        <p:spPr/>
+        <p:txBody>
+          <a:bodyPr/>
+          <a:lstStyle/>
+          <a:p>
+            <a:r>
+              <a:rPr lang="en-US" dirty="0" smtClean="0"/>
+              <a:t>In progress. World Cup Boxplots and ANOVA (Rose)</a:t>
+            </a:r>
+            <a:endParaRPr lang="en-US" dirty="0"/>
+          </a:p>
+        </p:txBody>
+      </p:sp>
+      <p:sp>
+        <p:nvSpPr>
+          <p:cNvPr id="3" name="Subtitle 2"/>
+          <p:cNvSpPr>
+            <a:spLocks noGrp="1"/>
+          </p:cNvSpPr>
+          <p:nvPr>
+            <p:ph type="subTitle" idx="1"/>
+          </p:nvPr>
+        </p:nvSpPr>
+        <p:spPr/>
+        <p:txBody>
+          <a:bodyPr/>
+          <a:lstStyle/>
+          <a:p>
+            <a:endParaRPr lang="en-US" dirty="0"/>
+          </a:p>
+        </p:txBody>
+      </p:sp>
+    </p:spTree>
+    <p:extLst>
+      <p:ext uri="{BB962C8B-B14F-4D97-AF65-F5344CB8AC3E}">
+        <p14:creationId xmlns:p14="http://schemas.microsoft.com/office/powerpoint/2010/main" val="688625921"/>
+      </p:ext>
+    </p:extLst>
+  </p:cSld>
+  <p:clrMapOvr>
+    <a:masterClrMapping/>
+  </p:clrMapOvr>
+</p:sld>
+</file>
+
+<file path=ppt/slides/slide16.xml><?xml version="1.0" encoding="utf-8"?>
 <p:sld xmlns:a="http://schemas.openxmlformats.org/drawingml/2006/main" xmlns:r="http://schemas.openxmlformats.org/officeDocument/2006/relationships" xmlns:p="http://schemas.openxmlformats.org/presentationml/2006/main">
   <p:cSld>
     <p:spTree>
@@ -8266,81 +9445,52 @@
           <a:chExt cx="0" cy="0"/>
         </a:xfrm>
       </p:grpSpPr>
-      <p:pic>
-        <p:nvPicPr>
-          <p:cNvPr id="2" name="Picture 1">
-            <a:extLst>
-              <a:ext uri="{FF2B5EF4-FFF2-40B4-BE49-F238E27FC236}">
-                <a16:creationId xmlns:a16="http://schemas.microsoft.com/office/drawing/2014/main" xmlns="" id="{A3D0C13E-2FAD-4B38-A8AC-86F95A177DC6}"/>
-              </a:ext>
-            </a:extLst>
-          </p:cNvPr>
-          <p:cNvPicPr>
-            <a:picLocks noChangeAspect="1"/>
-          </p:cNvPicPr>
-          <p:nvPr/>
-        </p:nvPicPr>
-        <p:blipFill>
-          <a:blip r:embed="rId2"/>
-          <a:stretch>
-            <a:fillRect/>
-          </a:stretch>
-        </p:blipFill>
-        <p:spPr>
-          <a:xfrm>
-            <a:off x="1705850" y="1009413"/>
-            <a:ext cx="8780299" cy="5424968"/>
-          </a:xfrm>
-          <a:prstGeom prst="rect">
-            <a:avLst/>
-          </a:prstGeom>
-        </p:spPr>
-      </p:pic>
-      <p:sp>
-        <p:nvSpPr>
-          <p:cNvPr id="3" name="TextBox 2">
-            <a:extLst>
-              <a:ext uri="{FF2B5EF4-FFF2-40B4-BE49-F238E27FC236}">
-                <a16:creationId xmlns:a16="http://schemas.microsoft.com/office/drawing/2014/main" xmlns="" id="{B718B72E-6A45-486D-A67D-99311A977FFE}"/>
-              </a:ext>
-            </a:extLst>
-          </p:cNvPr>
-          <p:cNvSpPr txBox="1"/>
-          <p:nvPr/>
-        </p:nvSpPr>
-        <p:spPr>
-          <a:xfrm>
-            <a:off x="622571" y="291830"/>
-            <a:ext cx="3948517" cy="954107"/>
-          </a:xfrm>
-          <a:prstGeom prst="rect">
-            <a:avLst/>
-          </a:prstGeom>
-          <a:noFill/>
-        </p:spPr>
-        <p:txBody>
-          <a:bodyPr wrap="none" rtlCol="0">
-            <a:spAutoFit/>
-          </a:bodyPr>
+      <p:sp>
+        <p:nvSpPr>
+          <p:cNvPr id="2" name="Title 1"/>
+          <p:cNvSpPr>
+            <a:spLocks noGrp="1"/>
+          </p:cNvSpPr>
+          <p:nvPr>
+            <p:ph type="ctrTitle"/>
+          </p:nvPr>
+        </p:nvSpPr>
+        <p:spPr/>
+        <p:txBody>
+          <a:bodyPr/>
           <a:lstStyle/>
           <a:p>
             <a:r>
-              <a:rPr lang="en-US" sz="3200" b="1" dirty="0"/>
-              <a:t>Checking for Outliers: </a:t>
-            </a:r>
-          </a:p>
-          <a:p>
-            <a:r>
-              <a:rPr lang="en-US" sz="2400" b="1" dirty="0"/>
-              <a:t>Example: Shots</a:t>
-            </a:r>
+              <a:rPr lang="en-US" dirty="0" smtClean="0"/>
+              <a:t>In progress. Quick visuals of field using the data.</a:t>
+            </a:r>
+            <a:endParaRPr lang="en-US" dirty="0"/>
+          </a:p>
+        </p:txBody>
+      </p:sp>
+      <p:sp>
+        <p:nvSpPr>
+          <p:cNvPr id="3" name="Subtitle 2"/>
+          <p:cNvSpPr>
+            <a:spLocks noGrp="1"/>
+          </p:cNvSpPr>
+          <p:nvPr>
+            <p:ph type="subTitle" idx="1"/>
+          </p:nvPr>
+        </p:nvSpPr>
+        <p:spPr/>
+        <p:txBody>
+          <a:bodyPr/>
+          <a:lstStyle/>
+          <a:p>
+            <a:endParaRPr lang="en-US"/>
           </a:p>
         </p:txBody>
       </p:sp>
     </p:spTree>
     <p:extLst>
       <p:ext uri="{BB962C8B-B14F-4D97-AF65-F5344CB8AC3E}">
-        <p14:creationId xmlns:p14="http://schemas.microsoft.com/office/powerpoint/2010/main" val="752583925"/>
+        <p14:creationId xmlns:p14="http://schemas.microsoft.com/office/powerpoint/2010/main" val="1558834656"/>
       </p:ext>
     </p:extLst>
   </p:cSld>
@@ -8367,12 +9517,42 @@
           <a:chExt cx="0" cy="0"/>
         </a:xfrm>
       </p:grpSpPr>
-      <p:sp>
-        <p:nvSpPr>
-          <p:cNvPr id="2" name="TextBox 1">
-            <a:extLst>
-              <a:ext uri="{FF2B5EF4-FFF2-40B4-BE49-F238E27FC236}">
-                <a16:creationId xmlns:a16="http://schemas.microsoft.com/office/drawing/2014/main" xmlns="" id="{1E9E0E37-71F7-4506-A4A0-38A592F50849}"/>
+      <p:pic>
+        <p:nvPicPr>
+          <p:cNvPr id="2" name="Picture 1">
+            <a:extLst>
+              <a:ext uri="{FF2B5EF4-FFF2-40B4-BE49-F238E27FC236}">
+                <a16:creationId xmlns:a16="http://schemas.microsoft.com/office/drawing/2014/main" xmlns="" id="{A3D0C13E-2FAD-4B38-A8AC-86F95A177DC6}"/>
+              </a:ext>
+            </a:extLst>
+          </p:cNvPr>
+          <p:cNvPicPr>
+            <a:picLocks noChangeAspect="1"/>
+          </p:cNvPicPr>
+          <p:nvPr/>
+        </p:nvPicPr>
+        <p:blipFill>
+          <a:blip r:embed="rId2"/>
+          <a:stretch>
+            <a:fillRect/>
+          </a:stretch>
+        </p:blipFill>
+        <p:spPr>
+          <a:xfrm>
+            <a:off x="1705850" y="1009413"/>
+            <a:ext cx="8780299" cy="5424968"/>
+          </a:xfrm>
+          <a:prstGeom prst="rect">
+            <a:avLst/>
+          </a:prstGeom>
+        </p:spPr>
+      </p:pic>
+      <p:sp>
+        <p:nvSpPr>
+          <p:cNvPr id="3" name="TextBox 2">
+            <a:extLst>
+              <a:ext uri="{FF2B5EF4-FFF2-40B4-BE49-F238E27FC236}">
+                <a16:creationId xmlns:a16="http://schemas.microsoft.com/office/drawing/2014/main" xmlns="" id="{B718B72E-6A45-486D-A67D-99311A977FFE}"/>
               </a:ext>
             </a:extLst>
           </p:cNvPr>
@@ -8382,7 +9562,7 @@
         <p:spPr>
           <a:xfrm>
             <a:off x="622571" y="291830"/>
-            <a:ext cx="3150799" cy="584775"/>
+            <a:ext cx="3948517" cy="954107"/>
           </a:xfrm>
           <a:prstGeom prst="rect">
             <a:avLst/>
@@ -8396,115 +9576,22 @@
           <a:lstStyle/>
           <a:p>
             <a:r>
-              <a:rPr lang="en-US" sz="3200" b="1" dirty="0" smtClean="0"/>
-              <a:t>Assist </a:t>
-            </a:r>
-            <a:r>
-              <a:rPr lang="en-US" sz="3200" b="1" dirty="0" err="1" smtClean="0"/>
-              <a:t>vs</a:t>
-            </a:r>
-            <a:r>
-              <a:rPr lang="en-US" sz="3200" b="1" dirty="0" smtClean="0"/>
-              <a:t> Key Pass</a:t>
-            </a:r>
-            <a:endParaRPr lang="en-US" sz="3200" b="1" dirty="0"/>
-          </a:p>
-        </p:txBody>
-      </p:sp>
-      <p:pic>
-        <p:nvPicPr>
-          <p:cNvPr id="6" name="Picture 5"/>
-          <p:cNvPicPr>
-            <a:picLocks noChangeAspect="1"/>
-          </p:cNvPicPr>
-          <p:nvPr/>
-        </p:nvPicPr>
-        <p:blipFill>
-          <a:blip r:embed="rId2" cstate="print">
-            <a:extLst>
-              <a:ext uri="{28A0092B-C50C-407E-A947-70E740481C1C}">
-                <a14:useLocalDpi xmlns:a14="http://schemas.microsoft.com/office/drawing/2010/main" val="0"/>
-              </a:ext>
-            </a:extLst>
-          </a:blip>
-          <a:stretch>
-            <a:fillRect/>
-          </a:stretch>
-        </p:blipFill>
-        <p:spPr>
-          <a:xfrm>
-            <a:off x="3711249" y="876605"/>
-            <a:ext cx="4826194" cy="2980665"/>
-          </a:xfrm>
-          <a:prstGeom prst="rect">
-            <a:avLst/>
-          </a:prstGeom>
-        </p:spPr>
-      </p:pic>
-      <p:pic>
-        <p:nvPicPr>
-          <p:cNvPr id="10" name="Picture 9"/>
-          <p:cNvPicPr>
-            <a:picLocks noChangeAspect="1"/>
-          </p:cNvPicPr>
-          <p:nvPr/>
-        </p:nvPicPr>
-        <p:blipFill>
-          <a:blip r:embed="rId3" cstate="print">
-            <a:extLst>
-              <a:ext uri="{28A0092B-C50C-407E-A947-70E740481C1C}">
-                <a14:useLocalDpi xmlns:a14="http://schemas.microsoft.com/office/drawing/2010/main" val="0"/>
-              </a:ext>
-            </a:extLst>
-          </a:blip>
-          <a:stretch>
-            <a:fillRect/>
-          </a:stretch>
-        </p:blipFill>
-        <p:spPr>
-          <a:xfrm>
-            <a:off x="622571" y="3857270"/>
-            <a:ext cx="4528852" cy="2797027"/>
-          </a:xfrm>
-          <a:prstGeom prst="rect">
-            <a:avLst/>
-          </a:prstGeom>
-        </p:spPr>
-      </p:pic>
-      <p:pic>
-        <p:nvPicPr>
-          <p:cNvPr id="11" name="Picture 10"/>
-          <p:cNvPicPr>
-            <a:picLocks noChangeAspect="1"/>
-          </p:cNvPicPr>
-          <p:nvPr/>
-        </p:nvPicPr>
-        <p:blipFill>
-          <a:blip r:embed="rId4" cstate="print">
-            <a:extLst>
-              <a:ext uri="{28A0092B-C50C-407E-A947-70E740481C1C}">
-                <a14:useLocalDpi xmlns:a14="http://schemas.microsoft.com/office/drawing/2010/main" val="0"/>
-              </a:ext>
-            </a:extLst>
-          </a:blip>
-          <a:stretch>
-            <a:fillRect/>
-          </a:stretch>
-        </p:blipFill>
-        <p:spPr>
-          <a:xfrm>
-            <a:off x="7097269" y="3857270"/>
-            <a:ext cx="4528853" cy="2797027"/>
-          </a:xfrm>
-          <a:prstGeom prst="rect">
-            <a:avLst/>
-          </a:prstGeom>
-        </p:spPr>
-      </p:pic>
+              <a:rPr lang="en-US" sz="3200" b="1" dirty="0"/>
+              <a:t>Checking for Outliers: </a:t>
+            </a:r>
+          </a:p>
+          <a:p>
+            <a:r>
+              <a:rPr lang="en-US" sz="2400" b="1" dirty="0"/>
+              <a:t>Example: Shots</a:t>
+            </a:r>
+          </a:p>
+        </p:txBody>
+      </p:sp>
     </p:spTree>
     <p:extLst>
       <p:ext uri="{BB962C8B-B14F-4D97-AF65-F5344CB8AC3E}">
-        <p14:creationId xmlns:p14="http://schemas.microsoft.com/office/powerpoint/2010/main" val="2741190650"/>
+        <p14:creationId xmlns:p14="http://schemas.microsoft.com/office/powerpoint/2010/main" val="752583925"/>
       </p:ext>
     </p:extLst>
   </p:cSld>

--- a/midterm_project/Determining which variables contribute to likely hood of.pptx
+++ b/midterm_project/Determining which variables contribute to likely hood of.pptx
@@ -14,13 +14,13 @@
     <p:sldId id="267" r:id="rId8"/>
     <p:sldId id="276" r:id="rId9"/>
     <p:sldId id="264" r:id="rId10"/>
-    <p:sldId id="261" r:id="rId11"/>
-    <p:sldId id="271" r:id="rId12"/>
-    <p:sldId id="272" r:id="rId13"/>
-    <p:sldId id="273" r:id="rId14"/>
-    <p:sldId id="274" r:id="rId15"/>
-    <p:sldId id="275" r:id="rId16"/>
-    <p:sldId id="268" r:id="rId17"/>
+    <p:sldId id="272" r:id="rId11"/>
+    <p:sldId id="273" r:id="rId12"/>
+    <p:sldId id="278" r:id="rId13"/>
+    <p:sldId id="274" r:id="rId14"/>
+    <p:sldId id="275" r:id="rId15"/>
+    <p:sldId id="268" r:id="rId16"/>
+    <p:sldId id="279" r:id="rId17"/>
   </p:sldIdLst>
   <p:sldSz cx="12192000" cy="6858000"/>
   <p:notesSz cx="6858000" cy="9144000"/>
@@ -149,7 +149,7 @@
           <p:cNvPr id="2" name="Title 1">
             <a:extLst>
               <a:ext uri="{FF2B5EF4-FFF2-40B4-BE49-F238E27FC236}">
-                <a16:creationId xmlns:a16="http://schemas.microsoft.com/office/drawing/2014/main" xmlns="" id="{FB25774F-A20A-4FC2-ACE7-42D83D27E4B6}"/>
+                <a16:creationId xmlns="" xmlns:a16="http://schemas.microsoft.com/office/drawing/2014/main" id="{FB25774F-A20A-4FC2-ACE7-42D83D27E4B6}"/>
               </a:ext>
             </a:extLst>
           </p:cNvPr>
@@ -186,7 +186,7 @@
           <p:cNvPr id="3" name="Subtitle 2">
             <a:extLst>
               <a:ext uri="{FF2B5EF4-FFF2-40B4-BE49-F238E27FC236}">
-                <a16:creationId xmlns:a16="http://schemas.microsoft.com/office/drawing/2014/main" xmlns="" id="{72B84185-3944-43B7-A2BD-4BD59E26A699}"/>
+                <a16:creationId xmlns="" xmlns:a16="http://schemas.microsoft.com/office/drawing/2014/main" id="{72B84185-3944-43B7-A2BD-4BD59E26A699}"/>
               </a:ext>
             </a:extLst>
           </p:cNvPr>
@@ -256,7 +256,7 @@
           <p:cNvPr id="4" name="Date Placeholder 3">
             <a:extLst>
               <a:ext uri="{FF2B5EF4-FFF2-40B4-BE49-F238E27FC236}">
-                <a16:creationId xmlns:a16="http://schemas.microsoft.com/office/drawing/2014/main" xmlns="" id="{AD5207E0-3F19-4992-A877-FAB40004E2CE}"/>
+                <a16:creationId xmlns="" xmlns:a16="http://schemas.microsoft.com/office/drawing/2014/main" id="{AD5207E0-3F19-4992-A877-FAB40004E2CE}"/>
               </a:ext>
             </a:extLst>
           </p:cNvPr>
@@ -285,7 +285,7 @@
           <p:cNvPr id="5" name="Footer Placeholder 4">
             <a:extLst>
               <a:ext uri="{FF2B5EF4-FFF2-40B4-BE49-F238E27FC236}">
-                <a16:creationId xmlns:a16="http://schemas.microsoft.com/office/drawing/2014/main" xmlns="" id="{5CF1C43B-2ECD-4DA3-B761-AE1EB261FC98}"/>
+                <a16:creationId xmlns="" xmlns:a16="http://schemas.microsoft.com/office/drawing/2014/main" id="{5CF1C43B-2ECD-4DA3-B761-AE1EB261FC98}"/>
               </a:ext>
             </a:extLst>
           </p:cNvPr>
@@ -310,7 +310,7 @@
           <p:cNvPr id="6" name="Slide Number Placeholder 5">
             <a:extLst>
               <a:ext uri="{FF2B5EF4-FFF2-40B4-BE49-F238E27FC236}">
-                <a16:creationId xmlns:a16="http://schemas.microsoft.com/office/drawing/2014/main" xmlns="" id="{A3FE33B1-9CCA-4199-9E0D-E2F8D7D1C18B}"/>
+                <a16:creationId xmlns="" xmlns:a16="http://schemas.microsoft.com/office/drawing/2014/main" id="{A3FE33B1-9CCA-4199-9E0D-E2F8D7D1C18B}"/>
               </a:ext>
             </a:extLst>
           </p:cNvPr>
@@ -369,7 +369,7 @@
           <p:cNvPr id="2" name="Title 1">
             <a:extLst>
               <a:ext uri="{FF2B5EF4-FFF2-40B4-BE49-F238E27FC236}">
-                <a16:creationId xmlns:a16="http://schemas.microsoft.com/office/drawing/2014/main" xmlns="" id="{76DFED00-6D4F-499A-8B36-1C90EC692F3E}"/>
+                <a16:creationId xmlns="" xmlns:a16="http://schemas.microsoft.com/office/drawing/2014/main" id="{76DFED00-6D4F-499A-8B36-1C90EC692F3E}"/>
               </a:ext>
             </a:extLst>
           </p:cNvPr>
@@ -397,7 +397,7 @@
           <p:cNvPr id="3" name="Vertical Text Placeholder 2">
             <a:extLst>
               <a:ext uri="{FF2B5EF4-FFF2-40B4-BE49-F238E27FC236}">
-                <a16:creationId xmlns:a16="http://schemas.microsoft.com/office/drawing/2014/main" xmlns="" id="{99B0F380-2436-4CD3-8DAE-75E8B44B3A41}"/>
+                <a16:creationId xmlns="" xmlns:a16="http://schemas.microsoft.com/office/drawing/2014/main" id="{99B0F380-2436-4CD3-8DAE-75E8B44B3A41}"/>
               </a:ext>
             </a:extLst>
           </p:cNvPr>
@@ -454,7 +454,7 @@
           <p:cNvPr id="4" name="Date Placeholder 3">
             <a:extLst>
               <a:ext uri="{FF2B5EF4-FFF2-40B4-BE49-F238E27FC236}">
-                <a16:creationId xmlns:a16="http://schemas.microsoft.com/office/drawing/2014/main" xmlns="" id="{4364A7C8-657B-45E8-B865-A0E3CEA71F31}"/>
+                <a16:creationId xmlns="" xmlns:a16="http://schemas.microsoft.com/office/drawing/2014/main" id="{4364A7C8-657B-45E8-B865-A0E3CEA71F31}"/>
               </a:ext>
             </a:extLst>
           </p:cNvPr>
@@ -483,7 +483,7 @@
           <p:cNvPr id="5" name="Footer Placeholder 4">
             <a:extLst>
               <a:ext uri="{FF2B5EF4-FFF2-40B4-BE49-F238E27FC236}">
-                <a16:creationId xmlns:a16="http://schemas.microsoft.com/office/drawing/2014/main" xmlns="" id="{88F42CB0-6AD7-441E-94E6-2BF22230D434}"/>
+                <a16:creationId xmlns="" xmlns:a16="http://schemas.microsoft.com/office/drawing/2014/main" id="{88F42CB0-6AD7-441E-94E6-2BF22230D434}"/>
               </a:ext>
             </a:extLst>
           </p:cNvPr>
@@ -508,7 +508,7 @@
           <p:cNvPr id="6" name="Slide Number Placeholder 5">
             <a:extLst>
               <a:ext uri="{FF2B5EF4-FFF2-40B4-BE49-F238E27FC236}">
-                <a16:creationId xmlns:a16="http://schemas.microsoft.com/office/drawing/2014/main" xmlns="" id="{19F7CF98-4D8C-4AD0-B045-CE7C8805B171}"/>
+                <a16:creationId xmlns="" xmlns:a16="http://schemas.microsoft.com/office/drawing/2014/main" id="{19F7CF98-4D8C-4AD0-B045-CE7C8805B171}"/>
               </a:ext>
             </a:extLst>
           </p:cNvPr>
@@ -567,7 +567,7 @@
           <p:cNvPr id="2" name="Vertical Title 1">
             <a:extLst>
               <a:ext uri="{FF2B5EF4-FFF2-40B4-BE49-F238E27FC236}">
-                <a16:creationId xmlns:a16="http://schemas.microsoft.com/office/drawing/2014/main" xmlns="" id="{B3806EFC-7D43-48BF-97F9-F513300571BE}"/>
+                <a16:creationId xmlns="" xmlns:a16="http://schemas.microsoft.com/office/drawing/2014/main" id="{B3806EFC-7D43-48BF-97F9-F513300571BE}"/>
               </a:ext>
             </a:extLst>
           </p:cNvPr>
@@ -600,7 +600,7 @@
           <p:cNvPr id="3" name="Vertical Text Placeholder 2">
             <a:extLst>
               <a:ext uri="{FF2B5EF4-FFF2-40B4-BE49-F238E27FC236}">
-                <a16:creationId xmlns:a16="http://schemas.microsoft.com/office/drawing/2014/main" xmlns="" id="{0DF19E8F-90A4-426A-A10E-4A2B18A18292}"/>
+                <a16:creationId xmlns="" xmlns:a16="http://schemas.microsoft.com/office/drawing/2014/main" id="{0DF19E8F-90A4-426A-A10E-4A2B18A18292}"/>
               </a:ext>
             </a:extLst>
           </p:cNvPr>
@@ -662,7 +662,7 @@
           <p:cNvPr id="4" name="Date Placeholder 3">
             <a:extLst>
               <a:ext uri="{FF2B5EF4-FFF2-40B4-BE49-F238E27FC236}">
-                <a16:creationId xmlns:a16="http://schemas.microsoft.com/office/drawing/2014/main" xmlns="" id="{B956B393-A0A9-4CC3-BE36-036FC0070980}"/>
+                <a16:creationId xmlns="" xmlns:a16="http://schemas.microsoft.com/office/drawing/2014/main" id="{B956B393-A0A9-4CC3-BE36-036FC0070980}"/>
               </a:ext>
             </a:extLst>
           </p:cNvPr>
@@ -691,7 +691,7 @@
           <p:cNvPr id="5" name="Footer Placeholder 4">
             <a:extLst>
               <a:ext uri="{FF2B5EF4-FFF2-40B4-BE49-F238E27FC236}">
-                <a16:creationId xmlns:a16="http://schemas.microsoft.com/office/drawing/2014/main" xmlns="" id="{DEC491FE-35A3-407C-A01A-80C25D9D28F4}"/>
+                <a16:creationId xmlns="" xmlns:a16="http://schemas.microsoft.com/office/drawing/2014/main" id="{DEC491FE-35A3-407C-A01A-80C25D9D28F4}"/>
               </a:ext>
             </a:extLst>
           </p:cNvPr>
@@ -716,7 +716,7 @@
           <p:cNvPr id="6" name="Slide Number Placeholder 5">
             <a:extLst>
               <a:ext uri="{FF2B5EF4-FFF2-40B4-BE49-F238E27FC236}">
-                <a16:creationId xmlns:a16="http://schemas.microsoft.com/office/drawing/2014/main" xmlns="" id="{EADB9B4B-9171-4041-976D-32434C4A16FE}"/>
+                <a16:creationId xmlns="" xmlns:a16="http://schemas.microsoft.com/office/drawing/2014/main" id="{EADB9B4B-9171-4041-976D-32434C4A16FE}"/>
               </a:ext>
             </a:extLst>
           </p:cNvPr>
@@ -775,7 +775,7 @@
           <p:cNvPr id="2" name="Title 1">
             <a:extLst>
               <a:ext uri="{FF2B5EF4-FFF2-40B4-BE49-F238E27FC236}">
-                <a16:creationId xmlns:a16="http://schemas.microsoft.com/office/drawing/2014/main" xmlns="" id="{3D01F5FA-441A-4F59-A005-9AB0686C0469}"/>
+                <a16:creationId xmlns="" xmlns:a16="http://schemas.microsoft.com/office/drawing/2014/main" id="{3D01F5FA-441A-4F59-A005-9AB0686C0469}"/>
               </a:ext>
             </a:extLst>
           </p:cNvPr>
@@ -803,7 +803,7 @@
           <p:cNvPr id="3" name="Content Placeholder 2">
             <a:extLst>
               <a:ext uri="{FF2B5EF4-FFF2-40B4-BE49-F238E27FC236}">
-                <a16:creationId xmlns:a16="http://schemas.microsoft.com/office/drawing/2014/main" xmlns="" id="{CB223984-009F-4CAF-8FE1-9A30FF88D8E0}"/>
+                <a16:creationId xmlns="" xmlns:a16="http://schemas.microsoft.com/office/drawing/2014/main" id="{CB223984-009F-4CAF-8FE1-9A30FF88D8E0}"/>
               </a:ext>
             </a:extLst>
           </p:cNvPr>
@@ -860,7 +860,7 @@
           <p:cNvPr id="4" name="Date Placeholder 3">
             <a:extLst>
               <a:ext uri="{FF2B5EF4-FFF2-40B4-BE49-F238E27FC236}">
-                <a16:creationId xmlns:a16="http://schemas.microsoft.com/office/drawing/2014/main" xmlns="" id="{0B2AD834-02FE-4911-BC3B-BC1874B817CD}"/>
+                <a16:creationId xmlns="" xmlns:a16="http://schemas.microsoft.com/office/drawing/2014/main" id="{0B2AD834-02FE-4911-BC3B-BC1874B817CD}"/>
               </a:ext>
             </a:extLst>
           </p:cNvPr>
@@ -889,7 +889,7 @@
           <p:cNvPr id="5" name="Footer Placeholder 4">
             <a:extLst>
               <a:ext uri="{FF2B5EF4-FFF2-40B4-BE49-F238E27FC236}">
-                <a16:creationId xmlns:a16="http://schemas.microsoft.com/office/drawing/2014/main" xmlns="" id="{30FA8F9C-2F2A-440F-88A2-3575533817C0}"/>
+                <a16:creationId xmlns="" xmlns:a16="http://schemas.microsoft.com/office/drawing/2014/main" id="{30FA8F9C-2F2A-440F-88A2-3575533817C0}"/>
               </a:ext>
             </a:extLst>
           </p:cNvPr>
@@ -914,7 +914,7 @@
           <p:cNvPr id="6" name="Slide Number Placeholder 5">
             <a:extLst>
               <a:ext uri="{FF2B5EF4-FFF2-40B4-BE49-F238E27FC236}">
-                <a16:creationId xmlns:a16="http://schemas.microsoft.com/office/drawing/2014/main" xmlns="" id="{A0B4216F-93E5-4681-9A2E-7AAB30CD723E}"/>
+                <a16:creationId xmlns="" xmlns:a16="http://schemas.microsoft.com/office/drawing/2014/main" id="{A0B4216F-93E5-4681-9A2E-7AAB30CD723E}"/>
               </a:ext>
             </a:extLst>
           </p:cNvPr>
@@ -973,7 +973,7 @@
           <p:cNvPr id="2" name="Title 1">
             <a:extLst>
               <a:ext uri="{FF2B5EF4-FFF2-40B4-BE49-F238E27FC236}">
-                <a16:creationId xmlns:a16="http://schemas.microsoft.com/office/drawing/2014/main" xmlns="" id="{C2B36304-E80B-4704-9227-BD4599ADE75F}"/>
+                <a16:creationId xmlns="" xmlns:a16="http://schemas.microsoft.com/office/drawing/2014/main" id="{C2B36304-E80B-4704-9227-BD4599ADE75F}"/>
               </a:ext>
             </a:extLst>
           </p:cNvPr>
@@ -1010,7 +1010,7 @@
           <p:cNvPr id="3" name="Text Placeholder 2">
             <a:extLst>
               <a:ext uri="{FF2B5EF4-FFF2-40B4-BE49-F238E27FC236}">
-                <a16:creationId xmlns:a16="http://schemas.microsoft.com/office/drawing/2014/main" xmlns="" id="{9B19717F-46B5-42C8-9AF4-8CD50FAF0FFD}"/>
+                <a16:creationId xmlns="" xmlns:a16="http://schemas.microsoft.com/office/drawing/2014/main" id="{9B19717F-46B5-42C8-9AF4-8CD50FAF0FFD}"/>
               </a:ext>
             </a:extLst>
           </p:cNvPr>
@@ -1135,7 +1135,7 @@
           <p:cNvPr id="4" name="Date Placeholder 3">
             <a:extLst>
               <a:ext uri="{FF2B5EF4-FFF2-40B4-BE49-F238E27FC236}">
-                <a16:creationId xmlns:a16="http://schemas.microsoft.com/office/drawing/2014/main" xmlns="" id="{D8C750D7-3EFB-401E-907E-37D0FE9BEFF5}"/>
+                <a16:creationId xmlns="" xmlns:a16="http://schemas.microsoft.com/office/drawing/2014/main" id="{D8C750D7-3EFB-401E-907E-37D0FE9BEFF5}"/>
               </a:ext>
             </a:extLst>
           </p:cNvPr>
@@ -1164,7 +1164,7 @@
           <p:cNvPr id="5" name="Footer Placeholder 4">
             <a:extLst>
               <a:ext uri="{FF2B5EF4-FFF2-40B4-BE49-F238E27FC236}">
-                <a16:creationId xmlns:a16="http://schemas.microsoft.com/office/drawing/2014/main" xmlns="" id="{0F880988-D94C-4A9E-A2C2-2D3BB2C809D1}"/>
+                <a16:creationId xmlns="" xmlns:a16="http://schemas.microsoft.com/office/drawing/2014/main" id="{0F880988-D94C-4A9E-A2C2-2D3BB2C809D1}"/>
               </a:ext>
             </a:extLst>
           </p:cNvPr>
@@ -1189,7 +1189,7 @@
           <p:cNvPr id="6" name="Slide Number Placeholder 5">
             <a:extLst>
               <a:ext uri="{FF2B5EF4-FFF2-40B4-BE49-F238E27FC236}">
-                <a16:creationId xmlns:a16="http://schemas.microsoft.com/office/drawing/2014/main" xmlns="" id="{E4F98BA4-4ADB-402F-B38A-711911A55244}"/>
+                <a16:creationId xmlns="" xmlns:a16="http://schemas.microsoft.com/office/drawing/2014/main" id="{E4F98BA4-4ADB-402F-B38A-711911A55244}"/>
               </a:ext>
             </a:extLst>
           </p:cNvPr>
@@ -1248,7 +1248,7 @@
           <p:cNvPr id="2" name="Title 1">
             <a:extLst>
               <a:ext uri="{FF2B5EF4-FFF2-40B4-BE49-F238E27FC236}">
-                <a16:creationId xmlns:a16="http://schemas.microsoft.com/office/drawing/2014/main" xmlns="" id="{D4FC2318-BD94-462B-A8F1-9B236BA1E906}"/>
+                <a16:creationId xmlns="" xmlns:a16="http://schemas.microsoft.com/office/drawing/2014/main" id="{D4FC2318-BD94-462B-A8F1-9B236BA1E906}"/>
               </a:ext>
             </a:extLst>
           </p:cNvPr>
@@ -1276,7 +1276,7 @@
           <p:cNvPr id="3" name="Content Placeholder 2">
             <a:extLst>
               <a:ext uri="{FF2B5EF4-FFF2-40B4-BE49-F238E27FC236}">
-                <a16:creationId xmlns:a16="http://schemas.microsoft.com/office/drawing/2014/main" xmlns="" id="{1F561BF1-D67C-4FE9-91D1-3FFBD3401FA3}"/>
+                <a16:creationId xmlns="" xmlns:a16="http://schemas.microsoft.com/office/drawing/2014/main" id="{1F561BF1-D67C-4FE9-91D1-3FFBD3401FA3}"/>
               </a:ext>
             </a:extLst>
           </p:cNvPr>
@@ -1338,7 +1338,7 @@
           <p:cNvPr id="4" name="Content Placeholder 3">
             <a:extLst>
               <a:ext uri="{FF2B5EF4-FFF2-40B4-BE49-F238E27FC236}">
-                <a16:creationId xmlns:a16="http://schemas.microsoft.com/office/drawing/2014/main" xmlns="" id="{281286E1-FCED-4B4D-8988-A532D4273001}"/>
+                <a16:creationId xmlns="" xmlns:a16="http://schemas.microsoft.com/office/drawing/2014/main" id="{281286E1-FCED-4B4D-8988-A532D4273001}"/>
               </a:ext>
             </a:extLst>
           </p:cNvPr>
@@ -1400,7 +1400,7 @@
           <p:cNvPr id="5" name="Date Placeholder 4">
             <a:extLst>
               <a:ext uri="{FF2B5EF4-FFF2-40B4-BE49-F238E27FC236}">
-                <a16:creationId xmlns:a16="http://schemas.microsoft.com/office/drawing/2014/main" xmlns="" id="{88FEED14-AED0-4C3E-BE8D-54C9B0804238}"/>
+                <a16:creationId xmlns="" xmlns:a16="http://schemas.microsoft.com/office/drawing/2014/main" id="{88FEED14-AED0-4C3E-BE8D-54C9B0804238}"/>
               </a:ext>
             </a:extLst>
           </p:cNvPr>
@@ -1429,7 +1429,7 @@
           <p:cNvPr id="6" name="Footer Placeholder 5">
             <a:extLst>
               <a:ext uri="{FF2B5EF4-FFF2-40B4-BE49-F238E27FC236}">
-                <a16:creationId xmlns:a16="http://schemas.microsoft.com/office/drawing/2014/main" xmlns="" id="{D292634D-AAE3-4EB7-8279-598A685C5CDB}"/>
+                <a16:creationId xmlns="" xmlns:a16="http://schemas.microsoft.com/office/drawing/2014/main" id="{D292634D-AAE3-4EB7-8279-598A685C5CDB}"/>
               </a:ext>
             </a:extLst>
           </p:cNvPr>
@@ -1454,7 +1454,7 @@
           <p:cNvPr id="7" name="Slide Number Placeholder 6">
             <a:extLst>
               <a:ext uri="{FF2B5EF4-FFF2-40B4-BE49-F238E27FC236}">
-                <a16:creationId xmlns:a16="http://schemas.microsoft.com/office/drawing/2014/main" xmlns="" id="{875B3F94-30E3-4BAF-969B-9E4F986B3298}"/>
+                <a16:creationId xmlns="" xmlns:a16="http://schemas.microsoft.com/office/drawing/2014/main" id="{875B3F94-30E3-4BAF-969B-9E4F986B3298}"/>
               </a:ext>
             </a:extLst>
           </p:cNvPr>
@@ -1513,7 +1513,7 @@
           <p:cNvPr id="2" name="Title 1">
             <a:extLst>
               <a:ext uri="{FF2B5EF4-FFF2-40B4-BE49-F238E27FC236}">
-                <a16:creationId xmlns:a16="http://schemas.microsoft.com/office/drawing/2014/main" xmlns="" id="{32455E56-C711-4A5F-85EF-EC6BC0DAE32D}"/>
+                <a16:creationId xmlns="" xmlns:a16="http://schemas.microsoft.com/office/drawing/2014/main" id="{32455E56-C711-4A5F-85EF-EC6BC0DAE32D}"/>
               </a:ext>
             </a:extLst>
           </p:cNvPr>
@@ -1546,7 +1546,7 @@
           <p:cNvPr id="3" name="Text Placeholder 2">
             <a:extLst>
               <a:ext uri="{FF2B5EF4-FFF2-40B4-BE49-F238E27FC236}">
-                <a16:creationId xmlns:a16="http://schemas.microsoft.com/office/drawing/2014/main" xmlns="" id="{25DF1123-BF5C-4C5B-966A-BCAA672D30D8}"/>
+                <a16:creationId xmlns="" xmlns:a16="http://schemas.microsoft.com/office/drawing/2014/main" id="{25DF1123-BF5C-4C5B-966A-BCAA672D30D8}"/>
               </a:ext>
             </a:extLst>
           </p:cNvPr>
@@ -1617,7 +1617,7 @@
           <p:cNvPr id="4" name="Content Placeholder 3">
             <a:extLst>
               <a:ext uri="{FF2B5EF4-FFF2-40B4-BE49-F238E27FC236}">
-                <a16:creationId xmlns:a16="http://schemas.microsoft.com/office/drawing/2014/main" xmlns="" id="{41915B5C-BAFB-496C-A48F-10213E28D518}"/>
+                <a16:creationId xmlns="" xmlns:a16="http://schemas.microsoft.com/office/drawing/2014/main" id="{41915B5C-BAFB-496C-A48F-10213E28D518}"/>
               </a:ext>
             </a:extLst>
           </p:cNvPr>
@@ -1679,7 +1679,7 @@
           <p:cNvPr id="5" name="Text Placeholder 4">
             <a:extLst>
               <a:ext uri="{FF2B5EF4-FFF2-40B4-BE49-F238E27FC236}">
-                <a16:creationId xmlns:a16="http://schemas.microsoft.com/office/drawing/2014/main" xmlns="" id="{DC1B892F-BCB3-4F60-A4AC-A65D21D34008}"/>
+                <a16:creationId xmlns="" xmlns:a16="http://schemas.microsoft.com/office/drawing/2014/main" id="{DC1B892F-BCB3-4F60-A4AC-A65D21D34008}"/>
               </a:ext>
             </a:extLst>
           </p:cNvPr>
@@ -1750,7 +1750,7 @@
           <p:cNvPr id="6" name="Content Placeholder 5">
             <a:extLst>
               <a:ext uri="{FF2B5EF4-FFF2-40B4-BE49-F238E27FC236}">
-                <a16:creationId xmlns:a16="http://schemas.microsoft.com/office/drawing/2014/main" xmlns="" id="{AD84EFB1-D7B2-46BB-9986-880661B09BE6}"/>
+                <a16:creationId xmlns="" xmlns:a16="http://schemas.microsoft.com/office/drawing/2014/main" id="{AD84EFB1-D7B2-46BB-9986-880661B09BE6}"/>
               </a:ext>
             </a:extLst>
           </p:cNvPr>
@@ -1812,7 +1812,7 @@
           <p:cNvPr id="7" name="Date Placeholder 6">
             <a:extLst>
               <a:ext uri="{FF2B5EF4-FFF2-40B4-BE49-F238E27FC236}">
-                <a16:creationId xmlns:a16="http://schemas.microsoft.com/office/drawing/2014/main" xmlns="" id="{1D818B26-0597-4DF5-9763-321830FE471F}"/>
+                <a16:creationId xmlns="" xmlns:a16="http://schemas.microsoft.com/office/drawing/2014/main" id="{1D818B26-0597-4DF5-9763-321830FE471F}"/>
               </a:ext>
             </a:extLst>
           </p:cNvPr>
@@ -1841,7 +1841,7 @@
           <p:cNvPr id="8" name="Footer Placeholder 7">
             <a:extLst>
               <a:ext uri="{FF2B5EF4-FFF2-40B4-BE49-F238E27FC236}">
-                <a16:creationId xmlns:a16="http://schemas.microsoft.com/office/drawing/2014/main" xmlns="" id="{D9C1177A-261A-4C2B-83C9-4D63FD97AEAC}"/>
+                <a16:creationId xmlns="" xmlns:a16="http://schemas.microsoft.com/office/drawing/2014/main" id="{D9C1177A-261A-4C2B-83C9-4D63FD97AEAC}"/>
               </a:ext>
             </a:extLst>
           </p:cNvPr>
@@ -1866,7 +1866,7 @@
           <p:cNvPr id="9" name="Slide Number Placeholder 8">
             <a:extLst>
               <a:ext uri="{FF2B5EF4-FFF2-40B4-BE49-F238E27FC236}">
-                <a16:creationId xmlns:a16="http://schemas.microsoft.com/office/drawing/2014/main" xmlns="" id="{FADD913E-0C98-4611-94C9-ED4F4D325163}"/>
+                <a16:creationId xmlns="" xmlns:a16="http://schemas.microsoft.com/office/drawing/2014/main" id="{FADD913E-0C98-4611-94C9-ED4F4D325163}"/>
               </a:ext>
             </a:extLst>
           </p:cNvPr>
@@ -1925,7 +1925,7 @@
           <p:cNvPr id="2" name="Title 1">
             <a:extLst>
               <a:ext uri="{FF2B5EF4-FFF2-40B4-BE49-F238E27FC236}">
-                <a16:creationId xmlns:a16="http://schemas.microsoft.com/office/drawing/2014/main" xmlns="" id="{BC618DB2-18FB-4DAA-8360-91C5CE97A317}"/>
+                <a16:creationId xmlns="" xmlns:a16="http://schemas.microsoft.com/office/drawing/2014/main" id="{BC618DB2-18FB-4DAA-8360-91C5CE97A317}"/>
               </a:ext>
             </a:extLst>
           </p:cNvPr>
@@ -1953,7 +1953,7 @@
           <p:cNvPr id="3" name="Date Placeholder 2">
             <a:extLst>
               <a:ext uri="{FF2B5EF4-FFF2-40B4-BE49-F238E27FC236}">
-                <a16:creationId xmlns:a16="http://schemas.microsoft.com/office/drawing/2014/main" xmlns="" id="{192A9BD7-130F-48E4-93A8-D36FCFE94593}"/>
+                <a16:creationId xmlns="" xmlns:a16="http://schemas.microsoft.com/office/drawing/2014/main" id="{192A9BD7-130F-48E4-93A8-D36FCFE94593}"/>
               </a:ext>
             </a:extLst>
           </p:cNvPr>
@@ -1982,7 +1982,7 @@
           <p:cNvPr id="4" name="Footer Placeholder 3">
             <a:extLst>
               <a:ext uri="{FF2B5EF4-FFF2-40B4-BE49-F238E27FC236}">
-                <a16:creationId xmlns:a16="http://schemas.microsoft.com/office/drawing/2014/main" xmlns="" id="{321DA2C5-31F6-4360-99A4-64DF94EE1E3E}"/>
+                <a16:creationId xmlns="" xmlns:a16="http://schemas.microsoft.com/office/drawing/2014/main" id="{321DA2C5-31F6-4360-99A4-64DF94EE1E3E}"/>
               </a:ext>
             </a:extLst>
           </p:cNvPr>
@@ -2007,7 +2007,7 @@
           <p:cNvPr id="5" name="Slide Number Placeholder 4">
             <a:extLst>
               <a:ext uri="{FF2B5EF4-FFF2-40B4-BE49-F238E27FC236}">
-                <a16:creationId xmlns:a16="http://schemas.microsoft.com/office/drawing/2014/main" xmlns="" id="{C7DED1C8-1F44-4931-95A5-4CFBF3193408}"/>
+                <a16:creationId xmlns="" xmlns:a16="http://schemas.microsoft.com/office/drawing/2014/main" id="{C7DED1C8-1F44-4931-95A5-4CFBF3193408}"/>
               </a:ext>
             </a:extLst>
           </p:cNvPr>
@@ -2066,7 +2066,7 @@
           <p:cNvPr id="2" name="Date Placeholder 1">
             <a:extLst>
               <a:ext uri="{FF2B5EF4-FFF2-40B4-BE49-F238E27FC236}">
-                <a16:creationId xmlns:a16="http://schemas.microsoft.com/office/drawing/2014/main" xmlns="" id="{B3419324-B673-4C8A-9155-119D365D7D44}"/>
+                <a16:creationId xmlns="" xmlns:a16="http://schemas.microsoft.com/office/drawing/2014/main" id="{B3419324-B673-4C8A-9155-119D365D7D44}"/>
               </a:ext>
             </a:extLst>
           </p:cNvPr>
@@ -2095,7 +2095,7 @@
           <p:cNvPr id="3" name="Footer Placeholder 2">
             <a:extLst>
               <a:ext uri="{FF2B5EF4-FFF2-40B4-BE49-F238E27FC236}">
-                <a16:creationId xmlns:a16="http://schemas.microsoft.com/office/drawing/2014/main" xmlns="" id="{4B8F4D7D-D4E6-4D06-9A03-37964F0BCB35}"/>
+                <a16:creationId xmlns="" xmlns:a16="http://schemas.microsoft.com/office/drawing/2014/main" id="{4B8F4D7D-D4E6-4D06-9A03-37964F0BCB35}"/>
               </a:ext>
             </a:extLst>
           </p:cNvPr>
@@ -2120,7 +2120,7 @@
           <p:cNvPr id="4" name="Slide Number Placeholder 3">
             <a:extLst>
               <a:ext uri="{FF2B5EF4-FFF2-40B4-BE49-F238E27FC236}">
-                <a16:creationId xmlns:a16="http://schemas.microsoft.com/office/drawing/2014/main" xmlns="" id="{F4D247D1-B810-4644-8BB6-B41C28A33DB2}"/>
+                <a16:creationId xmlns="" xmlns:a16="http://schemas.microsoft.com/office/drawing/2014/main" id="{F4D247D1-B810-4644-8BB6-B41C28A33DB2}"/>
               </a:ext>
             </a:extLst>
           </p:cNvPr>
@@ -2179,7 +2179,7 @@
           <p:cNvPr id="2" name="Title 1">
             <a:extLst>
               <a:ext uri="{FF2B5EF4-FFF2-40B4-BE49-F238E27FC236}">
-                <a16:creationId xmlns:a16="http://schemas.microsoft.com/office/drawing/2014/main" xmlns="" id="{15AE3250-45A2-44A6-9723-89CD77361683}"/>
+                <a16:creationId xmlns="" xmlns:a16="http://schemas.microsoft.com/office/drawing/2014/main" id="{15AE3250-45A2-44A6-9723-89CD77361683}"/>
               </a:ext>
             </a:extLst>
           </p:cNvPr>
@@ -2216,7 +2216,7 @@
           <p:cNvPr id="3" name="Content Placeholder 2">
             <a:extLst>
               <a:ext uri="{FF2B5EF4-FFF2-40B4-BE49-F238E27FC236}">
-                <a16:creationId xmlns:a16="http://schemas.microsoft.com/office/drawing/2014/main" xmlns="" id="{3AB327E7-2A1B-487F-AC19-6ECF253EB86F}"/>
+                <a16:creationId xmlns="" xmlns:a16="http://schemas.microsoft.com/office/drawing/2014/main" id="{3AB327E7-2A1B-487F-AC19-6ECF253EB86F}"/>
               </a:ext>
             </a:extLst>
           </p:cNvPr>
@@ -2306,7 +2306,7 @@
           <p:cNvPr id="4" name="Text Placeholder 3">
             <a:extLst>
               <a:ext uri="{FF2B5EF4-FFF2-40B4-BE49-F238E27FC236}">
-                <a16:creationId xmlns:a16="http://schemas.microsoft.com/office/drawing/2014/main" xmlns="" id="{6C03DED6-2C9D-40B2-B0A4-37C78D0DF360}"/>
+                <a16:creationId xmlns="" xmlns:a16="http://schemas.microsoft.com/office/drawing/2014/main" id="{6C03DED6-2C9D-40B2-B0A4-37C78D0DF360}"/>
               </a:ext>
             </a:extLst>
           </p:cNvPr>
@@ -2377,7 +2377,7 @@
           <p:cNvPr id="5" name="Date Placeholder 4">
             <a:extLst>
               <a:ext uri="{FF2B5EF4-FFF2-40B4-BE49-F238E27FC236}">
-                <a16:creationId xmlns:a16="http://schemas.microsoft.com/office/drawing/2014/main" xmlns="" id="{A8CEB13A-79B9-466F-A689-70BF83431C7B}"/>
+                <a16:creationId xmlns="" xmlns:a16="http://schemas.microsoft.com/office/drawing/2014/main" id="{A8CEB13A-79B9-466F-A689-70BF83431C7B}"/>
               </a:ext>
             </a:extLst>
           </p:cNvPr>
@@ -2406,7 +2406,7 @@
           <p:cNvPr id="6" name="Footer Placeholder 5">
             <a:extLst>
               <a:ext uri="{FF2B5EF4-FFF2-40B4-BE49-F238E27FC236}">
-                <a16:creationId xmlns:a16="http://schemas.microsoft.com/office/drawing/2014/main" xmlns="" id="{EA9AED05-0E1A-449F-8CC5-B658366A9833}"/>
+                <a16:creationId xmlns="" xmlns:a16="http://schemas.microsoft.com/office/drawing/2014/main" id="{EA9AED05-0E1A-449F-8CC5-B658366A9833}"/>
               </a:ext>
             </a:extLst>
           </p:cNvPr>
@@ -2431,7 +2431,7 @@
           <p:cNvPr id="7" name="Slide Number Placeholder 6">
             <a:extLst>
               <a:ext uri="{FF2B5EF4-FFF2-40B4-BE49-F238E27FC236}">
-                <a16:creationId xmlns:a16="http://schemas.microsoft.com/office/drawing/2014/main" xmlns="" id="{6E61978B-15CB-4694-9975-C943237FBD16}"/>
+                <a16:creationId xmlns="" xmlns:a16="http://schemas.microsoft.com/office/drawing/2014/main" id="{6E61978B-15CB-4694-9975-C943237FBD16}"/>
               </a:ext>
             </a:extLst>
           </p:cNvPr>
@@ -2490,7 +2490,7 @@
           <p:cNvPr id="2" name="Title 1">
             <a:extLst>
               <a:ext uri="{FF2B5EF4-FFF2-40B4-BE49-F238E27FC236}">
-                <a16:creationId xmlns:a16="http://schemas.microsoft.com/office/drawing/2014/main" xmlns="" id="{D4A3446B-AE1B-434C-A2AE-3751B885FCCF}"/>
+                <a16:creationId xmlns="" xmlns:a16="http://schemas.microsoft.com/office/drawing/2014/main" id="{D4A3446B-AE1B-434C-A2AE-3751B885FCCF}"/>
               </a:ext>
             </a:extLst>
           </p:cNvPr>
@@ -2527,7 +2527,7 @@
           <p:cNvPr id="3" name="Picture Placeholder 2">
             <a:extLst>
               <a:ext uri="{FF2B5EF4-FFF2-40B4-BE49-F238E27FC236}">
-                <a16:creationId xmlns:a16="http://schemas.microsoft.com/office/drawing/2014/main" xmlns="" id="{F9706E78-1242-4BA1-B2F8-DBEA3E2A973E}"/>
+                <a16:creationId xmlns="" xmlns:a16="http://schemas.microsoft.com/office/drawing/2014/main" id="{F9706E78-1242-4BA1-B2F8-DBEA3E2A973E}"/>
               </a:ext>
             </a:extLst>
           </p:cNvPr>
@@ -2594,7 +2594,7 @@
           <p:cNvPr id="4" name="Text Placeholder 3">
             <a:extLst>
               <a:ext uri="{FF2B5EF4-FFF2-40B4-BE49-F238E27FC236}">
-                <a16:creationId xmlns:a16="http://schemas.microsoft.com/office/drawing/2014/main" xmlns="" id="{5F65BDBE-3135-47D6-ACB1-642FB485DA30}"/>
+                <a16:creationId xmlns="" xmlns:a16="http://schemas.microsoft.com/office/drawing/2014/main" id="{5F65BDBE-3135-47D6-ACB1-642FB485DA30}"/>
               </a:ext>
             </a:extLst>
           </p:cNvPr>
@@ -2665,7 +2665,7 @@
           <p:cNvPr id="5" name="Date Placeholder 4">
             <a:extLst>
               <a:ext uri="{FF2B5EF4-FFF2-40B4-BE49-F238E27FC236}">
-                <a16:creationId xmlns:a16="http://schemas.microsoft.com/office/drawing/2014/main" xmlns="" id="{C083E1DB-374D-46B9-8FE8-6A710E0015FE}"/>
+                <a16:creationId xmlns="" xmlns:a16="http://schemas.microsoft.com/office/drawing/2014/main" id="{C083E1DB-374D-46B9-8FE8-6A710E0015FE}"/>
               </a:ext>
             </a:extLst>
           </p:cNvPr>
@@ -2694,7 +2694,7 @@
           <p:cNvPr id="6" name="Footer Placeholder 5">
             <a:extLst>
               <a:ext uri="{FF2B5EF4-FFF2-40B4-BE49-F238E27FC236}">
-                <a16:creationId xmlns:a16="http://schemas.microsoft.com/office/drawing/2014/main" xmlns="" id="{69154990-CF32-4A93-8890-8367FDFCFDB2}"/>
+                <a16:creationId xmlns="" xmlns:a16="http://schemas.microsoft.com/office/drawing/2014/main" id="{69154990-CF32-4A93-8890-8367FDFCFDB2}"/>
               </a:ext>
             </a:extLst>
           </p:cNvPr>
@@ -2719,7 +2719,7 @@
           <p:cNvPr id="7" name="Slide Number Placeholder 6">
             <a:extLst>
               <a:ext uri="{FF2B5EF4-FFF2-40B4-BE49-F238E27FC236}">
-                <a16:creationId xmlns:a16="http://schemas.microsoft.com/office/drawing/2014/main" xmlns="" id="{0ED00F40-AB49-42AB-8A12-8838BB5C9479}"/>
+                <a16:creationId xmlns="" xmlns:a16="http://schemas.microsoft.com/office/drawing/2014/main" id="{0ED00F40-AB49-42AB-8A12-8838BB5C9479}"/>
               </a:ext>
             </a:extLst>
           </p:cNvPr>
@@ -2783,7 +2783,7 @@
           <p:cNvPr id="2" name="Title Placeholder 1">
             <a:extLst>
               <a:ext uri="{FF2B5EF4-FFF2-40B4-BE49-F238E27FC236}">
-                <a16:creationId xmlns:a16="http://schemas.microsoft.com/office/drawing/2014/main" xmlns="" id="{3C293650-B304-4F54-86C2-CB9AB0E01ACE}"/>
+                <a16:creationId xmlns="" xmlns:a16="http://schemas.microsoft.com/office/drawing/2014/main" id="{3C293650-B304-4F54-86C2-CB9AB0E01ACE}"/>
               </a:ext>
             </a:extLst>
           </p:cNvPr>
@@ -2821,7 +2821,7 @@
           <p:cNvPr id="3" name="Text Placeholder 2">
             <a:extLst>
               <a:ext uri="{FF2B5EF4-FFF2-40B4-BE49-F238E27FC236}">
-                <a16:creationId xmlns:a16="http://schemas.microsoft.com/office/drawing/2014/main" xmlns="" id="{0F94AEFA-3FB4-44CB-8FC3-665909F19B1B}"/>
+                <a16:creationId xmlns="" xmlns:a16="http://schemas.microsoft.com/office/drawing/2014/main" id="{0F94AEFA-3FB4-44CB-8FC3-665909F19B1B}"/>
               </a:ext>
             </a:extLst>
           </p:cNvPr>
@@ -2888,7 +2888,7 @@
           <p:cNvPr id="4" name="Date Placeholder 3">
             <a:extLst>
               <a:ext uri="{FF2B5EF4-FFF2-40B4-BE49-F238E27FC236}">
-                <a16:creationId xmlns:a16="http://schemas.microsoft.com/office/drawing/2014/main" xmlns="" id="{E6FBBCA1-D16D-4FEF-85C4-B458EBE96722}"/>
+                <a16:creationId xmlns="" xmlns:a16="http://schemas.microsoft.com/office/drawing/2014/main" id="{E6FBBCA1-D16D-4FEF-85C4-B458EBE96722}"/>
               </a:ext>
             </a:extLst>
           </p:cNvPr>
@@ -2935,7 +2935,7 @@
           <p:cNvPr id="5" name="Footer Placeholder 4">
             <a:extLst>
               <a:ext uri="{FF2B5EF4-FFF2-40B4-BE49-F238E27FC236}">
-                <a16:creationId xmlns:a16="http://schemas.microsoft.com/office/drawing/2014/main" xmlns="" id="{EB108423-2FD6-48CF-B529-AEE16E2EAAA1}"/>
+                <a16:creationId xmlns="" xmlns:a16="http://schemas.microsoft.com/office/drawing/2014/main" id="{EB108423-2FD6-48CF-B529-AEE16E2EAAA1}"/>
               </a:ext>
             </a:extLst>
           </p:cNvPr>
@@ -2978,7 +2978,7 @@
           <p:cNvPr id="6" name="Slide Number Placeholder 5">
             <a:extLst>
               <a:ext uri="{FF2B5EF4-FFF2-40B4-BE49-F238E27FC236}">
-                <a16:creationId xmlns:a16="http://schemas.microsoft.com/office/drawing/2014/main" xmlns="" id="{89FBC860-9EB4-41CC-8FA6-BB58944089D7}"/>
+                <a16:creationId xmlns="" xmlns:a16="http://schemas.microsoft.com/office/drawing/2014/main" id="{89FBC860-9EB4-41CC-8FA6-BB58944089D7}"/>
               </a:ext>
             </a:extLst>
           </p:cNvPr>
@@ -3346,7 +3346,7 @@
           <p:cNvPr id="2" name="Title 1">
             <a:extLst>
               <a:ext uri="{FF2B5EF4-FFF2-40B4-BE49-F238E27FC236}">
-                <a16:creationId xmlns:a16="http://schemas.microsoft.com/office/drawing/2014/main" xmlns="" id="{D44CBB88-75A0-46BE-A9D5-1302138C3289}"/>
+                <a16:creationId xmlns="" xmlns:a16="http://schemas.microsoft.com/office/drawing/2014/main" id="{D44CBB88-75A0-46BE-A9D5-1302138C3289}"/>
               </a:ext>
             </a:extLst>
           </p:cNvPr>
@@ -3370,8 +3370,12 @@
           <a:lstStyle/>
           <a:p>
             <a:r>
+              <a:rPr lang="en-US" dirty="0" smtClean="0"/>
+              <a:t>Determining </a:t>
+            </a:r>
+            <a:r>
               <a:rPr lang="en-US" dirty="0"/>
-              <a:t>Determining which variables contribute to shot success rate in soccer</a:t>
+              <a:t>which variables contribute to shot success rate in soccer</a:t>
             </a:r>
           </a:p>
         </p:txBody>
@@ -3381,7 +3385,7 @@
           <p:cNvPr id="3" name="Subtitle 2">
             <a:extLst>
               <a:ext uri="{FF2B5EF4-FFF2-40B4-BE49-F238E27FC236}">
-                <a16:creationId xmlns:a16="http://schemas.microsoft.com/office/drawing/2014/main" xmlns="" id="{572D7E2B-2D66-4A45-B7BD-8A0BC144AD36}"/>
+                <a16:creationId xmlns="" xmlns:a16="http://schemas.microsoft.com/office/drawing/2014/main" id="{572D7E2B-2D66-4A45-B7BD-8A0BC144AD36}"/>
               </a:ext>
             </a:extLst>
           </p:cNvPr>
@@ -3420,8 +3424,12 @@
           </a:p>
           <a:p>
             <a:r>
+              <a:rPr lang="en-US" smtClean="0"/>
+              <a:t>March 8, </a:t>
+            </a:r>
+            <a:r>
               <a:rPr lang="en-US" dirty="0"/>
-              <a:t>February 2, 2022</a:t>
+              <a:t>2022</a:t>
             </a:r>
           </a:p>
         </p:txBody>
@@ -3461,7 +3469,7 @@
           <p:cNvPr id="2" name="TextBox 1">
             <a:extLst>
               <a:ext uri="{FF2B5EF4-FFF2-40B4-BE49-F238E27FC236}">
-                <a16:creationId xmlns:a16="http://schemas.microsoft.com/office/drawing/2014/main" xmlns="" id="{1E9E0E37-71F7-4506-A4A0-38A592F50849}"/>
+                <a16:creationId xmlns="" xmlns:a16="http://schemas.microsoft.com/office/drawing/2014/main" id="{1E9E0E37-71F7-4506-A4A0-38A592F50849}"/>
               </a:ext>
             </a:extLst>
           </p:cNvPr>
@@ -3471,7 +3479,7 @@
         <p:spPr>
           <a:xfrm>
             <a:off x="622571" y="291830"/>
-            <a:ext cx="3150799" cy="584775"/>
+            <a:ext cx="6533135" cy="584775"/>
           </a:xfrm>
           <a:prstGeom prst="rect">
             <a:avLst/>
@@ -3486,7 +3494,7 @@
           <a:p>
             <a:r>
               <a:rPr lang="en-US" sz="3200" b="1" dirty="0" smtClean="0"/>
-              <a:t>Assist </a:t>
+              <a:t>Hypothesis Testing: Assist </a:t>
             </a:r>
             <a:r>
               <a:rPr lang="en-US" sz="3200" b="1" dirty="0" err="1" smtClean="0"/>
@@ -3590,10 +3598,252 @@
           </a:prstGeom>
         </p:spPr>
       </p:pic>
+      <p:sp>
+        <p:nvSpPr>
+          <p:cNvPr id="7" name="TextBox 6"/>
+          <p:cNvSpPr txBox="1"/>
+          <p:nvPr/>
+        </p:nvSpPr>
+        <p:spPr>
+          <a:xfrm>
+            <a:off x="8537443" y="876605"/>
+            <a:ext cx="2727434" cy="1200329"/>
+          </a:xfrm>
+          <a:prstGeom prst="rect">
+            <a:avLst/>
+          </a:prstGeom>
+        </p:spPr>
+        <p:style>
+          <a:lnRef idx="2">
+            <a:schemeClr val="accent3"/>
+          </a:lnRef>
+          <a:fillRef idx="1">
+            <a:schemeClr val="lt1"/>
+          </a:fillRef>
+          <a:effectRef idx="0">
+            <a:schemeClr val="accent3"/>
+          </a:effectRef>
+          <a:fontRef idx="minor">
+            <a:schemeClr val="dk1"/>
+          </a:fontRef>
+        </p:style>
+        <p:txBody>
+          <a:bodyPr wrap="square" rtlCol="0">
+            <a:spAutoFit/>
+          </a:bodyPr>
+          <a:lstStyle/>
+          <a:p>
+            <a:r>
+              <a:rPr lang="en-US" u="sng" dirty="0" smtClean="0"/>
+              <a:t>Welch Two Sample t-test</a:t>
+            </a:r>
+          </a:p>
+          <a:p>
+            <a:pPr marL="285750" indent="-285750">
+              <a:buFont typeface="Arial" panose="020B0604020202020204" pitchFamily="34" charset="0"/>
+              <a:buChar char="•"/>
+            </a:pPr>
+            <a:r>
+              <a:rPr lang="en-US" dirty="0">
+                <a:solidFill>
+                  <a:srgbClr val="FF0000"/>
+                </a:solidFill>
+              </a:rPr>
+              <a:t>p-value: &lt;</a:t>
+            </a:r>
+            <a:r>
+              <a:rPr lang="en-US" dirty="0" smtClean="0">
+                <a:solidFill>
+                  <a:srgbClr val="FF0000"/>
+                </a:solidFill>
+              </a:rPr>
+              <a:t>2e-16</a:t>
+            </a:r>
+          </a:p>
+          <a:p>
+            <a:pPr marL="285750" indent="-285750">
+              <a:buFont typeface="Arial" panose="020B0604020202020204" pitchFamily="34" charset="0"/>
+              <a:buChar char="•"/>
+            </a:pPr>
+            <a:r>
+              <a:rPr lang="en-US" dirty="0" smtClean="0"/>
+              <a:t>Assist Mean: 29.2</a:t>
+            </a:r>
+          </a:p>
+          <a:p>
+            <a:pPr marL="285750" indent="-285750">
+              <a:buFont typeface="Arial" panose="020B0604020202020204" pitchFamily="34" charset="0"/>
+              <a:buChar char="•"/>
+            </a:pPr>
+            <a:r>
+              <a:rPr lang="en-US" dirty="0" smtClean="0"/>
+              <a:t>Key Pass Mean: 33.2</a:t>
+            </a:r>
+            <a:endParaRPr lang="en-US" dirty="0"/>
+          </a:p>
+        </p:txBody>
+      </p:sp>
+      <p:sp>
+        <p:nvSpPr>
+          <p:cNvPr id="8" name="TextBox 7"/>
+          <p:cNvSpPr txBox="1"/>
+          <p:nvPr/>
+        </p:nvSpPr>
+        <p:spPr>
+          <a:xfrm>
+            <a:off x="983815" y="2656941"/>
+            <a:ext cx="2727434" cy="1200329"/>
+          </a:xfrm>
+          <a:prstGeom prst="rect">
+            <a:avLst/>
+          </a:prstGeom>
+        </p:spPr>
+        <p:style>
+          <a:lnRef idx="2">
+            <a:schemeClr val="accent3"/>
+          </a:lnRef>
+          <a:fillRef idx="1">
+            <a:schemeClr val="lt1"/>
+          </a:fillRef>
+          <a:effectRef idx="0">
+            <a:schemeClr val="accent3"/>
+          </a:effectRef>
+          <a:fontRef idx="minor">
+            <a:schemeClr val="dk1"/>
+          </a:fontRef>
+        </p:style>
+        <p:txBody>
+          <a:bodyPr wrap="square" rtlCol="0">
+            <a:spAutoFit/>
+          </a:bodyPr>
+          <a:lstStyle/>
+          <a:p>
+            <a:r>
+              <a:rPr lang="en-US" u="sng" dirty="0" smtClean="0"/>
+              <a:t>Welch Two Sample t-test</a:t>
+            </a:r>
+          </a:p>
+          <a:p>
+            <a:pPr marL="285750" indent="-285750">
+              <a:buFont typeface="Arial" panose="020B0604020202020204" pitchFamily="34" charset="0"/>
+              <a:buChar char="•"/>
+            </a:pPr>
+            <a:r>
+              <a:rPr lang="en-US" dirty="0" smtClean="0"/>
+              <a:t>p-value: 0.9</a:t>
+            </a:r>
+          </a:p>
+          <a:p>
+            <a:pPr marL="285750" indent="-285750">
+              <a:buFont typeface="Arial" panose="020B0604020202020204" pitchFamily="34" charset="0"/>
+              <a:buChar char="•"/>
+            </a:pPr>
+            <a:r>
+              <a:rPr lang="en-US" dirty="0" smtClean="0"/>
+              <a:t>Assist Mean: 84.7</a:t>
+            </a:r>
+          </a:p>
+          <a:p>
+            <a:pPr marL="285750" indent="-285750">
+              <a:buFont typeface="Arial" panose="020B0604020202020204" pitchFamily="34" charset="0"/>
+              <a:buChar char="•"/>
+            </a:pPr>
+            <a:r>
+              <a:rPr lang="en-US" dirty="0" smtClean="0"/>
+              <a:t>Key Pass Mean: </a:t>
+            </a:r>
+            <a:r>
+              <a:rPr lang="en-US" dirty="0"/>
+              <a:t>84.7</a:t>
+            </a:r>
+          </a:p>
+        </p:txBody>
+      </p:sp>
+      <p:sp>
+        <p:nvSpPr>
+          <p:cNvPr id="9" name="TextBox 8"/>
+          <p:cNvSpPr txBox="1"/>
+          <p:nvPr/>
+        </p:nvSpPr>
+        <p:spPr>
+          <a:xfrm>
+            <a:off x="8537443" y="2656940"/>
+            <a:ext cx="2727434" cy="1200329"/>
+          </a:xfrm>
+          <a:prstGeom prst="rect">
+            <a:avLst/>
+          </a:prstGeom>
+        </p:spPr>
+        <p:style>
+          <a:lnRef idx="2">
+            <a:schemeClr val="accent3"/>
+          </a:lnRef>
+          <a:fillRef idx="1">
+            <a:schemeClr val="lt1"/>
+          </a:fillRef>
+          <a:effectRef idx="0">
+            <a:schemeClr val="accent3"/>
+          </a:effectRef>
+          <a:fontRef idx="minor">
+            <a:schemeClr val="dk1"/>
+          </a:fontRef>
+        </p:style>
+        <p:txBody>
+          <a:bodyPr wrap="square" rtlCol="0">
+            <a:spAutoFit/>
+          </a:bodyPr>
+          <a:lstStyle/>
+          <a:p>
+            <a:r>
+              <a:rPr lang="en-US" u="sng" dirty="0" smtClean="0"/>
+              <a:t>Welch Two Sample t-test</a:t>
+            </a:r>
+          </a:p>
+          <a:p>
+            <a:pPr marL="285750" indent="-285750">
+              <a:buFont typeface="Arial" panose="020B0604020202020204" pitchFamily="34" charset="0"/>
+              <a:buChar char="•"/>
+            </a:pPr>
+            <a:r>
+              <a:rPr lang="en-US" dirty="0" smtClean="0"/>
+              <a:t>p-value: 0.6</a:t>
+            </a:r>
+          </a:p>
+          <a:p>
+            <a:pPr marL="285750" indent="-285750">
+              <a:buFont typeface="Arial" panose="020B0604020202020204" pitchFamily="34" charset="0"/>
+              <a:buChar char="•"/>
+            </a:pPr>
+            <a:r>
+              <a:rPr lang="en-US" dirty="0" smtClean="0"/>
+              <a:t>Assist Mean</a:t>
+            </a:r>
+            <a:r>
+              <a:rPr lang="en-US" dirty="0"/>
+              <a:t>: 51.7</a:t>
+            </a:r>
+            <a:endParaRPr lang="en-US" dirty="0" smtClean="0"/>
+          </a:p>
+          <a:p>
+            <a:pPr marL="285750" indent="-285750">
+              <a:buFont typeface="Arial" panose="020B0604020202020204" pitchFamily="34" charset="0"/>
+              <a:buChar char="•"/>
+            </a:pPr>
+            <a:r>
+              <a:rPr lang="en-US" dirty="0" smtClean="0"/>
+              <a:t>Key Pass Mean</a:t>
+            </a:r>
+            <a:r>
+              <a:rPr lang="en-US" dirty="0"/>
+              <a:t>: 52.1</a:t>
+            </a:r>
+          </a:p>
+        </p:txBody>
+      </p:sp>
     </p:spTree>
     <p:extLst>
       <p:ext uri="{BB962C8B-B14F-4D97-AF65-F5344CB8AC3E}">
-        <p14:creationId xmlns:p14="http://schemas.microsoft.com/office/powerpoint/2010/main" val="2741190650"/>
+        <p14:creationId xmlns:p14="http://schemas.microsoft.com/office/powerpoint/2010/main" val="2229208503"/>
       </p:ext>
     </p:extLst>
   </p:cSld>
@@ -3625,7 +3875,7 @@
           <p:cNvPr id="2" name="TextBox 1">
             <a:extLst>
               <a:ext uri="{FF2B5EF4-FFF2-40B4-BE49-F238E27FC236}">
-                <a16:creationId xmlns:a16="http://schemas.microsoft.com/office/drawing/2014/main" xmlns="" id="{1E9E0E37-71F7-4506-A4A0-38A592F50849}"/>
+                <a16:creationId xmlns="" xmlns:a16="http://schemas.microsoft.com/office/drawing/2014/main" id="{1E9E0E37-71F7-4506-A4A0-38A592F50849}"/>
               </a:ext>
             </a:extLst>
           </p:cNvPr>
@@ -3635,7 +3885,7 @@
         <p:spPr>
           <a:xfrm>
             <a:off x="622571" y="291830"/>
-            <a:ext cx="2289794" cy="584775"/>
+            <a:ext cx="5672130" cy="584775"/>
           </a:xfrm>
           <a:prstGeom prst="rect">
             <a:avLst/>
@@ -3650,7 +3900,7 @@
           <a:p>
             <a:r>
               <a:rPr lang="en-US" sz="3200" b="1" dirty="0" smtClean="0"/>
-              <a:t>Shot </a:t>
+              <a:t>Hypothesis Testing: Shot </a:t>
             </a:r>
             <a:r>
               <a:rPr lang="en-US" sz="3200" b="1" dirty="0" err="1" smtClean="0"/>
@@ -3754,10 +4004,278 @@
           </a:prstGeom>
         </p:spPr>
       </p:pic>
+      <p:sp>
+        <p:nvSpPr>
+          <p:cNvPr id="6" name="TextBox 5"/>
+          <p:cNvSpPr txBox="1"/>
+          <p:nvPr/>
+        </p:nvSpPr>
+        <p:spPr>
+          <a:xfrm>
+            <a:off x="8537443" y="876605"/>
+            <a:ext cx="2727434" cy="1200329"/>
+          </a:xfrm>
+          <a:prstGeom prst="rect">
+            <a:avLst/>
+          </a:prstGeom>
+        </p:spPr>
+        <p:style>
+          <a:lnRef idx="2">
+            <a:schemeClr val="accent3"/>
+          </a:lnRef>
+          <a:fillRef idx="1">
+            <a:schemeClr val="lt1"/>
+          </a:fillRef>
+          <a:effectRef idx="0">
+            <a:schemeClr val="accent3"/>
+          </a:effectRef>
+          <a:fontRef idx="minor">
+            <a:schemeClr val="dk1"/>
+          </a:fontRef>
+        </p:style>
+        <p:txBody>
+          <a:bodyPr wrap="square" rtlCol="0">
+            <a:spAutoFit/>
+          </a:bodyPr>
+          <a:lstStyle/>
+          <a:p>
+            <a:r>
+              <a:rPr lang="en-US" u="sng" dirty="0" smtClean="0"/>
+              <a:t>Welch Two Sample t-test</a:t>
+            </a:r>
+          </a:p>
+          <a:p>
+            <a:pPr marL="285750" indent="-285750">
+              <a:buFont typeface="Arial" panose="020B0604020202020204" pitchFamily="34" charset="0"/>
+              <a:buChar char="•"/>
+            </a:pPr>
+            <a:r>
+              <a:rPr lang="en-US" dirty="0">
+                <a:solidFill>
+                  <a:srgbClr val="FF0000"/>
+                </a:solidFill>
+              </a:rPr>
+              <a:t>p-value: &lt;</a:t>
+            </a:r>
+            <a:r>
+              <a:rPr lang="en-US" dirty="0" smtClean="0">
+                <a:solidFill>
+                  <a:srgbClr val="FF0000"/>
+                </a:solidFill>
+              </a:rPr>
+              <a:t>2e-16</a:t>
+            </a:r>
+          </a:p>
+          <a:p>
+            <a:pPr marL="285750" indent="-285750">
+              <a:buFont typeface="Arial" panose="020B0604020202020204" pitchFamily="34" charset="0"/>
+              <a:buChar char="•"/>
+            </a:pPr>
+            <a:r>
+              <a:rPr lang="en-US" dirty="0" smtClean="0"/>
+              <a:t>Goal Mean: 83.4</a:t>
+            </a:r>
+          </a:p>
+          <a:p>
+            <a:pPr marL="285750" indent="-285750">
+              <a:buFont typeface="Arial" panose="020B0604020202020204" pitchFamily="34" charset="0"/>
+              <a:buChar char="•"/>
+            </a:pPr>
+            <a:r>
+              <a:rPr lang="en-US" dirty="0" smtClean="0"/>
+              <a:t>Shot Mean: 78.6</a:t>
+            </a:r>
+            <a:endParaRPr lang="en-US" dirty="0"/>
+          </a:p>
+        </p:txBody>
+      </p:sp>
+      <p:sp>
+        <p:nvSpPr>
+          <p:cNvPr id="8" name="TextBox 7"/>
+          <p:cNvSpPr txBox="1"/>
+          <p:nvPr/>
+        </p:nvSpPr>
+        <p:spPr>
+          <a:xfrm>
+            <a:off x="983815" y="2656941"/>
+            <a:ext cx="2727434" cy="1200329"/>
+          </a:xfrm>
+          <a:prstGeom prst="rect">
+            <a:avLst/>
+          </a:prstGeom>
+        </p:spPr>
+        <p:style>
+          <a:lnRef idx="2">
+            <a:schemeClr val="accent3"/>
+          </a:lnRef>
+          <a:fillRef idx="1">
+            <a:schemeClr val="lt1"/>
+          </a:fillRef>
+          <a:effectRef idx="0">
+            <a:schemeClr val="accent3"/>
+          </a:effectRef>
+          <a:fontRef idx="minor">
+            <a:schemeClr val="dk1"/>
+          </a:fontRef>
+        </p:style>
+        <p:txBody>
+          <a:bodyPr wrap="square" rtlCol="0">
+            <a:spAutoFit/>
+          </a:bodyPr>
+          <a:lstStyle/>
+          <a:p>
+            <a:r>
+              <a:rPr lang="en-US" u="sng" dirty="0" smtClean="0"/>
+              <a:t>Welch Two Sample t-test</a:t>
+            </a:r>
+          </a:p>
+          <a:p>
+            <a:pPr marL="285750" indent="-285750">
+              <a:buFont typeface="Arial" panose="020B0604020202020204" pitchFamily="34" charset="0"/>
+              <a:buChar char="•"/>
+            </a:pPr>
+            <a:r>
+              <a:rPr lang="en-US" dirty="0" smtClean="0">
+                <a:solidFill>
+                  <a:srgbClr val="FF0000"/>
+                </a:solidFill>
+              </a:rPr>
+              <a:t>p-value</a:t>
+            </a:r>
+            <a:r>
+              <a:rPr lang="en-US" dirty="0">
+                <a:solidFill>
+                  <a:srgbClr val="FF0000"/>
+                </a:solidFill>
+              </a:rPr>
+              <a:t>: &lt;2e-16</a:t>
+            </a:r>
+            <a:endParaRPr lang="en-US" dirty="0" smtClean="0">
+              <a:solidFill>
+                <a:srgbClr val="FF0000"/>
+              </a:solidFill>
+            </a:endParaRPr>
+          </a:p>
+          <a:p>
+            <a:pPr marL="285750" indent="-285750">
+              <a:buFont typeface="Arial" panose="020B0604020202020204" pitchFamily="34" charset="0"/>
+              <a:buChar char="•"/>
+            </a:pPr>
+            <a:r>
+              <a:rPr lang="en-US" dirty="0" smtClean="0"/>
+              <a:t>Goal Mean</a:t>
+            </a:r>
+            <a:r>
+              <a:rPr lang="en-US" dirty="0"/>
+              <a:t>: 93.5</a:t>
+            </a:r>
+            <a:endParaRPr lang="en-US" dirty="0" smtClean="0"/>
+          </a:p>
+          <a:p>
+            <a:pPr marL="285750" indent="-285750">
+              <a:buFont typeface="Arial" panose="020B0604020202020204" pitchFamily="34" charset="0"/>
+              <a:buChar char="•"/>
+            </a:pPr>
+            <a:r>
+              <a:rPr lang="en-US" dirty="0" smtClean="0"/>
+              <a:t>Shot Mean</a:t>
+            </a:r>
+            <a:r>
+              <a:rPr lang="en-US" dirty="0"/>
+              <a:t>: 84.3</a:t>
+            </a:r>
+          </a:p>
+        </p:txBody>
+      </p:sp>
+      <p:sp>
+        <p:nvSpPr>
+          <p:cNvPr id="9" name="TextBox 8"/>
+          <p:cNvSpPr txBox="1"/>
+          <p:nvPr/>
+        </p:nvSpPr>
+        <p:spPr>
+          <a:xfrm>
+            <a:off x="8537443" y="2656940"/>
+            <a:ext cx="2727434" cy="1200329"/>
+          </a:xfrm>
+          <a:prstGeom prst="rect">
+            <a:avLst/>
+          </a:prstGeom>
+        </p:spPr>
+        <p:style>
+          <a:lnRef idx="2">
+            <a:schemeClr val="accent3"/>
+          </a:lnRef>
+          <a:fillRef idx="1">
+            <a:schemeClr val="lt1"/>
+          </a:fillRef>
+          <a:effectRef idx="0">
+            <a:schemeClr val="accent3"/>
+          </a:effectRef>
+          <a:fontRef idx="minor">
+            <a:schemeClr val="dk1"/>
+          </a:fontRef>
+        </p:style>
+        <p:txBody>
+          <a:bodyPr wrap="square" rtlCol="0">
+            <a:spAutoFit/>
+          </a:bodyPr>
+          <a:lstStyle/>
+          <a:p>
+            <a:r>
+              <a:rPr lang="en-US" u="sng" dirty="0" smtClean="0"/>
+              <a:t>Welch Two Sample t-test</a:t>
+            </a:r>
+          </a:p>
+          <a:p>
+            <a:pPr marL="285750" indent="-285750">
+              <a:buFont typeface="Arial" panose="020B0604020202020204" pitchFamily="34" charset="0"/>
+              <a:buChar char="•"/>
+            </a:pPr>
+            <a:r>
+              <a:rPr lang="en-US" dirty="0" smtClean="0">
+                <a:solidFill>
+                  <a:srgbClr val="FF0000"/>
+                </a:solidFill>
+              </a:rPr>
+              <a:t>p-value: &lt;2e-16</a:t>
+            </a:r>
+          </a:p>
+          <a:p>
+            <a:pPr marL="285750" indent="-285750">
+              <a:buFont typeface="Arial" panose="020B0604020202020204" pitchFamily="34" charset="0"/>
+              <a:buChar char="•"/>
+            </a:pPr>
+            <a:r>
+              <a:rPr lang="en-US" dirty="0" smtClean="0"/>
+              <a:t>Goal Mean</a:t>
+            </a:r>
+            <a:r>
+              <a:rPr lang="en-US" dirty="0"/>
+              <a:t>: 68.1</a:t>
+            </a:r>
+            <a:endParaRPr lang="en-US" dirty="0" smtClean="0"/>
+          </a:p>
+          <a:p>
+            <a:pPr marL="285750" indent="-285750">
+              <a:buFont typeface="Arial" panose="020B0604020202020204" pitchFamily="34" charset="0"/>
+              <a:buChar char="•"/>
+            </a:pPr>
+            <a:r>
+              <a:rPr lang="en-US" dirty="0" smtClean="0"/>
+              <a:t>Shot Mean</a:t>
+            </a:r>
+            <a:r>
+              <a:rPr lang="en-US" dirty="0"/>
+              <a:t>: 49.2</a:t>
+            </a:r>
+          </a:p>
+        </p:txBody>
+      </p:sp>
     </p:spTree>
     <p:extLst>
       <p:ext uri="{BB962C8B-B14F-4D97-AF65-F5344CB8AC3E}">
-        <p14:creationId xmlns:p14="http://schemas.microsoft.com/office/powerpoint/2010/main" val="3327911083"/>
+        <p14:creationId xmlns:p14="http://schemas.microsoft.com/office/powerpoint/2010/main" val="2546947495"/>
       </p:ext>
     </p:extLst>
   </p:cSld>
@@ -3786,218 +4304,34 @@
       </p:grpSpPr>
       <p:sp>
         <p:nvSpPr>
-          <p:cNvPr id="2" name="TextBox 1">
-            <a:extLst>
-              <a:ext uri="{FF2B5EF4-FFF2-40B4-BE49-F238E27FC236}">
-                <a16:creationId xmlns:a16="http://schemas.microsoft.com/office/drawing/2014/main" xmlns="" id="{1E9E0E37-71F7-4506-A4A0-38A592F50849}"/>
-              </a:ext>
-            </a:extLst>
-          </p:cNvPr>
-          <p:cNvSpPr txBox="1"/>
-          <p:nvPr/>
-        </p:nvSpPr>
-        <p:spPr>
-          <a:xfrm>
-            <a:off x="622571" y="291830"/>
-            <a:ext cx="6533135" cy="584775"/>
-          </a:xfrm>
-          <a:prstGeom prst="rect">
-            <a:avLst/>
-          </a:prstGeom>
-          <a:noFill/>
-        </p:spPr>
-        <p:txBody>
-          <a:bodyPr wrap="none" rtlCol="0">
-            <a:spAutoFit/>
-          </a:bodyPr>
+          <p:cNvPr id="2" name="Title 1"/>
+          <p:cNvSpPr>
+            <a:spLocks noGrp="1"/>
+          </p:cNvSpPr>
+          <p:nvPr>
+            <p:ph type="ctrTitle"/>
+          </p:nvPr>
+        </p:nvSpPr>
+        <p:spPr/>
+        <p:txBody>
+          <a:bodyPr/>
           <a:lstStyle/>
           <a:p>
             <a:r>
-              <a:rPr lang="en-US" sz="3200" b="1" dirty="0" smtClean="0"/>
-              <a:t>Hypothesis Testing: Assist </a:t>
-            </a:r>
-            <a:r>
-              <a:rPr lang="en-US" sz="3200" b="1" dirty="0" err="1" smtClean="0"/>
-              <a:t>vs</a:t>
-            </a:r>
-            <a:r>
-              <a:rPr lang="en-US" sz="3200" b="1" dirty="0" smtClean="0"/>
-              <a:t> Key Pass</a:t>
-            </a:r>
-            <a:endParaRPr lang="en-US" sz="3200" b="1" dirty="0"/>
-          </a:p>
-        </p:txBody>
-      </p:sp>
-      <p:pic>
-        <p:nvPicPr>
-          <p:cNvPr id="6" name="Picture 5"/>
-          <p:cNvPicPr>
-            <a:picLocks noChangeAspect="1"/>
-          </p:cNvPicPr>
-          <p:nvPr/>
-        </p:nvPicPr>
-        <p:blipFill>
-          <a:blip r:embed="rId2" cstate="print">
-            <a:extLst>
-              <a:ext uri="{28A0092B-C50C-407E-A947-70E740481C1C}">
-                <a14:useLocalDpi xmlns:a14="http://schemas.microsoft.com/office/drawing/2010/main" val="0"/>
-              </a:ext>
-            </a:extLst>
-          </a:blip>
-          <a:stretch>
-            <a:fillRect/>
-          </a:stretch>
-        </p:blipFill>
-        <p:spPr>
-          <a:xfrm>
-            <a:off x="3711249" y="876605"/>
-            <a:ext cx="4826194" cy="2980665"/>
-          </a:xfrm>
-          <a:prstGeom prst="rect">
-            <a:avLst/>
-          </a:prstGeom>
-        </p:spPr>
-      </p:pic>
-      <p:pic>
-        <p:nvPicPr>
-          <p:cNvPr id="10" name="Picture 9"/>
-          <p:cNvPicPr>
-            <a:picLocks noChangeAspect="1"/>
-          </p:cNvPicPr>
-          <p:nvPr/>
-        </p:nvPicPr>
-        <p:blipFill>
-          <a:blip r:embed="rId3" cstate="print">
-            <a:extLst>
-              <a:ext uri="{28A0092B-C50C-407E-A947-70E740481C1C}">
-                <a14:useLocalDpi xmlns:a14="http://schemas.microsoft.com/office/drawing/2010/main" val="0"/>
-              </a:ext>
-            </a:extLst>
-          </a:blip>
-          <a:stretch>
-            <a:fillRect/>
-          </a:stretch>
-        </p:blipFill>
-        <p:spPr>
-          <a:xfrm>
-            <a:off x="622571" y="3857270"/>
-            <a:ext cx="4528852" cy="2797027"/>
-          </a:xfrm>
-          <a:prstGeom prst="rect">
-            <a:avLst/>
-          </a:prstGeom>
-        </p:spPr>
-      </p:pic>
-      <p:pic>
-        <p:nvPicPr>
-          <p:cNvPr id="11" name="Picture 10"/>
-          <p:cNvPicPr>
-            <a:picLocks noChangeAspect="1"/>
-          </p:cNvPicPr>
-          <p:nvPr/>
-        </p:nvPicPr>
-        <p:blipFill>
-          <a:blip r:embed="rId4" cstate="print">
-            <a:extLst>
-              <a:ext uri="{28A0092B-C50C-407E-A947-70E740481C1C}">
-                <a14:useLocalDpi xmlns:a14="http://schemas.microsoft.com/office/drawing/2010/main" val="0"/>
-              </a:ext>
-            </a:extLst>
-          </a:blip>
-          <a:stretch>
-            <a:fillRect/>
-          </a:stretch>
-        </p:blipFill>
-        <p:spPr>
-          <a:xfrm>
-            <a:off x="7097269" y="3857270"/>
-            <a:ext cx="4528853" cy="2797027"/>
-          </a:xfrm>
-          <a:prstGeom prst="rect">
-            <a:avLst/>
-          </a:prstGeom>
-        </p:spPr>
-      </p:pic>
-      <p:sp>
-        <p:nvSpPr>
-          <p:cNvPr id="7" name="TextBox 6"/>
-          <p:cNvSpPr txBox="1"/>
-          <p:nvPr/>
-        </p:nvSpPr>
-        <p:spPr>
-          <a:xfrm>
-            <a:off x="8537443" y="876605"/>
-            <a:ext cx="2727434" cy="1200329"/>
-          </a:xfrm>
-          <a:prstGeom prst="rect">
-            <a:avLst/>
-          </a:prstGeom>
-        </p:spPr>
-        <p:style>
-          <a:lnRef idx="2">
-            <a:schemeClr val="accent3"/>
-          </a:lnRef>
-          <a:fillRef idx="1">
-            <a:schemeClr val="lt1"/>
-          </a:fillRef>
-          <a:effectRef idx="0">
-            <a:schemeClr val="accent3"/>
-          </a:effectRef>
-          <a:fontRef idx="minor">
-            <a:schemeClr val="dk1"/>
-          </a:fontRef>
-        </p:style>
-        <p:txBody>
-          <a:bodyPr wrap="square" rtlCol="0">
-            <a:spAutoFit/>
-          </a:bodyPr>
-          <a:lstStyle/>
-          <a:p>
-            <a:r>
-              <a:rPr lang="en-US" u="sng" dirty="0" smtClean="0"/>
-              <a:t>Welch Two Sample t-test</a:t>
-            </a:r>
-          </a:p>
-          <a:p>
-            <a:pPr marL="285750" indent="-285750">
-              <a:buFont typeface="Arial" panose="020B0604020202020204" pitchFamily="34" charset="0"/>
-              <a:buChar char="•"/>
-            </a:pPr>
-            <a:r>
-              <a:rPr lang="en-US" dirty="0">
+              <a:rPr lang="en-US" dirty="0" smtClean="0"/>
+              <a:t>Success probability (</a:t>
+            </a:r>
+            <a:r>
+              <a:rPr lang="en-US" b="1" dirty="0" smtClean="0">
                 <a:solidFill>
                   <a:srgbClr val="FF0000"/>
                 </a:solidFill>
               </a:rPr>
-              <a:t>p-value: &lt;</a:t>
-            </a:r>
-            <a:r>
-              <a:rPr lang="en-US" dirty="0" smtClean="0">
-                <a:solidFill>
-                  <a:srgbClr val="FF0000"/>
-                </a:solidFill>
-              </a:rPr>
-              <a:t>2e-16</a:t>
-            </a:r>
-          </a:p>
-          <a:p>
-            <a:pPr marL="285750" indent="-285750">
-              <a:buFont typeface="Arial" panose="020B0604020202020204" pitchFamily="34" charset="0"/>
-              <a:buChar char="•"/>
-            </a:pPr>
+              <a:t>M</a:t>
+            </a:r>
             <a:r>
               <a:rPr lang="en-US" dirty="0" smtClean="0"/>
-              <a:t>Assist Mean: 29.2</a:t>
-            </a:r>
-          </a:p>
-          <a:p>
-            <a:pPr marL="285750" indent="-285750">
-              <a:buFont typeface="Arial" panose="020B0604020202020204" pitchFamily="34" charset="0"/>
-              <a:buChar char="•"/>
-            </a:pPr>
-            <a:r>
-              <a:rPr lang="en-US" dirty="0" smtClean="0"/>
-              <a:t>Key Pass Mean: 33.2</a:t>
+              <a:t>ichael)</a:t>
             </a:r>
             <a:endParaRPr lang="en-US" dirty="0"/>
           </a:p>
@@ -4005,165 +4339,27 @@
       </p:sp>
       <p:sp>
         <p:nvSpPr>
-          <p:cNvPr id="8" name="TextBox 7"/>
-          <p:cNvSpPr txBox="1"/>
-          <p:nvPr/>
-        </p:nvSpPr>
-        <p:spPr>
-          <a:xfrm>
-            <a:off x="983815" y="2656941"/>
-            <a:ext cx="2727434" cy="1200329"/>
-          </a:xfrm>
-          <a:prstGeom prst="rect">
-            <a:avLst/>
-          </a:prstGeom>
-        </p:spPr>
-        <p:style>
-          <a:lnRef idx="2">
-            <a:schemeClr val="accent3"/>
-          </a:lnRef>
-          <a:fillRef idx="1">
-            <a:schemeClr val="lt1"/>
-          </a:fillRef>
-          <a:effectRef idx="0">
-            <a:schemeClr val="accent3"/>
-          </a:effectRef>
-          <a:fontRef idx="minor">
-            <a:schemeClr val="dk1"/>
-          </a:fontRef>
-        </p:style>
-        <p:txBody>
-          <a:bodyPr wrap="square" rtlCol="0">
-            <a:spAutoFit/>
-          </a:bodyPr>
+          <p:cNvPr id="3" name="Subtitle 2"/>
+          <p:cNvSpPr>
+            <a:spLocks noGrp="1"/>
+          </p:cNvSpPr>
+          <p:nvPr>
+            <p:ph type="subTitle" idx="1"/>
+          </p:nvPr>
+        </p:nvSpPr>
+        <p:spPr/>
+        <p:txBody>
+          <a:bodyPr/>
           <a:lstStyle/>
           <a:p>
-            <a:r>
-              <a:rPr lang="en-US" u="sng" dirty="0" smtClean="0"/>
-              <a:t>Welch Two Sample t-test</a:t>
-            </a:r>
-          </a:p>
-          <a:p>
-            <a:pPr marL="285750" indent="-285750">
-              <a:buFont typeface="Arial" panose="020B0604020202020204" pitchFamily="34" charset="0"/>
-              <a:buChar char="•"/>
-            </a:pPr>
-            <a:r>
-              <a:rPr lang="en-US" dirty="0" smtClean="0"/>
-              <a:t>p-value: 0.9</a:t>
-            </a:r>
-          </a:p>
-          <a:p>
-            <a:pPr marL="285750" indent="-285750">
-              <a:buFont typeface="Arial" panose="020B0604020202020204" pitchFamily="34" charset="0"/>
-              <a:buChar char="•"/>
-            </a:pPr>
-            <a:r>
-              <a:rPr lang="en-US" dirty="0" smtClean="0"/>
-              <a:t>Assist Mean: 84.7</a:t>
-            </a:r>
-          </a:p>
-          <a:p>
-            <a:pPr marL="285750" indent="-285750">
-              <a:buFont typeface="Arial" panose="020B0604020202020204" pitchFamily="34" charset="0"/>
-              <a:buChar char="•"/>
-            </a:pPr>
-            <a:r>
-              <a:rPr lang="en-US" dirty="0" smtClean="0"/>
-              <a:t>Key Pass Mean: </a:t>
-            </a:r>
-            <a:r>
-              <a:rPr lang="en-US" dirty="0"/>
-              <a:t>84.7</a:t>
-            </a:r>
-          </a:p>
-        </p:txBody>
-      </p:sp>
-      <p:sp>
-        <p:nvSpPr>
-          <p:cNvPr id="9" name="TextBox 8"/>
-          <p:cNvSpPr txBox="1"/>
-          <p:nvPr/>
-        </p:nvSpPr>
-        <p:spPr>
-          <a:xfrm>
-            <a:off x="8537443" y="2656940"/>
-            <a:ext cx="2727434" cy="1200329"/>
-          </a:xfrm>
-          <a:prstGeom prst="rect">
-            <a:avLst/>
-          </a:prstGeom>
-        </p:spPr>
-        <p:style>
-          <a:lnRef idx="2">
-            <a:schemeClr val="accent3"/>
-          </a:lnRef>
-          <a:fillRef idx="1">
-            <a:schemeClr val="lt1"/>
-          </a:fillRef>
-          <a:effectRef idx="0">
-            <a:schemeClr val="accent3"/>
-          </a:effectRef>
-          <a:fontRef idx="minor">
-            <a:schemeClr val="dk1"/>
-          </a:fontRef>
-        </p:style>
-        <p:txBody>
-          <a:bodyPr wrap="square" rtlCol="0">
-            <a:spAutoFit/>
-          </a:bodyPr>
-          <a:lstStyle/>
-          <a:p>
-            <a:r>
-              <a:rPr lang="en-US" u="sng" dirty="0" smtClean="0"/>
-              <a:t>Welch Two Sample t-test</a:t>
-            </a:r>
-          </a:p>
-          <a:p>
-            <a:pPr marL="285750" indent="-285750">
-              <a:buFont typeface="Arial" panose="020B0604020202020204" pitchFamily="34" charset="0"/>
-              <a:buChar char="•"/>
-            </a:pPr>
-            <a:r>
-              <a:rPr lang="en-US" dirty="0" smtClean="0"/>
-              <a:t>p-value: 0.6</a:t>
-            </a:r>
-          </a:p>
-          <a:p>
-            <a:pPr marL="285750" indent="-285750">
-              <a:buFont typeface="Arial" panose="020B0604020202020204" pitchFamily="34" charset="0"/>
-              <a:buChar char="•"/>
-            </a:pPr>
-            <a:r>
-              <a:rPr lang="en-US" dirty="0" smtClean="0"/>
-              <a:t>Assist Mean</a:t>
-            </a:r>
-            <a:r>
-              <a:rPr lang="en-US" dirty="0"/>
-              <a:t>: 51.7</a:t>
-            </a:r>
-            <a:endParaRPr lang="en-US" dirty="0" smtClean="0"/>
-          </a:p>
-          <a:p>
-            <a:pPr marL="285750" indent="-285750">
-              <a:buFont typeface="Arial" panose="020B0604020202020204" pitchFamily="34" charset="0"/>
-              <a:buChar char="•"/>
-            </a:pPr>
-            <a:r>
-              <a:rPr lang="en-US" dirty="0" smtClean="0"/>
-              <a:t>Key Pass Mean</a:t>
-            </a:r>
-            <a:r>
-              <a:rPr lang="en-US" dirty="0"/>
-              <a:t>: 52.1</a:t>
-            </a:r>
+            <a:endParaRPr lang="en-US"/>
           </a:p>
         </p:txBody>
       </p:sp>
     </p:spTree>
     <p:extLst>
       <p:ext uri="{BB962C8B-B14F-4D97-AF65-F5344CB8AC3E}">
-        <p14:creationId xmlns:p14="http://schemas.microsoft.com/office/powerpoint/2010/main" val="2229208503"/>
+        <p14:creationId xmlns:p14="http://schemas.microsoft.com/office/powerpoint/2010/main" val="1980965102"/>
       </p:ext>
     </p:extLst>
   </p:cSld>
@@ -4195,7 +4391,7 @@
           <p:cNvPr id="2" name="TextBox 1">
             <a:extLst>
               <a:ext uri="{FF2B5EF4-FFF2-40B4-BE49-F238E27FC236}">
-                <a16:creationId xmlns:a16="http://schemas.microsoft.com/office/drawing/2014/main" xmlns="" id="{1E9E0E37-71F7-4506-A4A0-38A592F50849}"/>
+                <a16:creationId xmlns="" xmlns:a16="http://schemas.microsoft.com/office/drawing/2014/main" id="{1E9E0E37-71F7-4506-A4A0-38A592F50849}"/>
               </a:ext>
             </a:extLst>
           </p:cNvPr>
@@ -4205,7 +4401,7 @@
         <p:spPr>
           <a:xfrm>
             <a:off x="622571" y="291830"/>
-            <a:ext cx="5672130" cy="584775"/>
+            <a:ext cx="4799263" cy="584775"/>
           </a:xfrm>
           <a:prstGeom prst="rect">
             <a:avLst/>
@@ -4219,121 +4415,38 @@
           <a:lstStyle/>
           <a:p>
             <a:r>
+              <a:rPr lang="en-US" sz="3200" b="1" dirty="0" smtClean="0">
+                <a:solidFill>
+                  <a:srgbClr val="FF0000"/>
+                </a:solidFill>
+              </a:rPr>
+              <a:t>R</a:t>
+            </a:r>
+            <a:r>
               <a:rPr lang="en-US" sz="3200" b="1" dirty="0" smtClean="0"/>
-              <a:t>Hypothesis Testing: Shot </a:t>
-            </a:r>
-            <a:r>
-              <a:rPr lang="en-US" sz="3200" b="1" dirty="0" err="1" smtClean="0"/>
-              <a:t>vs</a:t>
+              <a:t> Hypothesis </a:t>
             </a:r>
             <a:r>
               <a:rPr lang="en-US" sz="3200" b="1" dirty="0" smtClean="0"/>
-              <a:t> Goal</a:t>
-            </a:r>
-            <a:endParaRPr lang="en-US" sz="3200" b="1" dirty="0"/>
-          </a:p>
-        </p:txBody>
-      </p:sp>
-      <p:pic>
-        <p:nvPicPr>
-          <p:cNvPr id="4" name="Picture 3"/>
-          <p:cNvPicPr>
-            <a:picLocks noChangeAspect="1"/>
-          </p:cNvPicPr>
+              <a:t>Testing Reca</a:t>
+            </a:r>
+            <a:r>
+              <a:rPr lang="en-US" sz="3200" b="1" dirty="0"/>
+              <a:t>p</a:t>
+            </a:r>
+          </a:p>
+        </p:txBody>
+      </p:sp>
+      <p:sp>
+        <p:nvSpPr>
+          <p:cNvPr id="8" name="TextBox 7"/>
+          <p:cNvSpPr txBox="1"/>
           <p:nvPr/>
-        </p:nvPicPr>
-        <p:blipFill>
-          <a:blip r:embed="rId2" cstate="print">
-            <a:extLst>
-              <a:ext uri="{28A0092B-C50C-407E-A947-70E740481C1C}">
-                <a14:useLocalDpi xmlns:a14="http://schemas.microsoft.com/office/drawing/2010/main" val="0"/>
-              </a:ext>
-            </a:extLst>
-          </a:blip>
-          <a:stretch>
-            <a:fillRect/>
-          </a:stretch>
-        </p:blipFill>
+        </p:nvSpPr>
         <p:spPr>
           <a:xfrm>
-            <a:off x="622571" y="3857269"/>
-            <a:ext cx="4528853" cy="2797027"/>
-          </a:xfrm>
-          <a:prstGeom prst="rect">
-            <a:avLst/>
-          </a:prstGeom>
-        </p:spPr>
-      </p:pic>
-      <p:pic>
-        <p:nvPicPr>
-          <p:cNvPr id="5" name="Picture 4"/>
-          <p:cNvPicPr>
-            <a:picLocks noChangeAspect="1"/>
-          </p:cNvPicPr>
-          <p:nvPr/>
-        </p:nvPicPr>
-        <p:blipFill>
-          <a:blip r:embed="rId3" cstate="print">
-            <a:extLst>
-              <a:ext uri="{28A0092B-C50C-407E-A947-70E740481C1C}">
-                <a14:useLocalDpi xmlns:a14="http://schemas.microsoft.com/office/drawing/2010/main" val="0"/>
-              </a:ext>
-            </a:extLst>
-          </a:blip>
-          <a:stretch>
-            <a:fillRect/>
-          </a:stretch>
-        </p:blipFill>
-        <p:spPr>
-          <a:xfrm>
-            <a:off x="3736695" y="908033"/>
-            <a:ext cx="4775304" cy="2949236"/>
-          </a:xfrm>
-          <a:prstGeom prst="rect">
-            <a:avLst/>
-          </a:prstGeom>
-        </p:spPr>
-      </p:pic>
-      <p:pic>
-        <p:nvPicPr>
-          <p:cNvPr id="7" name="Picture 6"/>
-          <p:cNvPicPr>
-            <a:picLocks noChangeAspect="1"/>
-          </p:cNvPicPr>
-          <p:nvPr/>
-        </p:nvPicPr>
-        <p:blipFill>
-          <a:blip r:embed="rId4" cstate="print">
-            <a:extLst>
-              <a:ext uri="{28A0092B-C50C-407E-A947-70E740481C1C}">
-                <a14:useLocalDpi xmlns:a14="http://schemas.microsoft.com/office/drawing/2010/main" val="0"/>
-              </a:ext>
-            </a:extLst>
-          </a:blip>
-          <a:stretch>
-            <a:fillRect/>
-          </a:stretch>
-        </p:blipFill>
-        <p:spPr>
-          <a:xfrm>
-            <a:off x="7104778" y="3861906"/>
-            <a:ext cx="4521345" cy="2792390"/>
-          </a:xfrm>
-          <a:prstGeom prst="rect">
-            <a:avLst/>
-          </a:prstGeom>
-        </p:spPr>
-      </p:pic>
-      <p:sp>
-        <p:nvSpPr>
-          <p:cNvPr id="6" name="TextBox 5"/>
-          <p:cNvSpPr txBox="1"/>
-          <p:nvPr/>
-        </p:nvSpPr>
-        <p:spPr>
-          <a:xfrm>
-            <a:off x="8537443" y="876605"/>
-            <a:ext cx="2727434" cy="1200329"/>
+            <a:off x="622571" y="876605"/>
+            <a:ext cx="5842654" cy="2031325"/>
           </a:xfrm>
           <a:prstGeom prst="rect">
             <a:avLst/>
@@ -4361,8 +4474,11 @@
           <a:p>
             <a:r>
               <a:rPr lang="en-US" u="sng" dirty="0" smtClean="0"/>
-              <a:t>Welch Two Sample t-test</a:t>
-            </a:r>
+              <a:t>Significant Difference in Means</a:t>
+            </a:r>
+          </a:p>
+          <a:p>
+            <a:endParaRPr lang="en-US" dirty="0"/>
           </a:p>
           <a:p>
             <a:pPr marL="285750" indent="-285750">
@@ -4370,20 +4486,8 @@
               <a:buChar char="•"/>
             </a:pPr>
             <a:r>
-              <a:rPr lang="en-US" dirty="0">
-                <a:solidFill>
-                  <a:srgbClr val="FF0000"/>
-                </a:solidFill>
-              </a:rPr>
-              <a:t>p-value: &lt;</a:t>
-            </a:r>
-            <a:r>
-              <a:rPr lang="en-US" dirty="0" smtClean="0">
-                <a:solidFill>
-                  <a:srgbClr val="FF0000"/>
-                </a:solidFill>
-              </a:rPr>
-              <a:t>2e-16</a:t>
+              <a:rPr lang="en-US" dirty="0"/>
+              <a:t>1. Assist v. Key Pass Distance (higher mean for key pass)</a:t>
             </a:r>
           </a:p>
           <a:p>
@@ -4392,8 +4496,8 @@
               <a:buChar char="•"/>
             </a:pPr>
             <a:r>
-              <a:rPr lang="en-US" dirty="0" smtClean="0"/>
-              <a:t>Goal Mean: 83.4</a:t>
+              <a:rPr lang="en-US" dirty="0"/>
+              <a:t>2. Goal v. Shot Distance (higher mean for goals)</a:t>
             </a:r>
           </a:p>
           <a:p>
@@ -4402,27 +4506,62 @@
               <a:buChar char="•"/>
             </a:pPr>
             <a:r>
+              <a:rPr lang="en-US" dirty="0"/>
+              <a:t>3. Goal v. Shot </a:t>
+            </a:r>
+            <a:r>
+              <a:rPr lang="en-US" dirty="0" err="1"/>
+              <a:t>x.Start</a:t>
+            </a:r>
+            <a:r>
+              <a:rPr lang="en-US" dirty="0"/>
+              <a:t> (higher mean for goals)</a:t>
+            </a:r>
+          </a:p>
+          <a:p>
+            <a:pPr marL="285750" indent="-285750">
+              <a:buFont typeface="Arial" panose="020B0604020202020204" pitchFamily="34" charset="0"/>
+              <a:buChar char="•"/>
+            </a:pPr>
+            <a:r>
+              <a:rPr lang="en-US" dirty="0"/>
+              <a:t>4. Goal v. Shot </a:t>
+            </a:r>
+            <a:r>
+              <a:rPr lang="en-US" dirty="0" err="1"/>
+              <a:t>y.Start</a:t>
+            </a:r>
+            <a:r>
+              <a:rPr lang="en-US" dirty="0"/>
+              <a:t> (higher mean for goals</a:t>
+            </a:r>
+            <a:r>
               <a:rPr lang="en-US" dirty="0" smtClean="0"/>
-              <a:t>Shot Mean: 78.6</a:t>
-            </a:r>
+              <a:t>)</a:t>
+            </a:r>
+          </a:p>
+          <a:p>
             <a:endParaRPr lang="en-US" dirty="0"/>
           </a:p>
         </p:txBody>
       </p:sp>
       <p:sp>
         <p:nvSpPr>
-          <p:cNvPr id="8" name="TextBox 7"/>
+          <p:cNvPr id="10" name="TextBox 9"/>
           <p:cNvSpPr txBox="1"/>
           <p:nvPr/>
         </p:nvSpPr>
         <p:spPr>
           <a:xfrm>
-            <a:off x="983815" y="2656941"/>
-            <a:ext cx="2727434" cy="1200329"/>
+            <a:off x="622571" y="3031040"/>
+            <a:ext cx="7053873" cy="923330"/>
           </a:xfrm>
           <a:prstGeom prst="rect">
             <a:avLst/>
           </a:prstGeom>
+          <a:ln>
+            <a:noFill/>
+          </a:ln>
         </p:spPr>
         <p:style>
           <a:lnRef idx="2">
@@ -4445,157 +4584,19 @@
           <a:lstStyle/>
           <a:p>
             <a:r>
-              <a:rPr lang="en-US" u="sng" dirty="0" smtClean="0"/>
-              <a:t>Welch Two Sample t-test</a:t>
-            </a:r>
-          </a:p>
-          <a:p>
-            <a:pPr marL="285750" indent="-285750">
-              <a:buFont typeface="Arial" panose="020B0604020202020204" pitchFamily="34" charset="0"/>
-              <a:buChar char="•"/>
-            </a:pPr>
-            <a:r>
-              <a:rPr lang="en-US" dirty="0" smtClean="0">
-                <a:solidFill>
-                  <a:srgbClr val="FF0000"/>
-                </a:solidFill>
-              </a:rPr>
-              <a:t>p-value</a:t>
-            </a:r>
-            <a:r>
-              <a:rPr lang="en-US" dirty="0">
-                <a:solidFill>
-                  <a:srgbClr val="FF0000"/>
-                </a:solidFill>
-              </a:rPr>
-              <a:t>: &lt;2e-16</a:t>
-            </a:r>
-            <a:endParaRPr lang="en-US" dirty="0" smtClean="0">
-              <a:solidFill>
-                <a:srgbClr val="FF0000"/>
-              </a:solidFill>
-            </a:endParaRPr>
-          </a:p>
-          <a:p>
-            <a:pPr marL="285750" indent="-285750">
-              <a:buFont typeface="Arial" panose="020B0604020202020204" pitchFamily="34" charset="0"/>
-              <a:buChar char="•"/>
-            </a:pPr>
-            <a:r>
               <a:rPr lang="en-US" dirty="0" smtClean="0"/>
-              <a:t>Goal Mean</a:t>
-            </a:r>
-            <a:r>
-              <a:rPr lang="en-US" dirty="0"/>
-              <a:t>: 93.5</a:t>
-            </a:r>
-            <a:endParaRPr lang="en-US" dirty="0" smtClean="0"/>
-          </a:p>
-          <a:p>
-            <a:pPr marL="285750" indent="-285750">
-              <a:buFont typeface="Arial" panose="020B0604020202020204" pitchFamily="34" charset="0"/>
-              <a:buChar char="•"/>
-            </a:pPr>
-            <a:r>
-              <a:rPr lang="en-US" dirty="0" smtClean="0"/>
-              <a:t>Shot Mean</a:t>
-            </a:r>
-            <a:r>
-              <a:rPr lang="en-US" dirty="0"/>
-              <a:t>: 84.3</a:t>
-            </a:r>
-          </a:p>
-        </p:txBody>
-      </p:sp>
-      <p:sp>
-        <p:nvSpPr>
-          <p:cNvPr id="9" name="TextBox 8"/>
-          <p:cNvSpPr txBox="1"/>
-          <p:nvPr/>
-        </p:nvSpPr>
-        <p:spPr>
-          <a:xfrm>
-            <a:off x="8537443" y="2656940"/>
-            <a:ext cx="2727434" cy="1200329"/>
-          </a:xfrm>
-          <a:prstGeom prst="rect">
-            <a:avLst/>
-          </a:prstGeom>
-        </p:spPr>
-        <p:style>
-          <a:lnRef idx="2">
-            <a:schemeClr val="accent3"/>
-          </a:lnRef>
-          <a:fillRef idx="1">
-            <a:schemeClr val="lt1"/>
-          </a:fillRef>
-          <a:effectRef idx="0">
-            <a:schemeClr val="accent3"/>
-          </a:effectRef>
-          <a:fontRef idx="minor">
-            <a:schemeClr val="dk1"/>
-          </a:fontRef>
-        </p:style>
-        <p:txBody>
-          <a:bodyPr wrap="square" rtlCol="0">
-            <a:spAutoFit/>
-          </a:bodyPr>
-          <a:lstStyle/>
-          <a:p>
-            <a:r>
-              <a:rPr lang="en-US" u="sng" dirty="0" smtClean="0"/>
-              <a:t>Welch Two Sample t-test</a:t>
-            </a:r>
-          </a:p>
-          <a:p>
-            <a:pPr marL="285750" indent="-285750">
-              <a:buFont typeface="Arial" panose="020B0604020202020204" pitchFamily="34" charset="0"/>
-              <a:buChar char="•"/>
-            </a:pPr>
-            <a:r>
-              <a:rPr lang="en-US" dirty="0" smtClean="0">
-                <a:solidFill>
-                  <a:srgbClr val="FF0000"/>
-                </a:solidFill>
-              </a:rPr>
-              <a:t>p-value: &lt;2e-16</a:t>
-            </a:r>
-          </a:p>
-          <a:p>
-            <a:pPr marL="285750" indent="-285750">
-              <a:buFont typeface="Arial" panose="020B0604020202020204" pitchFamily="34" charset="0"/>
-              <a:buChar char="•"/>
-            </a:pPr>
-            <a:r>
-              <a:rPr lang="en-US" dirty="0" smtClean="0"/>
-              <a:t>Goal Mean</a:t>
-            </a:r>
-            <a:r>
-              <a:rPr lang="en-US" dirty="0"/>
-              <a:t>: 68.1</a:t>
-            </a:r>
-            <a:endParaRPr lang="en-US" dirty="0" smtClean="0"/>
-          </a:p>
-          <a:p>
-            <a:pPr marL="285750" indent="-285750">
-              <a:buFont typeface="Arial" panose="020B0604020202020204" pitchFamily="34" charset="0"/>
-              <a:buChar char="•"/>
-            </a:pPr>
-            <a:r>
-              <a:rPr lang="en-US" dirty="0" smtClean="0"/>
-              <a:t>Shot Mean</a:t>
-            </a:r>
-            <a:r>
-              <a:rPr lang="en-US" dirty="0"/>
-              <a:t>: 49.2</a:t>
-            </a:r>
+              <a:t>Do teams differ in their strategies when it comes to the above variables? Let’s take a look at some Teams in the World Cup.</a:t>
+            </a:r>
+          </a:p>
+          <a:p>
+            <a:endParaRPr lang="en-US" dirty="0"/>
           </a:p>
         </p:txBody>
       </p:sp>
     </p:spTree>
     <p:extLst>
       <p:ext uri="{BB962C8B-B14F-4D97-AF65-F5344CB8AC3E}">
-        <p14:creationId xmlns:p14="http://schemas.microsoft.com/office/powerpoint/2010/main" val="2546947495"/>
+        <p14:creationId xmlns:p14="http://schemas.microsoft.com/office/powerpoint/2010/main" val="216769705"/>
       </p:ext>
     </p:extLst>
   </p:cSld>
@@ -4624,195 +4625,41 @@
       </p:grpSpPr>
       <p:sp>
         <p:nvSpPr>
-          <p:cNvPr id="2" name="TextBox 1">
-            <a:extLst>
-              <a:ext uri="{FF2B5EF4-FFF2-40B4-BE49-F238E27FC236}">
-                <a16:creationId xmlns:a16="http://schemas.microsoft.com/office/drawing/2014/main" xmlns="" id="{1E9E0E37-71F7-4506-A4A0-38A592F50849}"/>
-              </a:ext>
-            </a:extLst>
-          </p:cNvPr>
-          <p:cNvSpPr txBox="1"/>
-          <p:nvPr/>
-        </p:nvSpPr>
-        <p:spPr>
-          <a:xfrm>
-            <a:off x="622571" y="291830"/>
-            <a:ext cx="4475456" cy="584775"/>
-          </a:xfrm>
-          <a:prstGeom prst="rect">
-            <a:avLst/>
-          </a:prstGeom>
-          <a:noFill/>
-        </p:spPr>
-        <p:txBody>
-          <a:bodyPr wrap="none" rtlCol="0">
-            <a:spAutoFit/>
-          </a:bodyPr>
+          <p:cNvPr id="2" name="Title 1"/>
+          <p:cNvSpPr>
+            <a:spLocks noGrp="1"/>
+          </p:cNvSpPr>
+          <p:nvPr>
+            <p:ph type="ctrTitle"/>
+          </p:nvPr>
+        </p:nvSpPr>
+        <p:spPr/>
+        <p:txBody>
+          <a:bodyPr/>
           <a:lstStyle/>
           <a:p>
             <a:r>
-              <a:rPr lang="en-US" sz="3200" b="1" dirty="0" smtClean="0"/>
-              <a:t>Hypothesis Testing Reca</a:t>
-            </a:r>
-            <a:r>
-              <a:rPr lang="en-US" sz="3200" b="1" dirty="0"/>
-              <a:t>p</a:t>
-            </a:r>
-            <a:endParaRPr lang="en-US" sz="3200" b="1" dirty="0"/>
-          </a:p>
-        </p:txBody>
-      </p:sp>
-      <p:sp>
-        <p:nvSpPr>
-          <p:cNvPr id="8" name="TextBox 7"/>
-          <p:cNvSpPr txBox="1"/>
-          <p:nvPr/>
-        </p:nvSpPr>
-        <p:spPr>
-          <a:xfrm>
-            <a:off x="622571" y="876605"/>
-            <a:ext cx="5842654" cy="2031325"/>
-          </a:xfrm>
-          <a:prstGeom prst="rect">
-            <a:avLst/>
-          </a:prstGeom>
-        </p:spPr>
-        <p:style>
-          <a:lnRef idx="2">
-            <a:schemeClr val="accent3"/>
-          </a:lnRef>
-          <a:fillRef idx="1">
-            <a:schemeClr val="lt1"/>
-          </a:fillRef>
-          <a:effectRef idx="0">
-            <a:schemeClr val="accent3"/>
-          </a:effectRef>
-          <a:fontRef idx="minor">
-            <a:schemeClr val="dk1"/>
-          </a:fontRef>
-        </p:style>
-        <p:txBody>
-          <a:bodyPr wrap="square" rtlCol="0">
-            <a:spAutoFit/>
-          </a:bodyPr>
+              <a:rPr lang="en-US" dirty="0" smtClean="0"/>
+              <a:t>In progress. World Cup Boxplots and ANOVA (Rose)</a:t>
+            </a:r>
+            <a:endParaRPr lang="en-US" dirty="0"/>
+          </a:p>
+        </p:txBody>
+      </p:sp>
+      <p:sp>
+        <p:nvSpPr>
+          <p:cNvPr id="3" name="Subtitle 2"/>
+          <p:cNvSpPr>
+            <a:spLocks noGrp="1"/>
+          </p:cNvSpPr>
+          <p:nvPr>
+            <p:ph type="subTitle" idx="1"/>
+          </p:nvPr>
+        </p:nvSpPr>
+        <p:spPr/>
+        <p:txBody>
+          <a:bodyPr/>
           <a:lstStyle/>
-          <a:p>
-            <a:r>
-              <a:rPr lang="en-US" u="sng" dirty="0" smtClean="0"/>
-              <a:t>Significant Difference in Means</a:t>
-            </a:r>
-          </a:p>
-          <a:p>
-            <a:endParaRPr lang="en-US" dirty="0"/>
-          </a:p>
-          <a:p>
-            <a:pPr marL="285750" indent="-285750">
-              <a:buFont typeface="Arial" panose="020B0604020202020204" pitchFamily="34" charset="0"/>
-              <a:buChar char="•"/>
-            </a:pPr>
-            <a:r>
-              <a:rPr lang="en-US" dirty="0"/>
-              <a:t>1. Assist v. Key Pass Distance (higher mean for key pass)</a:t>
-            </a:r>
-          </a:p>
-          <a:p>
-            <a:pPr marL="285750" indent="-285750">
-              <a:buFont typeface="Arial" panose="020B0604020202020204" pitchFamily="34" charset="0"/>
-              <a:buChar char="•"/>
-            </a:pPr>
-            <a:r>
-              <a:rPr lang="en-US" dirty="0"/>
-              <a:t>2. Goal v. Shot Distance (higher mean for goals)</a:t>
-            </a:r>
-          </a:p>
-          <a:p>
-            <a:pPr marL="285750" indent="-285750">
-              <a:buFont typeface="Arial" panose="020B0604020202020204" pitchFamily="34" charset="0"/>
-              <a:buChar char="•"/>
-            </a:pPr>
-            <a:r>
-              <a:rPr lang="en-US" dirty="0"/>
-              <a:t>3. Goal v. Shot </a:t>
-            </a:r>
-            <a:r>
-              <a:rPr lang="en-US" dirty="0" err="1"/>
-              <a:t>x.Start</a:t>
-            </a:r>
-            <a:r>
-              <a:rPr lang="en-US" dirty="0"/>
-              <a:t> (higher mean for goals)</a:t>
-            </a:r>
-          </a:p>
-          <a:p>
-            <a:pPr marL="285750" indent="-285750">
-              <a:buFont typeface="Arial" panose="020B0604020202020204" pitchFamily="34" charset="0"/>
-              <a:buChar char="•"/>
-            </a:pPr>
-            <a:r>
-              <a:rPr lang="en-US" dirty="0"/>
-              <a:t>4. Goal v. Shot </a:t>
-            </a:r>
-            <a:r>
-              <a:rPr lang="en-US" dirty="0" err="1"/>
-              <a:t>y.Start</a:t>
-            </a:r>
-            <a:r>
-              <a:rPr lang="en-US" dirty="0"/>
-              <a:t> (higher mean for goals</a:t>
-            </a:r>
-            <a:r>
-              <a:rPr lang="en-US" dirty="0" smtClean="0"/>
-              <a:t>)</a:t>
-            </a:r>
-          </a:p>
-          <a:p>
-            <a:endParaRPr lang="en-US" dirty="0"/>
-          </a:p>
-        </p:txBody>
-      </p:sp>
-      <p:sp>
-        <p:nvSpPr>
-          <p:cNvPr id="10" name="TextBox 9"/>
-          <p:cNvSpPr txBox="1"/>
-          <p:nvPr/>
-        </p:nvSpPr>
-        <p:spPr>
-          <a:xfrm>
-            <a:off x="622571" y="3031040"/>
-            <a:ext cx="7053873" cy="923330"/>
-          </a:xfrm>
-          <a:prstGeom prst="rect">
-            <a:avLst/>
-          </a:prstGeom>
-          <a:ln>
-            <a:noFill/>
-          </a:ln>
-        </p:spPr>
-        <p:style>
-          <a:lnRef idx="2">
-            <a:schemeClr val="accent3"/>
-          </a:lnRef>
-          <a:fillRef idx="1">
-            <a:schemeClr val="lt1"/>
-          </a:fillRef>
-          <a:effectRef idx="0">
-            <a:schemeClr val="accent3"/>
-          </a:effectRef>
-          <a:fontRef idx="minor">
-            <a:schemeClr val="dk1"/>
-          </a:fontRef>
-        </p:style>
-        <p:txBody>
-          <a:bodyPr wrap="square" rtlCol="0">
-            <a:spAutoFit/>
-          </a:bodyPr>
-          <a:lstStyle/>
-          <a:p>
-            <a:r>
-              <a:rPr lang="en-US" dirty="0" smtClean="0"/>
-              <a:t>Do teams differ in their strategies when it comes to the above variables? Let’s take a look at some Teams in the World Cup.</a:t>
-            </a:r>
-          </a:p>
           <a:p>
             <a:endParaRPr lang="en-US" dirty="0"/>
           </a:p>
@@ -4821,7 +4668,7 @@
     </p:spTree>
     <p:extLst>
       <p:ext uri="{BB962C8B-B14F-4D97-AF65-F5344CB8AC3E}">
-        <p14:creationId xmlns:p14="http://schemas.microsoft.com/office/powerpoint/2010/main" val="216769705"/>
+        <p14:creationId xmlns:p14="http://schemas.microsoft.com/office/powerpoint/2010/main" val="688625921"/>
       </p:ext>
     </p:extLst>
   </p:cSld>
@@ -4850,50 +4697,155 @@
       </p:grpSpPr>
       <p:sp>
         <p:nvSpPr>
-          <p:cNvPr id="2" name="Title 1"/>
-          <p:cNvSpPr>
-            <a:spLocks noGrp="1"/>
-          </p:cNvSpPr>
-          <p:nvPr>
-            <p:ph type="ctrTitle"/>
-          </p:nvPr>
-        </p:nvSpPr>
-        <p:spPr/>
-        <p:txBody>
-          <a:bodyPr/>
+          <p:cNvPr id="2" name="TextBox 1">
+            <a:extLst>
+              <a:ext uri="{FF2B5EF4-FFF2-40B4-BE49-F238E27FC236}">
+                <a16:creationId xmlns="" xmlns:a16="http://schemas.microsoft.com/office/drawing/2014/main" id="{403E5C2C-0B2A-40B0-B292-DFBFD50F3A00}"/>
+              </a:ext>
+            </a:extLst>
+          </p:cNvPr>
+          <p:cNvSpPr txBox="1"/>
+          <p:nvPr/>
+        </p:nvSpPr>
+        <p:spPr>
+          <a:xfrm>
+            <a:off x="612739" y="213172"/>
+            <a:ext cx="2318263" cy="584775"/>
+          </a:xfrm>
+          <a:prstGeom prst="rect">
+            <a:avLst/>
+          </a:prstGeom>
+          <a:noFill/>
+        </p:spPr>
+        <p:txBody>
+          <a:bodyPr wrap="none" rtlCol="0">
+            <a:spAutoFit/>
+          </a:bodyPr>
           <a:lstStyle/>
           <a:p>
             <a:r>
+              <a:rPr lang="en-US" sz="3200" b="1" dirty="0"/>
+              <a:t>Conclusions:</a:t>
+            </a:r>
+          </a:p>
+        </p:txBody>
+      </p:sp>
+      <p:sp>
+        <p:nvSpPr>
+          <p:cNvPr id="3" name="Rectangle 2"/>
+          <p:cNvSpPr/>
+          <p:nvPr/>
+        </p:nvSpPr>
+        <p:spPr>
+          <a:xfrm>
+            <a:off x="612739" y="797947"/>
+            <a:ext cx="6096000" cy="3139321"/>
+          </a:xfrm>
+          <a:prstGeom prst="rect">
+            <a:avLst/>
+          </a:prstGeom>
+        </p:spPr>
+        <p:txBody>
+          <a:bodyPr>
+            <a:spAutoFit/>
+          </a:bodyPr>
+          <a:lstStyle/>
+          <a:p>
+            <a:r>
+              <a:rPr lang="en-US" dirty="0"/>
+              <a:t>Concluding Statement: </a:t>
+            </a:r>
+            <a:endParaRPr lang="en-US" dirty="0" smtClean="0"/>
+          </a:p>
+          <a:p>
+            <a:r>
               <a:rPr lang="en-US" dirty="0" smtClean="0"/>
-              <a:t>In progress. World Cup Boxplots and ANOVA (Rose)</a:t>
-            </a:r>
+              <a:t>Based </a:t>
+            </a:r>
+            <a:r>
+              <a:rPr lang="en-US" dirty="0"/>
+              <a:t>on t-tests done between Shots </a:t>
+            </a:r>
+            <a:r>
+              <a:rPr lang="en-US" dirty="0" err="1"/>
+              <a:t>vs</a:t>
+            </a:r>
+            <a:r>
+              <a:rPr lang="en-US" dirty="0"/>
+              <a:t> Goals, and Assists </a:t>
+            </a:r>
+            <a:r>
+              <a:rPr lang="en-US" dirty="0" err="1"/>
+              <a:t>vs</a:t>
+            </a:r>
+            <a:r>
+              <a:rPr lang="en-US" dirty="0"/>
+              <a:t> Key Passes, there is evidence of distance and start coordinate differences between successful and unsuccessful plays. </a:t>
+            </a:r>
+            <a:endParaRPr lang="en-US" dirty="0" smtClean="0"/>
+          </a:p>
+          <a:p>
+            <a:endParaRPr lang="en-US" dirty="0" smtClean="0"/>
+          </a:p>
+          <a:p>
+            <a:r>
+              <a:rPr lang="en-US" dirty="0"/>
+              <a:t>Success </a:t>
+            </a:r>
+            <a:r>
+              <a:rPr lang="en-US" dirty="0" smtClean="0"/>
+              <a:t>probabilities </a:t>
+            </a:r>
+            <a:r>
+              <a:rPr lang="en-US" b="1" dirty="0" smtClean="0">
+                <a:solidFill>
+                  <a:srgbClr val="FF0000"/>
+                </a:solidFill>
+              </a:rPr>
+              <a:t>(M)</a:t>
+            </a:r>
+            <a:endParaRPr lang="en-US" b="1" dirty="0">
+              <a:solidFill>
+                <a:srgbClr val="FF0000"/>
+              </a:solidFill>
+            </a:endParaRPr>
+          </a:p>
+          <a:p>
             <a:endParaRPr lang="en-US" dirty="0"/>
           </a:p>
-        </p:txBody>
-      </p:sp>
-      <p:sp>
-        <p:nvSpPr>
-          <p:cNvPr id="3" name="Subtitle 2"/>
-          <p:cNvSpPr>
-            <a:spLocks noGrp="1"/>
-          </p:cNvSpPr>
-          <p:nvPr>
-            <p:ph type="subTitle" idx="1"/>
-          </p:nvPr>
-        </p:nvSpPr>
-        <p:spPr/>
-        <p:txBody>
-          <a:bodyPr/>
-          <a:lstStyle/>
-          <a:p>
-            <a:endParaRPr lang="en-US" dirty="0"/>
+          <a:p>
+            <a:r>
+              <a:rPr lang="en-US" dirty="0" smtClean="0"/>
+              <a:t>Applying </a:t>
+            </a:r>
+            <a:r>
+              <a:rPr lang="en-US" dirty="0"/>
+              <a:t>this finding to the top 5 teams in the World Cup, we see further that there are teams that are significantly different in their tendencies for distance and </a:t>
+            </a:r>
+            <a:r>
+              <a:rPr lang="en-US" dirty="0" err="1"/>
+              <a:t>Y.Start</a:t>
+            </a:r>
+            <a:r>
+              <a:rPr lang="en-US" dirty="0"/>
+              <a:t> when it comes to attempting a </a:t>
+            </a:r>
+            <a:r>
+              <a:rPr lang="en-US" dirty="0" smtClean="0"/>
+              <a:t>goal</a:t>
+            </a:r>
+            <a:r>
+              <a:rPr lang="en-US" dirty="0"/>
+              <a:t>.</a:t>
+            </a:r>
+            <a:endParaRPr lang="en-US" dirty="0" smtClean="0"/>
           </a:p>
         </p:txBody>
       </p:sp>
     </p:spTree>
     <p:extLst>
       <p:ext uri="{BB962C8B-B14F-4D97-AF65-F5344CB8AC3E}">
-        <p14:creationId xmlns:p14="http://schemas.microsoft.com/office/powerpoint/2010/main" val="688625921"/>
+        <p14:creationId xmlns:p14="http://schemas.microsoft.com/office/powerpoint/2010/main" val="2545738835"/>
       </p:ext>
     </p:extLst>
   </p:cSld>
@@ -4922,43 +4874,85 @@
       </p:grpSpPr>
       <p:sp>
         <p:nvSpPr>
-          <p:cNvPr id="2" name="TextBox 1">
-            <a:extLst>
-              <a:ext uri="{FF2B5EF4-FFF2-40B4-BE49-F238E27FC236}">
-                <a16:creationId xmlns:a16="http://schemas.microsoft.com/office/drawing/2014/main" xmlns="" id="{403E5C2C-0B2A-40B0-B292-DFBFD50F3A00}"/>
-              </a:ext>
-            </a:extLst>
-          </p:cNvPr>
-          <p:cNvSpPr txBox="1"/>
-          <p:nvPr/>
+          <p:cNvPr id="2" name="Title 1"/>
+          <p:cNvSpPr>
+            <a:spLocks noGrp="1"/>
+          </p:cNvSpPr>
+          <p:nvPr>
+            <p:ph type="title"/>
+          </p:nvPr>
+        </p:nvSpPr>
+        <p:spPr/>
+        <p:txBody>
+          <a:bodyPr/>
+          <a:lstStyle/>
+          <a:p>
+            <a:r>
+              <a:rPr lang="en-US" dirty="0" smtClean="0"/>
+              <a:t>Next steps</a:t>
+            </a:r>
+            <a:endParaRPr lang="en-US" dirty="0"/>
+          </a:p>
+        </p:txBody>
+      </p:sp>
+      <p:sp>
+        <p:nvSpPr>
+          <p:cNvPr id="3" name="Content Placeholder 2"/>
+          <p:cNvSpPr>
+            <a:spLocks noGrp="1"/>
+          </p:cNvSpPr>
+          <p:nvPr>
+            <p:ph idx="1"/>
+          </p:nvPr>
         </p:nvSpPr>
         <p:spPr>
           <a:xfrm>
-            <a:off x="612739" y="213172"/>
-            <a:ext cx="2318263" cy="584775"/>
+            <a:off x="838200" y="1690688"/>
+            <a:ext cx="10515600" cy="4351338"/>
           </a:xfrm>
-          <a:prstGeom prst="rect">
-            <a:avLst/>
-          </a:prstGeom>
-          <a:noFill/>
         </p:spPr>
         <p:txBody>
-          <a:bodyPr wrap="none" rtlCol="0">
-            <a:spAutoFit/>
-          </a:bodyPr>
+          <a:bodyPr/>
           <a:lstStyle/>
           <a:p>
             <a:r>
-              <a:rPr lang="en-US" sz="3200" b="1" dirty="0"/>
-              <a:t>Conclusions:</a:t>
-            </a:r>
+              <a:rPr lang="en-US" dirty="0" smtClean="0"/>
+              <a:t>Adjust fitting to better account for non-normal distributions</a:t>
+            </a:r>
+          </a:p>
+          <a:p>
+            <a:r>
+              <a:rPr lang="en-US" dirty="0" smtClean="0"/>
+              <a:t>Further exploration of data by groups (by league, </a:t>
+            </a:r>
+            <a:r>
+              <a:rPr lang="en-US" dirty="0" err="1" smtClean="0"/>
+              <a:t>etc</a:t>
+            </a:r>
+            <a:r>
+              <a:rPr lang="en-US" dirty="0" smtClean="0"/>
+              <a:t>?)</a:t>
+            </a:r>
+          </a:p>
+          <a:p>
+            <a:r>
+              <a:rPr lang="en-US" dirty="0" smtClean="0"/>
+              <a:t>Improving visualizations (3D plots)</a:t>
+            </a:r>
+          </a:p>
+          <a:p>
+            <a:r>
+              <a:rPr lang="en-US" dirty="0" smtClean="0"/>
+              <a:t>Linear model</a:t>
+            </a:r>
+            <a:endParaRPr lang="en-US" dirty="0"/>
           </a:p>
         </p:txBody>
       </p:sp>
     </p:spTree>
     <p:extLst>
       <p:ext uri="{BB962C8B-B14F-4D97-AF65-F5344CB8AC3E}">
-        <p14:creationId xmlns:p14="http://schemas.microsoft.com/office/powerpoint/2010/main" val="2545738835"/>
+        <p14:creationId xmlns:p14="http://schemas.microsoft.com/office/powerpoint/2010/main" val="3786968516"/>
       </p:ext>
     </p:extLst>
   </p:cSld>
@@ -4990,7 +4984,7 @@
           <p:cNvPr id="2" name="TextBox 1">
             <a:extLst>
               <a:ext uri="{FF2B5EF4-FFF2-40B4-BE49-F238E27FC236}">
-                <a16:creationId xmlns:a16="http://schemas.microsoft.com/office/drawing/2014/main" xmlns="" id="{6E7F4BA1-E473-4273-8CC9-9A5E056A5317}"/>
+                <a16:creationId xmlns="" xmlns:a16="http://schemas.microsoft.com/office/drawing/2014/main" id="{6E7F4BA1-E473-4273-8CC9-9A5E056A5317}"/>
               </a:ext>
             </a:extLst>
           </p:cNvPr>
@@ -5000,7 +4994,7 @@
         <p:spPr>
           <a:xfrm>
             <a:off x="622571" y="291830"/>
-            <a:ext cx="3451586" cy="584775"/>
+            <a:ext cx="3805850" cy="584775"/>
           </a:xfrm>
           <a:prstGeom prst="rect">
             <a:avLst/>
@@ -5014,8 +5008,20 @@
           <a:lstStyle/>
           <a:p>
             <a:r>
+              <a:rPr lang="en-US" sz="3200" b="1" dirty="0" smtClean="0">
+                <a:solidFill>
+                  <a:srgbClr val="FF0000"/>
+                </a:solidFill>
+              </a:rPr>
+              <a:t>G</a:t>
+            </a:r>
+            <a:r>
+              <a:rPr lang="en-US" sz="3200" b="1" dirty="0" smtClean="0"/>
+              <a:t> Data </a:t>
+            </a:r>
+            <a:r>
               <a:rPr lang="en-US" sz="3200" b="1" dirty="0"/>
-              <a:t>Data Set Overview:</a:t>
+              <a:t>Set Overview:</a:t>
             </a:r>
           </a:p>
         </p:txBody>
@@ -5025,7 +5031,7 @@
           <p:cNvPr id="3" name="TextBox 2">
             <a:extLst>
               <a:ext uri="{FF2B5EF4-FFF2-40B4-BE49-F238E27FC236}">
-                <a16:creationId xmlns:a16="http://schemas.microsoft.com/office/drawing/2014/main" xmlns="" id="{D1D0B343-EC0E-4FE5-8A83-97DB22C2B0FE}"/>
+                <a16:creationId xmlns="" xmlns:a16="http://schemas.microsoft.com/office/drawing/2014/main" id="{D1D0B343-EC0E-4FE5-8A83-97DB22C2B0FE}"/>
               </a:ext>
             </a:extLst>
           </p:cNvPr>
@@ -5060,7 +5066,7 @@
           <p:cNvPr id="4" name="TextBox 3">
             <a:extLst>
               <a:ext uri="{FF2B5EF4-FFF2-40B4-BE49-F238E27FC236}">
-                <a16:creationId xmlns:a16="http://schemas.microsoft.com/office/drawing/2014/main" xmlns="" id="{690C2353-02BE-4642-85DA-78D14370A180}"/>
+                <a16:creationId xmlns="" xmlns:a16="http://schemas.microsoft.com/office/drawing/2014/main" id="{690C2353-02BE-4642-85DA-78D14370A180}"/>
               </a:ext>
             </a:extLst>
           </p:cNvPr>
@@ -5095,7 +5101,7 @@
           <p:cNvPr id="5" name="TextBox 4">
             <a:extLst>
               <a:ext uri="{FF2B5EF4-FFF2-40B4-BE49-F238E27FC236}">
-                <a16:creationId xmlns:a16="http://schemas.microsoft.com/office/drawing/2014/main" xmlns="" id="{C2F07132-D448-4C15-9BFB-E87670F5C6FE}"/>
+                <a16:creationId xmlns="" xmlns:a16="http://schemas.microsoft.com/office/drawing/2014/main" id="{C2F07132-D448-4C15-9BFB-E87670F5C6FE}"/>
               </a:ext>
             </a:extLst>
           </p:cNvPr>
@@ -5130,7 +5136,7 @@
           <p:cNvPr id="6" name="Rectangle: Rounded Corners 5">
             <a:extLst>
               <a:ext uri="{FF2B5EF4-FFF2-40B4-BE49-F238E27FC236}">
-                <a16:creationId xmlns:a16="http://schemas.microsoft.com/office/drawing/2014/main" xmlns="" id="{CD032F2B-AAF7-4DFA-B443-0EC9EF882280}"/>
+                <a16:creationId xmlns="" xmlns:a16="http://schemas.microsoft.com/office/drawing/2014/main" id="{CD032F2B-AAF7-4DFA-B443-0EC9EF882280}"/>
               </a:ext>
             </a:extLst>
           </p:cNvPr>
@@ -5152,7 +5158,7 @@
                   <a14:useLocalDpi xmlns:a14="http://schemas.microsoft.com/office/drawing/2010/main" val="0"/>
                 </a:ext>
                 <a:ext uri="{837473B0-CC2E-450A-ABE3-18F120FF3D39}">
-                  <a1611:picAttrSrcUrl xmlns:a1611="http://schemas.microsoft.com/office/drawing/2016/11/main" xmlns="" r:id="rId3"/>
+                  <a1611:picAttrSrcUrl xmlns="" xmlns:a1611="http://schemas.microsoft.com/office/drawing/2016/11/main" r:id="rId3"/>
                 </a:ext>
               </a:extLst>
             </a:blip>
@@ -5201,7 +5207,7 @@
           <p:cNvPr id="7" name="Rectangle: Rounded Corners 6">
             <a:extLst>
               <a:ext uri="{FF2B5EF4-FFF2-40B4-BE49-F238E27FC236}">
-                <a16:creationId xmlns:a16="http://schemas.microsoft.com/office/drawing/2014/main" xmlns="" id="{47E4AC7D-DEB2-41F7-BE71-AA4A58F596CC}"/>
+                <a16:creationId xmlns="" xmlns:a16="http://schemas.microsoft.com/office/drawing/2014/main" id="{47E4AC7D-DEB2-41F7-BE71-AA4A58F596CC}"/>
               </a:ext>
             </a:extLst>
           </p:cNvPr>
@@ -5223,7 +5229,7 @@
                   <a14:useLocalDpi xmlns:a14="http://schemas.microsoft.com/office/drawing/2010/main" val="0"/>
                 </a:ext>
                 <a:ext uri="{837473B0-CC2E-450A-ABE3-18F120FF3D39}">
-                  <a1611:picAttrSrcUrl xmlns:a1611="http://schemas.microsoft.com/office/drawing/2016/11/main" xmlns="" r:id="rId5"/>
+                  <a1611:picAttrSrcUrl xmlns="" xmlns:a1611="http://schemas.microsoft.com/office/drawing/2016/11/main" r:id="rId5"/>
                 </a:ext>
               </a:extLst>
             </a:blip>
@@ -5272,7 +5278,7 @@
           <p:cNvPr id="8" name="Rectangle: Rounded Corners 7">
             <a:extLst>
               <a:ext uri="{FF2B5EF4-FFF2-40B4-BE49-F238E27FC236}">
-                <a16:creationId xmlns:a16="http://schemas.microsoft.com/office/drawing/2014/main" xmlns="" id="{568076BC-B447-45DD-BFFC-78D227B93316}"/>
+                <a16:creationId xmlns="" xmlns:a16="http://schemas.microsoft.com/office/drawing/2014/main" id="{568076BC-B447-45DD-BFFC-78D227B93316}"/>
               </a:ext>
             </a:extLst>
           </p:cNvPr>
@@ -5294,7 +5300,7 @@
                   <a14:useLocalDpi xmlns:a14="http://schemas.microsoft.com/office/drawing/2010/main" val="0"/>
                 </a:ext>
                 <a:ext uri="{837473B0-CC2E-450A-ABE3-18F120FF3D39}">
-                  <a1611:picAttrSrcUrl xmlns:a1611="http://schemas.microsoft.com/office/drawing/2016/11/main" xmlns="" r:id="rId7"/>
+                  <a1611:picAttrSrcUrl xmlns="" xmlns:a1611="http://schemas.microsoft.com/office/drawing/2016/11/main" r:id="rId7"/>
                 </a:ext>
               </a:extLst>
             </a:blip>
@@ -5343,7 +5349,7 @@
           <p:cNvPr id="9" name="Rectangle: Rounded Corners 8">
             <a:extLst>
               <a:ext uri="{FF2B5EF4-FFF2-40B4-BE49-F238E27FC236}">
-                <a16:creationId xmlns:a16="http://schemas.microsoft.com/office/drawing/2014/main" xmlns="" id="{A1CA3B86-5D81-4A62-90E7-6A692B96B779}"/>
+                <a16:creationId xmlns="" xmlns:a16="http://schemas.microsoft.com/office/drawing/2014/main" id="{A1CA3B86-5D81-4A62-90E7-6A692B96B779}"/>
               </a:ext>
             </a:extLst>
           </p:cNvPr>
@@ -5365,7 +5371,7 @@
                   <a14:useLocalDpi xmlns:a14="http://schemas.microsoft.com/office/drawing/2010/main" val="0"/>
                 </a:ext>
                 <a:ext uri="{837473B0-CC2E-450A-ABE3-18F120FF3D39}">
-                  <a1611:picAttrSrcUrl xmlns:a1611="http://schemas.microsoft.com/office/drawing/2016/11/main" xmlns="" r:id="rId9"/>
+                  <a1611:picAttrSrcUrl xmlns="" xmlns:a1611="http://schemas.microsoft.com/office/drawing/2016/11/main" r:id="rId9"/>
                 </a:ext>
               </a:extLst>
             </a:blip>
@@ -5414,7 +5420,7 @@
           <p:cNvPr id="10" name="Rectangle: Rounded Corners 9">
             <a:extLst>
               <a:ext uri="{FF2B5EF4-FFF2-40B4-BE49-F238E27FC236}">
-                <a16:creationId xmlns:a16="http://schemas.microsoft.com/office/drawing/2014/main" xmlns="" id="{861CD96B-41CB-4C57-AFE0-DFC936A9912D}"/>
+                <a16:creationId xmlns="" xmlns:a16="http://schemas.microsoft.com/office/drawing/2014/main" id="{861CD96B-41CB-4C57-AFE0-DFC936A9912D}"/>
               </a:ext>
             </a:extLst>
           </p:cNvPr>
@@ -5436,7 +5442,7 @@
                   <a14:useLocalDpi xmlns:a14="http://schemas.microsoft.com/office/drawing/2010/main" val="0"/>
                 </a:ext>
                 <a:ext uri="{837473B0-CC2E-450A-ABE3-18F120FF3D39}">
-                  <a1611:picAttrSrcUrl xmlns:a1611="http://schemas.microsoft.com/office/drawing/2016/11/main" xmlns="" r:id="rId11"/>
+                  <a1611:picAttrSrcUrl xmlns="" xmlns:a1611="http://schemas.microsoft.com/office/drawing/2016/11/main" r:id="rId11"/>
                 </a:ext>
               </a:extLst>
             </a:blip>
@@ -5485,7 +5491,7 @@
           <p:cNvPr id="11" name="Rectangle: Rounded Corners 10">
             <a:extLst>
               <a:ext uri="{FF2B5EF4-FFF2-40B4-BE49-F238E27FC236}">
-                <a16:creationId xmlns:a16="http://schemas.microsoft.com/office/drawing/2014/main" xmlns="" id="{A049D730-445B-41E1-8D86-1636E53E014B}"/>
+                <a16:creationId xmlns="" xmlns:a16="http://schemas.microsoft.com/office/drawing/2014/main" id="{A049D730-445B-41E1-8D86-1636E53E014B}"/>
               </a:ext>
             </a:extLst>
           </p:cNvPr>
@@ -5507,7 +5513,7 @@
                   <a14:useLocalDpi xmlns:a14="http://schemas.microsoft.com/office/drawing/2010/main" val="0"/>
                 </a:ext>
                 <a:ext uri="{837473B0-CC2E-450A-ABE3-18F120FF3D39}">
-                  <a1611:picAttrSrcUrl xmlns:a1611="http://schemas.microsoft.com/office/drawing/2016/11/main" xmlns="" r:id="rId13"/>
+                  <a1611:picAttrSrcUrl xmlns="" xmlns:a1611="http://schemas.microsoft.com/office/drawing/2016/11/main" r:id="rId13"/>
                 </a:ext>
               </a:extLst>
             </a:blip>
@@ -5556,7 +5562,7 @@
           <p:cNvPr id="12" name="Rectangle: Rounded Corners 11">
             <a:extLst>
               <a:ext uri="{FF2B5EF4-FFF2-40B4-BE49-F238E27FC236}">
-                <a16:creationId xmlns:a16="http://schemas.microsoft.com/office/drawing/2014/main" xmlns="" id="{8F16978B-7F5F-4B30-94AA-AC679B3F6D91}"/>
+                <a16:creationId xmlns="" xmlns:a16="http://schemas.microsoft.com/office/drawing/2014/main" id="{8F16978B-7F5F-4B30-94AA-AC679B3F6D91}"/>
               </a:ext>
             </a:extLst>
           </p:cNvPr>
@@ -5578,7 +5584,7 @@
                   <a14:useLocalDpi xmlns:a14="http://schemas.microsoft.com/office/drawing/2010/main" val="0"/>
                 </a:ext>
                 <a:ext uri="{837473B0-CC2E-450A-ABE3-18F120FF3D39}">
-                  <a1611:picAttrSrcUrl xmlns:a1611="http://schemas.microsoft.com/office/drawing/2016/11/main" xmlns="" r:id="rId15"/>
+                  <a1611:picAttrSrcUrl xmlns="" xmlns:a1611="http://schemas.microsoft.com/office/drawing/2016/11/main" r:id="rId15"/>
                 </a:ext>
               </a:extLst>
             </a:blip>
@@ -5627,7 +5633,7 @@
           <p:cNvPr id="17" name="Group 16">
             <a:extLst>
               <a:ext uri="{FF2B5EF4-FFF2-40B4-BE49-F238E27FC236}">
-                <a16:creationId xmlns:a16="http://schemas.microsoft.com/office/drawing/2014/main" xmlns="" id="{C0ECEAF2-7E40-4D12-B72E-5EBB28CDE8E7}"/>
+                <a16:creationId xmlns="" xmlns:a16="http://schemas.microsoft.com/office/drawing/2014/main" id="{C0ECEAF2-7E40-4D12-B72E-5EBB28CDE8E7}"/>
               </a:ext>
             </a:extLst>
           </p:cNvPr>
@@ -5647,7 +5653,7 @@
             <p:cNvPr id="13" name="Rectangle: Rounded Corners 12">
               <a:extLst>
                 <a:ext uri="{FF2B5EF4-FFF2-40B4-BE49-F238E27FC236}">
-                  <a16:creationId xmlns:a16="http://schemas.microsoft.com/office/drawing/2014/main" xmlns="" id="{EEDEE5DB-1CA9-4D70-9B97-B9CF2D1B27C4}"/>
+                  <a16:creationId xmlns="" xmlns:a16="http://schemas.microsoft.com/office/drawing/2014/main" id="{EEDEE5DB-1CA9-4D70-9B97-B9CF2D1B27C4}"/>
                 </a:ext>
               </a:extLst>
             </p:cNvPr>
@@ -5695,7 +5701,7 @@
             <p:cNvPr id="14" name="TextBox 13">
               <a:extLst>
                 <a:ext uri="{FF2B5EF4-FFF2-40B4-BE49-F238E27FC236}">
-                  <a16:creationId xmlns:a16="http://schemas.microsoft.com/office/drawing/2014/main" xmlns="" id="{0119417F-7B8C-4457-B319-890D604EE57E}"/>
+                  <a16:creationId xmlns="" xmlns:a16="http://schemas.microsoft.com/office/drawing/2014/main" id="{0119417F-7B8C-4457-B319-890D604EE57E}"/>
                 </a:ext>
               </a:extLst>
             </p:cNvPr>
@@ -5730,7 +5736,7 @@
             <p:cNvPr id="15" name="Arrow: Down 14">
               <a:extLst>
                 <a:ext uri="{FF2B5EF4-FFF2-40B4-BE49-F238E27FC236}">
-                  <a16:creationId xmlns:a16="http://schemas.microsoft.com/office/drawing/2014/main" xmlns="" id="{BC337AC8-C6AB-459F-A43E-72D57EC55C57}"/>
+                  <a16:creationId xmlns="" xmlns:a16="http://schemas.microsoft.com/office/drawing/2014/main" id="{BC337AC8-C6AB-459F-A43E-72D57EC55C57}"/>
                 </a:ext>
               </a:extLst>
             </p:cNvPr>
@@ -5776,7 +5782,7 @@
             <p:cNvPr id="16" name="TextBox 15">
               <a:extLst>
                 <a:ext uri="{FF2B5EF4-FFF2-40B4-BE49-F238E27FC236}">
-                  <a16:creationId xmlns:a16="http://schemas.microsoft.com/office/drawing/2014/main" xmlns="" id="{7CC6FE22-9E6F-433A-83BF-C50D146F26C0}"/>
+                  <a16:creationId xmlns="" xmlns:a16="http://schemas.microsoft.com/office/drawing/2014/main" id="{7CC6FE22-9E6F-433A-83BF-C50D146F26C0}"/>
                 </a:ext>
               </a:extLst>
             </p:cNvPr>
@@ -5917,7 +5923,7 @@
           <p:cNvPr id="2" name="TextBox 1">
             <a:extLst>
               <a:ext uri="{FF2B5EF4-FFF2-40B4-BE49-F238E27FC236}">
-                <a16:creationId xmlns:a16="http://schemas.microsoft.com/office/drawing/2014/main" xmlns="" id="{29D59A62-E70A-49C9-8024-60EF785867C5}"/>
+                <a16:creationId xmlns="" xmlns:a16="http://schemas.microsoft.com/office/drawing/2014/main" id="{29D59A62-E70A-49C9-8024-60EF785867C5}"/>
               </a:ext>
             </a:extLst>
           </p:cNvPr>
@@ -5952,7 +5958,7 @@
           <p:cNvPr id="32" name="Group 31">
             <a:extLst>
               <a:ext uri="{FF2B5EF4-FFF2-40B4-BE49-F238E27FC236}">
-                <a16:creationId xmlns:a16="http://schemas.microsoft.com/office/drawing/2014/main" xmlns="" id="{6AF792DB-27EB-4946-B828-927148B49FD0}"/>
+                <a16:creationId xmlns="" xmlns:a16="http://schemas.microsoft.com/office/drawing/2014/main" id="{6AF792DB-27EB-4946-B828-927148B49FD0}"/>
               </a:ext>
             </a:extLst>
           </p:cNvPr>
@@ -5972,7 +5978,7 @@
             <p:cNvPr id="9" name="Rectangle: Rounded Corners 8">
               <a:extLst>
                 <a:ext uri="{FF2B5EF4-FFF2-40B4-BE49-F238E27FC236}">
-                  <a16:creationId xmlns:a16="http://schemas.microsoft.com/office/drawing/2014/main" xmlns="" id="{F52F6091-4484-4315-8271-D721DF502976}"/>
+                  <a16:creationId xmlns="" xmlns:a16="http://schemas.microsoft.com/office/drawing/2014/main" id="{F52F6091-4484-4315-8271-D721DF502976}"/>
                 </a:ext>
               </a:extLst>
             </p:cNvPr>
@@ -6021,7 +6027,7 @@
             <p:cNvPr id="10" name="Rectangle: Rounded Corners 9">
               <a:extLst>
                 <a:ext uri="{FF2B5EF4-FFF2-40B4-BE49-F238E27FC236}">
-                  <a16:creationId xmlns:a16="http://schemas.microsoft.com/office/drawing/2014/main" xmlns="" id="{2310663F-5B97-40FF-920E-495A0A70C9B0}"/>
+                  <a16:creationId xmlns="" xmlns:a16="http://schemas.microsoft.com/office/drawing/2014/main" id="{2310663F-5B97-40FF-920E-495A0A70C9B0}"/>
                 </a:ext>
               </a:extLst>
             </p:cNvPr>
@@ -6070,7 +6076,7 @@
             <p:cNvPr id="11" name="Rectangle: Rounded Corners 10">
               <a:extLst>
                 <a:ext uri="{FF2B5EF4-FFF2-40B4-BE49-F238E27FC236}">
-                  <a16:creationId xmlns:a16="http://schemas.microsoft.com/office/drawing/2014/main" xmlns="" id="{F6C94883-0A49-40E2-8854-58DFD485F1D1}"/>
+                  <a16:creationId xmlns="" xmlns:a16="http://schemas.microsoft.com/office/drawing/2014/main" id="{F6C94883-0A49-40E2-8854-58DFD485F1D1}"/>
                 </a:ext>
               </a:extLst>
             </p:cNvPr>
@@ -6119,7 +6125,7 @@
             <p:cNvPr id="12" name="Rectangle: Rounded Corners 11">
               <a:extLst>
                 <a:ext uri="{FF2B5EF4-FFF2-40B4-BE49-F238E27FC236}">
-                  <a16:creationId xmlns:a16="http://schemas.microsoft.com/office/drawing/2014/main" xmlns="" id="{B6519773-B1CF-4173-87A4-FFCD3C1ACF40}"/>
+                  <a16:creationId xmlns="" xmlns:a16="http://schemas.microsoft.com/office/drawing/2014/main" id="{B6519773-B1CF-4173-87A4-FFCD3C1ACF40}"/>
                 </a:ext>
               </a:extLst>
             </p:cNvPr>
@@ -6168,7 +6174,7 @@
             <p:cNvPr id="13" name="Rectangle: Rounded Corners 12">
               <a:extLst>
                 <a:ext uri="{FF2B5EF4-FFF2-40B4-BE49-F238E27FC236}">
-                  <a16:creationId xmlns:a16="http://schemas.microsoft.com/office/drawing/2014/main" xmlns="" id="{A96382AD-81C6-45AA-A98B-2EADBADC8038}"/>
+                  <a16:creationId xmlns="" xmlns:a16="http://schemas.microsoft.com/office/drawing/2014/main" id="{A96382AD-81C6-45AA-A98B-2EADBADC8038}"/>
                 </a:ext>
               </a:extLst>
             </p:cNvPr>
@@ -6217,7 +6223,7 @@
             <p:cNvPr id="14" name="Rectangle: Rounded Corners 13">
               <a:extLst>
                 <a:ext uri="{FF2B5EF4-FFF2-40B4-BE49-F238E27FC236}">
-                  <a16:creationId xmlns:a16="http://schemas.microsoft.com/office/drawing/2014/main" xmlns="" id="{012613B4-719D-4D3F-BDEF-E322707EAB6E}"/>
+                  <a16:creationId xmlns="" xmlns:a16="http://schemas.microsoft.com/office/drawing/2014/main" id="{012613B4-719D-4D3F-BDEF-E322707EAB6E}"/>
                 </a:ext>
               </a:extLst>
             </p:cNvPr>
@@ -6266,7 +6272,7 @@
             <p:cNvPr id="15" name="Rectangle: Rounded Corners 14">
               <a:extLst>
                 <a:ext uri="{FF2B5EF4-FFF2-40B4-BE49-F238E27FC236}">
-                  <a16:creationId xmlns:a16="http://schemas.microsoft.com/office/drawing/2014/main" xmlns="" id="{8356F25B-8AAD-43B4-B975-53C23791B5D7}"/>
+                  <a16:creationId xmlns="" xmlns:a16="http://schemas.microsoft.com/office/drawing/2014/main" id="{8356F25B-8AAD-43B4-B975-53C23791B5D7}"/>
                 </a:ext>
               </a:extLst>
             </p:cNvPr>
@@ -6315,7 +6321,7 @@
             <p:cNvPr id="16" name="Rectangle: Rounded Corners 15">
               <a:extLst>
                 <a:ext uri="{FF2B5EF4-FFF2-40B4-BE49-F238E27FC236}">
-                  <a16:creationId xmlns:a16="http://schemas.microsoft.com/office/drawing/2014/main" xmlns="" id="{4E99C617-9232-4DA2-B034-4A528711A525}"/>
+                  <a16:creationId xmlns="" xmlns:a16="http://schemas.microsoft.com/office/drawing/2014/main" id="{4E99C617-9232-4DA2-B034-4A528711A525}"/>
                 </a:ext>
               </a:extLst>
             </p:cNvPr>
@@ -6364,7 +6370,7 @@
             <p:cNvPr id="17" name="Rectangle: Rounded Corners 16">
               <a:extLst>
                 <a:ext uri="{FF2B5EF4-FFF2-40B4-BE49-F238E27FC236}">
-                  <a16:creationId xmlns:a16="http://schemas.microsoft.com/office/drawing/2014/main" xmlns="" id="{BCDE1A8E-590A-4425-9156-81F19717AC97}"/>
+                  <a16:creationId xmlns="" xmlns:a16="http://schemas.microsoft.com/office/drawing/2014/main" id="{BCDE1A8E-590A-4425-9156-81F19717AC97}"/>
                 </a:ext>
               </a:extLst>
             </p:cNvPr>
@@ -6413,7 +6419,7 @@
             <p:cNvPr id="18" name="Rectangle: Rounded Corners 17">
               <a:extLst>
                 <a:ext uri="{FF2B5EF4-FFF2-40B4-BE49-F238E27FC236}">
-                  <a16:creationId xmlns:a16="http://schemas.microsoft.com/office/drawing/2014/main" xmlns="" id="{926D988B-A87F-472F-A083-9EDC41AD2618}"/>
+                  <a16:creationId xmlns="" xmlns:a16="http://schemas.microsoft.com/office/drawing/2014/main" id="{926D988B-A87F-472F-A083-9EDC41AD2618}"/>
                 </a:ext>
               </a:extLst>
             </p:cNvPr>
@@ -6462,7 +6468,7 @@
             <p:cNvPr id="19" name="Rectangle: Rounded Corners 18">
               <a:extLst>
                 <a:ext uri="{FF2B5EF4-FFF2-40B4-BE49-F238E27FC236}">
-                  <a16:creationId xmlns:a16="http://schemas.microsoft.com/office/drawing/2014/main" xmlns="" id="{F67626E6-E695-4A99-BC0E-35D1AB104E50}"/>
+                  <a16:creationId xmlns="" xmlns:a16="http://schemas.microsoft.com/office/drawing/2014/main" id="{F67626E6-E695-4A99-BC0E-35D1AB104E50}"/>
                 </a:ext>
               </a:extLst>
             </p:cNvPr>
@@ -6511,7 +6517,7 @@
             <p:cNvPr id="20" name="Rectangle: Rounded Corners 19">
               <a:extLst>
                 <a:ext uri="{FF2B5EF4-FFF2-40B4-BE49-F238E27FC236}">
-                  <a16:creationId xmlns:a16="http://schemas.microsoft.com/office/drawing/2014/main" xmlns="" id="{0BC1A1BA-133D-4651-89DD-A802FE7AD3B4}"/>
+                  <a16:creationId xmlns="" xmlns:a16="http://schemas.microsoft.com/office/drawing/2014/main" id="{0BC1A1BA-133D-4651-89DD-A802FE7AD3B4}"/>
                 </a:ext>
               </a:extLst>
             </p:cNvPr>
@@ -6560,7 +6566,7 @@
             <p:cNvPr id="21" name="Rectangle: Rounded Corners 20">
               <a:extLst>
                 <a:ext uri="{FF2B5EF4-FFF2-40B4-BE49-F238E27FC236}">
-                  <a16:creationId xmlns:a16="http://schemas.microsoft.com/office/drawing/2014/main" xmlns="" id="{7B782F5A-F16F-49BE-BCF3-F27C57FA816E}"/>
+                  <a16:creationId xmlns="" xmlns:a16="http://schemas.microsoft.com/office/drawing/2014/main" id="{7B782F5A-F16F-49BE-BCF3-F27C57FA816E}"/>
                 </a:ext>
               </a:extLst>
             </p:cNvPr>
@@ -6609,7 +6615,7 @@
             <p:cNvPr id="22" name="Rectangle: Rounded Corners 21">
               <a:extLst>
                 <a:ext uri="{FF2B5EF4-FFF2-40B4-BE49-F238E27FC236}">
-                  <a16:creationId xmlns:a16="http://schemas.microsoft.com/office/drawing/2014/main" xmlns="" id="{C8606D9E-3608-46EE-BD13-8A9EFA39A8E1}"/>
+                  <a16:creationId xmlns="" xmlns:a16="http://schemas.microsoft.com/office/drawing/2014/main" id="{C8606D9E-3608-46EE-BD13-8A9EFA39A8E1}"/>
                 </a:ext>
               </a:extLst>
             </p:cNvPr>
@@ -6661,7 +6667,7 @@
             <p:cNvPr id="23" name="Rectangle: Rounded Corners 22">
               <a:extLst>
                 <a:ext uri="{FF2B5EF4-FFF2-40B4-BE49-F238E27FC236}">
-                  <a16:creationId xmlns:a16="http://schemas.microsoft.com/office/drawing/2014/main" xmlns="" id="{E1196CC7-6DDA-404B-AF85-E65601277E39}"/>
+                  <a16:creationId xmlns="" xmlns:a16="http://schemas.microsoft.com/office/drawing/2014/main" id="{E1196CC7-6DDA-404B-AF85-E65601277E39}"/>
                 </a:ext>
               </a:extLst>
             </p:cNvPr>
@@ -6710,7 +6716,7 @@
             <p:cNvPr id="24" name="Rectangle: Rounded Corners 23">
               <a:extLst>
                 <a:ext uri="{FF2B5EF4-FFF2-40B4-BE49-F238E27FC236}">
-                  <a16:creationId xmlns:a16="http://schemas.microsoft.com/office/drawing/2014/main" xmlns="" id="{7FD89A78-7417-4FDF-912E-8B8C94A48710}"/>
+                  <a16:creationId xmlns="" xmlns:a16="http://schemas.microsoft.com/office/drawing/2014/main" id="{7FD89A78-7417-4FDF-912E-8B8C94A48710}"/>
                 </a:ext>
               </a:extLst>
             </p:cNvPr>
@@ -6759,7 +6765,7 @@
             <p:cNvPr id="27" name="TextBox 26">
               <a:extLst>
                 <a:ext uri="{FF2B5EF4-FFF2-40B4-BE49-F238E27FC236}">
-                  <a16:creationId xmlns:a16="http://schemas.microsoft.com/office/drawing/2014/main" xmlns="" id="{E4F407CD-2FFC-4252-A8CA-D6A66AFF85C8}"/>
+                  <a16:creationId xmlns="" xmlns:a16="http://schemas.microsoft.com/office/drawing/2014/main" id="{E4F407CD-2FFC-4252-A8CA-D6A66AFF85C8}"/>
                 </a:ext>
               </a:extLst>
             </p:cNvPr>
@@ -6818,7 +6824,7 @@
             <p:cNvPr id="28" name="TextBox 27">
               <a:extLst>
                 <a:ext uri="{FF2B5EF4-FFF2-40B4-BE49-F238E27FC236}">
-                  <a16:creationId xmlns:a16="http://schemas.microsoft.com/office/drawing/2014/main" xmlns="" id="{EB2DBE27-2CEF-41E4-AFA4-D2166DC3D968}"/>
+                  <a16:creationId xmlns="" xmlns:a16="http://schemas.microsoft.com/office/drawing/2014/main" id="{EB2DBE27-2CEF-41E4-AFA4-D2166DC3D968}"/>
                 </a:ext>
               </a:extLst>
             </p:cNvPr>
@@ -6877,7 +6883,7 @@
             <p:cNvPr id="29" name="TextBox 28">
               <a:extLst>
                 <a:ext uri="{FF2B5EF4-FFF2-40B4-BE49-F238E27FC236}">
-                  <a16:creationId xmlns:a16="http://schemas.microsoft.com/office/drawing/2014/main" xmlns="" id="{62513543-586A-4205-BD35-217991FCA942}"/>
+                  <a16:creationId xmlns="" xmlns:a16="http://schemas.microsoft.com/office/drawing/2014/main" id="{62513543-586A-4205-BD35-217991FCA942}"/>
                 </a:ext>
               </a:extLst>
             </p:cNvPr>
@@ -6936,7 +6942,7 @@
             <p:cNvPr id="31" name="TextBox 30">
               <a:extLst>
                 <a:ext uri="{FF2B5EF4-FFF2-40B4-BE49-F238E27FC236}">
-                  <a16:creationId xmlns:a16="http://schemas.microsoft.com/office/drawing/2014/main" xmlns="" id="{4685DCCA-212F-42B9-A547-BADB68EC13F9}"/>
+                  <a16:creationId xmlns="" xmlns:a16="http://schemas.microsoft.com/office/drawing/2014/main" id="{4685DCCA-212F-42B9-A547-BADB68EC13F9}"/>
                 </a:ext>
               </a:extLst>
             </p:cNvPr>
@@ -7026,7 +7032,7 @@
           <p:cNvPr id="2" name="TextBox 1">
             <a:extLst>
               <a:ext uri="{FF2B5EF4-FFF2-40B4-BE49-F238E27FC236}">
-                <a16:creationId xmlns:a16="http://schemas.microsoft.com/office/drawing/2014/main" xmlns="" id="{29D59A62-E70A-49C9-8024-60EF785867C5}"/>
+                <a16:creationId xmlns="" xmlns:a16="http://schemas.microsoft.com/office/drawing/2014/main" id="{29D59A62-E70A-49C9-8024-60EF785867C5}"/>
               </a:ext>
             </a:extLst>
           </p:cNvPr>
@@ -7061,7 +7067,7 @@
           <p:cNvPr id="4" name="Group 3">
             <a:extLst>
               <a:ext uri="{FF2B5EF4-FFF2-40B4-BE49-F238E27FC236}">
-                <a16:creationId xmlns:a16="http://schemas.microsoft.com/office/drawing/2014/main" xmlns="" id="{B0F207C1-ADED-422B-8AD3-B6E8F0965A94}"/>
+                <a16:creationId xmlns="" xmlns:a16="http://schemas.microsoft.com/office/drawing/2014/main" id="{B0F207C1-ADED-422B-8AD3-B6E8F0965A94}"/>
               </a:ext>
             </a:extLst>
           </p:cNvPr>
@@ -7081,7 +7087,7 @@
             <p:cNvPr id="9" name="Rectangle: Rounded Corners 8">
               <a:extLst>
                 <a:ext uri="{FF2B5EF4-FFF2-40B4-BE49-F238E27FC236}">
-                  <a16:creationId xmlns:a16="http://schemas.microsoft.com/office/drawing/2014/main" xmlns="" id="{F52F6091-4484-4315-8271-D721DF502976}"/>
+                  <a16:creationId xmlns="" xmlns:a16="http://schemas.microsoft.com/office/drawing/2014/main" id="{F52F6091-4484-4315-8271-D721DF502976}"/>
                 </a:ext>
               </a:extLst>
             </p:cNvPr>
@@ -7138,7 +7144,7 @@
             <p:cNvPr id="10" name="Rectangle: Rounded Corners 9">
               <a:extLst>
                 <a:ext uri="{FF2B5EF4-FFF2-40B4-BE49-F238E27FC236}">
-                  <a16:creationId xmlns:a16="http://schemas.microsoft.com/office/drawing/2014/main" xmlns="" id="{2310663F-5B97-40FF-920E-495A0A70C9B0}"/>
+                  <a16:creationId xmlns="" xmlns:a16="http://schemas.microsoft.com/office/drawing/2014/main" id="{2310663F-5B97-40FF-920E-495A0A70C9B0}"/>
                 </a:ext>
               </a:extLst>
             </p:cNvPr>
@@ -7187,7 +7193,7 @@
             <p:cNvPr id="11" name="Rectangle: Rounded Corners 10">
               <a:extLst>
                 <a:ext uri="{FF2B5EF4-FFF2-40B4-BE49-F238E27FC236}">
-                  <a16:creationId xmlns:a16="http://schemas.microsoft.com/office/drawing/2014/main" xmlns="" id="{F6C94883-0A49-40E2-8854-58DFD485F1D1}"/>
+                  <a16:creationId xmlns="" xmlns:a16="http://schemas.microsoft.com/office/drawing/2014/main" id="{F6C94883-0A49-40E2-8854-58DFD485F1D1}"/>
                 </a:ext>
               </a:extLst>
             </p:cNvPr>
@@ -7236,7 +7242,7 @@
             <p:cNvPr id="12" name="Rectangle: Rounded Corners 11">
               <a:extLst>
                 <a:ext uri="{FF2B5EF4-FFF2-40B4-BE49-F238E27FC236}">
-                  <a16:creationId xmlns:a16="http://schemas.microsoft.com/office/drawing/2014/main" xmlns="" id="{B6519773-B1CF-4173-87A4-FFCD3C1ACF40}"/>
+                  <a16:creationId xmlns="" xmlns:a16="http://schemas.microsoft.com/office/drawing/2014/main" id="{B6519773-B1CF-4173-87A4-FFCD3C1ACF40}"/>
                 </a:ext>
               </a:extLst>
             </p:cNvPr>
@@ -7293,7 +7299,7 @@
             <p:cNvPr id="13" name="Rectangle: Rounded Corners 12">
               <a:extLst>
                 <a:ext uri="{FF2B5EF4-FFF2-40B4-BE49-F238E27FC236}">
-                  <a16:creationId xmlns:a16="http://schemas.microsoft.com/office/drawing/2014/main" xmlns="" id="{A96382AD-81C6-45AA-A98B-2EADBADC8038}"/>
+                  <a16:creationId xmlns="" xmlns:a16="http://schemas.microsoft.com/office/drawing/2014/main" id="{A96382AD-81C6-45AA-A98B-2EADBADC8038}"/>
                 </a:ext>
               </a:extLst>
             </p:cNvPr>
@@ -7342,7 +7348,7 @@
             <p:cNvPr id="14" name="Rectangle: Rounded Corners 13">
               <a:extLst>
                 <a:ext uri="{FF2B5EF4-FFF2-40B4-BE49-F238E27FC236}">
-                  <a16:creationId xmlns:a16="http://schemas.microsoft.com/office/drawing/2014/main" xmlns="" id="{012613B4-719D-4D3F-BDEF-E322707EAB6E}"/>
+                  <a16:creationId xmlns="" xmlns:a16="http://schemas.microsoft.com/office/drawing/2014/main" id="{012613B4-719D-4D3F-BDEF-E322707EAB6E}"/>
                 </a:ext>
               </a:extLst>
             </p:cNvPr>
@@ -7391,7 +7397,7 @@
             <p:cNvPr id="15" name="Rectangle: Rounded Corners 14">
               <a:extLst>
                 <a:ext uri="{FF2B5EF4-FFF2-40B4-BE49-F238E27FC236}">
-                  <a16:creationId xmlns:a16="http://schemas.microsoft.com/office/drawing/2014/main" xmlns="" id="{8356F25B-8AAD-43B4-B975-53C23791B5D7}"/>
+                  <a16:creationId xmlns="" xmlns:a16="http://schemas.microsoft.com/office/drawing/2014/main" id="{8356F25B-8AAD-43B4-B975-53C23791B5D7}"/>
                 </a:ext>
               </a:extLst>
             </p:cNvPr>
@@ -7440,7 +7446,7 @@
             <p:cNvPr id="16" name="Rectangle: Rounded Corners 15">
               <a:extLst>
                 <a:ext uri="{FF2B5EF4-FFF2-40B4-BE49-F238E27FC236}">
-                  <a16:creationId xmlns:a16="http://schemas.microsoft.com/office/drawing/2014/main" xmlns="" id="{4E99C617-9232-4DA2-B034-4A528711A525}"/>
+                  <a16:creationId xmlns="" xmlns:a16="http://schemas.microsoft.com/office/drawing/2014/main" id="{4E99C617-9232-4DA2-B034-4A528711A525}"/>
                 </a:ext>
               </a:extLst>
             </p:cNvPr>
@@ -7497,7 +7503,7 @@
             <p:cNvPr id="17" name="Rectangle: Rounded Corners 16">
               <a:extLst>
                 <a:ext uri="{FF2B5EF4-FFF2-40B4-BE49-F238E27FC236}">
-                  <a16:creationId xmlns:a16="http://schemas.microsoft.com/office/drawing/2014/main" xmlns="" id="{BCDE1A8E-590A-4425-9156-81F19717AC97}"/>
+                  <a16:creationId xmlns="" xmlns:a16="http://schemas.microsoft.com/office/drawing/2014/main" id="{BCDE1A8E-590A-4425-9156-81F19717AC97}"/>
                 </a:ext>
               </a:extLst>
             </p:cNvPr>
@@ -7551,7 +7557,7 @@
             <p:cNvPr id="18" name="Rectangle: Rounded Corners 17">
               <a:extLst>
                 <a:ext uri="{FF2B5EF4-FFF2-40B4-BE49-F238E27FC236}">
-                  <a16:creationId xmlns:a16="http://schemas.microsoft.com/office/drawing/2014/main" xmlns="" id="{926D988B-A87F-472F-A083-9EDC41AD2618}"/>
+                  <a16:creationId xmlns="" xmlns:a16="http://schemas.microsoft.com/office/drawing/2014/main" id="{926D988B-A87F-472F-A083-9EDC41AD2618}"/>
                 </a:ext>
               </a:extLst>
             </p:cNvPr>
@@ -7600,7 +7606,7 @@
             <p:cNvPr id="19" name="Rectangle: Rounded Corners 18">
               <a:extLst>
                 <a:ext uri="{FF2B5EF4-FFF2-40B4-BE49-F238E27FC236}">
-                  <a16:creationId xmlns:a16="http://schemas.microsoft.com/office/drawing/2014/main" xmlns="" id="{F67626E6-E695-4A99-BC0E-35D1AB104E50}"/>
+                  <a16:creationId xmlns="" xmlns:a16="http://schemas.microsoft.com/office/drawing/2014/main" id="{F67626E6-E695-4A99-BC0E-35D1AB104E50}"/>
                 </a:ext>
               </a:extLst>
             </p:cNvPr>
@@ -7649,7 +7655,7 @@
             <p:cNvPr id="20" name="Rectangle: Rounded Corners 19">
               <a:extLst>
                 <a:ext uri="{FF2B5EF4-FFF2-40B4-BE49-F238E27FC236}">
-                  <a16:creationId xmlns:a16="http://schemas.microsoft.com/office/drawing/2014/main" xmlns="" id="{0BC1A1BA-133D-4651-89DD-A802FE7AD3B4}"/>
+                  <a16:creationId xmlns="" xmlns:a16="http://schemas.microsoft.com/office/drawing/2014/main" id="{0BC1A1BA-133D-4651-89DD-A802FE7AD3B4}"/>
                 </a:ext>
               </a:extLst>
             </p:cNvPr>
@@ -7703,7 +7709,7 @@
             <p:cNvPr id="21" name="Rectangle: Rounded Corners 20">
               <a:extLst>
                 <a:ext uri="{FF2B5EF4-FFF2-40B4-BE49-F238E27FC236}">
-                  <a16:creationId xmlns:a16="http://schemas.microsoft.com/office/drawing/2014/main" xmlns="" id="{7B782F5A-F16F-49BE-BCF3-F27C57FA816E}"/>
+                  <a16:creationId xmlns="" xmlns:a16="http://schemas.microsoft.com/office/drawing/2014/main" id="{7B782F5A-F16F-49BE-BCF3-F27C57FA816E}"/>
                 </a:ext>
               </a:extLst>
             </p:cNvPr>
@@ -7752,7 +7758,7 @@
             <p:cNvPr id="22" name="Rectangle: Rounded Corners 21">
               <a:extLst>
                 <a:ext uri="{FF2B5EF4-FFF2-40B4-BE49-F238E27FC236}">
-                  <a16:creationId xmlns:a16="http://schemas.microsoft.com/office/drawing/2014/main" xmlns="" id="{C8606D9E-3608-46EE-BD13-8A9EFA39A8E1}"/>
+                  <a16:creationId xmlns="" xmlns:a16="http://schemas.microsoft.com/office/drawing/2014/main" id="{C8606D9E-3608-46EE-BD13-8A9EFA39A8E1}"/>
                 </a:ext>
               </a:extLst>
             </p:cNvPr>
@@ -7804,7 +7810,7 @@
             <p:cNvPr id="23" name="Rectangle: Rounded Corners 22">
               <a:extLst>
                 <a:ext uri="{FF2B5EF4-FFF2-40B4-BE49-F238E27FC236}">
-                  <a16:creationId xmlns:a16="http://schemas.microsoft.com/office/drawing/2014/main" xmlns="" id="{E1196CC7-6DDA-404B-AF85-E65601277E39}"/>
+                  <a16:creationId xmlns="" xmlns:a16="http://schemas.microsoft.com/office/drawing/2014/main" id="{E1196CC7-6DDA-404B-AF85-E65601277E39}"/>
                 </a:ext>
               </a:extLst>
             </p:cNvPr>
@@ -7853,7 +7859,7 @@
             <p:cNvPr id="24" name="Rectangle: Rounded Corners 23">
               <a:extLst>
                 <a:ext uri="{FF2B5EF4-FFF2-40B4-BE49-F238E27FC236}">
-                  <a16:creationId xmlns:a16="http://schemas.microsoft.com/office/drawing/2014/main" xmlns="" id="{7FD89A78-7417-4FDF-912E-8B8C94A48710}"/>
+                  <a16:creationId xmlns="" xmlns:a16="http://schemas.microsoft.com/office/drawing/2014/main" id="{7FD89A78-7417-4FDF-912E-8B8C94A48710}"/>
                 </a:ext>
               </a:extLst>
             </p:cNvPr>
@@ -7907,7 +7913,7 @@
             <p:cNvPr id="27" name="TextBox 26">
               <a:extLst>
                 <a:ext uri="{FF2B5EF4-FFF2-40B4-BE49-F238E27FC236}">
-                  <a16:creationId xmlns:a16="http://schemas.microsoft.com/office/drawing/2014/main" xmlns="" id="{E4F407CD-2FFC-4252-A8CA-D6A66AFF85C8}"/>
+                  <a16:creationId xmlns="" xmlns:a16="http://schemas.microsoft.com/office/drawing/2014/main" id="{E4F407CD-2FFC-4252-A8CA-D6A66AFF85C8}"/>
                 </a:ext>
               </a:extLst>
             </p:cNvPr>
@@ -7966,7 +7972,7 @@
             <p:cNvPr id="28" name="TextBox 27">
               <a:extLst>
                 <a:ext uri="{FF2B5EF4-FFF2-40B4-BE49-F238E27FC236}">
-                  <a16:creationId xmlns:a16="http://schemas.microsoft.com/office/drawing/2014/main" xmlns="" id="{EB2DBE27-2CEF-41E4-AFA4-D2166DC3D968}"/>
+                  <a16:creationId xmlns="" xmlns:a16="http://schemas.microsoft.com/office/drawing/2014/main" id="{EB2DBE27-2CEF-41E4-AFA4-D2166DC3D968}"/>
                 </a:ext>
               </a:extLst>
             </p:cNvPr>
@@ -8025,7 +8031,7 @@
             <p:cNvPr id="29" name="TextBox 28">
               <a:extLst>
                 <a:ext uri="{FF2B5EF4-FFF2-40B4-BE49-F238E27FC236}">
-                  <a16:creationId xmlns:a16="http://schemas.microsoft.com/office/drawing/2014/main" xmlns="" id="{62513543-586A-4205-BD35-217991FCA942}"/>
+                  <a16:creationId xmlns="" xmlns:a16="http://schemas.microsoft.com/office/drawing/2014/main" id="{62513543-586A-4205-BD35-217991FCA942}"/>
                 </a:ext>
               </a:extLst>
             </p:cNvPr>
@@ -8084,7 +8090,7 @@
             <p:cNvPr id="35" name="TextBox 34">
               <a:extLst>
                 <a:ext uri="{FF2B5EF4-FFF2-40B4-BE49-F238E27FC236}">
-                  <a16:creationId xmlns:a16="http://schemas.microsoft.com/office/drawing/2014/main" xmlns="" id="{81C18030-13F8-40B6-AC34-A6F076ED57BF}"/>
+                  <a16:creationId xmlns="" xmlns:a16="http://schemas.microsoft.com/office/drawing/2014/main" id="{81C18030-13F8-40B6-AC34-A6F076ED57BF}"/>
                 </a:ext>
               </a:extLst>
             </p:cNvPr>
@@ -8174,7 +8180,7 @@
           <p:cNvPr id="2" name="TextBox 1">
             <a:extLst>
               <a:ext uri="{FF2B5EF4-FFF2-40B4-BE49-F238E27FC236}">
-                <a16:creationId xmlns:a16="http://schemas.microsoft.com/office/drawing/2014/main" xmlns="" id="{E52715F9-5F16-40CE-A04B-CF83EA31FBBF}"/>
+                <a16:creationId xmlns="" xmlns:a16="http://schemas.microsoft.com/office/drawing/2014/main" id="{E52715F9-5F16-40CE-A04B-CF83EA31FBBF}"/>
               </a:ext>
             </a:extLst>
           </p:cNvPr>
@@ -8184,7 +8190,7 @@
         <p:spPr>
           <a:xfrm>
             <a:off x="622571" y="291830"/>
-            <a:ext cx="3175228" cy="584775"/>
+            <a:ext cx="3627275" cy="584775"/>
           </a:xfrm>
           <a:prstGeom prst="rect">
             <a:avLst/>
@@ -8198,8 +8204,16 @@
           <a:lstStyle/>
           <a:p>
             <a:r>
+              <a:rPr lang="en-US" sz="3200" b="1" dirty="0">
+                <a:solidFill>
+                  <a:srgbClr val="FF0000"/>
+                </a:solidFill>
+              </a:rPr>
+              <a:t>M</a:t>
+            </a:r>
+            <a:r>
               <a:rPr lang="en-US" sz="3200" b="1" dirty="0" smtClean="0"/>
-              <a:t>SMART </a:t>
+              <a:t> SMART </a:t>
             </a:r>
             <a:r>
               <a:rPr lang="en-US" sz="3200" b="1" dirty="0"/>
@@ -8213,7 +8227,7 @@
           <p:cNvPr id="4" name="TextBox 3">
             <a:extLst>
               <a:ext uri="{FF2B5EF4-FFF2-40B4-BE49-F238E27FC236}">
-                <a16:creationId xmlns:a16="http://schemas.microsoft.com/office/drawing/2014/main" xmlns="" id="{B202A72A-202B-415D-B39F-6FE5382C4849}"/>
+                <a16:creationId xmlns="" xmlns:a16="http://schemas.microsoft.com/office/drawing/2014/main" id="{B202A72A-202B-415D-B39F-6FE5382C4849}"/>
               </a:ext>
             </a:extLst>
           </p:cNvPr>
@@ -8299,7 +8313,7 @@
           <p:cNvPr id="2" name="TextBox 1">
             <a:extLst>
               <a:ext uri="{FF2B5EF4-FFF2-40B4-BE49-F238E27FC236}">
-                <a16:creationId xmlns:a16="http://schemas.microsoft.com/office/drawing/2014/main" xmlns="" id="{0B2F962F-478E-41EE-8A61-25FFDB01A5BB}"/>
+                <a16:creationId xmlns="" xmlns:a16="http://schemas.microsoft.com/office/drawing/2014/main" id="{0B2F962F-478E-41EE-8A61-25FFDB01A5BB}"/>
               </a:ext>
             </a:extLst>
           </p:cNvPr>
@@ -8334,7 +8348,7 @@
           <p:cNvPr id="3" name="Picture 2">
             <a:extLst>
               <a:ext uri="{FF2B5EF4-FFF2-40B4-BE49-F238E27FC236}">
-                <a16:creationId xmlns:a16="http://schemas.microsoft.com/office/drawing/2014/main" xmlns="" id="{1F3D482E-9F08-4286-BADC-6102EDFBCFEF}"/>
+                <a16:creationId xmlns="" xmlns:a16="http://schemas.microsoft.com/office/drawing/2014/main" id="{1F3D482E-9F08-4286-BADC-6102EDFBCFEF}"/>
               </a:ext>
             </a:extLst>
           </p:cNvPr>
@@ -8364,7 +8378,7 @@
           <p:cNvPr id="4" name="Rectangle: Rounded Corners 3">
             <a:extLst>
               <a:ext uri="{FF2B5EF4-FFF2-40B4-BE49-F238E27FC236}">
-                <a16:creationId xmlns:a16="http://schemas.microsoft.com/office/drawing/2014/main" xmlns="" id="{6E5D743D-4B8E-4A64-8FF9-0309B5CBF38E}"/>
+                <a16:creationId xmlns="" xmlns:a16="http://schemas.microsoft.com/office/drawing/2014/main" id="{6E5D743D-4B8E-4A64-8FF9-0309B5CBF38E}"/>
               </a:ext>
             </a:extLst>
           </p:cNvPr>
@@ -8413,7 +8427,7 @@
           <p:cNvPr id="5" name="Rectangle: Rounded Corners 4">
             <a:extLst>
               <a:ext uri="{FF2B5EF4-FFF2-40B4-BE49-F238E27FC236}">
-                <a16:creationId xmlns:a16="http://schemas.microsoft.com/office/drawing/2014/main" xmlns="" id="{B2563DD1-0E21-4485-BF64-BEE30290C5BB}"/>
+                <a16:creationId xmlns="" xmlns:a16="http://schemas.microsoft.com/office/drawing/2014/main" id="{B2563DD1-0E21-4485-BF64-BEE30290C5BB}"/>
               </a:ext>
             </a:extLst>
           </p:cNvPr>
@@ -8462,7 +8476,7 @@
           <p:cNvPr id="6" name="Rectangle: Rounded Corners 5">
             <a:extLst>
               <a:ext uri="{FF2B5EF4-FFF2-40B4-BE49-F238E27FC236}">
-                <a16:creationId xmlns:a16="http://schemas.microsoft.com/office/drawing/2014/main" xmlns="" id="{96EC9A64-4F95-4F7B-8C2D-15597EBF4B68}"/>
+                <a16:creationId xmlns="" xmlns:a16="http://schemas.microsoft.com/office/drawing/2014/main" id="{96EC9A64-4F95-4F7B-8C2D-15597EBF4B68}"/>
               </a:ext>
             </a:extLst>
           </p:cNvPr>
@@ -8511,7 +8525,7 @@
           <p:cNvPr id="7" name="Arrow: Left 6">
             <a:extLst>
               <a:ext uri="{FF2B5EF4-FFF2-40B4-BE49-F238E27FC236}">
-                <a16:creationId xmlns:a16="http://schemas.microsoft.com/office/drawing/2014/main" xmlns="" id="{E436EB20-076C-4527-ACE7-693F2E5C2E40}"/>
+                <a16:creationId xmlns="" xmlns:a16="http://schemas.microsoft.com/office/drawing/2014/main" id="{E436EB20-076C-4527-ACE7-693F2E5C2E40}"/>
               </a:ext>
             </a:extLst>
           </p:cNvPr>
@@ -8557,7 +8571,7 @@
           <p:cNvPr id="8" name="Arrow: Left 7">
             <a:extLst>
               <a:ext uri="{FF2B5EF4-FFF2-40B4-BE49-F238E27FC236}">
-                <a16:creationId xmlns:a16="http://schemas.microsoft.com/office/drawing/2014/main" xmlns="" id="{6428C742-0FF1-4C6F-A486-8EFCE628A655}"/>
+                <a16:creationId xmlns="" xmlns:a16="http://schemas.microsoft.com/office/drawing/2014/main" id="{6428C742-0FF1-4C6F-A486-8EFCE628A655}"/>
               </a:ext>
             </a:extLst>
           </p:cNvPr>
@@ -8603,7 +8617,7 @@
           <p:cNvPr id="9" name="Rectangle: Rounded Corners 8">
             <a:extLst>
               <a:ext uri="{FF2B5EF4-FFF2-40B4-BE49-F238E27FC236}">
-                <a16:creationId xmlns:a16="http://schemas.microsoft.com/office/drawing/2014/main" xmlns="" id="{A1BF728C-5458-4EC1-82A3-67D6C6AE75C4}"/>
+                <a16:creationId xmlns="" xmlns:a16="http://schemas.microsoft.com/office/drawing/2014/main" id="{A1BF728C-5458-4EC1-82A3-67D6C6AE75C4}"/>
               </a:ext>
             </a:extLst>
           </p:cNvPr>
@@ -8652,7 +8666,7 @@
           <p:cNvPr id="10" name="Rectangle: Rounded Corners 9">
             <a:extLst>
               <a:ext uri="{FF2B5EF4-FFF2-40B4-BE49-F238E27FC236}">
-                <a16:creationId xmlns:a16="http://schemas.microsoft.com/office/drawing/2014/main" xmlns="" id="{9CC69B22-A411-48CF-B4F2-45D0C72CC745}"/>
+                <a16:creationId xmlns="" xmlns:a16="http://schemas.microsoft.com/office/drawing/2014/main" id="{9CC69B22-A411-48CF-B4F2-45D0C72CC745}"/>
               </a:ext>
             </a:extLst>
           </p:cNvPr>
@@ -8732,7 +8746,7 @@
           <p:cNvPr id="2" name="TextBox 1">
             <a:extLst>
               <a:ext uri="{FF2B5EF4-FFF2-40B4-BE49-F238E27FC236}">
-                <a16:creationId xmlns:a16="http://schemas.microsoft.com/office/drawing/2014/main" xmlns="" id="{C8FA0A63-E669-400A-B853-1301ADFAA5C8}"/>
+                <a16:creationId xmlns="" xmlns:a16="http://schemas.microsoft.com/office/drawing/2014/main" id="{C8FA0A63-E669-400A-B853-1301ADFAA5C8}"/>
               </a:ext>
             </a:extLst>
           </p:cNvPr>
@@ -8767,7 +8781,7 @@
           <p:cNvPr id="22" name="Group 21">
             <a:extLst>
               <a:ext uri="{FF2B5EF4-FFF2-40B4-BE49-F238E27FC236}">
-                <a16:creationId xmlns:a16="http://schemas.microsoft.com/office/drawing/2014/main" xmlns="" id="{DA30DEB6-6110-49A3-8FBA-099EE2B30A27}"/>
+                <a16:creationId xmlns="" xmlns:a16="http://schemas.microsoft.com/office/drawing/2014/main" id="{DA30DEB6-6110-49A3-8FBA-099EE2B30A27}"/>
               </a:ext>
             </a:extLst>
           </p:cNvPr>
@@ -8787,7 +8801,7 @@
             <p:cNvPr id="14" name="Group 13">
               <a:extLst>
                 <a:ext uri="{FF2B5EF4-FFF2-40B4-BE49-F238E27FC236}">
-                  <a16:creationId xmlns:a16="http://schemas.microsoft.com/office/drawing/2014/main" xmlns="" id="{AC77212E-7D1C-4E02-9FD0-F75835E8D8F2}"/>
+                  <a16:creationId xmlns="" xmlns:a16="http://schemas.microsoft.com/office/drawing/2014/main" id="{AC77212E-7D1C-4E02-9FD0-F75835E8D8F2}"/>
                 </a:ext>
               </a:extLst>
             </p:cNvPr>
@@ -8807,7 +8821,7 @@
               <p:cNvPr id="3" name="Picture 2">
                 <a:extLst>
                   <a:ext uri="{FF2B5EF4-FFF2-40B4-BE49-F238E27FC236}">
-                    <a16:creationId xmlns:a16="http://schemas.microsoft.com/office/drawing/2014/main" xmlns="" id="{D5876341-5DEC-4DD4-B40B-F53F7A582269}"/>
+                    <a16:creationId xmlns="" xmlns:a16="http://schemas.microsoft.com/office/drawing/2014/main" id="{D5876341-5DEC-4DD4-B40B-F53F7A582269}"/>
                   </a:ext>
                 </a:extLst>
               </p:cNvPr>
@@ -8837,7 +8851,7 @@
               <p:cNvPr id="7" name="Group 6">
                 <a:extLst>
                   <a:ext uri="{FF2B5EF4-FFF2-40B4-BE49-F238E27FC236}">
-                    <a16:creationId xmlns:a16="http://schemas.microsoft.com/office/drawing/2014/main" xmlns="" id="{AB5BBB8F-3AAB-4509-8223-ABD5BC5991F9}"/>
+                    <a16:creationId xmlns="" xmlns:a16="http://schemas.microsoft.com/office/drawing/2014/main" id="{AB5BBB8F-3AAB-4509-8223-ABD5BC5991F9}"/>
                   </a:ext>
                 </a:extLst>
               </p:cNvPr>
@@ -8857,7 +8871,7 @@
                 <p:cNvPr id="4" name="TextBox 3">
                   <a:extLst>
                     <a:ext uri="{FF2B5EF4-FFF2-40B4-BE49-F238E27FC236}">
-                      <a16:creationId xmlns:a16="http://schemas.microsoft.com/office/drawing/2014/main" xmlns="" id="{DCD921CD-DC7B-41E6-A5FB-187A65CF3EE3}"/>
+                      <a16:creationId xmlns="" xmlns:a16="http://schemas.microsoft.com/office/drawing/2014/main" id="{DCD921CD-DC7B-41E6-A5FB-187A65CF3EE3}"/>
                     </a:ext>
                   </a:extLst>
                 </p:cNvPr>
@@ -8893,7 +8907,7 @@
                 <p:cNvPr id="6" name="Straight Arrow Connector 5">
                   <a:extLst>
                     <a:ext uri="{FF2B5EF4-FFF2-40B4-BE49-F238E27FC236}">
-                      <a16:creationId xmlns:a16="http://schemas.microsoft.com/office/drawing/2014/main" xmlns="" id="{C8E52E64-7FE9-4B78-9F68-93C6BC9C8678}"/>
+                      <a16:creationId xmlns="" xmlns:a16="http://schemas.microsoft.com/office/drawing/2014/main" id="{C8E52E64-7FE9-4B78-9F68-93C6BC9C8678}"/>
                     </a:ext>
                   </a:extLst>
                 </p:cNvPr>
@@ -8935,7 +8949,7 @@
               <p:cNvPr id="8" name="TextBox 7">
                 <a:extLst>
                   <a:ext uri="{FF2B5EF4-FFF2-40B4-BE49-F238E27FC236}">
-                    <a16:creationId xmlns:a16="http://schemas.microsoft.com/office/drawing/2014/main" xmlns="" id="{FEDFDE0F-F925-4205-B331-5C7D3F310F4B}"/>
+                    <a16:creationId xmlns="" xmlns:a16="http://schemas.microsoft.com/office/drawing/2014/main" id="{FEDFDE0F-F925-4205-B331-5C7D3F310F4B}"/>
                   </a:ext>
                 </a:extLst>
               </p:cNvPr>
@@ -8971,7 +8985,7 @@
               <p:cNvPr id="9" name="TextBox 8">
                 <a:extLst>
                   <a:ext uri="{FF2B5EF4-FFF2-40B4-BE49-F238E27FC236}">
-                    <a16:creationId xmlns:a16="http://schemas.microsoft.com/office/drawing/2014/main" xmlns="" id="{67A32881-F932-44B9-A800-AF1E18BDC09F}"/>
+                    <a16:creationId xmlns="" xmlns:a16="http://schemas.microsoft.com/office/drawing/2014/main" id="{67A32881-F932-44B9-A800-AF1E18BDC09F}"/>
                   </a:ext>
                 </a:extLst>
               </p:cNvPr>
@@ -9007,7 +9021,7 @@
               <p:cNvPr id="10" name="TextBox 9">
                 <a:extLst>
                   <a:ext uri="{FF2B5EF4-FFF2-40B4-BE49-F238E27FC236}">
-                    <a16:creationId xmlns:a16="http://schemas.microsoft.com/office/drawing/2014/main" xmlns="" id="{48986CCF-5FDC-47CB-BD99-C82E33EC3378}"/>
+                    <a16:creationId xmlns="" xmlns:a16="http://schemas.microsoft.com/office/drawing/2014/main" id="{48986CCF-5FDC-47CB-BD99-C82E33EC3378}"/>
                   </a:ext>
                 </a:extLst>
               </p:cNvPr>
@@ -9043,7 +9057,7 @@
               <p:cNvPr id="11" name="TextBox 10">
                 <a:extLst>
                   <a:ext uri="{FF2B5EF4-FFF2-40B4-BE49-F238E27FC236}">
-                    <a16:creationId xmlns:a16="http://schemas.microsoft.com/office/drawing/2014/main" xmlns="" id="{39845953-148F-4E0F-9039-AB390F022FF7}"/>
+                    <a16:creationId xmlns="" xmlns:a16="http://schemas.microsoft.com/office/drawing/2014/main" id="{39845953-148F-4E0F-9039-AB390F022FF7}"/>
                   </a:ext>
                 </a:extLst>
               </p:cNvPr>
@@ -9079,7 +9093,7 @@
               <p:cNvPr id="12" name="TextBox 11">
                 <a:extLst>
                   <a:ext uri="{FF2B5EF4-FFF2-40B4-BE49-F238E27FC236}">
-                    <a16:creationId xmlns:a16="http://schemas.microsoft.com/office/drawing/2014/main" xmlns="" id="{1DCCE120-047F-4047-8B88-C6F0E81CCDF9}"/>
+                    <a16:creationId xmlns="" xmlns:a16="http://schemas.microsoft.com/office/drawing/2014/main" id="{1DCCE120-047F-4047-8B88-C6F0E81CCDF9}"/>
                   </a:ext>
                 </a:extLst>
               </p:cNvPr>
@@ -9115,7 +9129,7 @@
               <p:cNvPr id="13" name="TextBox 12">
                 <a:extLst>
                   <a:ext uri="{FF2B5EF4-FFF2-40B4-BE49-F238E27FC236}">
-                    <a16:creationId xmlns:a16="http://schemas.microsoft.com/office/drawing/2014/main" xmlns="" id="{BE775840-34F6-4290-BD21-FD1B27C8796F}"/>
+                    <a16:creationId xmlns="" xmlns:a16="http://schemas.microsoft.com/office/drawing/2014/main" id="{BE775840-34F6-4290-BD21-FD1B27C8796F}"/>
                   </a:ext>
                 </a:extLst>
               </p:cNvPr>
@@ -9152,7 +9166,7 @@
             <p:cNvPr id="15" name="Star: 5 Points 14">
               <a:extLst>
                 <a:ext uri="{FF2B5EF4-FFF2-40B4-BE49-F238E27FC236}">
-                  <a16:creationId xmlns:a16="http://schemas.microsoft.com/office/drawing/2014/main" xmlns="" id="{5AA1D222-D0B2-4F61-9C42-AC1D0DF1735C}"/>
+                  <a16:creationId xmlns="" xmlns:a16="http://schemas.microsoft.com/office/drawing/2014/main" id="{5AA1D222-D0B2-4F61-9C42-AC1D0DF1735C}"/>
                 </a:ext>
               </a:extLst>
             </p:cNvPr>
@@ -9198,7 +9212,7 @@
             <p:cNvPr id="17" name="Straight Arrow Connector 16">
               <a:extLst>
                 <a:ext uri="{FF2B5EF4-FFF2-40B4-BE49-F238E27FC236}">
-                  <a16:creationId xmlns:a16="http://schemas.microsoft.com/office/drawing/2014/main" xmlns="" id="{D7DD48AC-3313-49DE-9C91-B5DF4C1836FA}"/>
+                  <a16:creationId xmlns="" xmlns:a16="http://schemas.microsoft.com/office/drawing/2014/main" id="{D7DD48AC-3313-49DE-9C91-B5DF4C1836FA}"/>
                 </a:ext>
               </a:extLst>
             </p:cNvPr>
@@ -9240,7 +9254,7 @@
             <p:cNvPr id="18" name="Explosion: 8 Points 17">
               <a:extLst>
                 <a:ext uri="{FF2B5EF4-FFF2-40B4-BE49-F238E27FC236}">
-                  <a16:creationId xmlns:a16="http://schemas.microsoft.com/office/drawing/2014/main" xmlns="" id="{2B39A1D8-1B89-46CB-9904-6E4DB2E565C2}"/>
+                  <a16:creationId xmlns="" xmlns:a16="http://schemas.microsoft.com/office/drawing/2014/main" id="{2B39A1D8-1B89-46CB-9904-6E4DB2E565C2}"/>
                 </a:ext>
               </a:extLst>
             </p:cNvPr>
@@ -9294,7 +9308,7 @@
             <p:cNvPr id="19" name="TextBox 18">
               <a:extLst>
                 <a:ext uri="{FF2B5EF4-FFF2-40B4-BE49-F238E27FC236}">
-                  <a16:creationId xmlns:a16="http://schemas.microsoft.com/office/drawing/2014/main" xmlns="" id="{350D02C1-E44C-4191-B587-0B3EC392CDBF}"/>
+                  <a16:creationId xmlns="" xmlns:a16="http://schemas.microsoft.com/office/drawing/2014/main" id="{350D02C1-E44C-4191-B587-0B3EC392CDBF}"/>
                 </a:ext>
               </a:extLst>
             </p:cNvPr>
@@ -9338,7 +9352,7 @@
             <p:cNvPr id="20" name="TextBox 19">
               <a:extLst>
                 <a:ext uri="{FF2B5EF4-FFF2-40B4-BE49-F238E27FC236}">
-                  <a16:creationId xmlns:a16="http://schemas.microsoft.com/office/drawing/2014/main" xmlns="" id="{021924B3-F418-42FB-8871-CF2D44C6E42A}"/>
+                  <a16:creationId xmlns="" xmlns:a16="http://schemas.microsoft.com/office/drawing/2014/main" id="{021924B3-F418-42FB-8871-CF2D44C6E42A}"/>
                 </a:ext>
               </a:extLst>
             </p:cNvPr>
@@ -9382,7 +9396,7 @@
             <p:cNvPr id="21" name="TextBox 20">
               <a:extLst>
                 <a:ext uri="{FF2B5EF4-FFF2-40B4-BE49-F238E27FC236}">
-                  <a16:creationId xmlns:a16="http://schemas.microsoft.com/office/drawing/2014/main" xmlns="" id="{6EC244C8-5D78-4A7F-BB72-B4F6E1F68809}"/>
+                  <a16:creationId xmlns="" xmlns:a16="http://schemas.microsoft.com/office/drawing/2014/main" id="{6EC244C8-5D78-4A7F-BB72-B4F6E1F68809}"/>
                 </a:ext>
               </a:extLst>
             </p:cNvPr>
@@ -9522,7 +9536,7 @@
           <p:cNvPr id="2" name="Picture 1">
             <a:extLst>
               <a:ext uri="{FF2B5EF4-FFF2-40B4-BE49-F238E27FC236}">
-                <a16:creationId xmlns:a16="http://schemas.microsoft.com/office/drawing/2014/main" xmlns="" id="{A3D0C13E-2FAD-4B38-A8AC-86F95A177DC6}"/>
+                <a16:creationId xmlns="" xmlns:a16="http://schemas.microsoft.com/office/drawing/2014/main" id="{A3D0C13E-2FAD-4B38-A8AC-86F95A177DC6}"/>
               </a:ext>
             </a:extLst>
           </p:cNvPr>
@@ -9539,7 +9553,7 @@
         </p:blipFill>
         <p:spPr>
           <a:xfrm>
-            <a:off x="1705850" y="1009413"/>
+            <a:off x="1705850" y="1036572"/>
             <a:ext cx="8780299" cy="5424968"/>
           </a:xfrm>
           <a:prstGeom prst="rect">
@@ -9552,7 +9566,7 @@
           <p:cNvPr id="3" name="TextBox 2">
             <a:extLst>
               <a:ext uri="{FF2B5EF4-FFF2-40B4-BE49-F238E27FC236}">
-                <a16:creationId xmlns:a16="http://schemas.microsoft.com/office/drawing/2014/main" xmlns="" id="{B718B72E-6A45-486D-A67D-99311A977FFE}"/>
+                <a16:creationId xmlns="" xmlns:a16="http://schemas.microsoft.com/office/drawing/2014/main" id="{B718B72E-6A45-486D-A67D-99311A977FFE}"/>
               </a:ext>
             </a:extLst>
           </p:cNvPr>
@@ -9562,7 +9576,7 @@
         <p:spPr>
           <a:xfrm>
             <a:off x="622571" y="291830"/>
-            <a:ext cx="3948517" cy="954107"/>
+            <a:ext cx="4299575" cy="954107"/>
           </a:xfrm>
           <a:prstGeom prst="rect">
             <a:avLst/>
@@ -9576,8 +9590,20 @@
           <a:lstStyle/>
           <a:p>
             <a:r>
+              <a:rPr lang="en-US" sz="3200" b="1" dirty="0" smtClean="0">
+                <a:solidFill>
+                  <a:srgbClr val="FF0000"/>
+                </a:solidFill>
+              </a:rPr>
+              <a:t>D</a:t>
+            </a:r>
+            <a:r>
+              <a:rPr lang="en-US" sz="3200" b="1" dirty="0" smtClean="0"/>
+              <a:t> Checking </a:t>
+            </a:r>
+            <a:r>
               <a:rPr lang="en-US" sz="3200" b="1" dirty="0"/>
-              <a:t>Checking for Outliers: </a:t>
+              <a:t>for Outliers: </a:t>
             </a:r>
           </a:p>
           <a:p>

--- a/midterm_project/Determining which variables contribute to likely hood of.pptx
+++ b/midterm_project/Determining which variables contribute to likely hood of.pptx
@@ -12,15 +12,16 @@
     <p:sldId id="269" r:id="rId6"/>
     <p:sldId id="265" r:id="rId7"/>
     <p:sldId id="267" r:id="rId8"/>
-    <p:sldId id="276" r:id="rId9"/>
+    <p:sldId id="281" r:id="rId9"/>
     <p:sldId id="264" r:id="rId10"/>
     <p:sldId id="272" r:id="rId11"/>
     <p:sldId id="273" r:id="rId12"/>
     <p:sldId id="278" r:id="rId13"/>
     <p:sldId id="274" r:id="rId14"/>
-    <p:sldId id="275" r:id="rId15"/>
-    <p:sldId id="268" r:id="rId16"/>
-    <p:sldId id="279" r:id="rId17"/>
+    <p:sldId id="282" r:id="rId15"/>
+    <p:sldId id="283" r:id="rId16"/>
+    <p:sldId id="268" r:id="rId17"/>
+    <p:sldId id="279" r:id="rId18"/>
   </p:sldIdLst>
   <p:sldSz cx="12192000" cy="6858000"/>
   <p:notesSz cx="6858000" cy="9144000"/>
@@ -149,7 +150,7 @@
           <p:cNvPr id="2" name="Title 1">
             <a:extLst>
               <a:ext uri="{FF2B5EF4-FFF2-40B4-BE49-F238E27FC236}">
-                <a16:creationId xmlns="" xmlns:a16="http://schemas.microsoft.com/office/drawing/2014/main" id="{FB25774F-A20A-4FC2-ACE7-42D83D27E4B6}"/>
+                <a16:creationId xmlns:a16="http://schemas.microsoft.com/office/drawing/2014/main" xmlns="" id="{FB25774F-A20A-4FC2-ACE7-42D83D27E4B6}"/>
               </a:ext>
             </a:extLst>
           </p:cNvPr>
@@ -186,7 +187,7 @@
           <p:cNvPr id="3" name="Subtitle 2">
             <a:extLst>
               <a:ext uri="{FF2B5EF4-FFF2-40B4-BE49-F238E27FC236}">
-                <a16:creationId xmlns="" xmlns:a16="http://schemas.microsoft.com/office/drawing/2014/main" id="{72B84185-3944-43B7-A2BD-4BD59E26A699}"/>
+                <a16:creationId xmlns:a16="http://schemas.microsoft.com/office/drawing/2014/main" xmlns="" id="{72B84185-3944-43B7-A2BD-4BD59E26A699}"/>
               </a:ext>
             </a:extLst>
           </p:cNvPr>
@@ -256,7 +257,7 @@
           <p:cNvPr id="4" name="Date Placeholder 3">
             <a:extLst>
               <a:ext uri="{FF2B5EF4-FFF2-40B4-BE49-F238E27FC236}">
-                <a16:creationId xmlns="" xmlns:a16="http://schemas.microsoft.com/office/drawing/2014/main" id="{AD5207E0-3F19-4992-A877-FAB40004E2CE}"/>
+                <a16:creationId xmlns:a16="http://schemas.microsoft.com/office/drawing/2014/main" xmlns="" id="{AD5207E0-3F19-4992-A877-FAB40004E2CE}"/>
               </a:ext>
             </a:extLst>
           </p:cNvPr>
@@ -285,7 +286,7 @@
           <p:cNvPr id="5" name="Footer Placeholder 4">
             <a:extLst>
               <a:ext uri="{FF2B5EF4-FFF2-40B4-BE49-F238E27FC236}">
-                <a16:creationId xmlns="" xmlns:a16="http://schemas.microsoft.com/office/drawing/2014/main" id="{5CF1C43B-2ECD-4DA3-B761-AE1EB261FC98}"/>
+                <a16:creationId xmlns:a16="http://schemas.microsoft.com/office/drawing/2014/main" xmlns="" id="{5CF1C43B-2ECD-4DA3-B761-AE1EB261FC98}"/>
               </a:ext>
             </a:extLst>
           </p:cNvPr>
@@ -310,7 +311,7 @@
           <p:cNvPr id="6" name="Slide Number Placeholder 5">
             <a:extLst>
               <a:ext uri="{FF2B5EF4-FFF2-40B4-BE49-F238E27FC236}">
-                <a16:creationId xmlns="" xmlns:a16="http://schemas.microsoft.com/office/drawing/2014/main" id="{A3FE33B1-9CCA-4199-9E0D-E2F8D7D1C18B}"/>
+                <a16:creationId xmlns:a16="http://schemas.microsoft.com/office/drawing/2014/main" xmlns="" id="{A3FE33B1-9CCA-4199-9E0D-E2F8D7D1C18B}"/>
               </a:ext>
             </a:extLst>
           </p:cNvPr>
@@ -369,7 +370,7 @@
           <p:cNvPr id="2" name="Title 1">
             <a:extLst>
               <a:ext uri="{FF2B5EF4-FFF2-40B4-BE49-F238E27FC236}">
-                <a16:creationId xmlns="" xmlns:a16="http://schemas.microsoft.com/office/drawing/2014/main" id="{76DFED00-6D4F-499A-8B36-1C90EC692F3E}"/>
+                <a16:creationId xmlns:a16="http://schemas.microsoft.com/office/drawing/2014/main" xmlns="" id="{76DFED00-6D4F-499A-8B36-1C90EC692F3E}"/>
               </a:ext>
             </a:extLst>
           </p:cNvPr>
@@ -397,7 +398,7 @@
           <p:cNvPr id="3" name="Vertical Text Placeholder 2">
             <a:extLst>
               <a:ext uri="{FF2B5EF4-FFF2-40B4-BE49-F238E27FC236}">
-                <a16:creationId xmlns="" xmlns:a16="http://schemas.microsoft.com/office/drawing/2014/main" id="{99B0F380-2436-4CD3-8DAE-75E8B44B3A41}"/>
+                <a16:creationId xmlns:a16="http://schemas.microsoft.com/office/drawing/2014/main" xmlns="" id="{99B0F380-2436-4CD3-8DAE-75E8B44B3A41}"/>
               </a:ext>
             </a:extLst>
           </p:cNvPr>
@@ -454,7 +455,7 @@
           <p:cNvPr id="4" name="Date Placeholder 3">
             <a:extLst>
               <a:ext uri="{FF2B5EF4-FFF2-40B4-BE49-F238E27FC236}">
-                <a16:creationId xmlns="" xmlns:a16="http://schemas.microsoft.com/office/drawing/2014/main" id="{4364A7C8-657B-45E8-B865-A0E3CEA71F31}"/>
+                <a16:creationId xmlns:a16="http://schemas.microsoft.com/office/drawing/2014/main" xmlns="" id="{4364A7C8-657B-45E8-B865-A0E3CEA71F31}"/>
               </a:ext>
             </a:extLst>
           </p:cNvPr>
@@ -483,7 +484,7 @@
           <p:cNvPr id="5" name="Footer Placeholder 4">
             <a:extLst>
               <a:ext uri="{FF2B5EF4-FFF2-40B4-BE49-F238E27FC236}">
-                <a16:creationId xmlns="" xmlns:a16="http://schemas.microsoft.com/office/drawing/2014/main" id="{88F42CB0-6AD7-441E-94E6-2BF22230D434}"/>
+                <a16:creationId xmlns:a16="http://schemas.microsoft.com/office/drawing/2014/main" xmlns="" id="{88F42CB0-6AD7-441E-94E6-2BF22230D434}"/>
               </a:ext>
             </a:extLst>
           </p:cNvPr>
@@ -508,7 +509,7 @@
           <p:cNvPr id="6" name="Slide Number Placeholder 5">
             <a:extLst>
               <a:ext uri="{FF2B5EF4-FFF2-40B4-BE49-F238E27FC236}">
-                <a16:creationId xmlns="" xmlns:a16="http://schemas.microsoft.com/office/drawing/2014/main" id="{19F7CF98-4D8C-4AD0-B045-CE7C8805B171}"/>
+                <a16:creationId xmlns:a16="http://schemas.microsoft.com/office/drawing/2014/main" xmlns="" id="{19F7CF98-4D8C-4AD0-B045-CE7C8805B171}"/>
               </a:ext>
             </a:extLst>
           </p:cNvPr>
@@ -567,7 +568,7 @@
           <p:cNvPr id="2" name="Vertical Title 1">
             <a:extLst>
               <a:ext uri="{FF2B5EF4-FFF2-40B4-BE49-F238E27FC236}">
-                <a16:creationId xmlns="" xmlns:a16="http://schemas.microsoft.com/office/drawing/2014/main" id="{B3806EFC-7D43-48BF-97F9-F513300571BE}"/>
+                <a16:creationId xmlns:a16="http://schemas.microsoft.com/office/drawing/2014/main" xmlns="" id="{B3806EFC-7D43-48BF-97F9-F513300571BE}"/>
               </a:ext>
             </a:extLst>
           </p:cNvPr>
@@ -600,7 +601,7 @@
           <p:cNvPr id="3" name="Vertical Text Placeholder 2">
             <a:extLst>
               <a:ext uri="{FF2B5EF4-FFF2-40B4-BE49-F238E27FC236}">
-                <a16:creationId xmlns="" xmlns:a16="http://schemas.microsoft.com/office/drawing/2014/main" id="{0DF19E8F-90A4-426A-A10E-4A2B18A18292}"/>
+                <a16:creationId xmlns:a16="http://schemas.microsoft.com/office/drawing/2014/main" xmlns="" id="{0DF19E8F-90A4-426A-A10E-4A2B18A18292}"/>
               </a:ext>
             </a:extLst>
           </p:cNvPr>
@@ -662,7 +663,7 @@
           <p:cNvPr id="4" name="Date Placeholder 3">
             <a:extLst>
               <a:ext uri="{FF2B5EF4-FFF2-40B4-BE49-F238E27FC236}">
-                <a16:creationId xmlns="" xmlns:a16="http://schemas.microsoft.com/office/drawing/2014/main" id="{B956B393-A0A9-4CC3-BE36-036FC0070980}"/>
+                <a16:creationId xmlns:a16="http://schemas.microsoft.com/office/drawing/2014/main" xmlns="" id="{B956B393-A0A9-4CC3-BE36-036FC0070980}"/>
               </a:ext>
             </a:extLst>
           </p:cNvPr>
@@ -691,7 +692,7 @@
           <p:cNvPr id="5" name="Footer Placeholder 4">
             <a:extLst>
               <a:ext uri="{FF2B5EF4-FFF2-40B4-BE49-F238E27FC236}">
-                <a16:creationId xmlns="" xmlns:a16="http://schemas.microsoft.com/office/drawing/2014/main" id="{DEC491FE-35A3-407C-A01A-80C25D9D28F4}"/>
+                <a16:creationId xmlns:a16="http://schemas.microsoft.com/office/drawing/2014/main" xmlns="" id="{DEC491FE-35A3-407C-A01A-80C25D9D28F4}"/>
               </a:ext>
             </a:extLst>
           </p:cNvPr>
@@ -716,7 +717,7 @@
           <p:cNvPr id="6" name="Slide Number Placeholder 5">
             <a:extLst>
               <a:ext uri="{FF2B5EF4-FFF2-40B4-BE49-F238E27FC236}">
-                <a16:creationId xmlns="" xmlns:a16="http://schemas.microsoft.com/office/drawing/2014/main" id="{EADB9B4B-9171-4041-976D-32434C4A16FE}"/>
+                <a16:creationId xmlns:a16="http://schemas.microsoft.com/office/drawing/2014/main" xmlns="" id="{EADB9B4B-9171-4041-976D-32434C4A16FE}"/>
               </a:ext>
             </a:extLst>
           </p:cNvPr>
@@ -775,7 +776,7 @@
           <p:cNvPr id="2" name="Title 1">
             <a:extLst>
               <a:ext uri="{FF2B5EF4-FFF2-40B4-BE49-F238E27FC236}">
-                <a16:creationId xmlns="" xmlns:a16="http://schemas.microsoft.com/office/drawing/2014/main" id="{3D01F5FA-441A-4F59-A005-9AB0686C0469}"/>
+                <a16:creationId xmlns:a16="http://schemas.microsoft.com/office/drawing/2014/main" xmlns="" id="{3D01F5FA-441A-4F59-A005-9AB0686C0469}"/>
               </a:ext>
             </a:extLst>
           </p:cNvPr>
@@ -803,7 +804,7 @@
           <p:cNvPr id="3" name="Content Placeholder 2">
             <a:extLst>
               <a:ext uri="{FF2B5EF4-FFF2-40B4-BE49-F238E27FC236}">
-                <a16:creationId xmlns="" xmlns:a16="http://schemas.microsoft.com/office/drawing/2014/main" id="{CB223984-009F-4CAF-8FE1-9A30FF88D8E0}"/>
+                <a16:creationId xmlns:a16="http://schemas.microsoft.com/office/drawing/2014/main" xmlns="" id="{CB223984-009F-4CAF-8FE1-9A30FF88D8E0}"/>
               </a:ext>
             </a:extLst>
           </p:cNvPr>
@@ -860,7 +861,7 @@
           <p:cNvPr id="4" name="Date Placeholder 3">
             <a:extLst>
               <a:ext uri="{FF2B5EF4-FFF2-40B4-BE49-F238E27FC236}">
-                <a16:creationId xmlns="" xmlns:a16="http://schemas.microsoft.com/office/drawing/2014/main" id="{0B2AD834-02FE-4911-BC3B-BC1874B817CD}"/>
+                <a16:creationId xmlns:a16="http://schemas.microsoft.com/office/drawing/2014/main" xmlns="" id="{0B2AD834-02FE-4911-BC3B-BC1874B817CD}"/>
               </a:ext>
             </a:extLst>
           </p:cNvPr>
@@ -889,7 +890,7 @@
           <p:cNvPr id="5" name="Footer Placeholder 4">
             <a:extLst>
               <a:ext uri="{FF2B5EF4-FFF2-40B4-BE49-F238E27FC236}">
-                <a16:creationId xmlns="" xmlns:a16="http://schemas.microsoft.com/office/drawing/2014/main" id="{30FA8F9C-2F2A-440F-88A2-3575533817C0}"/>
+                <a16:creationId xmlns:a16="http://schemas.microsoft.com/office/drawing/2014/main" xmlns="" id="{30FA8F9C-2F2A-440F-88A2-3575533817C0}"/>
               </a:ext>
             </a:extLst>
           </p:cNvPr>
@@ -914,7 +915,7 @@
           <p:cNvPr id="6" name="Slide Number Placeholder 5">
             <a:extLst>
               <a:ext uri="{FF2B5EF4-FFF2-40B4-BE49-F238E27FC236}">
-                <a16:creationId xmlns="" xmlns:a16="http://schemas.microsoft.com/office/drawing/2014/main" id="{A0B4216F-93E5-4681-9A2E-7AAB30CD723E}"/>
+                <a16:creationId xmlns:a16="http://schemas.microsoft.com/office/drawing/2014/main" xmlns="" id="{A0B4216F-93E5-4681-9A2E-7AAB30CD723E}"/>
               </a:ext>
             </a:extLst>
           </p:cNvPr>
@@ -973,7 +974,7 @@
           <p:cNvPr id="2" name="Title 1">
             <a:extLst>
               <a:ext uri="{FF2B5EF4-FFF2-40B4-BE49-F238E27FC236}">
-                <a16:creationId xmlns="" xmlns:a16="http://schemas.microsoft.com/office/drawing/2014/main" id="{C2B36304-E80B-4704-9227-BD4599ADE75F}"/>
+                <a16:creationId xmlns:a16="http://schemas.microsoft.com/office/drawing/2014/main" xmlns="" id="{C2B36304-E80B-4704-9227-BD4599ADE75F}"/>
               </a:ext>
             </a:extLst>
           </p:cNvPr>
@@ -1010,7 +1011,7 @@
           <p:cNvPr id="3" name="Text Placeholder 2">
             <a:extLst>
               <a:ext uri="{FF2B5EF4-FFF2-40B4-BE49-F238E27FC236}">
-                <a16:creationId xmlns="" xmlns:a16="http://schemas.microsoft.com/office/drawing/2014/main" id="{9B19717F-46B5-42C8-9AF4-8CD50FAF0FFD}"/>
+                <a16:creationId xmlns:a16="http://schemas.microsoft.com/office/drawing/2014/main" xmlns="" id="{9B19717F-46B5-42C8-9AF4-8CD50FAF0FFD}"/>
               </a:ext>
             </a:extLst>
           </p:cNvPr>
@@ -1135,7 +1136,7 @@
           <p:cNvPr id="4" name="Date Placeholder 3">
             <a:extLst>
               <a:ext uri="{FF2B5EF4-FFF2-40B4-BE49-F238E27FC236}">
-                <a16:creationId xmlns="" xmlns:a16="http://schemas.microsoft.com/office/drawing/2014/main" id="{D8C750D7-3EFB-401E-907E-37D0FE9BEFF5}"/>
+                <a16:creationId xmlns:a16="http://schemas.microsoft.com/office/drawing/2014/main" xmlns="" id="{D8C750D7-3EFB-401E-907E-37D0FE9BEFF5}"/>
               </a:ext>
             </a:extLst>
           </p:cNvPr>
@@ -1164,7 +1165,7 @@
           <p:cNvPr id="5" name="Footer Placeholder 4">
             <a:extLst>
               <a:ext uri="{FF2B5EF4-FFF2-40B4-BE49-F238E27FC236}">
-                <a16:creationId xmlns="" xmlns:a16="http://schemas.microsoft.com/office/drawing/2014/main" id="{0F880988-D94C-4A9E-A2C2-2D3BB2C809D1}"/>
+                <a16:creationId xmlns:a16="http://schemas.microsoft.com/office/drawing/2014/main" xmlns="" id="{0F880988-D94C-4A9E-A2C2-2D3BB2C809D1}"/>
               </a:ext>
             </a:extLst>
           </p:cNvPr>
@@ -1189,7 +1190,7 @@
           <p:cNvPr id="6" name="Slide Number Placeholder 5">
             <a:extLst>
               <a:ext uri="{FF2B5EF4-FFF2-40B4-BE49-F238E27FC236}">
-                <a16:creationId xmlns="" xmlns:a16="http://schemas.microsoft.com/office/drawing/2014/main" id="{E4F98BA4-4ADB-402F-B38A-711911A55244}"/>
+                <a16:creationId xmlns:a16="http://schemas.microsoft.com/office/drawing/2014/main" xmlns="" id="{E4F98BA4-4ADB-402F-B38A-711911A55244}"/>
               </a:ext>
             </a:extLst>
           </p:cNvPr>
@@ -1248,7 +1249,7 @@
           <p:cNvPr id="2" name="Title 1">
             <a:extLst>
               <a:ext uri="{FF2B5EF4-FFF2-40B4-BE49-F238E27FC236}">
-                <a16:creationId xmlns="" xmlns:a16="http://schemas.microsoft.com/office/drawing/2014/main" id="{D4FC2318-BD94-462B-A8F1-9B236BA1E906}"/>
+                <a16:creationId xmlns:a16="http://schemas.microsoft.com/office/drawing/2014/main" xmlns="" id="{D4FC2318-BD94-462B-A8F1-9B236BA1E906}"/>
               </a:ext>
             </a:extLst>
           </p:cNvPr>
@@ -1276,7 +1277,7 @@
           <p:cNvPr id="3" name="Content Placeholder 2">
             <a:extLst>
               <a:ext uri="{FF2B5EF4-FFF2-40B4-BE49-F238E27FC236}">
-                <a16:creationId xmlns="" xmlns:a16="http://schemas.microsoft.com/office/drawing/2014/main" id="{1F561BF1-D67C-4FE9-91D1-3FFBD3401FA3}"/>
+                <a16:creationId xmlns:a16="http://schemas.microsoft.com/office/drawing/2014/main" xmlns="" id="{1F561BF1-D67C-4FE9-91D1-3FFBD3401FA3}"/>
               </a:ext>
             </a:extLst>
           </p:cNvPr>
@@ -1338,7 +1339,7 @@
           <p:cNvPr id="4" name="Content Placeholder 3">
             <a:extLst>
               <a:ext uri="{FF2B5EF4-FFF2-40B4-BE49-F238E27FC236}">
-                <a16:creationId xmlns="" xmlns:a16="http://schemas.microsoft.com/office/drawing/2014/main" id="{281286E1-FCED-4B4D-8988-A532D4273001}"/>
+                <a16:creationId xmlns:a16="http://schemas.microsoft.com/office/drawing/2014/main" xmlns="" id="{281286E1-FCED-4B4D-8988-A532D4273001}"/>
               </a:ext>
             </a:extLst>
           </p:cNvPr>
@@ -1400,7 +1401,7 @@
           <p:cNvPr id="5" name="Date Placeholder 4">
             <a:extLst>
               <a:ext uri="{FF2B5EF4-FFF2-40B4-BE49-F238E27FC236}">
-                <a16:creationId xmlns="" xmlns:a16="http://schemas.microsoft.com/office/drawing/2014/main" id="{88FEED14-AED0-4C3E-BE8D-54C9B0804238}"/>
+                <a16:creationId xmlns:a16="http://schemas.microsoft.com/office/drawing/2014/main" xmlns="" id="{88FEED14-AED0-4C3E-BE8D-54C9B0804238}"/>
               </a:ext>
             </a:extLst>
           </p:cNvPr>
@@ -1429,7 +1430,7 @@
           <p:cNvPr id="6" name="Footer Placeholder 5">
             <a:extLst>
               <a:ext uri="{FF2B5EF4-FFF2-40B4-BE49-F238E27FC236}">
-                <a16:creationId xmlns="" xmlns:a16="http://schemas.microsoft.com/office/drawing/2014/main" id="{D292634D-AAE3-4EB7-8279-598A685C5CDB}"/>
+                <a16:creationId xmlns:a16="http://schemas.microsoft.com/office/drawing/2014/main" xmlns="" id="{D292634D-AAE3-4EB7-8279-598A685C5CDB}"/>
               </a:ext>
             </a:extLst>
           </p:cNvPr>
@@ -1454,7 +1455,7 @@
           <p:cNvPr id="7" name="Slide Number Placeholder 6">
             <a:extLst>
               <a:ext uri="{FF2B5EF4-FFF2-40B4-BE49-F238E27FC236}">
-                <a16:creationId xmlns="" xmlns:a16="http://schemas.microsoft.com/office/drawing/2014/main" id="{875B3F94-30E3-4BAF-969B-9E4F986B3298}"/>
+                <a16:creationId xmlns:a16="http://schemas.microsoft.com/office/drawing/2014/main" xmlns="" id="{875B3F94-30E3-4BAF-969B-9E4F986B3298}"/>
               </a:ext>
             </a:extLst>
           </p:cNvPr>
@@ -1513,7 +1514,7 @@
           <p:cNvPr id="2" name="Title 1">
             <a:extLst>
               <a:ext uri="{FF2B5EF4-FFF2-40B4-BE49-F238E27FC236}">
-                <a16:creationId xmlns="" xmlns:a16="http://schemas.microsoft.com/office/drawing/2014/main" id="{32455E56-C711-4A5F-85EF-EC6BC0DAE32D}"/>
+                <a16:creationId xmlns:a16="http://schemas.microsoft.com/office/drawing/2014/main" xmlns="" id="{32455E56-C711-4A5F-85EF-EC6BC0DAE32D}"/>
               </a:ext>
             </a:extLst>
           </p:cNvPr>
@@ -1546,7 +1547,7 @@
           <p:cNvPr id="3" name="Text Placeholder 2">
             <a:extLst>
               <a:ext uri="{FF2B5EF4-FFF2-40B4-BE49-F238E27FC236}">
-                <a16:creationId xmlns="" xmlns:a16="http://schemas.microsoft.com/office/drawing/2014/main" id="{25DF1123-BF5C-4C5B-966A-BCAA672D30D8}"/>
+                <a16:creationId xmlns:a16="http://schemas.microsoft.com/office/drawing/2014/main" xmlns="" id="{25DF1123-BF5C-4C5B-966A-BCAA672D30D8}"/>
               </a:ext>
             </a:extLst>
           </p:cNvPr>
@@ -1617,7 +1618,7 @@
           <p:cNvPr id="4" name="Content Placeholder 3">
             <a:extLst>
               <a:ext uri="{FF2B5EF4-FFF2-40B4-BE49-F238E27FC236}">
-                <a16:creationId xmlns="" xmlns:a16="http://schemas.microsoft.com/office/drawing/2014/main" id="{41915B5C-BAFB-496C-A48F-10213E28D518}"/>
+                <a16:creationId xmlns:a16="http://schemas.microsoft.com/office/drawing/2014/main" xmlns="" id="{41915B5C-BAFB-496C-A48F-10213E28D518}"/>
               </a:ext>
             </a:extLst>
           </p:cNvPr>
@@ -1679,7 +1680,7 @@
           <p:cNvPr id="5" name="Text Placeholder 4">
             <a:extLst>
               <a:ext uri="{FF2B5EF4-FFF2-40B4-BE49-F238E27FC236}">
-                <a16:creationId xmlns="" xmlns:a16="http://schemas.microsoft.com/office/drawing/2014/main" id="{DC1B892F-BCB3-4F60-A4AC-A65D21D34008}"/>
+                <a16:creationId xmlns:a16="http://schemas.microsoft.com/office/drawing/2014/main" xmlns="" id="{DC1B892F-BCB3-4F60-A4AC-A65D21D34008}"/>
               </a:ext>
             </a:extLst>
           </p:cNvPr>
@@ -1750,7 +1751,7 @@
           <p:cNvPr id="6" name="Content Placeholder 5">
             <a:extLst>
               <a:ext uri="{FF2B5EF4-FFF2-40B4-BE49-F238E27FC236}">
-                <a16:creationId xmlns="" xmlns:a16="http://schemas.microsoft.com/office/drawing/2014/main" id="{AD84EFB1-D7B2-46BB-9986-880661B09BE6}"/>
+                <a16:creationId xmlns:a16="http://schemas.microsoft.com/office/drawing/2014/main" xmlns="" id="{AD84EFB1-D7B2-46BB-9986-880661B09BE6}"/>
               </a:ext>
             </a:extLst>
           </p:cNvPr>
@@ -1812,7 +1813,7 @@
           <p:cNvPr id="7" name="Date Placeholder 6">
             <a:extLst>
               <a:ext uri="{FF2B5EF4-FFF2-40B4-BE49-F238E27FC236}">
-                <a16:creationId xmlns="" xmlns:a16="http://schemas.microsoft.com/office/drawing/2014/main" id="{1D818B26-0597-4DF5-9763-321830FE471F}"/>
+                <a16:creationId xmlns:a16="http://schemas.microsoft.com/office/drawing/2014/main" xmlns="" id="{1D818B26-0597-4DF5-9763-321830FE471F}"/>
               </a:ext>
             </a:extLst>
           </p:cNvPr>
@@ -1841,7 +1842,7 @@
           <p:cNvPr id="8" name="Footer Placeholder 7">
             <a:extLst>
               <a:ext uri="{FF2B5EF4-FFF2-40B4-BE49-F238E27FC236}">
-                <a16:creationId xmlns="" xmlns:a16="http://schemas.microsoft.com/office/drawing/2014/main" id="{D9C1177A-261A-4C2B-83C9-4D63FD97AEAC}"/>
+                <a16:creationId xmlns:a16="http://schemas.microsoft.com/office/drawing/2014/main" xmlns="" id="{D9C1177A-261A-4C2B-83C9-4D63FD97AEAC}"/>
               </a:ext>
             </a:extLst>
           </p:cNvPr>
@@ -1866,7 +1867,7 @@
           <p:cNvPr id="9" name="Slide Number Placeholder 8">
             <a:extLst>
               <a:ext uri="{FF2B5EF4-FFF2-40B4-BE49-F238E27FC236}">
-                <a16:creationId xmlns="" xmlns:a16="http://schemas.microsoft.com/office/drawing/2014/main" id="{FADD913E-0C98-4611-94C9-ED4F4D325163}"/>
+                <a16:creationId xmlns:a16="http://schemas.microsoft.com/office/drawing/2014/main" xmlns="" id="{FADD913E-0C98-4611-94C9-ED4F4D325163}"/>
               </a:ext>
             </a:extLst>
           </p:cNvPr>
@@ -1925,7 +1926,7 @@
           <p:cNvPr id="2" name="Title 1">
             <a:extLst>
               <a:ext uri="{FF2B5EF4-FFF2-40B4-BE49-F238E27FC236}">
-                <a16:creationId xmlns="" xmlns:a16="http://schemas.microsoft.com/office/drawing/2014/main" id="{BC618DB2-18FB-4DAA-8360-91C5CE97A317}"/>
+                <a16:creationId xmlns:a16="http://schemas.microsoft.com/office/drawing/2014/main" xmlns="" id="{BC618DB2-18FB-4DAA-8360-91C5CE97A317}"/>
               </a:ext>
             </a:extLst>
           </p:cNvPr>
@@ -1953,7 +1954,7 @@
           <p:cNvPr id="3" name="Date Placeholder 2">
             <a:extLst>
               <a:ext uri="{FF2B5EF4-FFF2-40B4-BE49-F238E27FC236}">
-                <a16:creationId xmlns="" xmlns:a16="http://schemas.microsoft.com/office/drawing/2014/main" id="{192A9BD7-130F-48E4-93A8-D36FCFE94593}"/>
+                <a16:creationId xmlns:a16="http://schemas.microsoft.com/office/drawing/2014/main" xmlns="" id="{192A9BD7-130F-48E4-93A8-D36FCFE94593}"/>
               </a:ext>
             </a:extLst>
           </p:cNvPr>
@@ -1982,7 +1983,7 @@
           <p:cNvPr id="4" name="Footer Placeholder 3">
             <a:extLst>
               <a:ext uri="{FF2B5EF4-FFF2-40B4-BE49-F238E27FC236}">
-                <a16:creationId xmlns="" xmlns:a16="http://schemas.microsoft.com/office/drawing/2014/main" id="{321DA2C5-31F6-4360-99A4-64DF94EE1E3E}"/>
+                <a16:creationId xmlns:a16="http://schemas.microsoft.com/office/drawing/2014/main" xmlns="" id="{321DA2C5-31F6-4360-99A4-64DF94EE1E3E}"/>
               </a:ext>
             </a:extLst>
           </p:cNvPr>
@@ -2007,7 +2008,7 @@
           <p:cNvPr id="5" name="Slide Number Placeholder 4">
             <a:extLst>
               <a:ext uri="{FF2B5EF4-FFF2-40B4-BE49-F238E27FC236}">
-                <a16:creationId xmlns="" xmlns:a16="http://schemas.microsoft.com/office/drawing/2014/main" id="{C7DED1C8-1F44-4931-95A5-4CFBF3193408}"/>
+                <a16:creationId xmlns:a16="http://schemas.microsoft.com/office/drawing/2014/main" xmlns="" id="{C7DED1C8-1F44-4931-95A5-4CFBF3193408}"/>
               </a:ext>
             </a:extLst>
           </p:cNvPr>
@@ -2066,7 +2067,7 @@
           <p:cNvPr id="2" name="Date Placeholder 1">
             <a:extLst>
               <a:ext uri="{FF2B5EF4-FFF2-40B4-BE49-F238E27FC236}">
-                <a16:creationId xmlns="" xmlns:a16="http://schemas.microsoft.com/office/drawing/2014/main" id="{B3419324-B673-4C8A-9155-119D365D7D44}"/>
+                <a16:creationId xmlns:a16="http://schemas.microsoft.com/office/drawing/2014/main" xmlns="" id="{B3419324-B673-4C8A-9155-119D365D7D44}"/>
               </a:ext>
             </a:extLst>
           </p:cNvPr>
@@ -2095,7 +2096,7 @@
           <p:cNvPr id="3" name="Footer Placeholder 2">
             <a:extLst>
               <a:ext uri="{FF2B5EF4-FFF2-40B4-BE49-F238E27FC236}">
-                <a16:creationId xmlns="" xmlns:a16="http://schemas.microsoft.com/office/drawing/2014/main" id="{4B8F4D7D-D4E6-4D06-9A03-37964F0BCB35}"/>
+                <a16:creationId xmlns:a16="http://schemas.microsoft.com/office/drawing/2014/main" xmlns="" id="{4B8F4D7D-D4E6-4D06-9A03-37964F0BCB35}"/>
               </a:ext>
             </a:extLst>
           </p:cNvPr>
@@ -2120,7 +2121,7 @@
           <p:cNvPr id="4" name="Slide Number Placeholder 3">
             <a:extLst>
               <a:ext uri="{FF2B5EF4-FFF2-40B4-BE49-F238E27FC236}">
-                <a16:creationId xmlns="" xmlns:a16="http://schemas.microsoft.com/office/drawing/2014/main" id="{F4D247D1-B810-4644-8BB6-B41C28A33DB2}"/>
+                <a16:creationId xmlns:a16="http://schemas.microsoft.com/office/drawing/2014/main" xmlns="" id="{F4D247D1-B810-4644-8BB6-B41C28A33DB2}"/>
               </a:ext>
             </a:extLst>
           </p:cNvPr>
@@ -2179,7 +2180,7 @@
           <p:cNvPr id="2" name="Title 1">
             <a:extLst>
               <a:ext uri="{FF2B5EF4-FFF2-40B4-BE49-F238E27FC236}">
-                <a16:creationId xmlns="" xmlns:a16="http://schemas.microsoft.com/office/drawing/2014/main" id="{15AE3250-45A2-44A6-9723-89CD77361683}"/>
+                <a16:creationId xmlns:a16="http://schemas.microsoft.com/office/drawing/2014/main" xmlns="" id="{15AE3250-45A2-44A6-9723-89CD77361683}"/>
               </a:ext>
             </a:extLst>
           </p:cNvPr>
@@ -2216,7 +2217,7 @@
           <p:cNvPr id="3" name="Content Placeholder 2">
             <a:extLst>
               <a:ext uri="{FF2B5EF4-FFF2-40B4-BE49-F238E27FC236}">
-                <a16:creationId xmlns="" xmlns:a16="http://schemas.microsoft.com/office/drawing/2014/main" id="{3AB327E7-2A1B-487F-AC19-6ECF253EB86F}"/>
+                <a16:creationId xmlns:a16="http://schemas.microsoft.com/office/drawing/2014/main" xmlns="" id="{3AB327E7-2A1B-487F-AC19-6ECF253EB86F}"/>
               </a:ext>
             </a:extLst>
           </p:cNvPr>
@@ -2306,7 +2307,7 @@
           <p:cNvPr id="4" name="Text Placeholder 3">
             <a:extLst>
               <a:ext uri="{FF2B5EF4-FFF2-40B4-BE49-F238E27FC236}">
-                <a16:creationId xmlns="" xmlns:a16="http://schemas.microsoft.com/office/drawing/2014/main" id="{6C03DED6-2C9D-40B2-B0A4-37C78D0DF360}"/>
+                <a16:creationId xmlns:a16="http://schemas.microsoft.com/office/drawing/2014/main" xmlns="" id="{6C03DED6-2C9D-40B2-B0A4-37C78D0DF360}"/>
               </a:ext>
             </a:extLst>
           </p:cNvPr>
@@ -2377,7 +2378,7 @@
           <p:cNvPr id="5" name="Date Placeholder 4">
             <a:extLst>
               <a:ext uri="{FF2B5EF4-FFF2-40B4-BE49-F238E27FC236}">
-                <a16:creationId xmlns="" xmlns:a16="http://schemas.microsoft.com/office/drawing/2014/main" id="{A8CEB13A-79B9-466F-A689-70BF83431C7B}"/>
+                <a16:creationId xmlns:a16="http://schemas.microsoft.com/office/drawing/2014/main" xmlns="" id="{A8CEB13A-79B9-466F-A689-70BF83431C7B}"/>
               </a:ext>
             </a:extLst>
           </p:cNvPr>
@@ -2406,7 +2407,7 @@
           <p:cNvPr id="6" name="Footer Placeholder 5">
             <a:extLst>
               <a:ext uri="{FF2B5EF4-FFF2-40B4-BE49-F238E27FC236}">
-                <a16:creationId xmlns="" xmlns:a16="http://schemas.microsoft.com/office/drawing/2014/main" id="{EA9AED05-0E1A-449F-8CC5-B658366A9833}"/>
+                <a16:creationId xmlns:a16="http://schemas.microsoft.com/office/drawing/2014/main" xmlns="" id="{EA9AED05-0E1A-449F-8CC5-B658366A9833}"/>
               </a:ext>
             </a:extLst>
           </p:cNvPr>
@@ -2431,7 +2432,7 @@
           <p:cNvPr id="7" name="Slide Number Placeholder 6">
             <a:extLst>
               <a:ext uri="{FF2B5EF4-FFF2-40B4-BE49-F238E27FC236}">
-                <a16:creationId xmlns="" xmlns:a16="http://schemas.microsoft.com/office/drawing/2014/main" id="{6E61978B-15CB-4694-9975-C943237FBD16}"/>
+                <a16:creationId xmlns:a16="http://schemas.microsoft.com/office/drawing/2014/main" xmlns="" id="{6E61978B-15CB-4694-9975-C943237FBD16}"/>
               </a:ext>
             </a:extLst>
           </p:cNvPr>
@@ -2490,7 +2491,7 @@
           <p:cNvPr id="2" name="Title 1">
             <a:extLst>
               <a:ext uri="{FF2B5EF4-FFF2-40B4-BE49-F238E27FC236}">
-                <a16:creationId xmlns="" xmlns:a16="http://schemas.microsoft.com/office/drawing/2014/main" id="{D4A3446B-AE1B-434C-A2AE-3751B885FCCF}"/>
+                <a16:creationId xmlns:a16="http://schemas.microsoft.com/office/drawing/2014/main" xmlns="" id="{D4A3446B-AE1B-434C-A2AE-3751B885FCCF}"/>
               </a:ext>
             </a:extLst>
           </p:cNvPr>
@@ -2527,7 +2528,7 @@
           <p:cNvPr id="3" name="Picture Placeholder 2">
             <a:extLst>
               <a:ext uri="{FF2B5EF4-FFF2-40B4-BE49-F238E27FC236}">
-                <a16:creationId xmlns="" xmlns:a16="http://schemas.microsoft.com/office/drawing/2014/main" id="{F9706E78-1242-4BA1-B2F8-DBEA3E2A973E}"/>
+                <a16:creationId xmlns:a16="http://schemas.microsoft.com/office/drawing/2014/main" xmlns="" id="{F9706E78-1242-4BA1-B2F8-DBEA3E2A973E}"/>
               </a:ext>
             </a:extLst>
           </p:cNvPr>
@@ -2594,7 +2595,7 @@
           <p:cNvPr id="4" name="Text Placeholder 3">
             <a:extLst>
               <a:ext uri="{FF2B5EF4-FFF2-40B4-BE49-F238E27FC236}">
-                <a16:creationId xmlns="" xmlns:a16="http://schemas.microsoft.com/office/drawing/2014/main" id="{5F65BDBE-3135-47D6-ACB1-642FB485DA30}"/>
+                <a16:creationId xmlns:a16="http://schemas.microsoft.com/office/drawing/2014/main" xmlns="" id="{5F65BDBE-3135-47D6-ACB1-642FB485DA30}"/>
               </a:ext>
             </a:extLst>
           </p:cNvPr>
@@ -2665,7 +2666,7 @@
           <p:cNvPr id="5" name="Date Placeholder 4">
             <a:extLst>
               <a:ext uri="{FF2B5EF4-FFF2-40B4-BE49-F238E27FC236}">
-                <a16:creationId xmlns="" xmlns:a16="http://schemas.microsoft.com/office/drawing/2014/main" id="{C083E1DB-374D-46B9-8FE8-6A710E0015FE}"/>
+                <a16:creationId xmlns:a16="http://schemas.microsoft.com/office/drawing/2014/main" xmlns="" id="{C083E1DB-374D-46B9-8FE8-6A710E0015FE}"/>
               </a:ext>
             </a:extLst>
           </p:cNvPr>
@@ -2694,7 +2695,7 @@
           <p:cNvPr id="6" name="Footer Placeholder 5">
             <a:extLst>
               <a:ext uri="{FF2B5EF4-FFF2-40B4-BE49-F238E27FC236}">
-                <a16:creationId xmlns="" xmlns:a16="http://schemas.microsoft.com/office/drawing/2014/main" id="{69154990-CF32-4A93-8890-8367FDFCFDB2}"/>
+                <a16:creationId xmlns:a16="http://schemas.microsoft.com/office/drawing/2014/main" xmlns="" id="{69154990-CF32-4A93-8890-8367FDFCFDB2}"/>
               </a:ext>
             </a:extLst>
           </p:cNvPr>
@@ -2719,7 +2720,7 @@
           <p:cNvPr id="7" name="Slide Number Placeholder 6">
             <a:extLst>
               <a:ext uri="{FF2B5EF4-FFF2-40B4-BE49-F238E27FC236}">
-                <a16:creationId xmlns="" xmlns:a16="http://schemas.microsoft.com/office/drawing/2014/main" id="{0ED00F40-AB49-42AB-8A12-8838BB5C9479}"/>
+                <a16:creationId xmlns:a16="http://schemas.microsoft.com/office/drawing/2014/main" xmlns="" id="{0ED00F40-AB49-42AB-8A12-8838BB5C9479}"/>
               </a:ext>
             </a:extLst>
           </p:cNvPr>
@@ -2783,7 +2784,7 @@
           <p:cNvPr id="2" name="Title Placeholder 1">
             <a:extLst>
               <a:ext uri="{FF2B5EF4-FFF2-40B4-BE49-F238E27FC236}">
-                <a16:creationId xmlns="" xmlns:a16="http://schemas.microsoft.com/office/drawing/2014/main" id="{3C293650-B304-4F54-86C2-CB9AB0E01ACE}"/>
+                <a16:creationId xmlns:a16="http://schemas.microsoft.com/office/drawing/2014/main" xmlns="" id="{3C293650-B304-4F54-86C2-CB9AB0E01ACE}"/>
               </a:ext>
             </a:extLst>
           </p:cNvPr>
@@ -2821,7 +2822,7 @@
           <p:cNvPr id="3" name="Text Placeholder 2">
             <a:extLst>
               <a:ext uri="{FF2B5EF4-FFF2-40B4-BE49-F238E27FC236}">
-                <a16:creationId xmlns="" xmlns:a16="http://schemas.microsoft.com/office/drawing/2014/main" id="{0F94AEFA-3FB4-44CB-8FC3-665909F19B1B}"/>
+                <a16:creationId xmlns:a16="http://schemas.microsoft.com/office/drawing/2014/main" xmlns="" id="{0F94AEFA-3FB4-44CB-8FC3-665909F19B1B}"/>
               </a:ext>
             </a:extLst>
           </p:cNvPr>
@@ -2888,7 +2889,7 @@
           <p:cNvPr id="4" name="Date Placeholder 3">
             <a:extLst>
               <a:ext uri="{FF2B5EF4-FFF2-40B4-BE49-F238E27FC236}">
-                <a16:creationId xmlns="" xmlns:a16="http://schemas.microsoft.com/office/drawing/2014/main" id="{E6FBBCA1-D16D-4FEF-85C4-B458EBE96722}"/>
+                <a16:creationId xmlns:a16="http://schemas.microsoft.com/office/drawing/2014/main" xmlns="" id="{E6FBBCA1-D16D-4FEF-85C4-B458EBE96722}"/>
               </a:ext>
             </a:extLst>
           </p:cNvPr>
@@ -2935,7 +2936,7 @@
           <p:cNvPr id="5" name="Footer Placeholder 4">
             <a:extLst>
               <a:ext uri="{FF2B5EF4-FFF2-40B4-BE49-F238E27FC236}">
-                <a16:creationId xmlns="" xmlns:a16="http://schemas.microsoft.com/office/drawing/2014/main" id="{EB108423-2FD6-48CF-B529-AEE16E2EAAA1}"/>
+                <a16:creationId xmlns:a16="http://schemas.microsoft.com/office/drawing/2014/main" xmlns="" id="{EB108423-2FD6-48CF-B529-AEE16E2EAAA1}"/>
               </a:ext>
             </a:extLst>
           </p:cNvPr>
@@ -2978,7 +2979,7 @@
           <p:cNvPr id="6" name="Slide Number Placeholder 5">
             <a:extLst>
               <a:ext uri="{FF2B5EF4-FFF2-40B4-BE49-F238E27FC236}">
-                <a16:creationId xmlns="" xmlns:a16="http://schemas.microsoft.com/office/drawing/2014/main" id="{89FBC860-9EB4-41CC-8FA6-BB58944089D7}"/>
+                <a16:creationId xmlns:a16="http://schemas.microsoft.com/office/drawing/2014/main" xmlns="" id="{89FBC860-9EB4-41CC-8FA6-BB58944089D7}"/>
               </a:ext>
             </a:extLst>
           </p:cNvPr>
@@ -3346,7 +3347,7 @@
           <p:cNvPr id="2" name="Title 1">
             <a:extLst>
               <a:ext uri="{FF2B5EF4-FFF2-40B4-BE49-F238E27FC236}">
-                <a16:creationId xmlns="" xmlns:a16="http://schemas.microsoft.com/office/drawing/2014/main" id="{D44CBB88-75A0-46BE-A9D5-1302138C3289}"/>
+                <a16:creationId xmlns:a16="http://schemas.microsoft.com/office/drawing/2014/main" xmlns="" id="{D44CBB88-75A0-46BE-A9D5-1302138C3289}"/>
               </a:ext>
             </a:extLst>
           </p:cNvPr>
@@ -3385,7 +3386,7 @@
           <p:cNvPr id="3" name="Subtitle 2">
             <a:extLst>
               <a:ext uri="{FF2B5EF4-FFF2-40B4-BE49-F238E27FC236}">
-                <a16:creationId xmlns="" xmlns:a16="http://schemas.microsoft.com/office/drawing/2014/main" id="{572D7E2B-2D66-4A45-B7BD-8A0BC144AD36}"/>
+                <a16:creationId xmlns:a16="http://schemas.microsoft.com/office/drawing/2014/main" xmlns="" id="{572D7E2B-2D66-4A45-B7BD-8A0BC144AD36}"/>
               </a:ext>
             </a:extLst>
           </p:cNvPr>
@@ -3469,7 +3470,7 @@
           <p:cNvPr id="2" name="TextBox 1">
             <a:extLst>
               <a:ext uri="{FF2B5EF4-FFF2-40B4-BE49-F238E27FC236}">
-                <a16:creationId xmlns="" xmlns:a16="http://schemas.microsoft.com/office/drawing/2014/main" id="{1E9E0E37-71F7-4506-A4A0-38A592F50849}"/>
+                <a16:creationId xmlns:a16="http://schemas.microsoft.com/office/drawing/2014/main" xmlns="" id="{1E9E0E37-71F7-4506-A4A0-38A592F50849}"/>
               </a:ext>
             </a:extLst>
           </p:cNvPr>
@@ -3875,7 +3876,7 @@
           <p:cNvPr id="2" name="TextBox 1">
             <a:extLst>
               <a:ext uri="{FF2B5EF4-FFF2-40B4-BE49-F238E27FC236}">
-                <a16:creationId xmlns="" xmlns:a16="http://schemas.microsoft.com/office/drawing/2014/main" id="{1E9E0E37-71F7-4506-A4A0-38A592F50849}"/>
+                <a16:creationId xmlns:a16="http://schemas.microsoft.com/office/drawing/2014/main" xmlns="" id="{1E9E0E37-71F7-4506-A4A0-38A592F50849}"/>
               </a:ext>
             </a:extLst>
           </p:cNvPr>
@@ -4391,7 +4392,7 @@
           <p:cNvPr id="2" name="TextBox 1">
             <a:extLst>
               <a:ext uri="{FF2B5EF4-FFF2-40B4-BE49-F238E27FC236}">
-                <a16:creationId xmlns="" xmlns:a16="http://schemas.microsoft.com/office/drawing/2014/main" id="{1E9E0E37-71F7-4506-A4A0-38A592F50849}"/>
+                <a16:creationId xmlns:a16="http://schemas.microsoft.com/office/drawing/2014/main" xmlns="" id="{1E9E0E37-71F7-4506-A4A0-38A592F50849}"/>
               </a:ext>
             </a:extLst>
           </p:cNvPr>
@@ -4401,7 +4402,7 @@
         <p:spPr>
           <a:xfrm>
             <a:off x="622571" y="291830"/>
-            <a:ext cx="4799263" cy="584775"/>
+            <a:ext cx="4475456" cy="584775"/>
           </a:xfrm>
           <a:prstGeom prst="rect">
             <a:avLst/>
@@ -4415,16 +4416,8 @@
           <a:lstStyle/>
           <a:p>
             <a:r>
-              <a:rPr lang="en-US" sz="3200" b="1" dirty="0" smtClean="0">
-                <a:solidFill>
-                  <a:srgbClr val="FF0000"/>
-                </a:solidFill>
-              </a:rPr>
-              <a:t>R</a:t>
-            </a:r>
-            <a:r>
               <a:rPr lang="en-US" sz="3200" b="1" dirty="0" smtClean="0"/>
-              <a:t> Hypothesis </a:t>
+              <a:t>Hypothesis </a:t>
             </a:r>
             <a:r>
               <a:rPr lang="en-US" sz="3200" b="1" dirty="0" smtClean="0"/>
@@ -4481,33 +4474,33 @@
             <a:endParaRPr lang="en-US" dirty="0"/>
           </a:p>
           <a:p>
-            <a:pPr marL="285750" indent="-285750">
-              <a:buFont typeface="Arial" panose="020B0604020202020204" pitchFamily="34" charset="0"/>
-              <a:buChar char="•"/>
-            </a:pPr>
+            <a:r>
+              <a:rPr lang="en-US" dirty="0" smtClean="0"/>
+              <a:t>1</a:t>
+            </a:r>
             <a:r>
               <a:rPr lang="en-US" dirty="0"/>
-              <a:t>1. Assist v. Key Pass Distance (higher mean for key pass)</a:t>
-            </a:r>
-          </a:p>
-          <a:p>
-            <a:pPr marL="285750" indent="-285750">
-              <a:buFont typeface="Arial" panose="020B0604020202020204" pitchFamily="34" charset="0"/>
-              <a:buChar char="•"/>
-            </a:pPr>
+              <a:t>. Assist v. Key Pass Distance (higher mean for key </a:t>
+            </a:r>
+            <a:r>
+              <a:rPr lang="en-US" dirty="0" smtClean="0"/>
+              <a:t>pass)</a:t>
+            </a:r>
+          </a:p>
+          <a:p>
+            <a:r>
+              <a:rPr lang="en-US" dirty="0" smtClean="0"/>
+              <a:t>2. Goal v. Shot Distance (higher mean for goals)</a:t>
+            </a:r>
+          </a:p>
+          <a:p>
+            <a:r>
+              <a:rPr lang="en-US" dirty="0" smtClean="0"/>
+              <a:t>3</a:t>
+            </a:r>
             <a:r>
               <a:rPr lang="en-US" dirty="0"/>
-              <a:t>2. Goal v. Shot Distance (higher mean for goals)</a:t>
-            </a:r>
-          </a:p>
-          <a:p>
-            <a:pPr marL="285750" indent="-285750">
-              <a:buFont typeface="Arial" panose="020B0604020202020204" pitchFamily="34" charset="0"/>
-              <a:buChar char="•"/>
-            </a:pPr>
-            <a:r>
-              <a:rPr lang="en-US" dirty="0"/>
-              <a:t>3. Goal v. Shot </a:t>
+              <a:t>. Goal v. Shot </a:t>
             </a:r>
             <a:r>
               <a:rPr lang="en-US" dirty="0" err="1"/>
@@ -4519,10 +4512,6 @@
             </a:r>
           </a:p>
           <a:p>
-            <a:pPr marL="285750" indent="-285750">
-              <a:buFont typeface="Arial" panose="020B0604020202020204" pitchFamily="34" charset="0"/>
-              <a:buChar char="•"/>
-            </a:pPr>
             <a:r>
               <a:rPr lang="en-US" dirty="0"/>
               <a:t>4. Goal v. Shot </a:t>
@@ -4553,7 +4542,7 @@
         </p:nvSpPr>
         <p:spPr>
           <a:xfrm>
-            <a:off x="622571" y="3031040"/>
+            <a:off x="622571" y="3900172"/>
             <a:ext cx="7053873" cy="923330"/>
           </a:xfrm>
           <a:prstGeom prst="rect">
@@ -4585,11 +4574,51 @@
           <a:p>
             <a:r>
               <a:rPr lang="en-US" dirty="0" smtClean="0"/>
-              <a:t>Do teams differ in their strategies when it comes to the above variables? Let’s take a look at some Teams in the World Cup.</a:t>
+              <a:t>Do </a:t>
+            </a:r>
+            <a:r>
+              <a:rPr lang="en-US" dirty="0" smtClean="0"/>
+              <a:t>teams differ in their strategies when it comes to the above variables? Let’s take a look at some Teams in the World Cup.</a:t>
             </a:r>
           </a:p>
           <a:p>
             <a:endParaRPr lang="en-US" dirty="0"/>
+          </a:p>
+        </p:txBody>
+      </p:sp>
+      <p:sp>
+        <p:nvSpPr>
+          <p:cNvPr id="5" name="TextBox 4">
+            <a:extLst>
+              <a:ext uri="{FF2B5EF4-FFF2-40B4-BE49-F238E27FC236}">
+                <a16:creationId xmlns:a16="http://schemas.microsoft.com/office/drawing/2014/main" xmlns="" id="{1E9E0E37-71F7-4506-A4A0-38A592F50849}"/>
+              </a:ext>
+            </a:extLst>
+          </p:cNvPr>
+          <p:cNvSpPr txBox="1"/>
+          <p:nvPr/>
+        </p:nvSpPr>
+        <p:spPr>
+          <a:xfrm>
+            <a:off x="622571" y="3315397"/>
+            <a:ext cx="1843582" cy="584775"/>
+          </a:xfrm>
+          <a:prstGeom prst="rect">
+            <a:avLst/>
+          </a:prstGeom>
+          <a:noFill/>
+        </p:spPr>
+        <p:txBody>
+          <a:bodyPr wrap="none" rtlCol="0">
+            <a:spAutoFit/>
+          </a:bodyPr>
+          <a:lstStyle/>
+          <a:p>
+            <a:r>
+              <a:rPr lang="en-US" sz="3200" b="1" dirty="0" smtClean="0"/>
+              <a:t>Extension</a:t>
+            </a:r>
+            <a:endParaRPr lang="en-US" sz="3200" b="1" dirty="0"/>
           </a:p>
         </p:txBody>
       </p:sp>
@@ -4625,50 +4654,235 @@
       </p:grpSpPr>
       <p:sp>
         <p:nvSpPr>
-          <p:cNvPr id="2" name="Title 1"/>
-          <p:cNvSpPr>
-            <a:spLocks noGrp="1"/>
-          </p:cNvSpPr>
-          <p:nvPr>
-            <p:ph type="ctrTitle"/>
-          </p:nvPr>
-        </p:nvSpPr>
-        <p:spPr/>
-        <p:txBody>
-          <a:bodyPr/>
+          <p:cNvPr id="2" name="TextBox 1">
+            <a:extLst>
+              <a:ext uri="{FF2B5EF4-FFF2-40B4-BE49-F238E27FC236}">
+                <a16:creationId xmlns:a16="http://schemas.microsoft.com/office/drawing/2014/main" xmlns="" id="{1E9E0E37-71F7-4506-A4A0-38A592F50849}"/>
+              </a:ext>
+            </a:extLst>
+          </p:cNvPr>
+          <p:cNvSpPr txBox="1"/>
+          <p:nvPr/>
+        </p:nvSpPr>
+        <p:spPr>
+          <a:xfrm>
+            <a:off x="622571" y="291830"/>
+            <a:ext cx="9881423" cy="584775"/>
+          </a:xfrm>
+          <a:prstGeom prst="rect">
+            <a:avLst/>
+          </a:prstGeom>
+          <a:noFill/>
+        </p:spPr>
+        <p:txBody>
+          <a:bodyPr wrap="none" rtlCol="0">
+            <a:spAutoFit/>
+          </a:bodyPr>
           <a:lstStyle/>
           <a:p>
             <a:r>
-              <a:rPr lang="en-US" dirty="0" smtClean="0"/>
-              <a:t>In progress. World Cup Boxplots and ANOVA (Rose)</a:t>
-            </a:r>
-            <a:endParaRPr lang="en-US" dirty="0"/>
-          </a:p>
-        </p:txBody>
-      </p:sp>
-      <p:sp>
-        <p:nvSpPr>
-          <p:cNvPr id="3" name="Subtitle 2"/>
-          <p:cNvSpPr>
-            <a:spLocks noGrp="1"/>
-          </p:cNvSpPr>
-          <p:nvPr>
-            <p:ph type="subTitle" idx="1"/>
-          </p:nvPr>
-        </p:nvSpPr>
-        <p:spPr/>
-        <p:txBody>
-          <a:bodyPr/>
+              <a:rPr lang="en-US" sz="3200" b="1" dirty="0" smtClean="0"/>
+              <a:t>Hypothesis Testing: </a:t>
+            </a:r>
+            <a:r>
+              <a:rPr lang="en-US" sz="3200" b="1" dirty="0" smtClean="0"/>
+              <a:t>Means Between Teams Using ANOVA</a:t>
+            </a:r>
+            <a:endParaRPr lang="en-US" sz="3200" b="1" dirty="0"/>
+          </a:p>
+        </p:txBody>
+      </p:sp>
+      <p:pic>
+        <p:nvPicPr>
+          <p:cNvPr id="14" name="Picture 13"/>
+          <p:cNvPicPr>
+            <a:picLocks noChangeAspect="1"/>
+          </p:cNvPicPr>
+          <p:nvPr/>
+        </p:nvPicPr>
+        <p:blipFill>
+          <a:blip r:embed="rId2">
+            <a:extLst>
+              <a:ext uri="{28A0092B-C50C-407E-A947-70E740481C1C}">
+                <a14:useLocalDpi xmlns:a14="http://schemas.microsoft.com/office/drawing/2010/main" val="0"/>
+              </a:ext>
+            </a:extLst>
+          </a:blip>
+          <a:stretch>
+            <a:fillRect/>
+          </a:stretch>
+        </p:blipFill>
+        <p:spPr>
+          <a:xfrm>
+            <a:off x="622571" y="876605"/>
+            <a:ext cx="4691813" cy="4691813"/>
+          </a:xfrm>
+          <a:prstGeom prst="rect">
+            <a:avLst/>
+          </a:prstGeom>
+        </p:spPr>
+      </p:pic>
+      <p:pic>
+        <p:nvPicPr>
+          <p:cNvPr id="15" name="Picture 14"/>
+          <p:cNvPicPr>
+            <a:picLocks noChangeAspect="1"/>
+          </p:cNvPicPr>
+          <p:nvPr/>
+        </p:nvPicPr>
+        <p:blipFill>
+          <a:blip r:embed="rId3">
+            <a:extLst>
+              <a:ext uri="{28A0092B-C50C-407E-A947-70E740481C1C}">
+                <a14:useLocalDpi xmlns:a14="http://schemas.microsoft.com/office/drawing/2010/main" val="0"/>
+              </a:ext>
+            </a:extLst>
+          </a:blip>
+          <a:stretch>
+            <a:fillRect/>
+          </a:stretch>
+        </p:blipFill>
+        <p:spPr>
+          <a:xfrm>
+            <a:off x="5812181" y="876605"/>
+            <a:ext cx="4691813" cy="4691813"/>
+          </a:xfrm>
+          <a:prstGeom prst="rect">
+            <a:avLst/>
+          </a:prstGeom>
+        </p:spPr>
+      </p:pic>
+      <p:sp>
+        <p:nvSpPr>
+          <p:cNvPr id="17" name="TextBox 16"/>
+          <p:cNvSpPr txBox="1"/>
+          <p:nvPr/>
+        </p:nvSpPr>
+        <p:spPr>
+          <a:xfrm>
+            <a:off x="1604760" y="5506862"/>
+            <a:ext cx="2727434" cy="646331"/>
+          </a:xfrm>
+          <a:prstGeom prst="rect">
+            <a:avLst/>
+          </a:prstGeom>
+        </p:spPr>
+        <p:style>
+          <a:lnRef idx="2">
+            <a:schemeClr val="accent3"/>
+          </a:lnRef>
+          <a:fillRef idx="1">
+            <a:schemeClr val="lt1"/>
+          </a:fillRef>
+          <a:effectRef idx="0">
+            <a:schemeClr val="accent3"/>
+          </a:effectRef>
+          <a:fontRef idx="minor">
+            <a:schemeClr val="dk1"/>
+          </a:fontRef>
+        </p:style>
+        <p:txBody>
+          <a:bodyPr wrap="square" rtlCol="0">
+            <a:spAutoFit/>
+          </a:bodyPr>
           <a:lstStyle/>
           <a:p>
-            <a:endParaRPr lang="en-US" dirty="0"/>
+            <a:r>
+              <a:rPr lang="en-US" u="sng" dirty="0" smtClean="0"/>
+              <a:t>ANOVA</a:t>
+            </a:r>
+            <a:endParaRPr lang="en-US" u="sng" dirty="0" smtClean="0"/>
+          </a:p>
+          <a:p>
+            <a:pPr marL="285750" indent="-285750">
+              <a:buFont typeface="Arial" panose="020B0604020202020204" pitchFamily="34" charset="0"/>
+              <a:buChar char="•"/>
+            </a:pPr>
+            <a:r>
+              <a:rPr lang="en-US" dirty="0" smtClean="0">
+                <a:solidFill>
+                  <a:schemeClr val="tx1"/>
+                </a:solidFill>
+              </a:rPr>
+              <a:t>p-value: 0.07</a:t>
+            </a:r>
+          </a:p>
+        </p:txBody>
+      </p:sp>
+      <p:sp>
+        <p:nvSpPr>
+          <p:cNvPr id="18" name="TextBox 17"/>
+          <p:cNvSpPr txBox="1"/>
+          <p:nvPr/>
+        </p:nvSpPr>
+        <p:spPr>
+          <a:xfrm>
+            <a:off x="6794370" y="5506862"/>
+            <a:ext cx="2727434" cy="646331"/>
+          </a:xfrm>
+          <a:prstGeom prst="rect">
+            <a:avLst/>
+          </a:prstGeom>
+        </p:spPr>
+        <p:style>
+          <a:lnRef idx="2">
+            <a:schemeClr val="accent3"/>
+          </a:lnRef>
+          <a:fillRef idx="1">
+            <a:schemeClr val="lt1"/>
+          </a:fillRef>
+          <a:effectRef idx="0">
+            <a:schemeClr val="accent3"/>
+          </a:effectRef>
+          <a:fontRef idx="minor">
+            <a:schemeClr val="dk1"/>
+          </a:fontRef>
+        </p:style>
+        <p:txBody>
+          <a:bodyPr wrap="square" rtlCol="0">
+            <a:spAutoFit/>
+          </a:bodyPr>
+          <a:lstStyle/>
+          <a:p>
+            <a:r>
+              <a:rPr lang="en-US" u="sng" dirty="0" smtClean="0"/>
+              <a:t>ANOVA</a:t>
+            </a:r>
+            <a:endParaRPr lang="en-US" u="sng" dirty="0" smtClean="0"/>
+          </a:p>
+          <a:p>
+            <a:pPr marL="285750" indent="-285750">
+              <a:buFont typeface="Arial" panose="020B0604020202020204" pitchFamily="34" charset="0"/>
+              <a:buChar char="•"/>
+            </a:pPr>
+            <a:r>
+              <a:rPr lang="en-US" dirty="0" smtClean="0">
+                <a:solidFill>
+                  <a:srgbClr val="FF0000"/>
+                </a:solidFill>
+              </a:rPr>
+              <a:t>p-value</a:t>
+            </a:r>
+            <a:r>
+              <a:rPr lang="en-US" dirty="0">
+                <a:solidFill>
+                  <a:srgbClr val="FF0000"/>
+                </a:solidFill>
+              </a:rPr>
+              <a:t>: 7.74e-18</a:t>
+            </a:r>
+            <a:endParaRPr lang="en-US" dirty="0" smtClean="0">
+              <a:solidFill>
+                <a:srgbClr val="FF0000"/>
+              </a:solidFill>
+            </a:endParaRPr>
           </a:p>
         </p:txBody>
       </p:sp>
     </p:spTree>
     <p:extLst>
       <p:ext uri="{BB962C8B-B14F-4D97-AF65-F5344CB8AC3E}">
-        <p14:creationId xmlns:p14="http://schemas.microsoft.com/office/powerpoint/2010/main" val="688625921"/>
+        <p14:creationId xmlns:p14="http://schemas.microsoft.com/office/powerpoint/2010/main" val="3085575718"/>
       </p:ext>
     </p:extLst>
   </p:cSld>
@@ -4700,7 +4914,7 @@
           <p:cNvPr id="2" name="TextBox 1">
             <a:extLst>
               <a:ext uri="{FF2B5EF4-FFF2-40B4-BE49-F238E27FC236}">
-                <a16:creationId xmlns="" xmlns:a16="http://schemas.microsoft.com/office/drawing/2014/main" id="{403E5C2C-0B2A-40B0-B292-DFBFD50F3A00}"/>
+                <a16:creationId xmlns:a16="http://schemas.microsoft.com/office/drawing/2014/main" xmlns="" id="{1E9E0E37-71F7-4506-A4A0-38A592F50849}"/>
               </a:ext>
             </a:extLst>
           </p:cNvPr>
@@ -4709,8 +4923,8 @@
         </p:nvSpPr>
         <p:spPr>
           <a:xfrm>
-            <a:off x="612739" y="213172"/>
-            <a:ext cx="2318263" cy="584775"/>
+            <a:off x="622571" y="291830"/>
+            <a:ext cx="9881423" cy="584775"/>
           </a:xfrm>
           <a:prstGeom prst="rect">
             <a:avLst/>
@@ -4724,128 +4938,221 @@
           <a:lstStyle/>
           <a:p>
             <a:r>
-              <a:rPr lang="en-US" sz="3200" b="1" dirty="0"/>
-              <a:t>Conclusions:</a:t>
-            </a:r>
-          </a:p>
-        </p:txBody>
-      </p:sp>
-      <p:sp>
-        <p:nvSpPr>
-          <p:cNvPr id="3" name="Rectangle 2"/>
-          <p:cNvSpPr/>
+              <a:rPr lang="en-US" sz="3200" b="1" dirty="0" smtClean="0"/>
+              <a:t>Hypothesis Testing: </a:t>
+            </a:r>
+            <a:r>
+              <a:rPr lang="en-US" sz="3200" b="1" dirty="0" smtClean="0"/>
+              <a:t>Means Between Teams Using ANOVA</a:t>
+            </a:r>
+            <a:endParaRPr lang="en-US" sz="3200" b="1" dirty="0"/>
+          </a:p>
+        </p:txBody>
+      </p:sp>
+      <p:pic>
+        <p:nvPicPr>
+          <p:cNvPr id="3" name="Picture 2"/>
+          <p:cNvPicPr>
+            <a:picLocks noChangeAspect="1"/>
+          </p:cNvPicPr>
           <p:nvPr/>
-        </p:nvSpPr>
+        </p:nvPicPr>
+        <p:blipFill>
+          <a:blip r:embed="rId2">
+            <a:extLst>
+              <a:ext uri="{28A0092B-C50C-407E-A947-70E740481C1C}">
+                <a14:useLocalDpi xmlns:a14="http://schemas.microsoft.com/office/drawing/2010/main" val="0"/>
+              </a:ext>
+            </a:extLst>
+          </a:blip>
+          <a:stretch>
+            <a:fillRect/>
+          </a:stretch>
+        </p:blipFill>
         <p:spPr>
           <a:xfrm>
-            <a:off x="612739" y="797947"/>
-            <a:ext cx="6096000" cy="3139321"/>
+            <a:off x="622571" y="876605"/>
+            <a:ext cx="4691813" cy="4691813"/>
           </a:xfrm>
           <a:prstGeom prst="rect">
             <a:avLst/>
           </a:prstGeom>
         </p:spPr>
-        <p:txBody>
-          <a:bodyPr>
+      </p:pic>
+      <p:pic>
+        <p:nvPicPr>
+          <p:cNvPr id="4" name="Picture 3"/>
+          <p:cNvPicPr>
+            <a:picLocks noChangeAspect="1"/>
+          </p:cNvPicPr>
+          <p:nvPr/>
+        </p:nvPicPr>
+        <p:blipFill>
+          <a:blip r:embed="rId3">
+            <a:extLst>
+              <a:ext uri="{28A0092B-C50C-407E-A947-70E740481C1C}">
+                <a14:useLocalDpi xmlns:a14="http://schemas.microsoft.com/office/drawing/2010/main" val="0"/>
+              </a:ext>
+            </a:extLst>
+          </a:blip>
+          <a:stretch>
+            <a:fillRect/>
+          </a:stretch>
+        </p:blipFill>
+        <p:spPr>
+          <a:xfrm>
+            <a:off x="5812181" y="876604"/>
+            <a:ext cx="4691813" cy="4691813"/>
+          </a:xfrm>
+          <a:prstGeom prst="rect">
+            <a:avLst/>
+          </a:prstGeom>
+        </p:spPr>
+      </p:pic>
+      <p:sp>
+        <p:nvSpPr>
+          <p:cNvPr id="7" name="TextBox 6"/>
+          <p:cNvSpPr txBox="1"/>
+          <p:nvPr/>
+        </p:nvSpPr>
+        <p:spPr>
+          <a:xfrm>
+            <a:off x="1604760" y="5506862"/>
+            <a:ext cx="2727434" cy="646331"/>
+          </a:xfrm>
+          <a:prstGeom prst="rect">
+            <a:avLst/>
+          </a:prstGeom>
+        </p:spPr>
+        <p:style>
+          <a:lnRef idx="2">
+            <a:schemeClr val="accent3"/>
+          </a:lnRef>
+          <a:fillRef idx="1">
+            <a:schemeClr val="lt1"/>
+          </a:fillRef>
+          <a:effectRef idx="0">
+            <a:schemeClr val="accent3"/>
+          </a:effectRef>
+          <a:fontRef idx="minor">
+            <a:schemeClr val="dk1"/>
+          </a:fontRef>
+        </p:style>
+        <p:txBody>
+          <a:bodyPr wrap="square" rtlCol="0">
             <a:spAutoFit/>
           </a:bodyPr>
           <a:lstStyle/>
           <a:p>
             <a:r>
-              <a:rPr lang="en-US" dirty="0"/>
-              <a:t>Concluding Statement: </a:t>
-            </a:r>
-            <a:endParaRPr lang="en-US" dirty="0" smtClean="0"/>
-          </a:p>
-          <a:p>
-            <a:r>
-              <a:rPr lang="en-US" dirty="0" smtClean="0"/>
-              <a:t>Based </a:t>
-            </a:r>
-            <a:r>
-              <a:rPr lang="en-US" dirty="0"/>
-              <a:t>on t-tests done between Shots </a:t>
-            </a:r>
-            <a:r>
-              <a:rPr lang="en-US" dirty="0" err="1"/>
-              <a:t>vs</a:t>
-            </a:r>
-            <a:r>
-              <a:rPr lang="en-US" dirty="0"/>
-              <a:t> Goals, and Assists </a:t>
-            </a:r>
-            <a:r>
-              <a:rPr lang="en-US" dirty="0" err="1"/>
-              <a:t>vs</a:t>
-            </a:r>
-            <a:r>
-              <a:rPr lang="en-US" dirty="0"/>
-              <a:t> Key Passes, there is evidence of distance and start coordinate differences between successful and unsuccessful plays. </a:t>
-            </a:r>
-            <a:endParaRPr lang="en-US" dirty="0" smtClean="0"/>
-          </a:p>
-          <a:p>
-            <a:endParaRPr lang="en-US" dirty="0" smtClean="0"/>
-          </a:p>
-          <a:p>
-            <a:r>
-              <a:rPr lang="en-US" dirty="0"/>
-              <a:t>Success </a:t>
-            </a:r>
-            <a:r>
-              <a:rPr lang="en-US" dirty="0" smtClean="0"/>
-              <a:t>probabilities </a:t>
-            </a:r>
-            <a:r>
-              <a:rPr lang="en-US" b="1" dirty="0" smtClean="0">
+              <a:rPr lang="en-US" u="sng" dirty="0" smtClean="0"/>
+              <a:t>ANOVA</a:t>
+            </a:r>
+            <a:endParaRPr lang="en-US" u="sng" dirty="0" smtClean="0"/>
+          </a:p>
+          <a:p>
+            <a:pPr marL="285750" indent="-285750">
+              <a:buFont typeface="Arial" panose="020B0604020202020204" pitchFamily="34" charset="0"/>
+              <a:buChar char="•"/>
+            </a:pPr>
+            <a:r>
+              <a:rPr lang="en-US" dirty="0" smtClean="0">
+                <a:solidFill>
+                  <a:schemeClr val="tx1"/>
+                </a:solidFill>
+              </a:rPr>
+              <a:t>p-value</a:t>
+            </a:r>
+            <a:r>
+              <a:rPr lang="en-US" dirty="0">
+                <a:solidFill>
+                  <a:schemeClr val="tx1"/>
+                </a:solidFill>
+              </a:rPr>
+              <a:t>: 0.153</a:t>
+            </a:r>
+            <a:endParaRPr lang="en-US" dirty="0" smtClean="0">
+              <a:solidFill>
+                <a:schemeClr val="tx1"/>
+              </a:solidFill>
+            </a:endParaRPr>
+          </a:p>
+        </p:txBody>
+      </p:sp>
+      <p:sp>
+        <p:nvSpPr>
+          <p:cNvPr id="8" name="TextBox 7"/>
+          <p:cNvSpPr txBox="1"/>
+          <p:nvPr/>
+        </p:nvSpPr>
+        <p:spPr>
+          <a:xfrm>
+            <a:off x="6794370" y="5506861"/>
+            <a:ext cx="2727434" cy="646331"/>
+          </a:xfrm>
+          <a:prstGeom prst="rect">
+            <a:avLst/>
+          </a:prstGeom>
+        </p:spPr>
+        <p:style>
+          <a:lnRef idx="2">
+            <a:schemeClr val="accent3"/>
+          </a:lnRef>
+          <a:fillRef idx="1">
+            <a:schemeClr val="lt1"/>
+          </a:fillRef>
+          <a:effectRef idx="0">
+            <a:schemeClr val="accent3"/>
+          </a:effectRef>
+          <a:fontRef idx="minor">
+            <a:schemeClr val="dk1"/>
+          </a:fontRef>
+        </p:style>
+        <p:txBody>
+          <a:bodyPr wrap="square" rtlCol="0">
+            <a:spAutoFit/>
+          </a:bodyPr>
+          <a:lstStyle/>
+          <a:p>
+            <a:r>
+              <a:rPr lang="en-US" u="sng" dirty="0" smtClean="0"/>
+              <a:t>ANOVA</a:t>
+            </a:r>
+            <a:endParaRPr lang="en-US" u="sng" dirty="0" smtClean="0"/>
+          </a:p>
+          <a:p>
+            <a:pPr marL="285750" indent="-285750">
+              <a:buFont typeface="Arial" panose="020B0604020202020204" pitchFamily="34" charset="0"/>
+              <a:buChar char="•"/>
+            </a:pPr>
+            <a:r>
+              <a:rPr lang="en-US" dirty="0" smtClean="0">
                 <a:solidFill>
                   <a:srgbClr val="FF0000"/>
                 </a:solidFill>
               </a:rPr>
-              <a:t>(M)</a:t>
-            </a:r>
-            <a:endParaRPr lang="en-US" b="1" dirty="0">
+              <a:t>p-value</a:t>
+            </a:r>
+            <a:r>
+              <a:rPr lang="en-US" dirty="0">
+                <a:solidFill>
+                  <a:srgbClr val="FF0000"/>
+                </a:solidFill>
+              </a:rPr>
+              <a:t>: 0.002</a:t>
+            </a:r>
+            <a:endParaRPr lang="en-US" dirty="0" smtClean="0">
               <a:solidFill>
                 <a:srgbClr val="FF0000"/>
               </a:solidFill>
             </a:endParaRPr>
           </a:p>
-          <a:p>
-            <a:endParaRPr lang="en-US" dirty="0"/>
-          </a:p>
-          <a:p>
-            <a:r>
-              <a:rPr lang="en-US" dirty="0" smtClean="0"/>
-              <a:t>Applying </a:t>
-            </a:r>
-            <a:r>
-              <a:rPr lang="en-US" dirty="0"/>
-              <a:t>this finding to the top 5 teams in the World Cup, we see further that there are teams that are significantly different in their tendencies for distance and </a:t>
-            </a:r>
-            <a:r>
-              <a:rPr lang="en-US" dirty="0" err="1"/>
-              <a:t>Y.Start</a:t>
-            </a:r>
-            <a:r>
-              <a:rPr lang="en-US" dirty="0"/>
-              <a:t> when it comes to attempting a </a:t>
-            </a:r>
-            <a:r>
-              <a:rPr lang="en-US" dirty="0" smtClean="0"/>
-              <a:t>goal</a:t>
-            </a:r>
-            <a:r>
-              <a:rPr lang="en-US" dirty="0"/>
-              <a:t>.</a:t>
-            </a:r>
-            <a:endParaRPr lang="en-US" dirty="0" smtClean="0"/>
-          </a:p>
         </p:txBody>
       </p:sp>
     </p:spTree>
     <p:extLst>
       <p:ext uri="{BB962C8B-B14F-4D97-AF65-F5344CB8AC3E}">
-        <p14:creationId xmlns:p14="http://schemas.microsoft.com/office/powerpoint/2010/main" val="2545738835"/>
+        <p14:creationId xmlns:p14="http://schemas.microsoft.com/office/powerpoint/2010/main" val="3841104568"/>
       </p:ext>
     </p:extLst>
   </p:cSld>
@@ -4874,6 +5181,158 @@
       </p:grpSpPr>
       <p:sp>
         <p:nvSpPr>
+          <p:cNvPr id="2" name="TextBox 1">
+            <a:extLst>
+              <a:ext uri="{FF2B5EF4-FFF2-40B4-BE49-F238E27FC236}">
+                <a16:creationId xmlns:a16="http://schemas.microsoft.com/office/drawing/2014/main" xmlns="" id="{403E5C2C-0B2A-40B0-B292-DFBFD50F3A00}"/>
+              </a:ext>
+            </a:extLst>
+          </p:cNvPr>
+          <p:cNvSpPr txBox="1"/>
+          <p:nvPr/>
+        </p:nvSpPr>
+        <p:spPr>
+          <a:xfrm>
+            <a:off x="612739" y="213172"/>
+            <a:ext cx="2318263" cy="584775"/>
+          </a:xfrm>
+          <a:prstGeom prst="rect">
+            <a:avLst/>
+          </a:prstGeom>
+          <a:noFill/>
+        </p:spPr>
+        <p:txBody>
+          <a:bodyPr wrap="none" rtlCol="0">
+            <a:spAutoFit/>
+          </a:bodyPr>
+          <a:lstStyle/>
+          <a:p>
+            <a:r>
+              <a:rPr lang="en-US" sz="3200" b="1" dirty="0"/>
+              <a:t>Conclusions:</a:t>
+            </a:r>
+          </a:p>
+        </p:txBody>
+      </p:sp>
+      <p:sp>
+        <p:nvSpPr>
+          <p:cNvPr id="3" name="Rectangle 2"/>
+          <p:cNvSpPr/>
+          <p:nvPr/>
+        </p:nvSpPr>
+        <p:spPr>
+          <a:xfrm>
+            <a:off x="612739" y="797947"/>
+            <a:ext cx="6096000" cy="2031325"/>
+          </a:xfrm>
+          <a:prstGeom prst="rect">
+            <a:avLst/>
+          </a:prstGeom>
+        </p:spPr>
+        <p:txBody>
+          <a:bodyPr>
+            <a:spAutoFit/>
+          </a:bodyPr>
+          <a:lstStyle/>
+          <a:p>
+            <a:pPr marL="285750" indent="-285750">
+              <a:buFont typeface="Arial" panose="020B0604020202020204" pitchFamily="34" charset="0"/>
+              <a:buChar char="•"/>
+            </a:pPr>
+            <a:r>
+              <a:rPr lang="en-US" dirty="0" smtClean="0"/>
+              <a:t>T-tests: Distance and Start Coordinates are different between successful (goal) and unsuccessful plays (no goal)</a:t>
+            </a:r>
+          </a:p>
+          <a:p>
+            <a:pPr marL="285750" indent="-285750">
+              <a:buFont typeface="Arial" panose="020B0604020202020204" pitchFamily="34" charset="0"/>
+              <a:buChar char="•"/>
+            </a:pPr>
+            <a:endParaRPr lang="en-US" dirty="0"/>
+          </a:p>
+          <a:p>
+            <a:pPr marL="285750" indent="-285750">
+              <a:buFont typeface="Arial" panose="020B0604020202020204" pitchFamily="34" charset="0"/>
+              <a:buChar char="•"/>
+            </a:pPr>
+            <a:r>
+              <a:rPr lang="en-US" dirty="0" smtClean="0"/>
+              <a:t>Success </a:t>
+            </a:r>
+            <a:r>
+              <a:rPr lang="en-US" dirty="0" smtClean="0"/>
+              <a:t>probabilities </a:t>
+            </a:r>
+            <a:r>
+              <a:rPr lang="en-US" b="1" dirty="0" smtClean="0">
+                <a:solidFill>
+                  <a:srgbClr val="FF0000"/>
+                </a:solidFill>
+              </a:rPr>
+              <a:t>(M</a:t>
+            </a:r>
+            <a:r>
+              <a:rPr lang="en-US" b="1" dirty="0" smtClean="0">
+                <a:solidFill>
+                  <a:srgbClr val="FF0000"/>
+                </a:solidFill>
+              </a:rPr>
+              <a:t>)</a:t>
+            </a:r>
+          </a:p>
+          <a:p>
+            <a:endParaRPr lang="en-US" b="1" dirty="0" smtClean="0">
+              <a:solidFill>
+                <a:srgbClr val="FF0000"/>
+              </a:solidFill>
+            </a:endParaRPr>
+          </a:p>
+          <a:p>
+            <a:pPr marL="285750" indent="-285750">
+              <a:buFont typeface="Arial" panose="020B0604020202020204" pitchFamily="34" charset="0"/>
+              <a:buChar char="•"/>
+            </a:pPr>
+            <a:r>
+              <a:rPr lang="en-US" dirty="0" smtClean="0"/>
+              <a:t>ANOVA: There are some differences between Teams when it comes to Distance and Start Coordinates.</a:t>
+            </a:r>
+            <a:endParaRPr lang="en-US" dirty="0" smtClean="0"/>
+          </a:p>
+        </p:txBody>
+      </p:sp>
+    </p:spTree>
+    <p:extLst>
+      <p:ext uri="{BB962C8B-B14F-4D97-AF65-F5344CB8AC3E}">
+        <p14:creationId xmlns:p14="http://schemas.microsoft.com/office/powerpoint/2010/main" val="2545738835"/>
+      </p:ext>
+    </p:extLst>
+  </p:cSld>
+  <p:clrMapOvr>
+    <a:masterClrMapping/>
+  </p:clrMapOvr>
+</p:sld>
+</file>
+
+<file path=ppt/slides/slide17.xml><?xml version="1.0" encoding="utf-8"?>
+<p:sld xmlns:a="http://schemas.openxmlformats.org/drawingml/2006/main" xmlns:r="http://schemas.openxmlformats.org/officeDocument/2006/relationships" xmlns:p="http://schemas.openxmlformats.org/presentationml/2006/main">
+  <p:cSld>
+    <p:spTree>
+      <p:nvGrpSpPr>
+        <p:cNvPr id="1" name=""/>
+        <p:cNvGrpSpPr/>
+        <p:nvPr/>
+      </p:nvGrpSpPr>
+      <p:grpSpPr>
+        <a:xfrm>
+          <a:off x="0" y="0"/>
+          <a:ext cx="0" cy="0"/>
+          <a:chOff x="0" y="0"/>
+          <a:chExt cx="0" cy="0"/>
+        </a:xfrm>
+      </p:grpSpPr>
+      <p:sp>
+        <p:nvSpPr>
           <p:cNvPr id="2" name="Title 1"/>
           <p:cNvSpPr>
             <a:spLocks noGrp="1"/>
@@ -4933,6 +5392,21 @@
               <a:rPr lang="en-US" dirty="0" smtClean="0"/>
               <a:t>?)</a:t>
             </a:r>
+          </a:p>
+          <a:p>
+            <a:pPr lvl="1"/>
+            <a:r>
+              <a:rPr lang="en-US" dirty="0" smtClean="0"/>
+              <a:t>Include all groups</a:t>
+            </a:r>
+          </a:p>
+          <a:p>
+            <a:pPr lvl="1"/>
+            <a:r>
+              <a:rPr lang="en-US" dirty="0" smtClean="0"/>
+              <a:t>Post-hoc analyses to identify groups that differ</a:t>
+            </a:r>
+            <a:endParaRPr lang="en-US" dirty="0" smtClean="0"/>
           </a:p>
           <a:p>
             <a:r>
@@ -4984,7 +5458,7 @@
           <p:cNvPr id="2" name="TextBox 1">
             <a:extLst>
               <a:ext uri="{FF2B5EF4-FFF2-40B4-BE49-F238E27FC236}">
-                <a16:creationId xmlns="" xmlns:a16="http://schemas.microsoft.com/office/drawing/2014/main" id="{6E7F4BA1-E473-4273-8CC9-9A5E056A5317}"/>
+                <a16:creationId xmlns:a16="http://schemas.microsoft.com/office/drawing/2014/main" xmlns="" id="{6E7F4BA1-E473-4273-8CC9-9A5E056A5317}"/>
               </a:ext>
             </a:extLst>
           </p:cNvPr>
@@ -5031,7 +5505,7 @@
           <p:cNvPr id="3" name="TextBox 2">
             <a:extLst>
               <a:ext uri="{FF2B5EF4-FFF2-40B4-BE49-F238E27FC236}">
-                <a16:creationId xmlns="" xmlns:a16="http://schemas.microsoft.com/office/drawing/2014/main" id="{D1D0B343-EC0E-4FE5-8A83-97DB22C2B0FE}"/>
+                <a16:creationId xmlns:a16="http://schemas.microsoft.com/office/drawing/2014/main" xmlns="" id="{D1D0B343-EC0E-4FE5-8A83-97DB22C2B0FE}"/>
               </a:ext>
             </a:extLst>
           </p:cNvPr>
@@ -5066,7 +5540,7 @@
           <p:cNvPr id="4" name="TextBox 3">
             <a:extLst>
               <a:ext uri="{FF2B5EF4-FFF2-40B4-BE49-F238E27FC236}">
-                <a16:creationId xmlns="" xmlns:a16="http://schemas.microsoft.com/office/drawing/2014/main" id="{690C2353-02BE-4642-85DA-78D14370A180}"/>
+                <a16:creationId xmlns:a16="http://schemas.microsoft.com/office/drawing/2014/main" xmlns="" id="{690C2353-02BE-4642-85DA-78D14370A180}"/>
               </a:ext>
             </a:extLst>
           </p:cNvPr>
@@ -5101,7 +5575,7 @@
           <p:cNvPr id="5" name="TextBox 4">
             <a:extLst>
               <a:ext uri="{FF2B5EF4-FFF2-40B4-BE49-F238E27FC236}">
-                <a16:creationId xmlns="" xmlns:a16="http://schemas.microsoft.com/office/drawing/2014/main" id="{C2F07132-D448-4C15-9BFB-E87670F5C6FE}"/>
+                <a16:creationId xmlns:a16="http://schemas.microsoft.com/office/drawing/2014/main" xmlns="" id="{C2F07132-D448-4C15-9BFB-E87670F5C6FE}"/>
               </a:ext>
             </a:extLst>
           </p:cNvPr>
@@ -5136,7 +5610,7 @@
           <p:cNvPr id="6" name="Rectangle: Rounded Corners 5">
             <a:extLst>
               <a:ext uri="{FF2B5EF4-FFF2-40B4-BE49-F238E27FC236}">
-                <a16:creationId xmlns="" xmlns:a16="http://schemas.microsoft.com/office/drawing/2014/main" id="{CD032F2B-AAF7-4DFA-B443-0EC9EF882280}"/>
+                <a16:creationId xmlns:a16="http://schemas.microsoft.com/office/drawing/2014/main" xmlns="" id="{CD032F2B-AAF7-4DFA-B443-0EC9EF882280}"/>
               </a:ext>
             </a:extLst>
           </p:cNvPr>
@@ -5158,7 +5632,7 @@
                   <a14:useLocalDpi xmlns:a14="http://schemas.microsoft.com/office/drawing/2010/main" val="0"/>
                 </a:ext>
                 <a:ext uri="{837473B0-CC2E-450A-ABE3-18F120FF3D39}">
-                  <a1611:picAttrSrcUrl xmlns="" xmlns:a1611="http://schemas.microsoft.com/office/drawing/2016/11/main" r:id="rId3"/>
+                  <a1611:picAttrSrcUrl xmlns:a1611="http://schemas.microsoft.com/office/drawing/2016/11/main" xmlns="" r:id="rId3"/>
                 </a:ext>
               </a:extLst>
             </a:blip>
@@ -5207,7 +5681,7 @@
           <p:cNvPr id="7" name="Rectangle: Rounded Corners 6">
             <a:extLst>
               <a:ext uri="{FF2B5EF4-FFF2-40B4-BE49-F238E27FC236}">
-                <a16:creationId xmlns="" xmlns:a16="http://schemas.microsoft.com/office/drawing/2014/main" id="{47E4AC7D-DEB2-41F7-BE71-AA4A58F596CC}"/>
+                <a16:creationId xmlns:a16="http://schemas.microsoft.com/office/drawing/2014/main" xmlns="" id="{47E4AC7D-DEB2-41F7-BE71-AA4A58F596CC}"/>
               </a:ext>
             </a:extLst>
           </p:cNvPr>
@@ -5229,7 +5703,7 @@
                   <a14:useLocalDpi xmlns:a14="http://schemas.microsoft.com/office/drawing/2010/main" val="0"/>
                 </a:ext>
                 <a:ext uri="{837473B0-CC2E-450A-ABE3-18F120FF3D39}">
-                  <a1611:picAttrSrcUrl xmlns="" xmlns:a1611="http://schemas.microsoft.com/office/drawing/2016/11/main" r:id="rId5"/>
+                  <a1611:picAttrSrcUrl xmlns:a1611="http://schemas.microsoft.com/office/drawing/2016/11/main" xmlns="" r:id="rId5"/>
                 </a:ext>
               </a:extLst>
             </a:blip>
@@ -5278,7 +5752,7 @@
           <p:cNvPr id="8" name="Rectangle: Rounded Corners 7">
             <a:extLst>
               <a:ext uri="{FF2B5EF4-FFF2-40B4-BE49-F238E27FC236}">
-                <a16:creationId xmlns="" xmlns:a16="http://schemas.microsoft.com/office/drawing/2014/main" id="{568076BC-B447-45DD-BFFC-78D227B93316}"/>
+                <a16:creationId xmlns:a16="http://schemas.microsoft.com/office/drawing/2014/main" xmlns="" id="{568076BC-B447-45DD-BFFC-78D227B93316}"/>
               </a:ext>
             </a:extLst>
           </p:cNvPr>
@@ -5300,7 +5774,7 @@
                   <a14:useLocalDpi xmlns:a14="http://schemas.microsoft.com/office/drawing/2010/main" val="0"/>
                 </a:ext>
                 <a:ext uri="{837473B0-CC2E-450A-ABE3-18F120FF3D39}">
-                  <a1611:picAttrSrcUrl xmlns="" xmlns:a1611="http://schemas.microsoft.com/office/drawing/2016/11/main" r:id="rId7"/>
+                  <a1611:picAttrSrcUrl xmlns:a1611="http://schemas.microsoft.com/office/drawing/2016/11/main" xmlns="" r:id="rId7"/>
                 </a:ext>
               </a:extLst>
             </a:blip>
@@ -5349,7 +5823,7 @@
           <p:cNvPr id="9" name="Rectangle: Rounded Corners 8">
             <a:extLst>
               <a:ext uri="{FF2B5EF4-FFF2-40B4-BE49-F238E27FC236}">
-                <a16:creationId xmlns="" xmlns:a16="http://schemas.microsoft.com/office/drawing/2014/main" id="{A1CA3B86-5D81-4A62-90E7-6A692B96B779}"/>
+                <a16:creationId xmlns:a16="http://schemas.microsoft.com/office/drawing/2014/main" xmlns="" id="{A1CA3B86-5D81-4A62-90E7-6A692B96B779}"/>
               </a:ext>
             </a:extLst>
           </p:cNvPr>
@@ -5371,7 +5845,7 @@
                   <a14:useLocalDpi xmlns:a14="http://schemas.microsoft.com/office/drawing/2010/main" val="0"/>
                 </a:ext>
                 <a:ext uri="{837473B0-CC2E-450A-ABE3-18F120FF3D39}">
-                  <a1611:picAttrSrcUrl xmlns="" xmlns:a1611="http://schemas.microsoft.com/office/drawing/2016/11/main" r:id="rId9"/>
+                  <a1611:picAttrSrcUrl xmlns:a1611="http://schemas.microsoft.com/office/drawing/2016/11/main" xmlns="" r:id="rId9"/>
                 </a:ext>
               </a:extLst>
             </a:blip>
@@ -5420,7 +5894,7 @@
           <p:cNvPr id="10" name="Rectangle: Rounded Corners 9">
             <a:extLst>
               <a:ext uri="{FF2B5EF4-FFF2-40B4-BE49-F238E27FC236}">
-                <a16:creationId xmlns="" xmlns:a16="http://schemas.microsoft.com/office/drawing/2014/main" id="{861CD96B-41CB-4C57-AFE0-DFC936A9912D}"/>
+                <a16:creationId xmlns:a16="http://schemas.microsoft.com/office/drawing/2014/main" xmlns="" id="{861CD96B-41CB-4C57-AFE0-DFC936A9912D}"/>
               </a:ext>
             </a:extLst>
           </p:cNvPr>
@@ -5442,7 +5916,7 @@
                   <a14:useLocalDpi xmlns:a14="http://schemas.microsoft.com/office/drawing/2010/main" val="0"/>
                 </a:ext>
                 <a:ext uri="{837473B0-CC2E-450A-ABE3-18F120FF3D39}">
-                  <a1611:picAttrSrcUrl xmlns="" xmlns:a1611="http://schemas.microsoft.com/office/drawing/2016/11/main" r:id="rId11"/>
+                  <a1611:picAttrSrcUrl xmlns:a1611="http://schemas.microsoft.com/office/drawing/2016/11/main" xmlns="" r:id="rId11"/>
                 </a:ext>
               </a:extLst>
             </a:blip>
@@ -5491,7 +5965,7 @@
           <p:cNvPr id="11" name="Rectangle: Rounded Corners 10">
             <a:extLst>
               <a:ext uri="{FF2B5EF4-FFF2-40B4-BE49-F238E27FC236}">
-                <a16:creationId xmlns="" xmlns:a16="http://schemas.microsoft.com/office/drawing/2014/main" id="{A049D730-445B-41E1-8D86-1636E53E014B}"/>
+                <a16:creationId xmlns:a16="http://schemas.microsoft.com/office/drawing/2014/main" xmlns="" id="{A049D730-445B-41E1-8D86-1636E53E014B}"/>
               </a:ext>
             </a:extLst>
           </p:cNvPr>
@@ -5513,7 +5987,7 @@
                   <a14:useLocalDpi xmlns:a14="http://schemas.microsoft.com/office/drawing/2010/main" val="0"/>
                 </a:ext>
                 <a:ext uri="{837473B0-CC2E-450A-ABE3-18F120FF3D39}">
-                  <a1611:picAttrSrcUrl xmlns="" xmlns:a1611="http://schemas.microsoft.com/office/drawing/2016/11/main" r:id="rId13"/>
+                  <a1611:picAttrSrcUrl xmlns:a1611="http://schemas.microsoft.com/office/drawing/2016/11/main" xmlns="" r:id="rId13"/>
                 </a:ext>
               </a:extLst>
             </a:blip>
@@ -5562,7 +6036,7 @@
           <p:cNvPr id="12" name="Rectangle: Rounded Corners 11">
             <a:extLst>
               <a:ext uri="{FF2B5EF4-FFF2-40B4-BE49-F238E27FC236}">
-                <a16:creationId xmlns="" xmlns:a16="http://schemas.microsoft.com/office/drawing/2014/main" id="{8F16978B-7F5F-4B30-94AA-AC679B3F6D91}"/>
+                <a16:creationId xmlns:a16="http://schemas.microsoft.com/office/drawing/2014/main" xmlns="" id="{8F16978B-7F5F-4B30-94AA-AC679B3F6D91}"/>
               </a:ext>
             </a:extLst>
           </p:cNvPr>
@@ -5584,7 +6058,7 @@
                   <a14:useLocalDpi xmlns:a14="http://schemas.microsoft.com/office/drawing/2010/main" val="0"/>
                 </a:ext>
                 <a:ext uri="{837473B0-CC2E-450A-ABE3-18F120FF3D39}">
-                  <a1611:picAttrSrcUrl xmlns="" xmlns:a1611="http://schemas.microsoft.com/office/drawing/2016/11/main" r:id="rId15"/>
+                  <a1611:picAttrSrcUrl xmlns:a1611="http://schemas.microsoft.com/office/drawing/2016/11/main" xmlns="" r:id="rId15"/>
                 </a:ext>
               </a:extLst>
             </a:blip>
@@ -5633,7 +6107,7 @@
           <p:cNvPr id="17" name="Group 16">
             <a:extLst>
               <a:ext uri="{FF2B5EF4-FFF2-40B4-BE49-F238E27FC236}">
-                <a16:creationId xmlns="" xmlns:a16="http://schemas.microsoft.com/office/drawing/2014/main" id="{C0ECEAF2-7E40-4D12-B72E-5EBB28CDE8E7}"/>
+                <a16:creationId xmlns:a16="http://schemas.microsoft.com/office/drawing/2014/main" xmlns="" id="{C0ECEAF2-7E40-4D12-B72E-5EBB28CDE8E7}"/>
               </a:ext>
             </a:extLst>
           </p:cNvPr>
@@ -5653,7 +6127,7 @@
             <p:cNvPr id="13" name="Rectangle: Rounded Corners 12">
               <a:extLst>
                 <a:ext uri="{FF2B5EF4-FFF2-40B4-BE49-F238E27FC236}">
-                  <a16:creationId xmlns="" xmlns:a16="http://schemas.microsoft.com/office/drawing/2014/main" id="{EEDEE5DB-1CA9-4D70-9B97-B9CF2D1B27C4}"/>
+                  <a16:creationId xmlns:a16="http://schemas.microsoft.com/office/drawing/2014/main" xmlns="" id="{EEDEE5DB-1CA9-4D70-9B97-B9CF2D1B27C4}"/>
                 </a:ext>
               </a:extLst>
             </p:cNvPr>
@@ -5701,7 +6175,7 @@
             <p:cNvPr id="14" name="TextBox 13">
               <a:extLst>
                 <a:ext uri="{FF2B5EF4-FFF2-40B4-BE49-F238E27FC236}">
-                  <a16:creationId xmlns="" xmlns:a16="http://schemas.microsoft.com/office/drawing/2014/main" id="{0119417F-7B8C-4457-B319-890D604EE57E}"/>
+                  <a16:creationId xmlns:a16="http://schemas.microsoft.com/office/drawing/2014/main" xmlns="" id="{0119417F-7B8C-4457-B319-890D604EE57E}"/>
                 </a:ext>
               </a:extLst>
             </p:cNvPr>
@@ -5736,7 +6210,7 @@
             <p:cNvPr id="15" name="Arrow: Down 14">
               <a:extLst>
                 <a:ext uri="{FF2B5EF4-FFF2-40B4-BE49-F238E27FC236}">
-                  <a16:creationId xmlns="" xmlns:a16="http://schemas.microsoft.com/office/drawing/2014/main" id="{BC337AC8-C6AB-459F-A43E-72D57EC55C57}"/>
+                  <a16:creationId xmlns:a16="http://schemas.microsoft.com/office/drawing/2014/main" xmlns="" id="{BC337AC8-C6AB-459F-A43E-72D57EC55C57}"/>
                 </a:ext>
               </a:extLst>
             </p:cNvPr>
@@ -5782,7 +6256,7 @@
             <p:cNvPr id="16" name="TextBox 15">
               <a:extLst>
                 <a:ext uri="{FF2B5EF4-FFF2-40B4-BE49-F238E27FC236}">
-                  <a16:creationId xmlns="" xmlns:a16="http://schemas.microsoft.com/office/drawing/2014/main" id="{7CC6FE22-9E6F-433A-83BF-C50D146F26C0}"/>
+                  <a16:creationId xmlns:a16="http://schemas.microsoft.com/office/drawing/2014/main" xmlns="" id="{7CC6FE22-9E6F-433A-83BF-C50D146F26C0}"/>
                 </a:ext>
               </a:extLst>
             </p:cNvPr>
@@ -5923,7 +6397,7 @@
           <p:cNvPr id="2" name="TextBox 1">
             <a:extLst>
               <a:ext uri="{FF2B5EF4-FFF2-40B4-BE49-F238E27FC236}">
-                <a16:creationId xmlns="" xmlns:a16="http://schemas.microsoft.com/office/drawing/2014/main" id="{29D59A62-E70A-49C9-8024-60EF785867C5}"/>
+                <a16:creationId xmlns:a16="http://schemas.microsoft.com/office/drawing/2014/main" xmlns="" id="{29D59A62-E70A-49C9-8024-60EF785867C5}"/>
               </a:ext>
             </a:extLst>
           </p:cNvPr>
@@ -5958,7 +6432,7 @@
           <p:cNvPr id="32" name="Group 31">
             <a:extLst>
               <a:ext uri="{FF2B5EF4-FFF2-40B4-BE49-F238E27FC236}">
-                <a16:creationId xmlns="" xmlns:a16="http://schemas.microsoft.com/office/drawing/2014/main" id="{6AF792DB-27EB-4946-B828-927148B49FD0}"/>
+                <a16:creationId xmlns:a16="http://schemas.microsoft.com/office/drawing/2014/main" xmlns="" id="{6AF792DB-27EB-4946-B828-927148B49FD0}"/>
               </a:ext>
             </a:extLst>
           </p:cNvPr>
@@ -5978,7 +6452,7 @@
             <p:cNvPr id="9" name="Rectangle: Rounded Corners 8">
               <a:extLst>
                 <a:ext uri="{FF2B5EF4-FFF2-40B4-BE49-F238E27FC236}">
-                  <a16:creationId xmlns="" xmlns:a16="http://schemas.microsoft.com/office/drawing/2014/main" id="{F52F6091-4484-4315-8271-D721DF502976}"/>
+                  <a16:creationId xmlns:a16="http://schemas.microsoft.com/office/drawing/2014/main" xmlns="" id="{F52F6091-4484-4315-8271-D721DF502976}"/>
                 </a:ext>
               </a:extLst>
             </p:cNvPr>
@@ -6027,7 +6501,7 @@
             <p:cNvPr id="10" name="Rectangle: Rounded Corners 9">
               <a:extLst>
                 <a:ext uri="{FF2B5EF4-FFF2-40B4-BE49-F238E27FC236}">
-                  <a16:creationId xmlns="" xmlns:a16="http://schemas.microsoft.com/office/drawing/2014/main" id="{2310663F-5B97-40FF-920E-495A0A70C9B0}"/>
+                  <a16:creationId xmlns:a16="http://schemas.microsoft.com/office/drawing/2014/main" xmlns="" id="{2310663F-5B97-40FF-920E-495A0A70C9B0}"/>
                 </a:ext>
               </a:extLst>
             </p:cNvPr>
@@ -6076,7 +6550,7 @@
             <p:cNvPr id="11" name="Rectangle: Rounded Corners 10">
               <a:extLst>
                 <a:ext uri="{FF2B5EF4-FFF2-40B4-BE49-F238E27FC236}">
-                  <a16:creationId xmlns="" xmlns:a16="http://schemas.microsoft.com/office/drawing/2014/main" id="{F6C94883-0A49-40E2-8854-58DFD485F1D1}"/>
+                  <a16:creationId xmlns:a16="http://schemas.microsoft.com/office/drawing/2014/main" xmlns="" id="{F6C94883-0A49-40E2-8854-58DFD485F1D1}"/>
                 </a:ext>
               </a:extLst>
             </p:cNvPr>
@@ -6125,7 +6599,7 @@
             <p:cNvPr id="12" name="Rectangle: Rounded Corners 11">
               <a:extLst>
                 <a:ext uri="{FF2B5EF4-FFF2-40B4-BE49-F238E27FC236}">
-                  <a16:creationId xmlns="" xmlns:a16="http://schemas.microsoft.com/office/drawing/2014/main" id="{B6519773-B1CF-4173-87A4-FFCD3C1ACF40}"/>
+                  <a16:creationId xmlns:a16="http://schemas.microsoft.com/office/drawing/2014/main" xmlns="" id="{B6519773-B1CF-4173-87A4-FFCD3C1ACF40}"/>
                 </a:ext>
               </a:extLst>
             </p:cNvPr>
@@ -6174,7 +6648,7 @@
             <p:cNvPr id="13" name="Rectangle: Rounded Corners 12">
               <a:extLst>
                 <a:ext uri="{FF2B5EF4-FFF2-40B4-BE49-F238E27FC236}">
-                  <a16:creationId xmlns="" xmlns:a16="http://schemas.microsoft.com/office/drawing/2014/main" id="{A96382AD-81C6-45AA-A98B-2EADBADC8038}"/>
+                  <a16:creationId xmlns:a16="http://schemas.microsoft.com/office/drawing/2014/main" xmlns="" id="{A96382AD-81C6-45AA-A98B-2EADBADC8038}"/>
                 </a:ext>
               </a:extLst>
             </p:cNvPr>
@@ -6223,7 +6697,7 @@
             <p:cNvPr id="14" name="Rectangle: Rounded Corners 13">
               <a:extLst>
                 <a:ext uri="{FF2B5EF4-FFF2-40B4-BE49-F238E27FC236}">
-                  <a16:creationId xmlns="" xmlns:a16="http://schemas.microsoft.com/office/drawing/2014/main" id="{012613B4-719D-4D3F-BDEF-E322707EAB6E}"/>
+                  <a16:creationId xmlns:a16="http://schemas.microsoft.com/office/drawing/2014/main" xmlns="" id="{012613B4-719D-4D3F-BDEF-E322707EAB6E}"/>
                 </a:ext>
               </a:extLst>
             </p:cNvPr>
@@ -6272,7 +6746,7 @@
             <p:cNvPr id="15" name="Rectangle: Rounded Corners 14">
               <a:extLst>
                 <a:ext uri="{FF2B5EF4-FFF2-40B4-BE49-F238E27FC236}">
-                  <a16:creationId xmlns="" xmlns:a16="http://schemas.microsoft.com/office/drawing/2014/main" id="{8356F25B-8AAD-43B4-B975-53C23791B5D7}"/>
+                  <a16:creationId xmlns:a16="http://schemas.microsoft.com/office/drawing/2014/main" xmlns="" id="{8356F25B-8AAD-43B4-B975-53C23791B5D7}"/>
                 </a:ext>
               </a:extLst>
             </p:cNvPr>
@@ -6321,7 +6795,7 @@
             <p:cNvPr id="16" name="Rectangle: Rounded Corners 15">
               <a:extLst>
                 <a:ext uri="{FF2B5EF4-FFF2-40B4-BE49-F238E27FC236}">
-                  <a16:creationId xmlns="" xmlns:a16="http://schemas.microsoft.com/office/drawing/2014/main" id="{4E99C617-9232-4DA2-B034-4A528711A525}"/>
+                  <a16:creationId xmlns:a16="http://schemas.microsoft.com/office/drawing/2014/main" xmlns="" id="{4E99C617-9232-4DA2-B034-4A528711A525}"/>
                 </a:ext>
               </a:extLst>
             </p:cNvPr>
@@ -6370,7 +6844,7 @@
             <p:cNvPr id="17" name="Rectangle: Rounded Corners 16">
               <a:extLst>
                 <a:ext uri="{FF2B5EF4-FFF2-40B4-BE49-F238E27FC236}">
-                  <a16:creationId xmlns="" xmlns:a16="http://schemas.microsoft.com/office/drawing/2014/main" id="{BCDE1A8E-590A-4425-9156-81F19717AC97}"/>
+                  <a16:creationId xmlns:a16="http://schemas.microsoft.com/office/drawing/2014/main" xmlns="" id="{BCDE1A8E-590A-4425-9156-81F19717AC97}"/>
                 </a:ext>
               </a:extLst>
             </p:cNvPr>
@@ -6419,7 +6893,7 @@
             <p:cNvPr id="18" name="Rectangle: Rounded Corners 17">
               <a:extLst>
                 <a:ext uri="{FF2B5EF4-FFF2-40B4-BE49-F238E27FC236}">
-                  <a16:creationId xmlns="" xmlns:a16="http://schemas.microsoft.com/office/drawing/2014/main" id="{926D988B-A87F-472F-A083-9EDC41AD2618}"/>
+                  <a16:creationId xmlns:a16="http://schemas.microsoft.com/office/drawing/2014/main" xmlns="" id="{926D988B-A87F-472F-A083-9EDC41AD2618}"/>
                 </a:ext>
               </a:extLst>
             </p:cNvPr>
@@ -6468,7 +6942,7 @@
             <p:cNvPr id="19" name="Rectangle: Rounded Corners 18">
               <a:extLst>
                 <a:ext uri="{FF2B5EF4-FFF2-40B4-BE49-F238E27FC236}">
-                  <a16:creationId xmlns="" xmlns:a16="http://schemas.microsoft.com/office/drawing/2014/main" id="{F67626E6-E695-4A99-BC0E-35D1AB104E50}"/>
+                  <a16:creationId xmlns:a16="http://schemas.microsoft.com/office/drawing/2014/main" xmlns="" id="{F67626E6-E695-4A99-BC0E-35D1AB104E50}"/>
                 </a:ext>
               </a:extLst>
             </p:cNvPr>
@@ -6517,7 +6991,7 @@
             <p:cNvPr id="20" name="Rectangle: Rounded Corners 19">
               <a:extLst>
                 <a:ext uri="{FF2B5EF4-FFF2-40B4-BE49-F238E27FC236}">
-                  <a16:creationId xmlns="" xmlns:a16="http://schemas.microsoft.com/office/drawing/2014/main" id="{0BC1A1BA-133D-4651-89DD-A802FE7AD3B4}"/>
+                  <a16:creationId xmlns:a16="http://schemas.microsoft.com/office/drawing/2014/main" xmlns="" id="{0BC1A1BA-133D-4651-89DD-A802FE7AD3B4}"/>
                 </a:ext>
               </a:extLst>
             </p:cNvPr>
@@ -6566,7 +7040,7 @@
             <p:cNvPr id="21" name="Rectangle: Rounded Corners 20">
               <a:extLst>
                 <a:ext uri="{FF2B5EF4-FFF2-40B4-BE49-F238E27FC236}">
-                  <a16:creationId xmlns="" xmlns:a16="http://schemas.microsoft.com/office/drawing/2014/main" id="{7B782F5A-F16F-49BE-BCF3-F27C57FA816E}"/>
+                  <a16:creationId xmlns:a16="http://schemas.microsoft.com/office/drawing/2014/main" xmlns="" id="{7B782F5A-F16F-49BE-BCF3-F27C57FA816E}"/>
                 </a:ext>
               </a:extLst>
             </p:cNvPr>
@@ -6615,7 +7089,7 @@
             <p:cNvPr id="22" name="Rectangle: Rounded Corners 21">
               <a:extLst>
                 <a:ext uri="{FF2B5EF4-FFF2-40B4-BE49-F238E27FC236}">
-                  <a16:creationId xmlns="" xmlns:a16="http://schemas.microsoft.com/office/drawing/2014/main" id="{C8606D9E-3608-46EE-BD13-8A9EFA39A8E1}"/>
+                  <a16:creationId xmlns:a16="http://schemas.microsoft.com/office/drawing/2014/main" xmlns="" id="{C8606D9E-3608-46EE-BD13-8A9EFA39A8E1}"/>
                 </a:ext>
               </a:extLst>
             </p:cNvPr>
@@ -6667,7 +7141,7 @@
             <p:cNvPr id="23" name="Rectangle: Rounded Corners 22">
               <a:extLst>
                 <a:ext uri="{FF2B5EF4-FFF2-40B4-BE49-F238E27FC236}">
-                  <a16:creationId xmlns="" xmlns:a16="http://schemas.microsoft.com/office/drawing/2014/main" id="{E1196CC7-6DDA-404B-AF85-E65601277E39}"/>
+                  <a16:creationId xmlns:a16="http://schemas.microsoft.com/office/drawing/2014/main" xmlns="" id="{E1196CC7-6DDA-404B-AF85-E65601277E39}"/>
                 </a:ext>
               </a:extLst>
             </p:cNvPr>
@@ -6716,7 +7190,7 @@
             <p:cNvPr id="24" name="Rectangle: Rounded Corners 23">
               <a:extLst>
                 <a:ext uri="{FF2B5EF4-FFF2-40B4-BE49-F238E27FC236}">
-                  <a16:creationId xmlns="" xmlns:a16="http://schemas.microsoft.com/office/drawing/2014/main" id="{7FD89A78-7417-4FDF-912E-8B8C94A48710}"/>
+                  <a16:creationId xmlns:a16="http://schemas.microsoft.com/office/drawing/2014/main" xmlns="" id="{7FD89A78-7417-4FDF-912E-8B8C94A48710}"/>
                 </a:ext>
               </a:extLst>
             </p:cNvPr>
@@ -6765,7 +7239,7 @@
             <p:cNvPr id="27" name="TextBox 26">
               <a:extLst>
                 <a:ext uri="{FF2B5EF4-FFF2-40B4-BE49-F238E27FC236}">
-                  <a16:creationId xmlns="" xmlns:a16="http://schemas.microsoft.com/office/drawing/2014/main" id="{E4F407CD-2FFC-4252-A8CA-D6A66AFF85C8}"/>
+                  <a16:creationId xmlns:a16="http://schemas.microsoft.com/office/drawing/2014/main" xmlns="" id="{E4F407CD-2FFC-4252-A8CA-D6A66AFF85C8}"/>
                 </a:ext>
               </a:extLst>
             </p:cNvPr>
@@ -6824,7 +7298,7 @@
             <p:cNvPr id="28" name="TextBox 27">
               <a:extLst>
                 <a:ext uri="{FF2B5EF4-FFF2-40B4-BE49-F238E27FC236}">
-                  <a16:creationId xmlns="" xmlns:a16="http://schemas.microsoft.com/office/drawing/2014/main" id="{EB2DBE27-2CEF-41E4-AFA4-D2166DC3D968}"/>
+                  <a16:creationId xmlns:a16="http://schemas.microsoft.com/office/drawing/2014/main" xmlns="" id="{EB2DBE27-2CEF-41E4-AFA4-D2166DC3D968}"/>
                 </a:ext>
               </a:extLst>
             </p:cNvPr>
@@ -6883,7 +7357,7 @@
             <p:cNvPr id="29" name="TextBox 28">
               <a:extLst>
                 <a:ext uri="{FF2B5EF4-FFF2-40B4-BE49-F238E27FC236}">
-                  <a16:creationId xmlns="" xmlns:a16="http://schemas.microsoft.com/office/drawing/2014/main" id="{62513543-586A-4205-BD35-217991FCA942}"/>
+                  <a16:creationId xmlns:a16="http://schemas.microsoft.com/office/drawing/2014/main" xmlns="" id="{62513543-586A-4205-BD35-217991FCA942}"/>
                 </a:ext>
               </a:extLst>
             </p:cNvPr>
@@ -6942,7 +7416,7 @@
             <p:cNvPr id="31" name="TextBox 30">
               <a:extLst>
                 <a:ext uri="{FF2B5EF4-FFF2-40B4-BE49-F238E27FC236}">
-                  <a16:creationId xmlns="" xmlns:a16="http://schemas.microsoft.com/office/drawing/2014/main" id="{4685DCCA-212F-42B9-A547-BADB68EC13F9}"/>
+                  <a16:creationId xmlns:a16="http://schemas.microsoft.com/office/drawing/2014/main" xmlns="" id="{4685DCCA-212F-42B9-A547-BADB68EC13F9}"/>
                 </a:ext>
               </a:extLst>
             </p:cNvPr>
@@ -7032,7 +7506,7 @@
           <p:cNvPr id="2" name="TextBox 1">
             <a:extLst>
               <a:ext uri="{FF2B5EF4-FFF2-40B4-BE49-F238E27FC236}">
-                <a16:creationId xmlns="" xmlns:a16="http://schemas.microsoft.com/office/drawing/2014/main" id="{29D59A62-E70A-49C9-8024-60EF785867C5}"/>
+                <a16:creationId xmlns:a16="http://schemas.microsoft.com/office/drawing/2014/main" xmlns="" id="{29D59A62-E70A-49C9-8024-60EF785867C5}"/>
               </a:ext>
             </a:extLst>
           </p:cNvPr>
@@ -7067,7 +7541,7 @@
           <p:cNvPr id="4" name="Group 3">
             <a:extLst>
               <a:ext uri="{FF2B5EF4-FFF2-40B4-BE49-F238E27FC236}">
-                <a16:creationId xmlns="" xmlns:a16="http://schemas.microsoft.com/office/drawing/2014/main" id="{B0F207C1-ADED-422B-8AD3-B6E8F0965A94}"/>
+                <a16:creationId xmlns:a16="http://schemas.microsoft.com/office/drawing/2014/main" xmlns="" id="{B0F207C1-ADED-422B-8AD3-B6E8F0965A94}"/>
               </a:ext>
             </a:extLst>
           </p:cNvPr>
@@ -7087,7 +7561,7 @@
             <p:cNvPr id="9" name="Rectangle: Rounded Corners 8">
               <a:extLst>
                 <a:ext uri="{FF2B5EF4-FFF2-40B4-BE49-F238E27FC236}">
-                  <a16:creationId xmlns="" xmlns:a16="http://schemas.microsoft.com/office/drawing/2014/main" id="{F52F6091-4484-4315-8271-D721DF502976}"/>
+                  <a16:creationId xmlns:a16="http://schemas.microsoft.com/office/drawing/2014/main" xmlns="" id="{F52F6091-4484-4315-8271-D721DF502976}"/>
                 </a:ext>
               </a:extLst>
             </p:cNvPr>
@@ -7144,7 +7618,7 @@
             <p:cNvPr id="10" name="Rectangle: Rounded Corners 9">
               <a:extLst>
                 <a:ext uri="{FF2B5EF4-FFF2-40B4-BE49-F238E27FC236}">
-                  <a16:creationId xmlns="" xmlns:a16="http://schemas.microsoft.com/office/drawing/2014/main" id="{2310663F-5B97-40FF-920E-495A0A70C9B0}"/>
+                  <a16:creationId xmlns:a16="http://schemas.microsoft.com/office/drawing/2014/main" xmlns="" id="{2310663F-5B97-40FF-920E-495A0A70C9B0}"/>
                 </a:ext>
               </a:extLst>
             </p:cNvPr>
@@ -7193,7 +7667,7 @@
             <p:cNvPr id="11" name="Rectangle: Rounded Corners 10">
               <a:extLst>
                 <a:ext uri="{FF2B5EF4-FFF2-40B4-BE49-F238E27FC236}">
-                  <a16:creationId xmlns="" xmlns:a16="http://schemas.microsoft.com/office/drawing/2014/main" id="{F6C94883-0A49-40E2-8854-58DFD485F1D1}"/>
+                  <a16:creationId xmlns:a16="http://schemas.microsoft.com/office/drawing/2014/main" xmlns="" id="{F6C94883-0A49-40E2-8854-58DFD485F1D1}"/>
                 </a:ext>
               </a:extLst>
             </p:cNvPr>
@@ -7242,7 +7716,7 @@
             <p:cNvPr id="12" name="Rectangle: Rounded Corners 11">
               <a:extLst>
                 <a:ext uri="{FF2B5EF4-FFF2-40B4-BE49-F238E27FC236}">
-                  <a16:creationId xmlns="" xmlns:a16="http://schemas.microsoft.com/office/drawing/2014/main" id="{B6519773-B1CF-4173-87A4-FFCD3C1ACF40}"/>
+                  <a16:creationId xmlns:a16="http://schemas.microsoft.com/office/drawing/2014/main" xmlns="" id="{B6519773-B1CF-4173-87A4-FFCD3C1ACF40}"/>
                 </a:ext>
               </a:extLst>
             </p:cNvPr>
@@ -7299,7 +7773,7 @@
             <p:cNvPr id="13" name="Rectangle: Rounded Corners 12">
               <a:extLst>
                 <a:ext uri="{FF2B5EF4-FFF2-40B4-BE49-F238E27FC236}">
-                  <a16:creationId xmlns="" xmlns:a16="http://schemas.microsoft.com/office/drawing/2014/main" id="{A96382AD-81C6-45AA-A98B-2EADBADC8038}"/>
+                  <a16:creationId xmlns:a16="http://schemas.microsoft.com/office/drawing/2014/main" xmlns="" id="{A96382AD-81C6-45AA-A98B-2EADBADC8038}"/>
                 </a:ext>
               </a:extLst>
             </p:cNvPr>
@@ -7348,7 +7822,7 @@
             <p:cNvPr id="14" name="Rectangle: Rounded Corners 13">
               <a:extLst>
                 <a:ext uri="{FF2B5EF4-FFF2-40B4-BE49-F238E27FC236}">
-                  <a16:creationId xmlns="" xmlns:a16="http://schemas.microsoft.com/office/drawing/2014/main" id="{012613B4-719D-4D3F-BDEF-E322707EAB6E}"/>
+                  <a16:creationId xmlns:a16="http://schemas.microsoft.com/office/drawing/2014/main" xmlns="" id="{012613B4-719D-4D3F-BDEF-E322707EAB6E}"/>
                 </a:ext>
               </a:extLst>
             </p:cNvPr>
@@ -7397,7 +7871,7 @@
             <p:cNvPr id="15" name="Rectangle: Rounded Corners 14">
               <a:extLst>
                 <a:ext uri="{FF2B5EF4-FFF2-40B4-BE49-F238E27FC236}">
-                  <a16:creationId xmlns="" xmlns:a16="http://schemas.microsoft.com/office/drawing/2014/main" id="{8356F25B-8AAD-43B4-B975-53C23791B5D7}"/>
+                  <a16:creationId xmlns:a16="http://schemas.microsoft.com/office/drawing/2014/main" xmlns="" id="{8356F25B-8AAD-43B4-B975-53C23791B5D7}"/>
                 </a:ext>
               </a:extLst>
             </p:cNvPr>
@@ -7446,7 +7920,7 @@
             <p:cNvPr id="16" name="Rectangle: Rounded Corners 15">
               <a:extLst>
                 <a:ext uri="{FF2B5EF4-FFF2-40B4-BE49-F238E27FC236}">
-                  <a16:creationId xmlns="" xmlns:a16="http://schemas.microsoft.com/office/drawing/2014/main" id="{4E99C617-9232-4DA2-B034-4A528711A525}"/>
+                  <a16:creationId xmlns:a16="http://schemas.microsoft.com/office/drawing/2014/main" xmlns="" id="{4E99C617-9232-4DA2-B034-4A528711A525}"/>
                 </a:ext>
               </a:extLst>
             </p:cNvPr>
@@ -7503,7 +7977,7 @@
             <p:cNvPr id="17" name="Rectangle: Rounded Corners 16">
               <a:extLst>
                 <a:ext uri="{FF2B5EF4-FFF2-40B4-BE49-F238E27FC236}">
-                  <a16:creationId xmlns="" xmlns:a16="http://schemas.microsoft.com/office/drawing/2014/main" id="{BCDE1A8E-590A-4425-9156-81F19717AC97}"/>
+                  <a16:creationId xmlns:a16="http://schemas.microsoft.com/office/drawing/2014/main" xmlns="" id="{BCDE1A8E-590A-4425-9156-81F19717AC97}"/>
                 </a:ext>
               </a:extLst>
             </p:cNvPr>
@@ -7557,7 +8031,7 @@
             <p:cNvPr id="18" name="Rectangle: Rounded Corners 17">
               <a:extLst>
                 <a:ext uri="{FF2B5EF4-FFF2-40B4-BE49-F238E27FC236}">
-                  <a16:creationId xmlns="" xmlns:a16="http://schemas.microsoft.com/office/drawing/2014/main" id="{926D988B-A87F-472F-A083-9EDC41AD2618}"/>
+                  <a16:creationId xmlns:a16="http://schemas.microsoft.com/office/drawing/2014/main" xmlns="" id="{926D988B-A87F-472F-A083-9EDC41AD2618}"/>
                 </a:ext>
               </a:extLst>
             </p:cNvPr>
@@ -7606,7 +8080,7 @@
             <p:cNvPr id="19" name="Rectangle: Rounded Corners 18">
               <a:extLst>
                 <a:ext uri="{FF2B5EF4-FFF2-40B4-BE49-F238E27FC236}">
-                  <a16:creationId xmlns="" xmlns:a16="http://schemas.microsoft.com/office/drawing/2014/main" id="{F67626E6-E695-4A99-BC0E-35D1AB104E50}"/>
+                  <a16:creationId xmlns:a16="http://schemas.microsoft.com/office/drawing/2014/main" xmlns="" id="{F67626E6-E695-4A99-BC0E-35D1AB104E50}"/>
                 </a:ext>
               </a:extLst>
             </p:cNvPr>
@@ -7655,7 +8129,7 @@
             <p:cNvPr id="20" name="Rectangle: Rounded Corners 19">
               <a:extLst>
                 <a:ext uri="{FF2B5EF4-FFF2-40B4-BE49-F238E27FC236}">
-                  <a16:creationId xmlns="" xmlns:a16="http://schemas.microsoft.com/office/drawing/2014/main" id="{0BC1A1BA-133D-4651-89DD-A802FE7AD3B4}"/>
+                  <a16:creationId xmlns:a16="http://schemas.microsoft.com/office/drawing/2014/main" xmlns="" id="{0BC1A1BA-133D-4651-89DD-A802FE7AD3B4}"/>
                 </a:ext>
               </a:extLst>
             </p:cNvPr>
@@ -7709,7 +8183,7 @@
             <p:cNvPr id="21" name="Rectangle: Rounded Corners 20">
               <a:extLst>
                 <a:ext uri="{FF2B5EF4-FFF2-40B4-BE49-F238E27FC236}">
-                  <a16:creationId xmlns="" xmlns:a16="http://schemas.microsoft.com/office/drawing/2014/main" id="{7B782F5A-F16F-49BE-BCF3-F27C57FA816E}"/>
+                  <a16:creationId xmlns:a16="http://schemas.microsoft.com/office/drawing/2014/main" xmlns="" id="{7B782F5A-F16F-49BE-BCF3-F27C57FA816E}"/>
                 </a:ext>
               </a:extLst>
             </p:cNvPr>
@@ -7758,7 +8232,7 @@
             <p:cNvPr id="22" name="Rectangle: Rounded Corners 21">
               <a:extLst>
                 <a:ext uri="{FF2B5EF4-FFF2-40B4-BE49-F238E27FC236}">
-                  <a16:creationId xmlns="" xmlns:a16="http://schemas.microsoft.com/office/drawing/2014/main" id="{C8606D9E-3608-46EE-BD13-8A9EFA39A8E1}"/>
+                  <a16:creationId xmlns:a16="http://schemas.microsoft.com/office/drawing/2014/main" xmlns="" id="{C8606D9E-3608-46EE-BD13-8A9EFA39A8E1}"/>
                 </a:ext>
               </a:extLst>
             </p:cNvPr>
@@ -7810,7 +8284,7 @@
             <p:cNvPr id="23" name="Rectangle: Rounded Corners 22">
               <a:extLst>
                 <a:ext uri="{FF2B5EF4-FFF2-40B4-BE49-F238E27FC236}">
-                  <a16:creationId xmlns="" xmlns:a16="http://schemas.microsoft.com/office/drawing/2014/main" id="{E1196CC7-6DDA-404B-AF85-E65601277E39}"/>
+                  <a16:creationId xmlns:a16="http://schemas.microsoft.com/office/drawing/2014/main" xmlns="" id="{E1196CC7-6DDA-404B-AF85-E65601277E39}"/>
                 </a:ext>
               </a:extLst>
             </p:cNvPr>
@@ -7859,7 +8333,7 @@
             <p:cNvPr id="24" name="Rectangle: Rounded Corners 23">
               <a:extLst>
                 <a:ext uri="{FF2B5EF4-FFF2-40B4-BE49-F238E27FC236}">
-                  <a16:creationId xmlns="" xmlns:a16="http://schemas.microsoft.com/office/drawing/2014/main" id="{7FD89A78-7417-4FDF-912E-8B8C94A48710}"/>
+                  <a16:creationId xmlns:a16="http://schemas.microsoft.com/office/drawing/2014/main" xmlns="" id="{7FD89A78-7417-4FDF-912E-8B8C94A48710}"/>
                 </a:ext>
               </a:extLst>
             </p:cNvPr>
@@ -7913,7 +8387,7 @@
             <p:cNvPr id="27" name="TextBox 26">
               <a:extLst>
                 <a:ext uri="{FF2B5EF4-FFF2-40B4-BE49-F238E27FC236}">
-                  <a16:creationId xmlns="" xmlns:a16="http://schemas.microsoft.com/office/drawing/2014/main" id="{E4F407CD-2FFC-4252-A8CA-D6A66AFF85C8}"/>
+                  <a16:creationId xmlns:a16="http://schemas.microsoft.com/office/drawing/2014/main" xmlns="" id="{E4F407CD-2FFC-4252-A8CA-D6A66AFF85C8}"/>
                 </a:ext>
               </a:extLst>
             </p:cNvPr>
@@ -7972,7 +8446,7 @@
             <p:cNvPr id="28" name="TextBox 27">
               <a:extLst>
                 <a:ext uri="{FF2B5EF4-FFF2-40B4-BE49-F238E27FC236}">
-                  <a16:creationId xmlns="" xmlns:a16="http://schemas.microsoft.com/office/drawing/2014/main" id="{EB2DBE27-2CEF-41E4-AFA4-D2166DC3D968}"/>
+                  <a16:creationId xmlns:a16="http://schemas.microsoft.com/office/drawing/2014/main" xmlns="" id="{EB2DBE27-2CEF-41E4-AFA4-D2166DC3D968}"/>
                 </a:ext>
               </a:extLst>
             </p:cNvPr>
@@ -8031,7 +8505,7 @@
             <p:cNvPr id="29" name="TextBox 28">
               <a:extLst>
                 <a:ext uri="{FF2B5EF4-FFF2-40B4-BE49-F238E27FC236}">
-                  <a16:creationId xmlns="" xmlns:a16="http://schemas.microsoft.com/office/drawing/2014/main" id="{62513543-586A-4205-BD35-217991FCA942}"/>
+                  <a16:creationId xmlns:a16="http://schemas.microsoft.com/office/drawing/2014/main" xmlns="" id="{62513543-586A-4205-BD35-217991FCA942}"/>
                 </a:ext>
               </a:extLst>
             </p:cNvPr>
@@ -8090,7 +8564,7 @@
             <p:cNvPr id="35" name="TextBox 34">
               <a:extLst>
                 <a:ext uri="{FF2B5EF4-FFF2-40B4-BE49-F238E27FC236}">
-                  <a16:creationId xmlns="" xmlns:a16="http://schemas.microsoft.com/office/drawing/2014/main" id="{81C18030-13F8-40B6-AC34-A6F076ED57BF}"/>
+                  <a16:creationId xmlns:a16="http://schemas.microsoft.com/office/drawing/2014/main" xmlns="" id="{81C18030-13F8-40B6-AC34-A6F076ED57BF}"/>
                 </a:ext>
               </a:extLst>
             </p:cNvPr>
@@ -8180,7 +8654,7 @@
           <p:cNvPr id="2" name="TextBox 1">
             <a:extLst>
               <a:ext uri="{FF2B5EF4-FFF2-40B4-BE49-F238E27FC236}">
-                <a16:creationId xmlns="" xmlns:a16="http://schemas.microsoft.com/office/drawing/2014/main" id="{E52715F9-5F16-40CE-A04B-CF83EA31FBBF}"/>
+                <a16:creationId xmlns:a16="http://schemas.microsoft.com/office/drawing/2014/main" xmlns="" id="{E52715F9-5F16-40CE-A04B-CF83EA31FBBF}"/>
               </a:ext>
             </a:extLst>
           </p:cNvPr>
@@ -8227,7 +8701,7 @@
           <p:cNvPr id="4" name="TextBox 3">
             <a:extLst>
               <a:ext uri="{FF2B5EF4-FFF2-40B4-BE49-F238E27FC236}">
-                <a16:creationId xmlns="" xmlns:a16="http://schemas.microsoft.com/office/drawing/2014/main" id="{B202A72A-202B-415D-B39F-6FE5382C4849}"/>
+                <a16:creationId xmlns:a16="http://schemas.microsoft.com/office/drawing/2014/main" xmlns="" id="{B202A72A-202B-415D-B39F-6FE5382C4849}"/>
               </a:ext>
             </a:extLst>
           </p:cNvPr>
@@ -8313,7 +8787,7 @@
           <p:cNvPr id="2" name="TextBox 1">
             <a:extLst>
               <a:ext uri="{FF2B5EF4-FFF2-40B4-BE49-F238E27FC236}">
-                <a16:creationId xmlns="" xmlns:a16="http://schemas.microsoft.com/office/drawing/2014/main" id="{0B2F962F-478E-41EE-8A61-25FFDB01A5BB}"/>
+                <a16:creationId xmlns:a16="http://schemas.microsoft.com/office/drawing/2014/main" xmlns="" id="{0B2F962F-478E-41EE-8A61-25FFDB01A5BB}"/>
               </a:ext>
             </a:extLst>
           </p:cNvPr>
@@ -8348,7 +8822,7 @@
           <p:cNvPr id="3" name="Picture 2">
             <a:extLst>
               <a:ext uri="{FF2B5EF4-FFF2-40B4-BE49-F238E27FC236}">
-                <a16:creationId xmlns="" xmlns:a16="http://schemas.microsoft.com/office/drawing/2014/main" id="{1F3D482E-9F08-4286-BADC-6102EDFBCFEF}"/>
+                <a16:creationId xmlns:a16="http://schemas.microsoft.com/office/drawing/2014/main" xmlns="" id="{1F3D482E-9F08-4286-BADC-6102EDFBCFEF}"/>
               </a:ext>
             </a:extLst>
           </p:cNvPr>
@@ -8378,7 +8852,7 @@
           <p:cNvPr id="4" name="Rectangle: Rounded Corners 3">
             <a:extLst>
               <a:ext uri="{FF2B5EF4-FFF2-40B4-BE49-F238E27FC236}">
-                <a16:creationId xmlns="" xmlns:a16="http://schemas.microsoft.com/office/drawing/2014/main" id="{6E5D743D-4B8E-4A64-8FF9-0309B5CBF38E}"/>
+                <a16:creationId xmlns:a16="http://schemas.microsoft.com/office/drawing/2014/main" xmlns="" id="{6E5D743D-4B8E-4A64-8FF9-0309B5CBF38E}"/>
               </a:ext>
             </a:extLst>
           </p:cNvPr>
@@ -8427,7 +8901,7 @@
           <p:cNvPr id="5" name="Rectangle: Rounded Corners 4">
             <a:extLst>
               <a:ext uri="{FF2B5EF4-FFF2-40B4-BE49-F238E27FC236}">
-                <a16:creationId xmlns="" xmlns:a16="http://schemas.microsoft.com/office/drawing/2014/main" id="{B2563DD1-0E21-4485-BF64-BEE30290C5BB}"/>
+                <a16:creationId xmlns:a16="http://schemas.microsoft.com/office/drawing/2014/main" xmlns="" id="{B2563DD1-0E21-4485-BF64-BEE30290C5BB}"/>
               </a:ext>
             </a:extLst>
           </p:cNvPr>
@@ -8476,7 +8950,7 @@
           <p:cNvPr id="6" name="Rectangle: Rounded Corners 5">
             <a:extLst>
               <a:ext uri="{FF2B5EF4-FFF2-40B4-BE49-F238E27FC236}">
-                <a16:creationId xmlns="" xmlns:a16="http://schemas.microsoft.com/office/drawing/2014/main" id="{96EC9A64-4F95-4F7B-8C2D-15597EBF4B68}"/>
+                <a16:creationId xmlns:a16="http://schemas.microsoft.com/office/drawing/2014/main" xmlns="" id="{96EC9A64-4F95-4F7B-8C2D-15597EBF4B68}"/>
               </a:ext>
             </a:extLst>
           </p:cNvPr>
@@ -8525,7 +8999,7 @@
           <p:cNvPr id="7" name="Arrow: Left 6">
             <a:extLst>
               <a:ext uri="{FF2B5EF4-FFF2-40B4-BE49-F238E27FC236}">
-                <a16:creationId xmlns="" xmlns:a16="http://schemas.microsoft.com/office/drawing/2014/main" id="{E436EB20-076C-4527-ACE7-693F2E5C2E40}"/>
+                <a16:creationId xmlns:a16="http://schemas.microsoft.com/office/drawing/2014/main" xmlns="" id="{E436EB20-076C-4527-ACE7-693F2E5C2E40}"/>
               </a:ext>
             </a:extLst>
           </p:cNvPr>
@@ -8571,7 +9045,7 @@
           <p:cNvPr id="8" name="Arrow: Left 7">
             <a:extLst>
               <a:ext uri="{FF2B5EF4-FFF2-40B4-BE49-F238E27FC236}">
-                <a16:creationId xmlns="" xmlns:a16="http://schemas.microsoft.com/office/drawing/2014/main" id="{6428C742-0FF1-4C6F-A486-8EFCE628A655}"/>
+                <a16:creationId xmlns:a16="http://schemas.microsoft.com/office/drawing/2014/main" xmlns="" id="{6428C742-0FF1-4C6F-A486-8EFCE628A655}"/>
               </a:ext>
             </a:extLst>
           </p:cNvPr>
@@ -8617,7 +9091,7 @@
           <p:cNvPr id="9" name="Rectangle: Rounded Corners 8">
             <a:extLst>
               <a:ext uri="{FF2B5EF4-FFF2-40B4-BE49-F238E27FC236}">
-                <a16:creationId xmlns="" xmlns:a16="http://schemas.microsoft.com/office/drawing/2014/main" id="{A1BF728C-5458-4EC1-82A3-67D6C6AE75C4}"/>
+                <a16:creationId xmlns:a16="http://schemas.microsoft.com/office/drawing/2014/main" xmlns="" id="{A1BF728C-5458-4EC1-82A3-67D6C6AE75C4}"/>
               </a:ext>
             </a:extLst>
           </p:cNvPr>
@@ -8666,7 +9140,7 @@
           <p:cNvPr id="10" name="Rectangle: Rounded Corners 9">
             <a:extLst>
               <a:ext uri="{FF2B5EF4-FFF2-40B4-BE49-F238E27FC236}">
-                <a16:creationId xmlns="" xmlns:a16="http://schemas.microsoft.com/office/drawing/2014/main" id="{9CC69B22-A411-48CF-B4F2-45D0C72CC745}"/>
+                <a16:creationId xmlns:a16="http://schemas.microsoft.com/office/drawing/2014/main" xmlns="" id="{9CC69B22-A411-48CF-B4F2-45D0C72CC745}"/>
               </a:ext>
             </a:extLst>
           </p:cNvPr>
@@ -8746,7 +9220,7 @@
           <p:cNvPr id="2" name="TextBox 1">
             <a:extLst>
               <a:ext uri="{FF2B5EF4-FFF2-40B4-BE49-F238E27FC236}">
-                <a16:creationId xmlns="" xmlns:a16="http://schemas.microsoft.com/office/drawing/2014/main" id="{C8FA0A63-E669-400A-B853-1301ADFAA5C8}"/>
+                <a16:creationId xmlns:a16="http://schemas.microsoft.com/office/drawing/2014/main" xmlns="" id="{C8FA0A63-E669-400A-B853-1301ADFAA5C8}"/>
               </a:ext>
             </a:extLst>
           </p:cNvPr>
@@ -8781,7 +9255,7 @@
           <p:cNvPr id="22" name="Group 21">
             <a:extLst>
               <a:ext uri="{FF2B5EF4-FFF2-40B4-BE49-F238E27FC236}">
-                <a16:creationId xmlns="" xmlns:a16="http://schemas.microsoft.com/office/drawing/2014/main" id="{DA30DEB6-6110-49A3-8FBA-099EE2B30A27}"/>
+                <a16:creationId xmlns:a16="http://schemas.microsoft.com/office/drawing/2014/main" xmlns="" id="{DA30DEB6-6110-49A3-8FBA-099EE2B30A27}"/>
               </a:ext>
             </a:extLst>
           </p:cNvPr>
@@ -8801,7 +9275,7 @@
             <p:cNvPr id="14" name="Group 13">
               <a:extLst>
                 <a:ext uri="{FF2B5EF4-FFF2-40B4-BE49-F238E27FC236}">
-                  <a16:creationId xmlns="" xmlns:a16="http://schemas.microsoft.com/office/drawing/2014/main" id="{AC77212E-7D1C-4E02-9FD0-F75835E8D8F2}"/>
+                  <a16:creationId xmlns:a16="http://schemas.microsoft.com/office/drawing/2014/main" xmlns="" id="{AC77212E-7D1C-4E02-9FD0-F75835E8D8F2}"/>
                 </a:ext>
               </a:extLst>
             </p:cNvPr>
@@ -8821,7 +9295,7 @@
               <p:cNvPr id="3" name="Picture 2">
                 <a:extLst>
                   <a:ext uri="{FF2B5EF4-FFF2-40B4-BE49-F238E27FC236}">
-                    <a16:creationId xmlns="" xmlns:a16="http://schemas.microsoft.com/office/drawing/2014/main" id="{D5876341-5DEC-4DD4-B40B-F53F7A582269}"/>
+                    <a16:creationId xmlns:a16="http://schemas.microsoft.com/office/drawing/2014/main" xmlns="" id="{D5876341-5DEC-4DD4-B40B-F53F7A582269}"/>
                   </a:ext>
                 </a:extLst>
               </p:cNvPr>
@@ -8851,7 +9325,7 @@
               <p:cNvPr id="7" name="Group 6">
                 <a:extLst>
                   <a:ext uri="{FF2B5EF4-FFF2-40B4-BE49-F238E27FC236}">
-                    <a16:creationId xmlns="" xmlns:a16="http://schemas.microsoft.com/office/drawing/2014/main" id="{AB5BBB8F-3AAB-4509-8223-ABD5BC5991F9}"/>
+                    <a16:creationId xmlns:a16="http://schemas.microsoft.com/office/drawing/2014/main" xmlns="" id="{AB5BBB8F-3AAB-4509-8223-ABD5BC5991F9}"/>
                   </a:ext>
                 </a:extLst>
               </p:cNvPr>
@@ -8871,7 +9345,7 @@
                 <p:cNvPr id="4" name="TextBox 3">
                   <a:extLst>
                     <a:ext uri="{FF2B5EF4-FFF2-40B4-BE49-F238E27FC236}">
-                      <a16:creationId xmlns="" xmlns:a16="http://schemas.microsoft.com/office/drawing/2014/main" id="{DCD921CD-DC7B-41E6-A5FB-187A65CF3EE3}"/>
+                      <a16:creationId xmlns:a16="http://schemas.microsoft.com/office/drawing/2014/main" xmlns="" id="{DCD921CD-DC7B-41E6-A5FB-187A65CF3EE3}"/>
                     </a:ext>
                   </a:extLst>
                 </p:cNvPr>
@@ -8907,7 +9381,7 @@
                 <p:cNvPr id="6" name="Straight Arrow Connector 5">
                   <a:extLst>
                     <a:ext uri="{FF2B5EF4-FFF2-40B4-BE49-F238E27FC236}">
-                      <a16:creationId xmlns="" xmlns:a16="http://schemas.microsoft.com/office/drawing/2014/main" id="{C8E52E64-7FE9-4B78-9F68-93C6BC9C8678}"/>
+                      <a16:creationId xmlns:a16="http://schemas.microsoft.com/office/drawing/2014/main" xmlns="" id="{C8E52E64-7FE9-4B78-9F68-93C6BC9C8678}"/>
                     </a:ext>
                   </a:extLst>
                 </p:cNvPr>
@@ -8949,7 +9423,7 @@
               <p:cNvPr id="8" name="TextBox 7">
                 <a:extLst>
                   <a:ext uri="{FF2B5EF4-FFF2-40B4-BE49-F238E27FC236}">
-                    <a16:creationId xmlns="" xmlns:a16="http://schemas.microsoft.com/office/drawing/2014/main" id="{FEDFDE0F-F925-4205-B331-5C7D3F310F4B}"/>
+                    <a16:creationId xmlns:a16="http://schemas.microsoft.com/office/drawing/2014/main" xmlns="" id="{FEDFDE0F-F925-4205-B331-5C7D3F310F4B}"/>
                   </a:ext>
                 </a:extLst>
               </p:cNvPr>
@@ -8985,7 +9459,7 @@
               <p:cNvPr id="9" name="TextBox 8">
                 <a:extLst>
                   <a:ext uri="{FF2B5EF4-FFF2-40B4-BE49-F238E27FC236}">
-                    <a16:creationId xmlns="" xmlns:a16="http://schemas.microsoft.com/office/drawing/2014/main" id="{67A32881-F932-44B9-A800-AF1E18BDC09F}"/>
+                    <a16:creationId xmlns:a16="http://schemas.microsoft.com/office/drawing/2014/main" xmlns="" id="{67A32881-F932-44B9-A800-AF1E18BDC09F}"/>
                   </a:ext>
                 </a:extLst>
               </p:cNvPr>
@@ -9021,7 +9495,7 @@
               <p:cNvPr id="10" name="TextBox 9">
                 <a:extLst>
                   <a:ext uri="{FF2B5EF4-FFF2-40B4-BE49-F238E27FC236}">
-                    <a16:creationId xmlns="" xmlns:a16="http://schemas.microsoft.com/office/drawing/2014/main" id="{48986CCF-5FDC-47CB-BD99-C82E33EC3378}"/>
+                    <a16:creationId xmlns:a16="http://schemas.microsoft.com/office/drawing/2014/main" xmlns="" id="{48986CCF-5FDC-47CB-BD99-C82E33EC3378}"/>
                   </a:ext>
                 </a:extLst>
               </p:cNvPr>
@@ -9057,7 +9531,7 @@
               <p:cNvPr id="11" name="TextBox 10">
                 <a:extLst>
                   <a:ext uri="{FF2B5EF4-FFF2-40B4-BE49-F238E27FC236}">
-                    <a16:creationId xmlns="" xmlns:a16="http://schemas.microsoft.com/office/drawing/2014/main" id="{39845953-148F-4E0F-9039-AB390F022FF7}"/>
+                    <a16:creationId xmlns:a16="http://schemas.microsoft.com/office/drawing/2014/main" xmlns="" id="{39845953-148F-4E0F-9039-AB390F022FF7}"/>
                   </a:ext>
                 </a:extLst>
               </p:cNvPr>
@@ -9093,7 +9567,7 @@
               <p:cNvPr id="12" name="TextBox 11">
                 <a:extLst>
                   <a:ext uri="{FF2B5EF4-FFF2-40B4-BE49-F238E27FC236}">
-                    <a16:creationId xmlns="" xmlns:a16="http://schemas.microsoft.com/office/drawing/2014/main" id="{1DCCE120-047F-4047-8B88-C6F0E81CCDF9}"/>
+                    <a16:creationId xmlns:a16="http://schemas.microsoft.com/office/drawing/2014/main" xmlns="" id="{1DCCE120-047F-4047-8B88-C6F0E81CCDF9}"/>
                   </a:ext>
                 </a:extLst>
               </p:cNvPr>
@@ -9129,7 +9603,7 @@
               <p:cNvPr id="13" name="TextBox 12">
                 <a:extLst>
                   <a:ext uri="{FF2B5EF4-FFF2-40B4-BE49-F238E27FC236}">
-                    <a16:creationId xmlns="" xmlns:a16="http://schemas.microsoft.com/office/drawing/2014/main" id="{BE775840-34F6-4290-BD21-FD1B27C8796F}"/>
+                    <a16:creationId xmlns:a16="http://schemas.microsoft.com/office/drawing/2014/main" xmlns="" id="{BE775840-34F6-4290-BD21-FD1B27C8796F}"/>
                   </a:ext>
                 </a:extLst>
               </p:cNvPr>
@@ -9166,7 +9640,7 @@
             <p:cNvPr id="15" name="Star: 5 Points 14">
               <a:extLst>
                 <a:ext uri="{FF2B5EF4-FFF2-40B4-BE49-F238E27FC236}">
-                  <a16:creationId xmlns="" xmlns:a16="http://schemas.microsoft.com/office/drawing/2014/main" id="{5AA1D222-D0B2-4F61-9C42-AC1D0DF1735C}"/>
+                  <a16:creationId xmlns:a16="http://schemas.microsoft.com/office/drawing/2014/main" xmlns="" id="{5AA1D222-D0B2-4F61-9C42-AC1D0DF1735C}"/>
                 </a:ext>
               </a:extLst>
             </p:cNvPr>
@@ -9212,7 +9686,7 @@
             <p:cNvPr id="17" name="Straight Arrow Connector 16">
               <a:extLst>
                 <a:ext uri="{FF2B5EF4-FFF2-40B4-BE49-F238E27FC236}">
-                  <a16:creationId xmlns="" xmlns:a16="http://schemas.microsoft.com/office/drawing/2014/main" id="{D7DD48AC-3313-49DE-9C91-B5DF4C1836FA}"/>
+                  <a16:creationId xmlns:a16="http://schemas.microsoft.com/office/drawing/2014/main" xmlns="" id="{D7DD48AC-3313-49DE-9C91-B5DF4C1836FA}"/>
                 </a:ext>
               </a:extLst>
             </p:cNvPr>
@@ -9254,7 +9728,7 @@
             <p:cNvPr id="18" name="Explosion: 8 Points 17">
               <a:extLst>
                 <a:ext uri="{FF2B5EF4-FFF2-40B4-BE49-F238E27FC236}">
-                  <a16:creationId xmlns="" xmlns:a16="http://schemas.microsoft.com/office/drawing/2014/main" id="{2B39A1D8-1B89-46CB-9904-6E4DB2E565C2}"/>
+                  <a16:creationId xmlns:a16="http://schemas.microsoft.com/office/drawing/2014/main" xmlns="" id="{2B39A1D8-1B89-46CB-9904-6E4DB2E565C2}"/>
                 </a:ext>
               </a:extLst>
             </p:cNvPr>
@@ -9308,7 +9782,7 @@
             <p:cNvPr id="19" name="TextBox 18">
               <a:extLst>
                 <a:ext uri="{FF2B5EF4-FFF2-40B4-BE49-F238E27FC236}">
-                  <a16:creationId xmlns="" xmlns:a16="http://schemas.microsoft.com/office/drawing/2014/main" id="{350D02C1-E44C-4191-B587-0B3EC392CDBF}"/>
+                  <a16:creationId xmlns:a16="http://schemas.microsoft.com/office/drawing/2014/main" xmlns="" id="{350D02C1-E44C-4191-B587-0B3EC392CDBF}"/>
                 </a:ext>
               </a:extLst>
             </p:cNvPr>
@@ -9352,7 +9826,7 @@
             <p:cNvPr id="20" name="TextBox 19">
               <a:extLst>
                 <a:ext uri="{FF2B5EF4-FFF2-40B4-BE49-F238E27FC236}">
-                  <a16:creationId xmlns="" xmlns:a16="http://schemas.microsoft.com/office/drawing/2014/main" id="{021924B3-F418-42FB-8871-CF2D44C6E42A}"/>
+                  <a16:creationId xmlns:a16="http://schemas.microsoft.com/office/drawing/2014/main" xmlns="" id="{021924B3-F418-42FB-8871-CF2D44C6E42A}"/>
                 </a:ext>
               </a:extLst>
             </p:cNvPr>
@@ -9396,7 +9870,7 @@
             <p:cNvPr id="21" name="TextBox 20">
               <a:extLst>
                 <a:ext uri="{FF2B5EF4-FFF2-40B4-BE49-F238E27FC236}">
-                  <a16:creationId xmlns="" xmlns:a16="http://schemas.microsoft.com/office/drawing/2014/main" id="{6EC244C8-5D78-4A7F-BB72-B4F6E1F68809}"/>
+                  <a16:creationId xmlns:a16="http://schemas.microsoft.com/office/drawing/2014/main" xmlns="" id="{6EC244C8-5D78-4A7F-BB72-B4F6E1F68809}"/>
                 </a:ext>
               </a:extLst>
             </p:cNvPr>
@@ -9461,50 +9935,277 @@
       </p:grpSpPr>
       <p:sp>
         <p:nvSpPr>
-          <p:cNvPr id="2" name="Title 1"/>
-          <p:cNvSpPr>
-            <a:spLocks noGrp="1"/>
-          </p:cNvSpPr>
-          <p:nvPr>
-            <p:ph type="ctrTitle"/>
-          </p:nvPr>
-        </p:nvSpPr>
-        <p:spPr/>
-        <p:txBody>
-          <a:bodyPr/>
+          <p:cNvPr id="7" name="TextBox 6">
+            <a:extLst>
+              <a:ext uri="{FF2B5EF4-FFF2-40B4-BE49-F238E27FC236}">
+                <a16:creationId xmlns:a16="http://schemas.microsoft.com/office/drawing/2014/main" xmlns="" id="{C8FA0A63-E669-400A-B853-1301ADFAA5C8}"/>
+              </a:ext>
+            </a:extLst>
+          </p:cNvPr>
+          <p:cNvSpPr txBox="1"/>
+          <p:nvPr/>
+        </p:nvSpPr>
+        <p:spPr>
+          <a:xfrm>
+            <a:off x="622571" y="291830"/>
+            <a:ext cx="5628464" cy="584775"/>
+          </a:xfrm>
+          <a:prstGeom prst="rect">
+            <a:avLst/>
+          </a:prstGeom>
+          <a:noFill/>
+        </p:spPr>
+        <p:txBody>
+          <a:bodyPr wrap="none" rtlCol="0">
+            <a:spAutoFit/>
+          </a:bodyPr>
           <a:lstStyle/>
           <a:p>
             <a:r>
-              <a:rPr lang="en-US" dirty="0" smtClean="0"/>
-              <a:t>In progress. Quick visuals of field using the data.</a:t>
-            </a:r>
-            <a:endParaRPr lang="en-US" dirty="0"/>
-          </a:p>
-        </p:txBody>
-      </p:sp>
-      <p:sp>
-        <p:nvSpPr>
-          <p:cNvPr id="3" name="Subtitle 2"/>
-          <p:cNvSpPr>
-            <a:spLocks noGrp="1"/>
-          </p:cNvSpPr>
-          <p:nvPr>
-            <p:ph type="subTitle" idx="1"/>
-          </p:nvPr>
-        </p:nvSpPr>
-        <p:spPr/>
-        <p:txBody>
-          <a:bodyPr/>
+              <a:rPr lang="en-US" sz="3200" b="1" dirty="0" smtClean="0"/>
+              <a:t>Starting Coordinates in the Data</a:t>
+            </a:r>
+            <a:endParaRPr lang="en-US" sz="3200" b="1" dirty="0"/>
+          </a:p>
+        </p:txBody>
+      </p:sp>
+      <p:pic>
+        <p:nvPicPr>
+          <p:cNvPr id="3" name="Picture 2"/>
+          <p:cNvPicPr>
+            <a:picLocks noChangeAspect="1"/>
+          </p:cNvPicPr>
+          <p:nvPr/>
+        </p:nvPicPr>
+        <p:blipFill rotWithShape="1">
+          <a:blip r:embed="rId2">
+            <a:extLst>
+              <a:ext uri="{28A0092B-C50C-407E-A947-70E740481C1C}">
+                <a14:useLocalDpi xmlns:a14="http://schemas.microsoft.com/office/drawing/2010/main" val="0"/>
+              </a:ext>
+            </a:extLst>
+          </a:blip>
+          <a:srcRect t="22609" b="23926"/>
+          <a:stretch/>
+        </p:blipFill>
+        <p:spPr>
+          <a:xfrm>
+            <a:off x="529627" y="1510069"/>
+            <a:ext cx="4572000" cy="2444436"/>
+          </a:xfrm>
+          <a:prstGeom prst="rect">
+            <a:avLst/>
+          </a:prstGeom>
+        </p:spPr>
+      </p:pic>
+      <p:sp>
+        <p:nvSpPr>
+          <p:cNvPr id="4" name="TextBox 3"/>
+          <p:cNvSpPr txBox="1"/>
+          <p:nvPr/>
+        </p:nvSpPr>
+        <p:spPr>
+          <a:xfrm>
+            <a:off x="923453" y="1140737"/>
+            <a:ext cx="3548959" cy="369332"/>
+          </a:xfrm>
+          <a:prstGeom prst="rect">
+            <a:avLst/>
+          </a:prstGeom>
+          <a:noFill/>
+        </p:spPr>
+        <p:txBody>
+          <a:bodyPr wrap="square" rtlCol="0">
+            <a:spAutoFit/>
+          </a:bodyPr>
           <a:lstStyle/>
           <a:p>
-            <a:endParaRPr lang="en-US"/>
+            <a:r>
+              <a:rPr lang="en-US" b="1" u="sng" dirty="0" smtClean="0"/>
+              <a:t>Shots</a:t>
+            </a:r>
+          </a:p>
+        </p:txBody>
+      </p:sp>
+      <p:pic>
+        <p:nvPicPr>
+          <p:cNvPr id="5" name="Picture 4"/>
+          <p:cNvPicPr>
+            <a:picLocks noChangeAspect="1"/>
+          </p:cNvPicPr>
+          <p:nvPr/>
+        </p:nvPicPr>
+        <p:blipFill rotWithShape="1">
+          <a:blip r:embed="rId3">
+            <a:extLst>
+              <a:ext uri="{28A0092B-C50C-407E-A947-70E740481C1C}">
+                <a14:useLocalDpi xmlns:a14="http://schemas.microsoft.com/office/drawing/2010/main" val="0"/>
+              </a:ext>
+            </a:extLst>
+          </a:blip>
+          <a:srcRect t="22213" b="23728"/>
+          <a:stretch/>
+        </p:blipFill>
+        <p:spPr>
+          <a:xfrm>
+            <a:off x="5495452" y="1496488"/>
+            <a:ext cx="4572000" cy="2471597"/>
+          </a:xfrm>
+          <a:prstGeom prst="rect">
+            <a:avLst/>
+          </a:prstGeom>
+        </p:spPr>
+      </p:pic>
+      <p:sp>
+        <p:nvSpPr>
+          <p:cNvPr id="9" name="TextBox 8"/>
+          <p:cNvSpPr txBox="1"/>
+          <p:nvPr/>
+        </p:nvSpPr>
+        <p:spPr>
+          <a:xfrm>
+            <a:off x="6006973" y="1140737"/>
+            <a:ext cx="3548959" cy="369332"/>
+          </a:xfrm>
+          <a:prstGeom prst="rect">
+            <a:avLst/>
+          </a:prstGeom>
+          <a:noFill/>
+        </p:spPr>
+        <p:txBody>
+          <a:bodyPr wrap="square" rtlCol="0">
+            <a:spAutoFit/>
+          </a:bodyPr>
+          <a:lstStyle/>
+          <a:p>
+            <a:r>
+              <a:rPr lang="en-US" b="1" u="sng" dirty="0" smtClean="0"/>
+              <a:t>Goals</a:t>
+            </a:r>
+          </a:p>
+        </p:txBody>
+      </p:sp>
+      <p:pic>
+        <p:nvPicPr>
+          <p:cNvPr id="10" name="Picture 9"/>
+          <p:cNvPicPr>
+            <a:picLocks noChangeAspect="1"/>
+          </p:cNvPicPr>
+          <p:nvPr/>
+        </p:nvPicPr>
+        <p:blipFill rotWithShape="1">
+          <a:blip r:embed="rId4">
+            <a:extLst>
+              <a:ext uri="{28A0092B-C50C-407E-A947-70E740481C1C}">
+                <a14:useLocalDpi xmlns:a14="http://schemas.microsoft.com/office/drawing/2010/main" val="0"/>
+              </a:ext>
+            </a:extLst>
+          </a:blip>
+          <a:srcRect t="22526" b="23811"/>
+          <a:stretch/>
+        </p:blipFill>
+        <p:spPr>
+          <a:xfrm>
+            <a:off x="529627" y="4323837"/>
+            <a:ext cx="4572000" cy="2453489"/>
+          </a:xfrm>
+          <a:prstGeom prst="rect">
+            <a:avLst/>
+          </a:prstGeom>
+        </p:spPr>
+      </p:pic>
+      <p:sp>
+        <p:nvSpPr>
+          <p:cNvPr id="11" name="TextBox 10"/>
+          <p:cNvSpPr txBox="1"/>
+          <p:nvPr/>
+        </p:nvSpPr>
+        <p:spPr>
+          <a:xfrm>
+            <a:off x="923452" y="3954505"/>
+            <a:ext cx="3548959" cy="369332"/>
+          </a:xfrm>
+          <a:prstGeom prst="rect">
+            <a:avLst/>
+          </a:prstGeom>
+          <a:noFill/>
+        </p:spPr>
+        <p:txBody>
+          <a:bodyPr wrap="square" rtlCol="0">
+            <a:spAutoFit/>
+          </a:bodyPr>
+          <a:lstStyle/>
+          <a:p>
+            <a:r>
+              <a:rPr lang="en-US" b="1" u="sng" dirty="0" smtClean="0"/>
+              <a:t>Key Passes</a:t>
+            </a:r>
+          </a:p>
+        </p:txBody>
+      </p:sp>
+      <p:pic>
+        <p:nvPicPr>
+          <p:cNvPr id="12" name="Picture 11"/>
+          <p:cNvPicPr>
+            <a:picLocks noChangeAspect="1"/>
+          </p:cNvPicPr>
+          <p:nvPr/>
+        </p:nvPicPr>
+        <p:blipFill rotWithShape="1">
+          <a:blip r:embed="rId5">
+            <a:extLst>
+              <a:ext uri="{28A0092B-C50C-407E-A947-70E740481C1C}">
+                <a14:useLocalDpi xmlns:a14="http://schemas.microsoft.com/office/drawing/2010/main" val="0"/>
+              </a:ext>
+            </a:extLst>
+          </a:blip>
+          <a:srcRect t="21931" b="24009"/>
+          <a:stretch/>
+        </p:blipFill>
+        <p:spPr>
+          <a:xfrm>
+            <a:off x="5495452" y="4305729"/>
+            <a:ext cx="4572000" cy="2471597"/>
+          </a:xfrm>
+          <a:prstGeom prst="rect">
+            <a:avLst/>
+          </a:prstGeom>
+        </p:spPr>
+      </p:pic>
+      <p:sp>
+        <p:nvSpPr>
+          <p:cNvPr id="13" name="TextBox 12"/>
+          <p:cNvSpPr txBox="1"/>
+          <p:nvPr/>
+        </p:nvSpPr>
+        <p:spPr>
+          <a:xfrm>
+            <a:off x="5914929" y="3954505"/>
+            <a:ext cx="3548959" cy="369332"/>
+          </a:xfrm>
+          <a:prstGeom prst="rect">
+            <a:avLst/>
+          </a:prstGeom>
+          <a:noFill/>
+        </p:spPr>
+        <p:txBody>
+          <a:bodyPr wrap="square" rtlCol="0">
+            <a:spAutoFit/>
+          </a:bodyPr>
+          <a:lstStyle/>
+          <a:p>
+            <a:r>
+              <a:rPr lang="en-US" b="1" u="sng" dirty="0" smtClean="0"/>
+              <a:t>Assists</a:t>
+            </a:r>
+            <a:endParaRPr lang="en-US" b="1" u="sng" dirty="0"/>
           </a:p>
         </p:txBody>
       </p:sp>
     </p:spTree>
     <p:extLst>
       <p:ext uri="{BB962C8B-B14F-4D97-AF65-F5344CB8AC3E}">
-        <p14:creationId xmlns:p14="http://schemas.microsoft.com/office/powerpoint/2010/main" val="1558834656"/>
+        <p14:creationId xmlns:p14="http://schemas.microsoft.com/office/powerpoint/2010/main" val="4201433953"/>
       </p:ext>
     </p:extLst>
   </p:cSld>
@@ -9536,7 +10237,7 @@
           <p:cNvPr id="2" name="Picture 1">
             <a:extLst>
               <a:ext uri="{FF2B5EF4-FFF2-40B4-BE49-F238E27FC236}">
-                <a16:creationId xmlns="" xmlns:a16="http://schemas.microsoft.com/office/drawing/2014/main" id="{A3D0C13E-2FAD-4B38-A8AC-86F95A177DC6}"/>
+                <a16:creationId xmlns:a16="http://schemas.microsoft.com/office/drawing/2014/main" xmlns="" id="{A3D0C13E-2FAD-4B38-A8AC-86F95A177DC6}"/>
               </a:ext>
             </a:extLst>
           </p:cNvPr>
@@ -9566,7 +10267,7 @@
           <p:cNvPr id="3" name="TextBox 2">
             <a:extLst>
               <a:ext uri="{FF2B5EF4-FFF2-40B4-BE49-F238E27FC236}">
-                <a16:creationId xmlns="" xmlns:a16="http://schemas.microsoft.com/office/drawing/2014/main" id="{B718B72E-6A45-486D-A67D-99311A977FFE}"/>
+                <a16:creationId xmlns:a16="http://schemas.microsoft.com/office/drawing/2014/main" xmlns="" id="{B718B72E-6A45-486D-A67D-99311A977FFE}"/>
               </a:ext>
             </a:extLst>
           </p:cNvPr>

--- a/midterm_project/Determining which variables contribute to likely hood of.pptx
+++ b/midterm_project/Determining which variables contribute to likely hood of.pptx
@@ -150,7 +150,7 @@
           <p:cNvPr id="2" name="Title 1">
             <a:extLst>
               <a:ext uri="{FF2B5EF4-FFF2-40B4-BE49-F238E27FC236}">
-                <a16:creationId xmlns:a16="http://schemas.microsoft.com/office/drawing/2014/main" xmlns="" id="{FB25774F-A20A-4FC2-ACE7-42D83D27E4B6}"/>
+                <a16:creationId xmlns:a16="http://schemas.microsoft.com/office/drawing/2014/main" id="{FB25774F-A20A-4FC2-ACE7-42D83D27E4B6}"/>
               </a:ext>
             </a:extLst>
           </p:cNvPr>
@@ -187,7 +187,7 @@
           <p:cNvPr id="3" name="Subtitle 2">
             <a:extLst>
               <a:ext uri="{FF2B5EF4-FFF2-40B4-BE49-F238E27FC236}">
-                <a16:creationId xmlns:a16="http://schemas.microsoft.com/office/drawing/2014/main" xmlns="" id="{72B84185-3944-43B7-A2BD-4BD59E26A699}"/>
+                <a16:creationId xmlns:a16="http://schemas.microsoft.com/office/drawing/2014/main" id="{72B84185-3944-43B7-A2BD-4BD59E26A699}"/>
               </a:ext>
             </a:extLst>
           </p:cNvPr>
@@ -257,7 +257,7 @@
           <p:cNvPr id="4" name="Date Placeholder 3">
             <a:extLst>
               <a:ext uri="{FF2B5EF4-FFF2-40B4-BE49-F238E27FC236}">
-                <a16:creationId xmlns:a16="http://schemas.microsoft.com/office/drawing/2014/main" xmlns="" id="{AD5207E0-3F19-4992-A877-FAB40004E2CE}"/>
+                <a16:creationId xmlns:a16="http://schemas.microsoft.com/office/drawing/2014/main" id="{AD5207E0-3F19-4992-A877-FAB40004E2CE}"/>
               </a:ext>
             </a:extLst>
           </p:cNvPr>
@@ -275,7 +275,7 @@
           <a:p>
             <a:fld id="{EAA50B2D-1099-4D4A-84CF-763226D33A53}" type="datetimeFigureOut">
               <a:rPr lang="en-US" smtClean="0"/>
-              <a:t>3/8/2022</a:t>
+              <a:t>3/9/2022</a:t>
             </a:fld>
             <a:endParaRPr lang="en-US"/>
           </a:p>
@@ -286,7 +286,7 @@
           <p:cNvPr id="5" name="Footer Placeholder 4">
             <a:extLst>
               <a:ext uri="{FF2B5EF4-FFF2-40B4-BE49-F238E27FC236}">
-                <a16:creationId xmlns:a16="http://schemas.microsoft.com/office/drawing/2014/main" xmlns="" id="{5CF1C43B-2ECD-4DA3-B761-AE1EB261FC98}"/>
+                <a16:creationId xmlns:a16="http://schemas.microsoft.com/office/drawing/2014/main" id="{5CF1C43B-2ECD-4DA3-B761-AE1EB261FC98}"/>
               </a:ext>
             </a:extLst>
           </p:cNvPr>
@@ -311,7 +311,7 @@
           <p:cNvPr id="6" name="Slide Number Placeholder 5">
             <a:extLst>
               <a:ext uri="{FF2B5EF4-FFF2-40B4-BE49-F238E27FC236}">
-                <a16:creationId xmlns:a16="http://schemas.microsoft.com/office/drawing/2014/main" xmlns="" id="{A3FE33B1-9CCA-4199-9E0D-E2F8D7D1C18B}"/>
+                <a16:creationId xmlns:a16="http://schemas.microsoft.com/office/drawing/2014/main" id="{A3FE33B1-9CCA-4199-9E0D-E2F8D7D1C18B}"/>
               </a:ext>
             </a:extLst>
           </p:cNvPr>
@@ -370,7 +370,7 @@
           <p:cNvPr id="2" name="Title 1">
             <a:extLst>
               <a:ext uri="{FF2B5EF4-FFF2-40B4-BE49-F238E27FC236}">
-                <a16:creationId xmlns:a16="http://schemas.microsoft.com/office/drawing/2014/main" xmlns="" id="{76DFED00-6D4F-499A-8B36-1C90EC692F3E}"/>
+                <a16:creationId xmlns:a16="http://schemas.microsoft.com/office/drawing/2014/main" id="{76DFED00-6D4F-499A-8B36-1C90EC692F3E}"/>
               </a:ext>
             </a:extLst>
           </p:cNvPr>
@@ -398,7 +398,7 @@
           <p:cNvPr id="3" name="Vertical Text Placeholder 2">
             <a:extLst>
               <a:ext uri="{FF2B5EF4-FFF2-40B4-BE49-F238E27FC236}">
-                <a16:creationId xmlns:a16="http://schemas.microsoft.com/office/drawing/2014/main" xmlns="" id="{99B0F380-2436-4CD3-8DAE-75E8B44B3A41}"/>
+                <a16:creationId xmlns:a16="http://schemas.microsoft.com/office/drawing/2014/main" id="{99B0F380-2436-4CD3-8DAE-75E8B44B3A41}"/>
               </a:ext>
             </a:extLst>
           </p:cNvPr>
@@ -455,7 +455,7 @@
           <p:cNvPr id="4" name="Date Placeholder 3">
             <a:extLst>
               <a:ext uri="{FF2B5EF4-FFF2-40B4-BE49-F238E27FC236}">
-                <a16:creationId xmlns:a16="http://schemas.microsoft.com/office/drawing/2014/main" xmlns="" id="{4364A7C8-657B-45E8-B865-A0E3CEA71F31}"/>
+                <a16:creationId xmlns:a16="http://schemas.microsoft.com/office/drawing/2014/main" id="{4364A7C8-657B-45E8-B865-A0E3CEA71F31}"/>
               </a:ext>
             </a:extLst>
           </p:cNvPr>
@@ -473,7 +473,7 @@
           <a:p>
             <a:fld id="{EAA50B2D-1099-4D4A-84CF-763226D33A53}" type="datetimeFigureOut">
               <a:rPr lang="en-US" smtClean="0"/>
-              <a:t>3/8/2022</a:t>
+              <a:t>3/9/2022</a:t>
             </a:fld>
             <a:endParaRPr lang="en-US"/>
           </a:p>
@@ -484,7 +484,7 @@
           <p:cNvPr id="5" name="Footer Placeholder 4">
             <a:extLst>
               <a:ext uri="{FF2B5EF4-FFF2-40B4-BE49-F238E27FC236}">
-                <a16:creationId xmlns:a16="http://schemas.microsoft.com/office/drawing/2014/main" xmlns="" id="{88F42CB0-6AD7-441E-94E6-2BF22230D434}"/>
+                <a16:creationId xmlns:a16="http://schemas.microsoft.com/office/drawing/2014/main" id="{88F42CB0-6AD7-441E-94E6-2BF22230D434}"/>
               </a:ext>
             </a:extLst>
           </p:cNvPr>
@@ -509,7 +509,7 @@
           <p:cNvPr id="6" name="Slide Number Placeholder 5">
             <a:extLst>
               <a:ext uri="{FF2B5EF4-FFF2-40B4-BE49-F238E27FC236}">
-                <a16:creationId xmlns:a16="http://schemas.microsoft.com/office/drawing/2014/main" xmlns="" id="{19F7CF98-4D8C-4AD0-B045-CE7C8805B171}"/>
+                <a16:creationId xmlns:a16="http://schemas.microsoft.com/office/drawing/2014/main" id="{19F7CF98-4D8C-4AD0-B045-CE7C8805B171}"/>
               </a:ext>
             </a:extLst>
           </p:cNvPr>
@@ -568,7 +568,7 @@
           <p:cNvPr id="2" name="Vertical Title 1">
             <a:extLst>
               <a:ext uri="{FF2B5EF4-FFF2-40B4-BE49-F238E27FC236}">
-                <a16:creationId xmlns:a16="http://schemas.microsoft.com/office/drawing/2014/main" xmlns="" id="{B3806EFC-7D43-48BF-97F9-F513300571BE}"/>
+                <a16:creationId xmlns:a16="http://schemas.microsoft.com/office/drawing/2014/main" id="{B3806EFC-7D43-48BF-97F9-F513300571BE}"/>
               </a:ext>
             </a:extLst>
           </p:cNvPr>
@@ -601,7 +601,7 @@
           <p:cNvPr id="3" name="Vertical Text Placeholder 2">
             <a:extLst>
               <a:ext uri="{FF2B5EF4-FFF2-40B4-BE49-F238E27FC236}">
-                <a16:creationId xmlns:a16="http://schemas.microsoft.com/office/drawing/2014/main" xmlns="" id="{0DF19E8F-90A4-426A-A10E-4A2B18A18292}"/>
+                <a16:creationId xmlns:a16="http://schemas.microsoft.com/office/drawing/2014/main" id="{0DF19E8F-90A4-426A-A10E-4A2B18A18292}"/>
               </a:ext>
             </a:extLst>
           </p:cNvPr>
@@ -663,7 +663,7 @@
           <p:cNvPr id="4" name="Date Placeholder 3">
             <a:extLst>
               <a:ext uri="{FF2B5EF4-FFF2-40B4-BE49-F238E27FC236}">
-                <a16:creationId xmlns:a16="http://schemas.microsoft.com/office/drawing/2014/main" xmlns="" id="{B956B393-A0A9-4CC3-BE36-036FC0070980}"/>
+                <a16:creationId xmlns:a16="http://schemas.microsoft.com/office/drawing/2014/main" id="{B956B393-A0A9-4CC3-BE36-036FC0070980}"/>
               </a:ext>
             </a:extLst>
           </p:cNvPr>
@@ -681,7 +681,7 @@
           <a:p>
             <a:fld id="{EAA50B2D-1099-4D4A-84CF-763226D33A53}" type="datetimeFigureOut">
               <a:rPr lang="en-US" smtClean="0"/>
-              <a:t>3/8/2022</a:t>
+              <a:t>3/9/2022</a:t>
             </a:fld>
             <a:endParaRPr lang="en-US"/>
           </a:p>
@@ -692,7 +692,7 @@
           <p:cNvPr id="5" name="Footer Placeholder 4">
             <a:extLst>
               <a:ext uri="{FF2B5EF4-FFF2-40B4-BE49-F238E27FC236}">
-                <a16:creationId xmlns:a16="http://schemas.microsoft.com/office/drawing/2014/main" xmlns="" id="{DEC491FE-35A3-407C-A01A-80C25D9D28F4}"/>
+                <a16:creationId xmlns:a16="http://schemas.microsoft.com/office/drawing/2014/main" id="{DEC491FE-35A3-407C-A01A-80C25D9D28F4}"/>
               </a:ext>
             </a:extLst>
           </p:cNvPr>
@@ -717,7 +717,7 @@
           <p:cNvPr id="6" name="Slide Number Placeholder 5">
             <a:extLst>
               <a:ext uri="{FF2B5EF4-FFF2-40B4-BE49-F238E27FC236}">
-                <a16:creationId xmlns:a16="http://schemas.microsoft.com/office/drawing/2014/main" xmlns="" id="{EADB9B4B-9171-4041-976D-32434C4A16FE}"/>
+                <a16:creationId xmlns:a16="http://schemas.microsoft.com/office/drawing/2014/main" id="{EADB9B4B-9171-4041-976D-32434C4A16FE}"/>
               </a:ext>
             </a:extLst>
           </p:cNvPr>
@@ -776,7 +776,7 @@
           <p:cNvPr id="2" name="Title 1">
             <a:extLst>
               <a:ext uri="{FF2B5EF4-FFF2-40B4-BE49-F238E27FC236}">
-                <a16:creationId xmlns:a16="http://schemas.microsoft.com/office/drawing/2014/main" xmlns="" id="{3D01F5FA-441A-4F59-A005-9AB0686C0469}"/>
+                <a16:creationId xmlns:a16="http://schemas.microsoft.com/office/drawing/2014/main" id="{3D01F5FA-441A-4F59-A005-9AB0686C0469}"/>
               </a:ext>
             </a:extLst>
           </p:cNvPr>
@@ -804,7 +804,7 @@
           <p:cNvPr id="3" name="Content Placeholder 2">
             <a:extLst>
               <a:ext uri="{FF2B5EF4-FFF2-40B4-BE49-F238E27FC236}">
-                <a16:creationId xmlns:a16="http://schemas.microsoft.com/office/drawing/2014/main" xmlns="" id="{CB223984-009F-4CAF-8FE1-9A30FF88D8E0}"/>
+                <a16:creationId xmlns:a16="http://schemas.microsoft.com/office/drawing/2014/main" id="{CB223984-009F-4CAF-8FE1-9A30FF88D8E0}"/>
               </a:ext>
             </a:extLst>
           </p:cNvPr>
@@ -861,7 +861,7 @@
           <p:cNvPr id="4" name="Date Placeholder 3">
             <a:extLst>
               <a:ext uri="{FF2B5EF4-FFF2-40B4-BE49-F238E27FC236}">
-                <a16:creationId xmlns:a16="http://schemas.microsoft.com/office/drawing/2014/main" xmlns="" id="{0B2AD834-02FE-4911-BC3B-BC1874B817CD}"/>
+                <a16:creationId xmlns:a16="http://schemas.microsoft.com/office/drawing/2014/main" id="{0B2AD834-02FE-4911-BC3B-BC1874B817CD}"/>
               </a:ext>
             </a:extLst>
           </p:cNvPr>
@@ -879,7 +879,7 @@
           <a:p>
             <a:fld id="{EAA50B2D-1099-4D4A-84CF-763226D33A53}" type="datetimeFigureOut">
               <a:rPr lang="en-US" smtClean="0"/>
-              <a:t>3/8/2022</a:t>
+              <a:t>3/9/2022</a:t>
             </a:fld>
             <a:endParaRPr lang="en-US"/>
           </a:p>
@@ -890,7 +890,7 @@
           <p:cNvPr id="5" name="Footer Placeholder 4">
             <a:extLst>
               <a:ext uri="{FF2B5EF4-FFF2-40B4-BE49-F238E27FC236}">
-                <a16:creationId xmlns:a16="http://schemas.microsoft.com/office/drawing/2014/main" xmlns="" id="{30FA8F9C-2F2A-440F-88A2-3575533817C0}"/>
+                <a16:creationId xmlns:a16="http://schemas.microsoft.com/office/drawing/2014/main" id="{30FA8F9C-2F2A-440F-88A2-3575533817C0}"/>
               </a:ext>
             </a:extLst>
           </p:cNvPr>
@@ -915,7 +915,7 @@
           <p:cNvPr id="6" name="Slide Number Placeholder 5">
             <a:extLst>
               <a:ext uri="{FF2B5EF4-FFF2-40B4-BE49-F238E27FC236}">
-                <a16:creationId xmlns:a16="http://schemas.microsoft.com/office/drawing/2014/main" xmlns="" id="{A0B4216F-93E5-4681-9A2E-7AAB30CD723E}"/>
+                <a16:creationId xmlns:a16="http://schemas.microsoft.com/office/drawing/2014/main" id="{A0B4216F-93E5-4681-9A2E-7AAB30CD723E}"/>
               </a:ext>
             </a:extLst>
           </p:cNvPr>
@@ -974,7 +974,7 @@
           <p:cNvPr id="2" name="Title 1">
             <a:extLst>
               <a:ext uri="{FF2B5EF4-FFF2-40B4-BE49-F238E27FC236}">
-                <a16:creationId xmlns:a16="http://schemas.microsoft.com/office/drawing/2014/main" xmlns="" id="{C2B36304-E80B-4704-9227-BD4599ADE75F}"/>
+                <a16:creationId xmlns:a16="http://schemas.microsoft.com/office/drawing/2014/main" id="{C2B36304-E80B-4704-9227-BD4599ADE75F}"/>
               </a:ext>
             </a:extLst>
           </p:cNvPr>
@@ -1011,7 +1011,7 @@
           <p:cNvPr id="3" name="Text Placeholder 2">
             <a:extLst>
               <a:ext uri="{FF2B5EF4-FFF2-40B4-BE49-F238E27FC236}">
-                <a16:creationId xmlns:a16="http://schemas.microsoft.com/office/drawing/2014/main" xmlns="" id="{9B19717F-46B5-42C8-9AF4-8CD50FAF0FFD}"/>
+                <a16:creationId xmlns:a16="http://schemas.microsoft.com/office/drawing/2014/main" id="{9B19717F-46B5-42C8-9AF4-8CD50FAF0FFD}"/>
               </a:ext>
             </a:extLst>
           </p:cNvPr>
@@ -1136,7 +1136,7 @@
           <p:cNvPr id="4" name="Date Placeholder 3">
             <a:extLst>
               <a:ext uri="{FF2B5EF4-FFF2-40B4-BE49-F238E27FC236}">
-                <a16:creationId xmlns:a16="http://schemas.microsoft.com/office/drawing/2014/main" xmlns="" id="{D8C750D7-3EFB-401E-907E-37D0FE9BEFF5}"/>
+                <a16:creationId xmlns:a16="http://schemas.microsoft.com/office/drawing/2014/main" id="{D8C750D7-3EFB-401E-907E-37D0FE9BEFF5}"/>
               </a:ext>
             </a:extLst>
           </p:cNvPr>
@@ -1154,7 +1154,7 @@
           <a:p>
             <a:fld id="{EAA50B2D-1099-4D4A-84CF-763226D33A53}" type="datetimeFigureOut">
               <a:rPr lang="en-US" smtClean="0"/>
-              <a:t>3/8/2022</a:t>
+              <a:t>3/9/2022</a:t>
             </a:fld>
             <a:endParaRPr lang="en-US"/>
           </a:p>
@@ -1165,7 +1165,7 @@
           <p:cNvPr id="5" name="Footer Placeholder 4">
             <a:extLst>
               <a:ext uri="{FF2B5EF4-FFF2-40B4-BE49-F238E27FC236}">
-                <a16:creationId xmlns:a16="http://schemas.microsoft.com/office/drawing/2014/main" xmlns="" id="{0F880988-D94C-4A9E-A2C2-2D3BB2C809D1}"/>
+                <a16:creationId xmlns:a16="http://schemas.microsoft.com/office/drawing/2014/main" id="{0F880988-D94C-4A9E-A2C2-2D3BB2C809D1}"/>
               </a:ext>
             </a:extLst>
           </p:cNvPr>
@@ -1190,7 +1190,7 @@
           <p:cNvPr id="6" name="Slide Number Placeholder 5">
             <a:extLst>
               <a:ext uri="{FF2B5EF4-FFF2-40B4-BE49-F238E27FC236}">
-                <a16:creationId xmlns:a16="http://schemas.microsoft.com/office/drawing/2014/main" xmlns="" id="{E4F98BA4-4ADB-402F-B38A-711911A55244}"/>
+                <a16:creationId xmlns:a16="http://schemas.microsoft.com/office/drawing/2014/main" id="{E4F98BA4-4ADB-402F-B38A-711911A55244}"/>
               </a:ext>
             </a:extLst>
           </p:cNvPr>
@@ -1249,7 +1249,7 @@
           <p:cNvPr id="2" name="Title 1">
             <a:extLst>
               <a:ext uri="{FF2B5EF4-FFF2-40B4-BE49-F238E27FC236}">
-                <a16:creationId xmlns:a16="http://schemas.microsoft.com/office/drawing/2014/main" xmlns="" id="{D4FC2318-BD94-462B-A8F1-9B236BA1E906}"/>
+                <a16:creationId xmlns:a16="http://schemas.microsoft.com/office/drawing/2014/main" id="{D4FC2318-BD94-462B-A8F1-9B236BA1E906}"/>
               </a:ext>
             </a:extLst>
           </p:cNvPr>
@@ -1277,7 +1277,7 @@
           <p:cNvPr id="3" name="Content Placeholder 2">
             <a:extLst>
               <a:ext uri="{FF2B5EF4-FFF2-40B4-BE49-F238E27FC236}">
-                <a16:creationId xmlns:a16="http://schemas.microsoft.com/office/drawing/2014/main" xmlns="" id="{1F561BF1-D67C-4FE9-91D1-3FFBD3401FA3}"/>
+                <a16:creationId xmlns:a16="http://schemas.microsoft.com/office/drawing/2014/main" id="{1F561BF1-D67C-4FE9-91D1-3FFBD3401FA3}"/>
               </a:ext>
             </a:extLst>
           </p:cNvPr>
@@ -1339,7 +1339,7 @@
           <p:cNvPr id="4" name="Content Placeholder 3">
             <a:extLst>
               <a:ext uri="{FF2B5EF4-FFF2-40B4-BE49-F238E27FC236}">
-                <a16:creationId xmlns:a16="http://schemas.microsoft.com/office/drawing/2014/main" xmlns="" id="{281286E1-FCED-4B4D-8988-A532D4273001}"/>
+                <a16:creationId xmlns:a16="http://schemas.microsoft.com/office/drawing/2014/main" id="{281286E1-FCED-4B4D-8988-A532D4273001}"/>
               </a:ext>
             </a:extLst>
           </p:cNvPr>
@@ -1401,7 +1401,7 @@
           <p:cNvPr id="5" name="Date Placeholder 4">
             <a:extLst>
               <a:ext uri="{FF2B5EF4-FFF2-40B4-BE49-F238E27FC236}">
-                <a16:creationId xmlns:a16="http://schemas.microsoft.com/office/drawing/2014/main" xmlns="" id="{88FEED14-AED0-4C3E-BE8D-54C9B0804238}"/>
+                <a16:creationId xmlns:a16="http://schemas.microsoft.com/office/drawing/2014/main" id="{88FEED14-AED0-4C3E-BE8D-54C9B0804238}"/>
               </a:ext>
             </a:extLst>
           </p:cNvPr>
@@ -1419,7 +1419,7 @@
           <a:p>
             <a:fld id="{EAA50B2D-1099-4D4A-84CF-763226D33A53}" type="datetimeFigureOut">
               <a:rPr lang="en-US" smtClean="0"/>
-              <a:t>3/8/2022</a:t>
+              <a:t>3/9/2022</a:t>
             </a:fld>
             <a:endParaRPr lang="en-US"/>
           </a:p>
@@ -1430,7 +1430,7 @@
           <p:cNvPr id="6" name="Footer Placeholder 5">
             <a:extLst>
               <a:ext uri="{FF2B5EF4-FFF2-40B4-BE49-F238E27FC236}">
-                <a16:creationId xmlns:a16="http://schemas.microsoft.com/office/drawing/2014/main" xmlns="" id="{D292634D-AAE3-4EB7-8279-598A685C5CDB}"/>
+                <a16:creationId xmlns:a16="http://schemas.microsoft.com/office/drawing/2014/main" id="{D292634D-AAE3-4EB7-8279-598A685C5CDB}"/>
               </a:ext>
             </a:extLst>
           </p:cNvPr>
@@ -1455,7 +1455,7 @@
           <p:cNvPr id="7" name="Slide Number Placeholder 6">
             <a:extLst>
               <a:ext uri="{FF2B5EF4-FFF2-40B4-BE49-F238E27FC236}">
-                <a16:creationId xmlns:a16="http://schemas.microsoft.com/office/drawing/2014/main" xmlns="" id="{875B3F94-30E3-4BAF-969B-9E4F986B3298}"/>
+                <a16:creationId xmlns:a16="http://schemas.microsoft.com/office/drawing/2014/main" id="{875B3F94-30E3-4BAF-969B-9E4F986B3298}"/>
               </a:ext>
             </a:extLst>
           </p:cNvPr>
@@ -1514,7 +1514,7 @@
           <p:cNvPr id="2" name="Title 1">
             <a:extLst>
               <a:ext uri="{FF2B5EF4-FFF2-40B4-BE49-F238E27FC236}">
-                <a16:creationId xmlns:a16="http://schemas.microsoft.com/office/drawing/2014/main" xmlns="" id="{32455E56-C711-4A5F-85EF-EC6BC0DAE32D}"/>
+                <a16:creationId xmlns:a16="http://schemas.microsoft.com/office/drawing/2014/main" id="{32455E56-C711-4A5F-85EF-EC6BC0DAE32D}"/>
               </a:ext>
             </a:extLst>
           </p:cNvPr>
@@ -1547,7 +1547,7 @@
           <p:cNvPr id="3" name="Text Placeholder 2">
             <a:extLst>
               <a:ext uri="{FF2B5EF4-FFF2-40B4-BE49-F238E27FC236}">
-                <a16:creationId xmlns:a16="http://schemas.microsoft.com/office/drawing/2014/main" xmlns="" id="{25DF1123-BF5C-4C5B-966A-BCAA672D30D8}"/>
+                <a16:creationId xmlns:a16="http://schemas.microsoft.com/office/drawing/2014/main" id="{25DF1123-BF5C-4C5B-966A-BCAA672D30D8}"/>
               </a:ext>
             </a:extLst>
           </p:cNvPr>
@@ -1618,7 +1618,7 @@
           <p:cNvPr id="4" name="Content Placeholder 3">
             <a:extLst>
               <a:ext uri="{FF2B5EF4-FFF2-40B4-BE49-F238E27FC236}">
-                <a16:creationId xmlns:a16="http://schemas.microsoft.com/office/drawing/2014/main" xmlns="" id="{41915B5C-BAFB-496C-A48F-10213E28D518}"/>
+                <a16:creationId xmlns:a16="http://schemas.microsoft.com/office/drawing/2014/main" id="{41915B5C-BAFB-496C-A48F-10213E28D518}"/>
               </a:ext>
             </a:extLst>
           </p:cNvPr>
@@ -1680,7 +1680,7 @@
           <p:cNvPr id="5" name="Text Placeholder 4">
             <a:extLst>
               <a:ext uri="{FF2B5EF4-FFF2-40B4-BE49-F238E27FC236}">
-                <a16:creationId xmlns:a16="http://schemas.microsoft.com/office/drawing/2014/main" xmlns="" id="{DC1B892F-BCB3-4F60-A4AC-A65D21D34008}"/>
+                <a16:creationId xmlns:a16="http://schemas.microsoft.com/office/drawing/2014/main" id="{DC1B892F-BCB3-4F60-A4AC-A65D21D34008}"/>
               </a:ext>
             </a:extLst>
           </p:cNvPr>
@@ -1751,7 +1751,7 @@
           <p:cNvPr id="6" name="Content Placeholder 5">
             <a:extLst>
               <a:ext uri="{FF2B5EF4-FFF2-40B4-BE49-F238E27FC236}">
-                <a16:creationId xmlns:a16="http://schemas.microsoft.com/office/drawing/2014/main" xmlns="" id="{AD84EFB1-D7B2-46BB-9986-880661B09BE6}"/>
+                <a16:creationId xmlns:a16="http://schemas.microsoft.com/office/drawing/2014/main" id="{AD84EFB1-D7B2-46BB-9986-880661B09BE6}"/>
               </a:ext>
             </a:extLst>
           </p:cNvPr>
@@ -1813,7 +1813,7 @@
           <p:cNvPr id="7" name="Date Placeholder 6">
             <a:extLst>
               <a:ext uri="{FF2B5EF4-FFF2-40B4-BE49-F238E27FC236}">
-                <a16:creationId xmlns:a16="http://schemas.microsoft.com/office/drawing/2014/main" xmlns="" id="{1D818B26-0597-4DF5-9763-321830FE471F}"/>
+                <a16:creationId xmlns:a16="http://schemas.microsoft.com/office/drawing/2014/main" id="{1D818B26-0597-4DF5-9763-321830FE471F}"/>
               </a:ext>
             </a:extLst>
           </p:cNvPr>
@@ -1831,7 +1831,7 @@
           <a:p>
             <a:fld id="{EAA50B2D-1099-4D4A-84CF-763226D33A53}" type="datetimeFigureOut">
               <a:rPr lang="en-US" smtClean="0"/>
-              <a:t>3/8/2022</a:t>
+              <a:t>3/9/2022</a:t>
             </a:fld>
             <a:endParaRPr lang="en-US"/>
           </a:p>
@@ -1842,7 +1842,7 @@
           <p:cNvPr id="8" name="Footer Placeholder 7">
             <a:extLst>
               <a:ext uri="{FF2B5EF4-FFF2-40B4-BE49-F238E27FC236}">
-                <a16:creationId xmlns:a16="http://schemas.microsoft.com/office/drawing/2014/main" xmlns="" id="{D9C1177A-261A-4C2B-83C9-4D63FD97AEAC}"/>
+                <a16:creationId xmlns:a16="http://schemas.microsoft.com/office/drawing/2014/main" id="{D9C1177A-261A-4C2B-83C9-4D63FD97AEAC}"/>
               </a:ext>
             </a:extLst>
           </p:cNvPr>
@@ -1867,7 +1867,7 @@
           <p:cNvPr id="9" name="Slide Number Placeholder 8">
             <a:extLst>
               <a:ext uri="{FF2B5EF4-FFF2-40B4-BE49-F238E27FC236}">
-                <a16:creationId xmlns:a16="http://schemas.microsoft.com/office/drawing/2014/main" xmlns="" id="{FADD913E-0C98-4611-94C9-ED4F4D325163}"/>
+                <a16:creationId xmlns:a16="http://schemas.microsoft.com/office/drawing/2014/main" id="{FADD913E-0C98-4611-94C9-ED4F4D325163}"/>
               </a:ext>
             </a:extLst>
           </p:cNvPr>
@@ -1926,7 +1926,7 @@
           <p:cNvPr id="2" name="Title 1">
             <a:extLst>
               <a:ext uri="{FF2B5EF4-FFF2-40B4-BE49-F238E27FC236}">
-                <a16:creationId xmlns:a16="http://schemas.microsoft.com/office/drawing/2014/main" xmlns="" id="{BC618DB2-18FB-4DAA-8360-91C5CE97A317}"/>
+                <a16:creationId xmlns:a16="http://schemas.microsoft.com/office/drawing/2014/main" id="{BC618DB2-18FB-4DAA-8360-91C5CE97A317}"/>
               </a:ext>
             </a:extLst>
           </p:cNvPr>
@@ -1954,7 +1954,7 @@
           <p:cNvPr id="3" name="Date Placeholder 2">
             <a:extLst>
               <a:ext uri="{FF2B5EF4-FFF2-40B4-BE49-F238E27FC236}">
-                <a16:creationId xmlns:a16="http://schemas.microsoft.com/office/drawing/2014/main" xmlns="" id="{192A9BD7-130F-48E4-93A8-D36FCFE94593}"/>
+                <a16:creationId xmlns:a16="http://schemas.microsoft.com/office/drawing/2014/main" id="{192A9BD7-130F-48E4-93A8-D36FCFE94593}"/>
               </a:ext>
             </a:extLst>
           </p:cNvPr>
@@ -1972,7 +1972,7 @@
           <a:p>
             <a:fld id="{EAA50B2D-1099-4D4A-84CF-763226D33A53}" type="datetimeFigureOut">
               <a:rPr lang="en-US" smtClean="0"/>
-              <a:t>3/8/2022</a:t>
+              <a:t>3/9/2022</a:t>
             </a:fld>
             <a:endParaRPr lang="en-US"/>
           </a:p>
@@ -1983,7 +1983,7 @@
           <p:cNvPr id="4" name="Footer Placeholder 3">
             <a:extLst>
               <a:ext uri="{FF2B5EF4-FFF2-40B4-BE49-F238E27FC236}">
-                <a16:creationId xmlns:a16="http://schemas.microsoft.com/office/drawing/2014/main" xmlns="" id="{321DA2C5-31F6-4360-99A4-64DF94EE1E3E}"/>
+                <a16:creationId xmlns:a16="http://schemas.microsoft.com/office/drawing/2014/main" id="{321DA2C5-31F6-4360-99A4-64DF94EE1E3E}"/>
               </a:ext>
             </a:extLst>
           </p:cNvPr>
@@ -2008,7 +2008,7 @@
           <p:cNvPr id="5" name="Slide Number Placeholder 4">
             <a:extLst>
               <a:ext uri="{FF2B5EF4-FFF2-40B4-BE49-F238E27FC236}">
-                <a16:creationId xmlns:a16="http://schemas.microsoft.com/office/drawing/2014/main" xmlns="" id="{C7DED1C8-1F44-4931-95A5-4CFBF3193408}"/>
+                <a16:creationId xmlns:a16="http://schemas.microsoft.com/office/drawing/2014/main" id="{C7DED1C8-1F44-4931-95A5-4CFBF3193408}"/>
               </a:ext>
             </a:extLst>
           </p:cNvPr>
@@ -2067,7 +2067,7 @@
           <p:cNvPr id="2" name="Date Placeholder 1">
             <a:extLst>
               <a:ext uri="{FF2B5EF4-FFF2-40B4-BE49-F238E27FC236}">
-                <a16:creationId xmlns:a16="http://schemas.microsoft.com/office/drawing/2014/main" xmlns="" id="{B3419324-B673-4C8A-9155-119D365D7D44}"/>
+                <a16:creationId xmlns:a16="http://schemas.microsoft.com/office/drawing/2014/main" id="{B3419324-B673-4C8A-9155-119D365D7D44}"/>
               </a:ext>
             </a:extLst>
           </p:cNvPr>
@@ -2085,7 +2085,7 @@
           <a:p>
             <a:fld id="{EAA50B2D-1099-4D4A-84CF-763226D33A53}" type="datetimeFigureOut">
               <a:rPr lang="en-US" smtClean="0"/>
-              <a:t>3/8/2022</a:t>
+              <a:t>3/9/2022</a:t>
             </a:fld>
             <a:endParaRPr lang="en-US"/>
           </a:p>
@@ -2096,7 +2096,7 @@
           <p:cNvPr id="3" name="Footer Placeholder 2">
             <a:extLst>
               <a:ext uri="{FF2B5EF4-FFF2-40B4-BE49-F238E27FC236}">
-                <a16:creationId xmlns:a16="http://schemas.microsoft.com/office/drawing/2014/main" xmlns="" id="{4B8F4D7D-D4E6-4D06-9A03-37964F0BCB35}"/>
+                <a16:creationId xmlns:a16="http://schemas.microsoft.com/office/drawing/2014/main" id="{4B8F4D7D-D4E6-4D06-9A03-37964F0BCB35}"/>
               </a:ext>
             </a:extLst>
           </p:cNvPr>
@@ -2121,7 +2121,7 @@
           <p:cNvPr id="4" name="Slide Number Placeholder 3">
             <a:extLst>
               <a:ext uri="{FF2B5EF4-FFF2-40B4-BE49-F238E27FC236}">
-                <a16:creationId xmlns:a16="http://schemas.microsoft.com/office/drawing/2014/main" xmlns="" id="{F4D247D1-B810-4644-8BB6-B41C28A33DB2}"/>
+                <a16:creationId xmlns:a16="http://schemas.microsoft.com/office/drawing/2014/main" id="{F4D247D1-B810-4644-8BB6-B41C28A33DB2}"/>
               </a:ext>
             </a:extLst>
           </p:cNvPr>
@@ -2180,7 +2180,7 @@
           <p:cNvPr id="2" name="Title 1">
             <a:extLst>
               <a:ext uri="{FF2B5EF4-FFF2-40B4-BE49-F238E27FC236}">
-                <a16:creationId xmlns:a16="http://schemas.microsoft.com/office/drawing/2014/main" xmlns="" id="{15AE3250-45A2-44A6-9723-89CD77361683}"/>
+                <a16:creationId xmlns:a16="http://schemas.microsoft.com/office/drawing/2014/main" id="{15AE3250-45A2-44A6-9723-89CD77361683}"/>
               </a:ext>
             </a:extLst>
           </p:cNvPr>
@@ -2217,7 +2217,7 @@
           <p:cNvPr id="3" name="Content Placeholder 2">
             <a:extLst>
               <a:ext uri="{FF2B5EF4-FFF2-40B4-BE49-F238E27FC236}">
-                <a16:creationId xmlns:a16="http://schemas.microsoft.com/office/drawing/2014/main" xmlns="" id="{3AB327E7-2A1B-487F-AC19-6ECF253EB86F}"/>
+                <a16:creationId xmlns:a16="http://schemas.microsoft.com/office/drawing/2014/main" id="{3AB327E7-2A1B-487F-AC19-6ECF253EB86F}"/>
               </a:ext>
             </a:extLst>
           </p:cNvPr>
@@ -2307,7 +2307,7 @@
           <p:cNvPr id="4" name="Text Placeholder 3">
             <a:extLst>
               <a:ext uri="{FF2B5EF4-FFF2-40B4-BE49-F238E27FC236}">
-                <a16:creationId xmlns:a16="http://schemas.microsoft.com/office/drawing/2014/main" xmlns="" id="{6C03DED6-2C9D-40B2-B0A4-37C78D0DF360}"/>
+                <a16:creationId xmlns:a16="http://schemas.microsoft.com/office/drawing/2014/main" id="{6C03DED6-2C9D-40B2-B0A4-37C78D0DF360}"/>
               </a:ext>
             </a:extLst>
           </p:cNvPr>
@@ -2378,7 +2378,7 @@
           <p:cNvPr id="5" name="Date Placeholder 4">
             <a:extLst>
               <a:ext uri="{FF2B5EF4-FFF2-40B4-BE49-F238E27FC236}">
-                <a16:creationId xmlns:a16="http://schemas.microsoft.com/office/drawing/2014/main" xmlns="" id="{A8CEB13A-79B9-466F-A689-70BF83431C7B}"/>
+                <a16:creationId xmlns:a16="http://schemas.microsoft.com/office/drawing/2014/main" id="{A8CEB13A-79B9-466F-A689-70BF83431C7B}"/>
               </a:ext>
             </a:extLst>
           </p:cNvPr>
@@ -2396,7 +2396,7 @@
           <a:p>
             <a:fld id="{EAA50B2D-1099-4D4A-84CF-763226D33A53}" type="datetimeFigureOut">
               <a:rPr lang="en-US" smtClean="0"/>
-              <a:t>3/8/2022</a:t>
+              <a:t>3/9/2022</a:t>
             </a:fld>
             <a:endParaRPr lang="en-US"/>
           </a:p>
@@ -2407,7 +2407,7 @@
           <p:cNvPr id="6" name="Footer Placeholder 5">
             <a:extLst>
               <a:ext uri="{FF2B5EF4-FFF2-40B4-BE49-F238E27FC236}">
-                <a16:creationId xmlns:a16="http://schemas.microsoft.com/office/drawing/2014/main" xmlns="" id="{EA9AED05-0E1A-449F-8CC5-B658366A9833}"/>
+                <a16:creationId xmlns:a16="http://schemas.microsoft.com/office/drawing/2014/main" id="{EA9AED05-0E1A-449F-8CC5-B658366A9833}"/>
               </a:ext>
             </a:extLst>
           </p:cNvPr>
@@ -2432,7 +2432,7 @@
           <p:cNvPr id="7" name="Slide Number Placeholder 6">
             <a:extLst>
               <a:ext uri="{FF2B5EF4-FFF2-40B4-BE49-F238E27FC236}">
-                <a16:creationId xmlns:a16="http://schemas.microsoft.com/office/drawing/2014/main" xmlns="" id="{6E61978B-15CB-4694-9975-C943237FBD16}"/>
+                <a16:creationId xmlns:a16="http://schemas.microsoft.com/office/drawing/2014/main" id="{6E61978B-15CB-4694-9975-C943237FBD16}"/>
               </a:ext>
             </a:extLst>
           </p:cNvPr>
@@ -2491,7 +2491,7 @@
           <p:cNvPr id="2" name="Title 1">
             <a:extLst>
               <a:ext uri="{FF2B5EF4-FFF2-40B4-BE49-F238E27FC236}">
-                <a16:creationId xmlns:a16="http://schemas.microsoft.com/office/drawing/2014/main" xmlns="" id="{D4A3446B-AE1B-434C-A2AE-3751B885FCCF}"/>
+                <a16:creationId xmlns:a16="http://schemas.microsoft.com/office/drawing/2014/main" id="{D4A3446B-AE1B-434C-A2AE-3751B885FCCF}"/>
               </a:ext>
             </a:extLst>
           </p:cNvPr>
@@ -2528,7 +2528,7 @@
           <p:cNvPr id="3" name="Picture Placeholder 2">
             <a:extLst>
               <a:ext uri="{FF2B5EF4-FFF2-40B4-BE49-F238E27FC236}">
-                <a16:creationId xmlns:a16="http://schemas.microsoft.com/office/drawing/2014/main" xmlns="" id="{F9706E78-1242-4BA1-B2F8-DBEA3E2A973E}"/>
+                <a16:creationId xmlns:a16="http://schemas.microsoft.com/office/drawing/2014/main" id="{F9706E78-1242-4BA1-B2F8-DBEA3E2A973E}"/>
               </a:ext>
             </a:extLst>
           </p:cNvPr>
@@ -2595,7 +2595,7 @@
           <p:cNvPr id="4" name="Text Placeholder 3">
             <a:extLst>
               <a:ext uri="{FF2B5EF4-FFF2-40B4-BE49-F238E27FC236}">
-                <a16:creationId xmlns:a16="http://schemas.microsoft.com/office/drawing/2014/main" xmlns="" id="{5F65BDBE-3135-47D6-ACB1-642FB485DA30}"/>
+                <a16:creationId xmlns:a16="http://schemas.microsoft.com/office/drawing/2014/main" id="{5F65BDBE-3135-47D6-ACB1-642FB485DA30}"/>
               </a:ext>
             </a:extLst>
           </p:cNvPr>
@@ -2666,7 +2666,7 @@
           <p:cNvPr id="5" name="Date Placeholder 4">
             <a:extLst>
               <a:ext uri="{FF2B5EF4-FFF2-40B4-BE49-F238E27FC236}">
-                <a16:creationId xmlns:a16="http://schemas.microsoft.com/office/drawing/2014/main" xmlns="" id="{C083E1DB-374D-46B9-8FE8-6A710E0015FE}"/>
+                <a16:creationId xmlns:a16="http://schemas.microsoft.com/office/drawing/2014/main" id="{C083E1DB-374D-46B9-8FE8-6A710E0015FE}"/>
               </a:ext>
             </a:extLst>
           </p:cNvPr>
@@ -2684,7 +2684,7 @@
           <a:p>
             <a:fld id="{EAA50B2D-1099-4D4A-84CF-763226D33A53}" type="datetimeFigureOut">
               <a:rPr lang="en-US" smtClean="0"/>
-              <a:t>3/8/2022</a:t>
+              <a:t>3/9/2022</a:t>
             </a:fld>
             <a:endParaRPr lang="en-US"/>
           </a:p>
@@ -2695,7 +2695,7 @@
           <p:cNvPr id="6" name="Footer Placeholder 5">
             <a:extLst>
               <a:ext uri="{FF2B5EF4-FFF2-40B4-BE49-F238E27FC236}">
-                <a16:creationId xmlns:a16="http://schemas.microsoft.com/office/drawing/2014/main" xmlns="" id="{69154990-CF32-4A93-8890-8367FDFCFDB2}"/>
+                <a16:creationId xmlns:a16="http://schemas.microsoft.com/office/drawing/2014/main" id="{69154990-CF32-4A93-8890-8367FDFCFDB2}"/>
               </a:ext>
             </a:extLst>
           </p:cNvPr>
@@ -2720,7 +2720,7 @@
           <p:cNvPr id="7" name="Slide Number Placeholder 6">
             <a:extLst>
               <a:ext uri="{FF2B5EF4-FFF2-40B4-BE49-F238E27FC236}">
-                <a16:creationId xmlns:a16="http://schemas.microsoft.com/office/drawing/2014/main" xmlns="" id="{0ED00F40-AB49-42AB-8A12-8838BB5C9479}"/>
+                <a16:creationId xmlns:a16="http://schemas.microsoft.com/office/drawing/2014/main" id="{0ED00F40-AB49-42AB-8A12-8838BB5C9479}"/>
               </a:ext>
             </a:extLst>
           </p:cNvPr>
@@ -2784,7 +2784,7 @@
           <p:cNvPr id="2" name="Title Placeholder 1">
             <a:extLst>
               <a:ext uri="{FF2B5EF4-FFF2-40B4-BE49-F238E27FC236}">
-                <a16:creationId xmlns:a16="http://schemas.microsoft.com/office/drawing/2014/main" xmlns="" id="{3C293650-B304-4F54-86C2-CB9AB0E01ACE}"/>
+                <a16:creationId xmlns:a16="http://schemas.microsoft.com/office/drawing/2014/main" id="{3C293650-B304-4F54-86C2-CB9AB0E01ACE}"/>
               </a:ext>
             </a:extLst>
           </p:cNvPr>
@@ -2822,7 +2822,7 @@
           <p:cNvPr id="3" name="Text Placeholder 2">
             <a:extLst>
               <a:ext uri="{FF2B5EF4-FFF2-40B4-BE49-F238E27FC236}">
-                <a16:creationId xmlns:a16="http://schemas.microsoft.com/office/drawing/2014/main" xmlns="" id="{0F94AEFA-3FB4-44CB-8FC3-665909F19B1B}"/>
+                <a16:creationId xmlns:a16="http://schemas.microsoft.com/office/drawing/2014/main" id="{0F94AEFA-3FB4-44CB-8FC3-665909F19B1B}"/>
               </a:ext>
             </a:extLst>
           </p:cNvPr>
@@ -2889,7 +2889,7 @@
           <p:cNvPr id="4" name="Date Placeholder 3">
             <a:extLst>
               <a:ext uri="{FF2B5EF4-FFF2-40B4-BE49-F238E27FC236}">
-                <a16:creationId xmlns:a16="http://schemas.microsoft.com/office/drawing/2014/main" xmlns="" id="{E6FBBCA1-D16D-4FEF-85C4-B458EBE96722}"/>
+                <a16:creationId xmlns:a16="http://schemas.microsoft.com/office/drawing/2014/main" id="{E6FBBCA1-D16D-4FEF-85C4-B458EBE96722}"/>
               </a:ext>
             </a:extLst>
           </p:cNvPr>
@@ -2925,7 +2925,7 @@
           <a:p>
             <a:fld id="{EAA50B2D-1099-4D4A-84CF-763226D33A53}" type="datetimeFigureOut">
               <a:rPr lang="en-US" smtClean="0"/>
-              <a:t>3/8/2022</a:t>
+              <a:t>3/9/2022</a:t>
             </a:fld>
             <a:endParaRPr lang="en-US"/>
           </a:p>
@@ -2936,7 +2936,7 @@
           <p:cNvPr id="5" name="Footer Placeholder 4">
             <a:extLst>
               <a:ext uri="{FF2B5EF4-FFF2-40B4-BE49-F238E27FC236}">
-                <a16:creationId xmlns:a16="http://schemas.microsoft.com/office/drawing/2014/main" xmlns="" id="{EB108423-2FD6-48CF-B529-AEE16E2EAAA1}"/>
+                <a16:creationId xmlns:a16="http://schemas.microsoft.com/office/drawing/2014/main" id="{EB108423-2FD6-48CF-B529-AEE16E2EAAA1}"/>
               </a:ext>
             </a:extLst>
           </p:cNvPr>
@@ -2979,7 +2979,7 @@
           <p:cNvPr id="6" name="Slide Number Placeholder 5">
             <a:extLst>
               <a:ext uri="{FF2B5EF4-FFF2-40B4-BE49-F238E27FC236}">
-                <a16:creationId xmlns:a16="http://schemas.microsoft.com/office/drawing/2014/main" xmlns="" id="{89FBC860-9EB4-41CC-8FA6-BB58944089D7}"/>
+                <a16:creationId xmlns:a16="http://schemas.microsoft.com/office/drawing/2014/main" id="{89FBC860-9EB4-41CC-8FA6-BB58944089D7}"/>
               </a:ext>
             </a:extLst>
           </p:cNvPr>
@@ -3347,7 +3347,7 @@
           <p:cNvPr id="2" name="Title 1">
             <a:extLst>
               <a:ext uri="{FF2B5EF4-FFF2-40B4-BE49-F238E27FC236}">
-                <a16:creationId xmlns:a16="http://schemas.microsoft.com/office/drawing/2014/main" xmlns="" id="{D44CBB88-75A0-46BE-A9D5-1302138C3289}"/>
+                <a16:creationId xmlns:a16="http://schemas.microsoft.com/office/drawing/2014/main" id="{D44CBB88-75A0-46BE-A9D5-1302138C3289}"/>
               </a:ext>
             </a:extLst>
           </p:cNvPr>
@@ -3371,12 +3371,8 @@
           <a:lstStyle/>
           <a:p>
             <a:r>
-              <a:rPr lang="en-US" dirty="0" smtClean="0"/>
-              <a:t>Determining </a:t>
-            </a:r>
-            <a:r>
               <a:rPr lang="en-US" dirty="0"/>
-              <a:t>which variables contribute to shot success rate in soccer</a:t>
+              <a:t>Determining which variables contribute to shot success rate in soccer</a:t>
             </a:r>
           </a:p>
         </p:txBody>
@@ -3386,7 +3382,7 @@
           <p:cNvPr id="3" name="Subtitle 2">
             <a:extLst>
               <a:ext uri="{FF2B5EF4-FFF2-40B4-BE49-F238E27FC236}">
-                <a16:creationId xmlns:a16="http://schemas.microsoft.com/office/drawing/2014/main" xmlns="" id="{572D7E2B-2D66-4A45-B7BD-8A0BC144AD36}"/>
+                <a16:creationId xmlns:a16="http://schemas.microsoft.com/office/drawing/2014/main" id="{572D7E2B-2D66-4A45-B7BD-8A0BC144AD36}"/>
               </a:ext>
             </a:extLst>
           </p:cNvPr>
@@ -3425,7 +3421,7 @@
           </a:p>
           <a:p>
             <a:r>
-              <a:rPr lang="en-US" smtClean="0"/>
+              <a:rPr lang="en-US"/>
               <a:t>March 8, </a:t>
             </a:r>
             <a:r>
@@ -3470,7 +3466,7 @@
           <p:cNvPr id="2" name="TextBox 1">
             <a:extLst>
               <a:ext uri="{FF2B5EF4-FFF2-40B4-BE49-F238E27FC236}">
-                <a16:creationId xmlns:a16="http://schemas.microsoft.com/office/drawing/2014/main" xmlns="" id="{1E9E0E37-71F7-4506-A4A0-38A592F50849}"/>
+                <a16:creationId xmlns:a16="http://schemas.microsoft.com/office/drawing/2014/main" id="{1E9E0E37-71F7-4506-A4A0-38A592F50849}"/>
               </a:ext>
             </a:extLst>
           </p:cNvPr>
@@ -3494,18 +3490,17 @@
           <a:lstStyle/>
           <a:p>
             <a:r>
-              <a:rPr lang="en-US" sz="3200" b="1" dirty="0" smtClean="0"/>
+              <a:rPr lang="en-US" sz="3200" b="1" dirty="0"/>
               <a:t>Hypothesis Testing: Assist </a:t>
             </a:r>
             <a:r>
-              <a:rPr lang="en-US" sz="3200" b="1" dirty="0" err="1" smtClean="0"/>
+              <a:rPr lang="en-US" sz="3200" b="1" dirty="0" err="1"/>
               <a:t>vs</a:t>
             </a:r>
             <a:r>
-              <a:rPr lang="en-US" sz="3200" b="1" dirty="0" smtClean="0"/>
+              <a:rPr lang="en-US" sz="3200" b="1" dirty="0"/>
               <a:t> Key Pass</a:t>
             </a:r>
-            <a:endParaRPr lang="en-US" sz="3200" b="1" dirty="0"/>
           </a:p>
         </p:txBody>
       </p:sp>
@@ -3635,7 +3630,7 @@
           <a:lstStyle/>
           <a:p>
             <a:r>
-              <a:rPr lang="en-US" u="sng" dirty="0" smtClean="0"/>
+              <a:rPr lang="en-US" u="sng" dirty="0"/>
               <a:t>Welch Two Sample t-test</a:t>
             </a:r>
           </a:p>
@@ -3650,15 +3645,7 @@
                   <a:srgbClr val="FF0000"/>
                 </a:solidFill>
               </a:rPr>
-              <a:t>p-value: &lt;</a:t>
-            </a:r>
-            <a:r>
-              <a:rPr lang="en-US" dirty="0" smtClean="0">
-                <a:solidFill>
-                  <a:srgbClr val="FF0000"/>
-                </a:solidFill>
-              </a:rPr>
-              <a:t>2e-16</a:t>
+              <a:t>p-value: &lt;2e-16</a:t>
             </a:r>
           </a:p>
           <a:p>
@@ -3667,7 +3654,7 @@
               <a:buChar char="•"/>
             </a:pPr>
             <a:r>
-              <a:rPr lang="en-US" dirty="0" smtClean="0"/>
+              <a:rPr lang="en-US" dirty="0"/>
               <a:t>Assist Mean: 29.2</a:t>
             </a:r>
           </a:p>
@@ -3677,10 +3664,9 @@
               <a:buChar char="•"/>
             </a:pPr>
             <a:r>
-              <a:rPr lang="en-US" dirty="0" smtClean="0"/>
+              <a:rPr lang="en-US" dirty="0"/>
               <a:t>Key Pass Mean: 33.2</a:t>
             </a:r>
-            <a:endParaRPr lang="en-US" dirty="0"/>
           </a:p>
         </p:txBody>
       </p:sp>
@@ -3720,7 +3706,7 @@
           <a:lstStyle/>
           <a:p>
             <a:r>
-              <a:rPr lang="en-US" u="sng" dirty="0" smtClean="0"/>
+              <a:rPr lang="en-US" u="sng" dirty="0"/>
               <a:t>Welch Two Sample t-test</a:t>
             </a:r>
           </a:p>
@@ -3730,7 +3716,7 @@
               <a:buChar char="•"/>
             </a:pPr>
             <a:r>
-              <a:rPr lang="en-US" dirty="0" smtClean="0"/>
+              <a:rPr lang="en-US" dirty="0"/>
               <a:t>p-value: 0.9</a:t>
             </a:r>
           </a:p>
@@ -3740,7 +3726,7 @@
               <a:buChar char="•"/>
             </a:pPr>
             <a:r>
-              <a:rPr lang="en-US" dirty="0" smtClean="0"/>
+              <a:rPr lang="en-US" dirty="0"/>
               <a:t>Assist Mean: 84.7</a:t>
             </a:r>
           </a:p>
@@ -3750,12 +3736,8 @@
               <a:buChar char="•"/>
             </a:pPr>
             <a:r>
-              <a:rPr lang="en-US" dirty="0" smtClean="0"/>
-              <a:t>Key Pass Mean: </a:t>
-            </a:r>
-            <a:r>
               <a:rPr lang="en-US" dirty="0"/>
-              <a:t>84.7</a:t>
+              <a:t>Key Pass Mean: 84.7</a:t>
             </a:r>
           </a:p>
         </p:txBody>
@@ -3796,7 +3778,7 @@
           <a:lstStyle/>
           <a:p>
             <a:r>
-              <a:rPr lang="en-US" u="sng" dirty="0" smtClean="0"/>
+              <a:rPr lang="en-US" u="sng" dirty="0"/>
               <a:t>Welch Two Sample t-test</a:t>
             </a:r>
           </a:p>
@@ -3806,7 +3788,7 @@
               <a:buChar char="•"/>
             </a:pPr>
             <a:r>
-              <a:rPr lang="en-US" dirty="0" smtClean="0"/>
+              <a:rPr lang="en-US" dirty="0"/>
               <a:t>p-value: 0.6</a:t>
             </a:r>
           </a:p>
@@ -3816,14 +3798,9 @@
               <a:buChar char="•"/>
             </a:pPr>
             <a:r>
-              <a:rPr lang="en-US" dirty="0" smtClean="0"/>
-              <a:t>Assist Mean</a:t>
-            </a:r>
-            <a:r>
               <a:rPr lang="en-US" dirty="0"/>
-              <a:t>: 51.7</a:t>
-            </a:r>
-            <a:endParaRPr lang="en-US" dirty="0" smtClean="0"/>
+              <a:t>Assist Mean: 51.7</a:t>
+            </a:r>
           </a:p>
           <a:p>
             <a:pPr marL="285750" indent="-285750">
@@ -3831,12 +3808,8 @@
               <a:buChar char="•"/>
             </a:pPr>
             <a:r>
-              <a:rPr lang="en-US" dirty="0" smtClean="0"/>
-              <a:t>Key Pass Mean</a:t>
-            </a:r>
-            <a:r>
               <a:rPr lang="en-US" dirty="0"/>
-              <a:t>: 52.1</a:t>
+              <a:t>Key Pass Mean: 52.1</a:t>
             </a:r>
           </a:p>
         </p:txBody>
@@ -3876,7 +3849,7 @@
           <p:cNvPr id="2" name="TextBox 1">
             <a:extLst>
               <a:ext uri="{FF2B5EF4-FFF2-40B4-BE49-F238E27FC236}">
-                <a16:creationId xmlns:a16="http://schemas.microsoft.com/office/drawing/2014/main" xmlns="" id="{1E9E0E37-71F7-4506-A4A0-38A592F50849}"/>
+                <a16:creationId xmlns:a16="http://schemas.microsoft.com/office/drawing/2014/main" id="{1E9E0E37-71F7-4506-A4A0-38A592F50849}"/>
               </a:ext>
             </a:extLst>
           </p:cNvPr>
@@ -3900,18 +3873,17 @@
           <a:lstStyle/>
           <a:p>
             <a:r>
-              <a:rPr lang="en-US" sz="3200" b="1" dirty="0" smtClean="0"/>
+              <a:rPr lang="en-US" sz="3200" b="1" dirty="0"/>
               <a:t>Hypothesis Testing: Shot </a:t>
             </a:r>
             <a:r>
-              <a:rPr lang="en-US" sz="3200" b="1" dirty="0" err="1" smtClean="0"/>
+              <a:rPr lang="en-US" sz="3200" b="1" dirty="0" err="1"/>
               <a:t>vs</a:t>
             </a:r>
             <a:r>
-              <a:rPr lang="en-US" sz="3200" b="1" dirty="0" smtClean="0"/>
+              <a:rPr lang="en-US" sz="3200" b="1" dirty="0"/>
               <a:t> Goal</a:t>
             </a:r>
-            <a:endParaRPr lang="en-US" sz="3200" b="1" dirty="0"/>
           </a:p>
         </p:txBody>
       </p:sp>
@@ -4041,7 +4013,7 @@
           <a:lstStyle/>
           <a:p>
             <a:r>
-              <a:rPr lang="en-US" u="sng" dirty="0" smtClean="0"/>
+              <a:rPr lang="en-US" u="sng" dirty="0"/>
               <a:t>Welch Two Sample t-test</a:t>
             </a:r>
           </a:p>
@@ -4056,15 +4028,7 @@
                   <a:srgbClr val="FF0000"/>
                 </a:solidFill>
               </a:rPr>
-              <a:t>p-value: &lt;</a:t>
-            </a:r>
-            <a:r>
-              <a:rPr lang="en-US" dirty="0" smtClean="0">
-                <a:solidFill>
-                  <a:srgbClr val="FF0000"/>
-                </a:solidFill>
-              </a:rPr>
-              <a:t>2e-16</a:t>
+              <a:t>p-value: &lt;2e-16</a:t>
             </a:r>
           </a:p>
           <a:p>
@@ -4073,7 +4037,7 @@
               <a:buChar char="•"/>
             </a:pPr>
             <a:r>
-              <a:rPr lang="en-US" dirty="0" smtClean="0"/>
+              <a:rPr lang="en-US" dirty="0"/>
               <a:t>Goal Mean: 83.4</a:t>
             </a:r>
           </a:p>
@@ -4083,10 +4047,9 @@
               <a:buChar char="•"/>
             </a:pPr>
             <a:r>
-              <a:rPr lang="en-US" dirty="0" smtClean="0"/>
+              <a:rPr lang="en-US" dirty="0"/>
               <a:t>Shot Mean: 78.6</a:t>
             </a:r>
-            <a:endParaRPr lang="en-US" dirty="0"/>
           </a:p>
         </p:txBody>
       </p:sp>
@@ -4126,7 +4089,7 @@
           <a:lstStyle/>
           <a:p>
             <a:r>
-              <a:rPr lang="en-US" u="sng" dirty="0" smtClean="0"/>
+              <a:rPr lang="en-US" u="sng" dirty="0"/>
               <a:t>Welch Two Sample t-test</a:t>
             </a:r>
           </a:p>
@@ -4135,27 +4098,14 @@
               <a:buFont typeface="Arial" panose="020B0604020202020204" pitchFamily="34" charset="0"/>
               <a:buChar char="•"/>
             </a:pPr>
-            <a:r>
-              <a:rPr lang="en-US" dirty="0" smtClean="0">
-                <a:solidFill>
-                  <a:srgbClr val="FF0000"/>
-                </a:solidFill>
-              </a:rPr>
-              <a:t>p-value</a:t>
-            </a:r>
             <a:r>
               <a:rPr lang="en-US" dirty="0">
                 <a:solidFill>
                   <a:srgbClr val="FF0000"/>
                 </a:solidFill>
               </a:rPr>
-              <a:t>: &lt;2e-16</a:t>
-            </a:r>
-            <a:endParaRPr lang="en-US" dirty="0" smtClean="0">
-              <a:solidFill>
-                <a:srgbClr val="FF0000"/>
-              </a:solidFill>
-            </a:endParaRPr>
+              <a:t>p-value: &lt;2e-16</a:t>
+            </a:r>
           </a:p>
           <a:p>
             <a:pPr marL="285750" indent="-285750">
@@ -4163,14 +4113,9 @@
               <a:buChar char="•"/>
             </a:pPr>
             <a:r>
-              <a:rPr lang="en-US" dirty="0" smtClean="0"/>
-              <a:t>Goal Mean</a:t>
-            </a:r>
-            <a:r>
               <a:rPr lang="en-US" dirty="0"/>
-              <a:t>: 93.5</a:t>
-            </a:r>
-            <a:endParaRPr lang="en-US" dirty="0" smtClean="0"/>
+              <a:t>Goal Mean: 93.5</a:t>
+            </a:r>
           </a:p>
           <a:p>
             <a:pPr marL="285750" indent="-285750">
@@ -4178,12 +4123,8 @@
               <a:buChar char="•"/>
             </a:pPr>
             <a:r>
-              <a:rPr lang="en-US" dirty="0" smtClean="0"/>
-              <a:t>Shot Mean</a:t>
-            </a:r>
-            <a:r>
               <a:rPr lang="en-US" dirty="0"/>
-              <a:t>: 84.3</a:t>
+              <a:t>Shot Mean: 84.3</a:t>
             </a:r>
           </a:p>
         </p:txBody>
@@ -4224,7 +4165,7 @@
           <a:lstStyle/>
           <a:p>
             <a:r>
-              <a:rPr lang="en-US" u="sng" dirty="0" smtClean="0"/>
+              <a:rPr lang="en-US" u="sng" dirty="0"/>
               <a:t>Welch Two Sample t-test</a:t>
             </a:r>
           </a:p>
@@ -4234,7 +4175,7 @@
               <a:buChar char="•"/>
             </a:pPr>
             <a:r>
-              <a:rPr lang="en-US" dirty="0" smtClean="0">
+              <a:rPr lang="en-US" dirty="0">
                 <a:solidFill>
                   <a:srgbClr val="FF0000"/>
                 </a:solidFill>
@@ -4248,14 +4189,9 @@
               <a:buChar char="•"/>
             </a:pPr>
             <a:r>
-              <a:rPr lang="en-US" dirty="0" smtClean="0"/>
-              <a:t>Goal Mean</a:t>
-            </a:r>
-            <a:r>
               <a:rPr lang="en-US" dirty="0"/>
-              <a:t>: 68.1</a:t>
-            </a:r>
-            <a:endParaRPr lang="en-US" dirty="0" smtClean="0"/>
+              <a:t>Goal Mean: 68.1</a:t>
+            </a:r>
           </a:p>
           <a:p>
             <a:pPr marL="285750" indent="-285750">
@@ -4263,12 +4199,8 @@
               <a:buChar char="•"/>
             </a:pPr>
             <a:r>
-              <a:rPr lang="en-US" dirty="0" smtClean="0"/>
-              <a:t>Shot Mean</a:t>
-            </a:r>
-            <a:r>
               <a:rPr lang="en-US" dirty="0"/>
-              <a:t>: 49.2</a:t>
+              <a:t>Shot Mean: 49.2</a:t>
             </a:r>
           </a:p>
         </p:txBody>
@@ -4313,50 +4245,208 @@
             <p:ph type="ctrTitle"/>
           </p:nvPr>
         </p:nvSpPr>
-        <p:spPr/>
-        <p:txBody>
-          <a:bodyPr/>
+        <p:spPr>
+          <a:xfrm>
+            <a:off x="619327" y="223734"/>
+            <a:ext cx="9144000" cy="640303"/>
+          </a:xfrm>
+        </p:spPr>
+        <p:txBody>
+          <a:bodyPr>
+            <a:normAutofit/>
+          </a:bodyPr>
           <a:lstStyle/>
           <a:p>
-            <a:r>
-              <a:rPr lang="en-US" dirty="0" smtClean="0"/>
-              <a:t>Success probability (</a:t>
-            </a:r>
-            <a:r>
-              <a:rPr lang="en-US" b="1" dirty="0" smtClean="0">
-                <a:solidFill>
-                  <a:srgbClr val="FF0000"/>
-                </a:solidFill>
+            <a:pPr algn="l"/>
+            <a:r>
+              <a:rPr lang="en-US" sz="3200" b="1" dirty="0">
+                <a:latin typeface="+mn-lt"/>
               </a:rPr>
-              <a:t>M</a:t>
-            </a:r>
-            <a:r>
-              <a:rPr lang="en-US" dirty="0" smtClean="0"/>
-              <a:t>ichael)</a:t>
-            </a:r>
-            <a:endParaRPr lang="en-US" dirty="0"/>
-          </a:p>
-        </p:txBody>
-      </p:sp>
-      <p:sp>
-        <p:nvSpPr>
-          <p:cNvPr id="3" name="Subtitle 2"/>
-          <p:cNvSpPr>
-            <a:spLocks noGrp="1"/>
-          </p:cNvSpPr>
-          <p:nvPr>
-            <p:ph type="subTitle" idx="1"/>
-          </p:nvPr>
-        </p:nvSpPr>
-        <p:spPr/>
-        <p:txBody>
-          <a:bodyPr/>
-          <a:lstStyle/>
-          <a:p>
-            <a:endParaRPr lang="en-US"/>
-          </a:p>
-        </p:txBody>
-      </p:sp>
+              <a:t>Success Probability Plots</a:t>
+            </a:r>
+          </a:p>
+        </p:txBody>
+      </p:sp>
+      <p:pic>
+        <p:nvPicPr>
+          <p:cNvPr id="4" name="Picture 3">
+            <a:extLst>
+              <a:ext uri="{FF2B5EF4-FFF2-40B4-BE49-F238E27FC236}">
+                <a16:creationId xmlns:a16="http://schemas.microsoft.com/office/drawing/2014/main" id="{F764753E-B566-4C78-9B64-617C5D4A9C49}"/>
+              </a:ext>
+            </a:extLst>
+          </p:cNvPr>
+          <p:cNvPicPr>
+            <a:picLocks noChangeAspect="1"/>
+          </p:cNvPicPr>
+          <p:nvPr/>
+        </p:nvPicPr>
+        <p:blipFill>
+          <a:blip r:embed="rId2"/>
+          <a:stretch>
+            <a:fillRect/>
+          </a:stretch>
+        </p:blipFill>
+        <p:spPr>
+          <a:xfrm>
+            <a:off x="16445" y="1041013"/>
+            <a:ext cx="4114800" cy="2539419"/>
+          </a:xfrm>
+          <a:prstGeom prst="rect">
+            <a:avLst/>
+          </a:prstGeom>
+        </p:spPr>
+      </p:pic>
+      <p:pic>
+        <p:nvPicPr>
+          <p:cNvPr id="5" name="Picture 4">
+            <a:extLst>
+              <a:ext uri="{FF2B5EF4-FFF2-40B4-BE49-F238E27FC236}">
+                <a16:creationId xmlns:a16="http://schemas.microsoft.com/office/drawing/2014/main" id="{45EA0A17-2AA8-4484-AF4C-9C34E3A5315D}"/>
+              </a:ext>
+            </a:extLst>
+          </p:cNvPr>
+          <p:cNvPicPr>
+            <a:picLocks noChangeAspect="1"/>
+          </p:cNvPicPr>
+          <p:nvPr/>
+        </p:nvPicPr>
+        <p:blipFill>
+          <a:blip r:embed="rId3"/>
+          <a:stretch>
+            <a:fillRect/>
+          </a:stretch>
+        </p:blipFill>
+        <p:spPr>
+          <a:xfrm>
+            <a:off x="4038600" y="1048387"/>
+            <a:ext cx="4114800" cy="2539419"/>
+          </a:xfrm>
+          <a:prstGeom prst="rect">
+            <a:avLst/>
+          </a:prstGeom>
+        </p:spPr>
+      </p:pic>
+      <p:pic>
+        <p:nvPicPr>
+          <p:cNvPr id="6" name="Picture 5">
+            <a:extLst>
+              <a:ext uri="{FF2B5EF4-FFF2-40B4-BE49-F238E27FC236}">
+                <a16:creationId xmlns:a16="http://schemas.microsoft.com/office/drawing/2014/main" id="{EF4B1032-E702-4E81-9D7C-D0768022693B}"/>
+              </a:ext>
+            </a:extLst>
+          </p:cNvPr>
+          <p:cNvPicPr>
+            <a:picLocks noChangeAspect="1"/>
+          </p:cNvPicPr>
+          <p:nvPr/>
+        </p:nvPicPr>
+        <p:blipFill>
+          <a:blip r:embed="rId4"/>
+          <a:stretch>
+            <a:fillRect/>
+          </a:stretch>
+        </p:blipFill>
+        <p:spPr>
+          <a:xfrm>
+            <a:off x="8060756" y="1074896"/>
+            <a:ext cx="4114800" cy="2539419"/>
+          </a:xfrm>
+          <a:prstGeom prst="rect">
+            <a:avLst/>
+          </a:prstGeom>
+        </p:spPr>
+      </p:pic>
+      <p:pic>
+        <p:nvPicPr>
+          <p:cNvPr id="7" name="Picture 6">
+            <a:extLst>
+              <a:ext uri="{FF2B5EF4-FFF2-40B4-BE49-F238E27FC236}">
+                <a16:creationId xmlns:a16="http://schemas.microsoft.com/office/drawing/2014/main" id="{CBA83C60-6B2B-4C07-A4F8-7E07453BCB0F}"/>
+              </a:ext>
+            </a:extLst>
+          </p:cNvPr>
+          <p:cNvPicPr>
+            <a:picLocks noChangeAspect="1"/>
+          </p:cNvPicPr>
+          <p:nvPr/>
+        </p:nvPicPr>
+        <p:blipFill>
+          <a:blip r:embed="rId5"/>
+          <a:stretch>
+            <a:fillRect/>
+          </a:stretch>
+        </p:blipFill>
+        <p:spPr>
+          <a:xfrm>
+            <a:off x="0" y="3746518"/>
+            <a:ext cx="4114800" cy="2539419"/>
+          </a:xfrm>
+          <a:prstGeom prst="rect">
+            <a:avLst/>
+          </a:prstGeom>
+        </p:spPr>
+      </p:pic>
+      <p:pic>
+        <p:nvPicPr>
+          <p:cNvPr id="8" name="Picture 7">
+            <a:extLst>
+              <a:ext uri="{FF2B5EF4-FFF2-40B4-BE49-F238E27FC236}">
+                <a16:creationId xmlns:a16="http://schemas.microsoft.com/office/drawing/2014/main" id="{E597579E-3AE0-442E-9795-4B194661803E}"/>
+              </a:ext>
+            </a:extLst>
+          </p:cNvPr>
+          <p:cNvPicPr>
+            <a:picLocks noChangeAspect="1"/>
+          </p:cNvPicPr>
+          <p:nvPr/>
+        </p:nvPicPr>
+        <p:blipFill>
+          <a:blip r:embed="rId6"/>
+          <a:stretch>
+            <a:fillRect/>
+          </a:stretch>
+        </p:blipFill>
+        <p:spPr>
+          <a:xfrm>
+            <a:off x="4038600" y="3746518"/>
+            <a:ext cx="4114800" cy="2539419"/>
+          </a:xfrm>
+          <a:prstGeom prst="rect">
+            <a:avLst/>
+          </a:prstGeom>
+        </p:spPr>
+      </p:pic>
+      <p:pic>
+        <p:nvPicPr>
+          <p:cNvPr id="9" name="Picture 8">
+            <a:extLst>
+              <a:ext uri="{FF2B5EF4-FFF2-40B4-BE49-F238E27FC236}">
+                <a16:creationId xmlns:a16="http://schemas.microsoft.com/office/drawing/2014/main" id="{5E07A8C0-7456-4239-B42F-F179D3A29218}"/>
+              </a:ext>
+            </a:extLst>
+          </p:cNvPr>
+          <p:cNvPicPr>
+            <a:picLocks noChangeAspect="1"/>
+          </p:cNvPicPr>
+          <p:nvPr/>
+        </p:nvPicPr>
+        <p:blipFill>
+          <a:blip r:embed="rId7"/>
+          <a:stretch>
+            <a:fillRect/>
+          </a:stretch>
+        </p:blipFill>
+        <p:spPr>
+          <a:xfrm>
+            <a:off x="7975658" y="3678752"/>
+            <a:ext cx="4114800" cy="2539419"/>
+          </a:xfrm>
+          <a:prstGeom prst="rect">
+            <a:avLst/>
+          </a:prstGeom>
+        </p:spPr>
+      </p:pic>
     </p:spTree>
     <p:extLst>
       <p:ext uri="{BB962C8B-B14F-4D97-AF65-F5344CB8AC3E}">
@@ -4392,7 +4482,7 @@
           <p:cNvPr id="2" name="TextBox 1">
             <a:extLst>
               <a:ext uri="{FF2B5EF4-FFF2-40B4-BE49-F238E27FC236}">
-                <a16:creationId xmlns:a16="http://schemas.microsoft.com/office/drawing/2014/main" xmlns="" id="{1E9E0E37-71F7-4506-A4A0-38A592F50849}"/>
+                <a16:creationId xmlns:a16="http://schemas.microsoft.com/office/drawing/2014/main" id="{1E9E0E37-71F7-4506-A4A0-38A592F50849}"/>
               </a:ext>
             </a:extLst>
           </p:cNvPr>
@@ -4416,16 +4506,8 @@
           <a:lstStyle/>
           <a:p>
             <a:r>
-              <a:rPr lang="en-US" sz="3200" b="1" dirty="0" smtClean="0"/>
-              <a:t>Hypothesis </a:t>
-            </a:r>
-            <a:r>
-              <a:rPr lang="en-US" sz="3200" b="1" dirty="0" smtClean="0"/>
-              <a:t>Testing Reca</a:t>
-            </a:r>
-            <a:r>
               <a:rPr lang="en-US" sz="3200" b="1" dirty="0"/>
-              <a:t>p</a:t>
+              <a:t>Hypothesis Testing Recap</a:t>
             </a:r>
           </a:p>
         </p:txBody>
@@ -4466,7 +4548,7 @@
           <a:lstStyle/>
           <a:p>
             <a:r>
-              <a:rPr lang="en-US" u="sng" dirty="0" smtClean="0"/>
+              <a:rPr lang="en-US" u="sng" dirty="0"/>
               <a:t>Significant Difference in Means</a:t>
             </a:r>
           </a:p>
@@ -4475,32 +4557,20 @@
           </a:p>
           <a:p>
             <a:r>
-              <a:rPr lang="en-US" dirty="0" smtClean="0"/>
-              <a:t>1</a:t>
-            </a:r>
-            <a:r>
               <a:rPr lang="en-US" dirty="0"/>
-              <a:t>. Assist v. Key Pass Distance (higher mean for key </a:t>
-            </a:r>
-            <a:r>
-              <a:rPr lang="en-US" dirty="0" smtClean="0"/>
-              <a:t>pass)</a:t>
-            </a:r>
-          </a:p>
-          <a:p>
-            <a:r>
-              <a:rPr lang="en-US" dirty="0" smtClean="0"/>
+              <a:t>1. Assist v. Key Pass Distance (higher mean for key pass)</a:t>
+            </a:r>
+          </a:p>
+          <a:p>
+            <a:r>
+              <a:rPr lang="en-US" dirty="0"/>
               <a:t>2. Goal v. Shot Distance (higher mean for goals)</a:t>
             </a:r>
           </a:p>
           <a:p>
             <a:r>
-              <a:rPr lang="en-US" dirty="0" smtClean="0"/>
-              <a:t>3</a:t>
-            </a:r>
-            <a:r>
               <a:rPr lang="en-US" dirty="0"/>
-              <a:t>. Goal v. Shot </a:t>
+              <a:t>3. Goal v. Shot </a:t>
             </a:r>
             <a:r>
               <a:rPr lang="en-US" dirty="0" err="1"/>
@@ -4522,11 +4592,7 @@
             </a:r>
             <a:r>
               <a:rPr lang="en-US" dirty="0"/>
-              <a:t> (higher mean for goals</a:t>
-            </a:r>
-            <a:r>
-              <a:rPr lang="en-US" dirty="0" smtClean="0"/>
-              <a:t>)</a:t>
+              <a:t> (higher mean for goals)</a:t>
             </a:r>
           </a:p>
           <a:p>
@@ -4573,12 +4639,8 @@
           <a:lstStyle/>
           <a:p>
             <a:r>
-              <a:rPr lang="en-US" dirty="0" smtClean="0"/>
-              <a:t>Do </a:t>
-            </a:r>
-            <a:r>
-              <a:rPr lang="en-US" dirty="0" smtClean="0"/>
-              <a:t>teams differ in their strategies when it comes to the above variables? Let’s take a look at some Teams in the World Cup.</a:t>
+              <a:rPr lang="en-US" dirty="0"/>
+              <a:t>Do teams differ in their strategies when it comes to the above variables? Let’s take a look at some Teams in the World Cup.</a:t>
             </a:r>
           </a:p>
           <a:p>
@@ -4591,7 +4653,7 @@
           <p:cNvPr id="5" name="TextBox 4">
             <a:extLst>
               <a:ext uri="{FF2B5EF4-FFF2-40B4-BE49-F238E27FC236}">
-                <a16:creationId xmlns:a16="http://schemas.microsoft.com/office/drawing/2014/main" xmlns="" id="{1E9E0E37-71F7-4506-A4A0-38A592F50849}"/>
+                <a16:creationId xmlns:a16="http://schemas.microsoft.com/office/drawing/2014/main" id="{1E9E0E37-71F7-4506-A4A0-38A592F50849}"/>
               </a:ext>
             </a:extLst>
           </p:cNvPr>
@@ -4615,10 +4677,9 @@
           <a:lstStyle/>
           <a:p>
             <a:r>
-              <a:rPr lang="en-US" sz="3200" b="1" dirty="0" smtClean="0"/>
+              <a:rPr lang="en-US" sz="3200" b="1" dirty="0"/>
               <a:t>Extension</a:t>
             </a:r>
-            <a:endParaRPr lang="en-US" sz="3200" b="1" dirty="0"/>
           </a:p>
         </p:txBody>
       </p:sp>
@@ -4657,7 +4718,7 @@
           <p:cNvPr id="2" name="TextBox 1">
             <a:extLst>
               <a:ext uri="{FF2B5EF4-FFF2-40B4-BE49-F238E27FC236}">
-                <a16:creationId xmlns:a16="http://schemas.microsoft.com/office/drawing/2014/main" xmlns="" id="{1E9E0E37-71F7-4506-A4A0-38A592F50849}"/>
+                <a16:creationId xmlns:a16="http://schemas.microsoft.com/office/drawing/2014/main" id="{1E9E0E37-71F7-4506-A4A0-38A592F50849}"/>
               </a:ext>
             </a:extLst>
           </p:cNvPr>
@@ -4681,14 +4742,9 @@
           <a:lstStyle/>
           <a:p>
             <a:r>
-              <a:rPr lang="en-US" sz="3200" b="1" dirty="0" smtClean="0"/>
-              <a:t>Hypothesis Testing: </a:t>
-            </a:r>
-            <a:r>
-              <a:rPr lang="en-US" sz="3200" b="1" dirty="0" smtClean="0"/>
-              <a:t>Means Between Teams Using ANOVA</a:t>
-            </a:r>
-            <a:endParaRPr lang="en-US" sz="3200" b="1" dirty="0"/>
+              <a:rPr lang="en-US" sz="3200" b="1" dirty="0"/>
+              <a:t>Hypothesis Testing: Means Between Teams Using ANOVA</a:t>
+            </a:r>
           </a:p>
         </p:txBody>
       </p:sp>
@@ -4788,10 +4844,9 @@
           <a:lstStyle/>
           <a:p>
             <a:r>
-              <a:rPr lang="en-US" u="sng" dirty="0" smtClean="0"/>
+              <a:rPr lang="en-US" u="sng" dirty="0"/>
               <a:t>ANOVA</a:t>
             </a:r>
-            <a:endParaRPr lang="en-US" u="sng" dirty="0" smtClean="0"/>
           </a:p>
           <a:p>
             <a:pPr marL="285750" indent="-285750">
@@ -4799,7 +4854,7 @@
               <a:buChar char="•"/>
             </a:pPr>
             <a:r>
-              <a:rPr lang="en-US" dirty="0" smtClean="0">
+              <a:rPr lang="en-US" dirty="0">
                 <a:solidFill>
                   <a:schemeClr val="tx1"/>
                 </a:solidFill>
@@ -4845,37 +4900,23 @@
           <a:lstStyle/>
           <a:p>
             <a:r>
-              <a:rPr lang="en-US" u="sng" dirty="0" smtClean="0"/>
+              <a:rPr lang="en-US" u="sng" dirty="0"/>
               <a:t>ANOVA</a:t>
             </a:r>
-            <a:endParaRPr lang="en-US" u="sng" dirty="0" smtClean="0"/>
           </a:p>
           <a:p>
             <a:pPr marL="285750" indent="-285750">
               <a:buFont typeface="Arial" panose="020B0604020202020204" pitchFamily="34" charset="0"/>
               <a:buChar char="•"/>
             </a:pPr>
-            <a:r>
-              <a:rPr lang="en-US" dirty="0" smtClean="0">
-                <a:solidFill>
-                  <a:srgbClr val="FF0000"/>
-                </a:solidFill>
-              </a:rPr>
-              <a:t>p-value</a:t>
-            </a:r>
             <a:r>
               <a:rPr lang="en-US" dirty="0">
                 <a:solidFill>
                   <a:srgbClr val="FF0000"/>
                 </a:solidFill>
               </a:rPr>
-              <a:t>: 7.74e-18</a:t>
-            </a:r>
-            <a:endParaRPr lang="en-US" dirty="0" smtClean="0">
-              <a:solidFill>
-                <a:srgbClr val="FF0000"/>
-              </a:solidFill>
-            </a:endParaRPr>
+              <a:t>p-value: 7.74e-18</a:t>
+            </a:r>
           </a:p>
         </p:txBody>
       </p:sp>
@@ -4914,7 +4955,7 @@
           <p:cNvPr id="2" name="TextBox 1">
             <a:extLst>
               <a:ext uri="{FF2B5EF4-FFF2-40B4-BE49-F238E27FC236}">
-                <a16:creationId xmlns:a16="http://schemas.microsoft.com/office/drawing/2014/main" xmlns="" id="{1E9E0E37-71F7-4506-A4A0-38A592F50849}"/>
+                <a16:creationId xmlns:a16="http://schemas.microsoft.com/office/drawing/2014/main" id="{1E9E0E37-71F7-4506-A4A0-38A592F50849}"/>
               </a:ext>
             </a:extLst>
           </p:cNvPr>
@@ -4938,14 +4979,9 @@
           <a:lstStyle/>
           <a:p>
             <a:r>
-              <a:rPr lang="en-US" sz="3200" b="1" dirty="0" smtClean="0"/>
-              <a:t>Hypothesis Testing: </a:t>
-            </a:r>
-            <a:r>
-              <a:rPr lang="en-US" sz="3200" b="1" dirty="0" smtClean="0"/>
-              <a:t>Means Between Teams Using ANOVA</a:t>
-            </a:r>
-            <a:endParaRPr lang="en-US" sz="3200" b="1" dirty="0"/>
+              <a:rPr lang="en-US" sz="3200" b="1" dirty="0"/>
+              <a:t>Hypothesis Testing: Means Between Teams Using ANOVA</a:t>
+            </a:r>
           </a:p>
         </p:txBody>
       </p:sp>
@@ -5045,37 +5081,23 @@
           <a:lstStyle/>
           <a:p>
             <a:r>
-              <a:rPr lang="en-US" u="sng" dirty="0" smtClean="0"/>
+              <a:rPr lang="en-US" u="sng" dirty="0"/>
               <a:t>ANOVA</a:t>
             </a:r>
-            <a:endParaRPr lang="en-US" u="sng" dirty="0" smtClean="0"/>
           </a:p>
           <a:p>
             <a:pPr marL="285750" indent="-285750">
               <a:buFont typeface="Arial" panose="020B0604020202020204" pitchFamily="34" charset="0"/>
               <a:buChar char="•"/>
             </a:pPr>
-            <a:r>
-              <a:rPr lang="en-US" dirty="0" smtClean="0">
-                <a:solidFill>
-                  <a:schemeClr val="tx1"/>
-                </a:solidFill>
-              </a:rPr>
-              <a:t>p-value</a:t>
-            </a:r>
             <a:r>
               <a:rPr lang="en-US" dirty="0">
                 <a:solidFill>
                   <a:schemeClr val="tx1"/>
                 </a:solidFill>
               </a:rPr>
-              <a:t>: 0.153</a:t>
-            </a:r>
-            <a:endParaRPr lang="en-US" dirty="0" smtClean="0">
-              <a:solidFill>
-                <a:schemeClr val="tx1"/>
-              </a:solidFill>
-            </a:endParaRPr>
+              <a:t>p-value: 0.153</a:t>
+            </a:r>
           </a:p>
         </p:txBody>
       </p:sp>
@@ -5115,37 +5137,23 @@
           <a:lstStyle/>
           <a:p>
             <a:r>
-              <a:rPr lang="en-US" u="sng" dirty="0" smtClean="0"/>
+              <a:rPr lang="en-US" u="sng" dirty="0"/>
               <a:t>ANOVA</a:t>
             </a:r>
-            <a:endParaRPr lang="en-US" u="sng" dirty="0" smtClean="0"/>
           </a:p>
           <a:p>
             <a:pPr marL="285750" indent="-285750">
               <a:buFont typeface="Arial" panose="020B0604020202020204" pitchFamily="34" charset="0"/>
               <a:buChar char="•"/>
             </a:pPr>
-            <a:r>
-              <a:rPr lang="en-US" dirty="0" smtClean="0">
-                <a:solidFill>
-                  <a:srgbClr val="FF0000"/>
-                </a:solidFill>
-              </a:rPr>
-              <a:t>p-value</a:t>
-            </a:r>
             <a:r>
               <a:rPr lang="en-US" dirty="0">
                 <a:solidFill>
                   <a:srgbClr val="FF0000"/>
                 </a:solidFill>
               </a:rPr>
-              <a:t>: 0.002</a:t>
-            </a:r>
-            <a:endParaRPr lang="en-US" dirty="0" smtClean="0">
-              <a:solidFill>
-                <a:srgbClr val="FF0000"/>
-              </a:solidFill>
-            </a:endParaRPr>
+              <a:t>p-value: 0.002</a:t>
+            </a:r>
           </a:p>
         </p:txBody>
       </p:sp>
@@ -5184,7 +5192,7 @@
           <p:cNvPr id="2" name="TextBox 1">
             <a:extLst>
               <a:ext uri="{FF2B5EF4-FFF2-40B4-BE49-F238E27FC236}">
-                <a16:creationId xmlns:a16="http://schemas.microsoft.com/office/drawing/2014/main" xmlns="" id="{403E5C2C-0B2A-40B0-B292-DFBFD50F3A00}"/>
+                <a16:creationId xmlns:a16="http://schemas.microsoft.com/office/drawing/2014/main" id="{403E5C2C-0B2A-40B0-B292-DFBFD50F3A00}"/>
               </a:ext>
             </a:extLst>
           </p:cNvPr>
@@ -5223,7 +5231,7 @@
         <p:spPr>
           <a:xfrm>
             <a:off x="612739" y="797947"/>
-            <a:ext cx="6096000" cy="2031325"/>
+            <a:ext cx="6096000" cy="2308324"/>
           </a:xfrm>
           <a:prstGeom prst="rect">
             <a:avLst/>
@@ -5240,7 +5248,7 @@
               <a:buChar char="•"/>
             </a:pPr>
             <a:r>
-              <a:rPr lang="en-US" dirty="0" smtClean="0"/>
+              <a:rPr lang="en-US" dirty="0"/>
               <a:t>T-tests: Distance and Start Coordinates are different between successful (goal) and unsuccessful plays (no goal)</a:t>
             </a:r>
           </a:p>
@@ -5257,32 +5265,19 @@
               <a:buChar char="•"/>
             </a:pPr>
             <a:r>
-              <a:rPr lang="en-US" dirty="0" smtClean="0"/>
-              <a:t>Success </a:t>
-            </a:r>
-            <a:r>
-              <a:rPr lang="en-US" dirty="0" smtClean="0"/>
-              <a:t>probabilities </a:t>
-            </a:r>
-            <a:r>
-              <a:rPr lang="en-US" b="1" dirty="0" smtClean="0">
-                <a:solidFill>
-                  <a:srgbClr val="FF0000"/>
-                </a:solidFill>
-              </a:rPr>
-              <a:t>(M</a:t>
-            </a:r>
-            <a:r>
-              <a:rPr lang="en-US" b="1" dirty="0" smtClean="0">
-                <a:solidFill>
-                  <a:srgbClr val="FF0000"/>
-                </a:solidFill>
-              </a:rPr>
-              <a:t>)</a:t>
-            </a:r>
-          </a:p>
-          <a:p>
-            <a:endParaRPr lang="en-US" b="1" dirty="0" smtClean="0">
+              <a:rPr lang="en-US" dirty="0"/>
+              <a:t>Success probabilities</a:t>
+            </a:r>
+          </a:p>
+          <a:p>
+            <a:pPr marL="742950" lvl="1" indent="-285750">
+              <a:buFont typeface="Arial" panose="020B0604020202020204" pitchFamily="34" charset="0"/>
+              <a:buChar char="•"/>
+            </a:pPr>
+            <a:endParaRPr lang="en-US" b="1" dirty="0"/>
+          </a:p>
+          <a:p>
+            <a:endParaRPr lang="en-US" b="1" dirty="0">
               <a:solidFill>
                 <a:srgbClr val="FF0000"/>
               </a:solidFill>
@@ -5294,10 +5289,9 @@
               <a:buChar char="•"/>
             </a:pPr>
             <a:r>
-              <a:rPr lang="en-US" dirty="0" smtClean="0"/>
+              <a:rPr lang="en-US" dirty="0"/>
               <a:t>ANOVA: There are some differences between Teams when it comes to Distance and Start Coordinates.</a:t>
             </a:r>
-            <a:endParaRPr lang="en-US" dirty="0" smtClean="0"/>
           </a:p>
         </p:txBody>
       </p:sp>
@@ -5347,10 +5341,9 @@
           <a:lstStyle/>
           <a:p>
             <a:r>
-              <a:rPr lang="en-US" dirty="0" smtClean="0"/>
+              <a:rPr lang="en-US" dirty="0"/>
               <a:t>Next steps</a:t>
             </a:r>
-            <a:endParaRPr lang="en-US" dirty="0"/>
           </a:p>
         </p:txBody>
       </p:sp>
@@ -5375,51 +5368,49 @@
           <a:lstStyle/>
           <a:p>
             <a:r>
-              <a:rPr lang="en-US" dirty="0" smtClean="0"/>
+              <a:rPr lang="en-US" dirty="0"/>
               <a:t>Adjust fitting to better account for non-normal distributions</a:t>
             </a:r>
           </a:p>
           <a:p>
             <a:r>
-              <a:rPr lang="en-US" dirty="0" smtClean="0"/>
+              <a:rPr lang="en-US" dirty="0"/>
               <a:t>Further exploration of data by groups (by league, </a:t>
             </a:r>
             <a:r>
-              <a:rPr lang="en-US" dirty="0" err="1" smtClean="0"/>
+              <a:rPr lang="en-US" dirty="0" err="1"/>
               <a:t>etc</a:t>
             </a:r>
             <a:r>
-              <a:rPr lang="en-US" dirty="0" smtClean="0"/>
+              <a:rPr lang="en-US" dirty="0"/>
               <a:t>?)</a:t>
             </a:r>
           </a:p>
           <a:p>
             <a:pPr lvl="1"/>
             <a:r>
-              <a:rPr lang="en-US" dirty="0" smtClean="0"/>
+              <a:rPr lang="en-US" dirty="0"/>
               <a:t>Include all groups</a:t>
             </a:r>
           </a:p>
           <a:p>
             <a:pPr lvl="1"/>
             <a:r>
-              <a:rPr lang="en-US" dirty="0" smtClean="0"/>
+              <a:rPr lang="en-US" dirty="0"/>
               <a:t>Post-hoc analyses to identify groups that differ</a:t>
             </a:r>
-            <a:endParaRPr lang="en-US" dirty="0" smtClean="0"/>
-          </a:p>
-          <a:p>
-            <a:r>
-              <a:rPr lang="en-US" dirty="0" smtClean="0"/>
+          </a:p>
+          <a:p>
+            <a:r>
+              <a:rPr lang="en-US" dirty="0"/>
               <a:t>Improving visualizations (3D plots)</a:t>
             </a:r>
           </a:p>
           <a:p>
             <a:r>
-              <a:rPr lang="en-US" dirty="0" smtClean="0"/>
+              <a:rPr lang="en-US" dirty="0"/>
               <a:t>Linear model</a:t>
             </a:r>
-            <a:endParaRPr lang="en-US" dirty="0"/>
           </a:p>
         </p:txBody>
       </p:sp>
@@ -5458,7 +5449,7 @@
           <p:cNvPr id="2" name="TextBox 1">
             <a:extLst>
               <a:ext uri="{FF2B5EF4-FFF2-40B4-BE49-F238E27FC236}">
-                <a16:creationId xmlns:a16="http://schemas.microsoft.com/office/drawing/2014/main" xmlns="" id="{6E7F4BA1-E473-4273-8CC9-9A5E056A5317}"/>
+                <a16:creationId xmlns:a16="http://schemas.microsoft.com/office/drawing/2014/main" id="{6E7F4BA1-E473-4273-8CC9-9A5E056A5317}"/>
               </a:ext>
             </a:extLst>
           </p:cNvPr>
@@ -5482,7 +5473,7 @@
           <a:lstStyle/>
           <a:p>
             <a:r>
-              <a:rPr lang="en-US" sz="3200" b="1" dirty="0" smtClean="0">
+              <a:rPr lang="en-US" sz="3200" b="1" dirty="0">
                 <a:solidFill>
                   <a:srgbClr val="FF0000"/>
                 </a:solidFill>
@@ -5490,12 +5481,8 @@
               <a:t>G</a:t>
             </a:r>
             <a:r>
-              <a:rPr lang="en-US" sz="3200" b="1" dirty="0" smtClean="0"/>
-              <a:t> Data </a:t>
-            </a:r>
-            <a:r>
               <a:rPr lang="en-US" sz="3200" b="1" dirty="0"/>
-              <a:t>Set Overview:</a:t>
+              <a:t> Data Set Overview:</a:t>
             </a:r>
           </a:p>
         </p:txBody>
@@ -5505,7 +5492,7 @@
           <p:cNvPr id="3" name="TextBox 2">
             <a:extLst>
               <a:ext uri="{FF2B5EF4-FFF2-40B4-BE49-F238E27FC236}">
-                <a16:creationId xmlns:a16="http://schemas.microsoft.com/office/drawing/2014/main" xmlns="" id="{D1D0B343-EC0E-4FE5-8A83-97DB22C2B0FE}"/>
+                <a16:creationId xmlns:a16="http://schemas.microsoft.com/office/drawing/2014/main" id="{D1D0B343-EC0E-4FE5-8A83-97DB22C2B0FE}"/>
               </a:ext>
             </a:extLst>
           </p:cNvPr>
@@ -5540,7 +5527,7 @@
           <p:cNvPr id="4" name="TextBox 3">
             <a:extLst>
               <a:ext uri="{FF2B5EF4-FFF2-40B4-BE49-F238E27FC236}">
-                <a16:creationId xmlns:a16="http://schemas.microsoft.com/office/drawing/2014/main" xmlns="" id="{690C2353-02BE-4642-85DA-78D14370A180}"/>
+                <a16:creationId xmlns:a16="http://schemas.microsoft.com/office/drawing/2014/main" id="{690C2353-02BE-4642-85DA-78D14370A180}"/>
               </a:ext>
             </a:extLst>
           </p:cNvPr>
@@ -5575,7 +5562,7 @@
           <p:cNvPr id="5" name="TextBox 4">
             <a:extLst>
               <a:ext uri="{FF2B5EF4-FFF2-40B4-BE49-F238E27FC236}">
-                <a16:creationId xmlns:a16="http://schemas.microsoft.com/office/drawing/2014/main" xmlns="" id="{C2F07132-D448-4C15-9BFB-E87670F5C6FE}"/>
+                <a16:creationId xmlns:a16="http://schemas.microsoft.com/office/drawing/2014/main" id="{C2F07132-D448-4C15-9BFB-E87670F5C6FE}"/>
               </a:ext>
             </a:extLst>
           </p:cNvPr>
@@ -5610,7 +5597,7 @@
           <p:cNvPr id="6" name="Rectangle: Rounded Corners 5">
             <a:extLst>
               <a:ext uri="{FF2B5EF4-FFF2-40B4-BE49-F238E27FC236}">
-                <a16:creationId xmlns:a16="http://schemas.microsoft.com/office/drawing/2014/main" xmlns="" id="{CD032F2B-AAF7-4DFA-B443-0EC9EF882280}"/>
+                <a16:creationId xmlns:a16="http://schemas.microsoft.com/office/drawing/2014/main" id="{CD032F2B-AAF7-4DFA-B443-0EC9EF882280}"/>
               </a:ext>
             </a:extLst>
           </p:cNvPr>
@@ -5632,7 +5619,7 @@
                   <a14:useLocalDpi xmlns:a14="http://schemas.microsoft.com/office/drawing/2010/main" val="0"/>
                 </a:ext>
                 <a:ext uri="{837473B0-CC2E-450A-ABE3-18F120FF3D39}">
-                  <a1611:picAttrSrcUrl xmlns:a1611="http://schemas.microsoft.com/office/drawing/2016/11/main" xmlns="" r:id="rId3"/>
+                  <a1611:picAttrSrcUrl xmlns:a1611="http://schemas.microsoft.com/office/drawing/2016/11/main" r:id="rId3"/>
                 </a:ext>
               </a:extLst>
             </a:blip>
@@ -5681,7 +5668,7 @@
           <p:cNvPr id="7" name="Rectangle: Rounded Corners 6">
             <a:extLst>
               <a:ext uri="{FF2B5EF4-FFF2-40B4-BE49-F238E27FC236}">
-                <a16:creationId xmlns:a16="http://schemas.microsoft.com/office/drawing/2014/main" xmlns="" id="{47E4AC7D-DEB2-41F7-BE71-AA4A58F596CC}"/>
+                <a16:creationId xmlns:a16="http://schemas.microsoft.com/office/drawing/2014/main" id="{47E4AC7D-DEB2-41F7-BE71-AA4A58F596CC}"/>
               </a:ext>
             </a:extLst>
           </p:cNvPr>
@@ -5703,7 +5690,7 @@
                   <a14:useLocalDpi xmlns:a14="http://schemas.microsoft.com/office/drawing/2010/main" val="0"/>
                 </a:ext>
                 <a:ext uri="{837473B0-CC2E-450A-ABE3-18F120FF3D39}">
-                  <a1611:picAttrSrcUrl xmlns:a1611="http://schemas.microsoft.com/office/drawing/2016/11/main" xmlns="" r:id="rId5"/>
+                  <a1611:picAttrSrcUrl xmlns:a1611="http://schemas.microsoft.com/office/drawing/2016/11/main" r:id="rId5"/>
                 </a:ext>
               </a:extLst>
             </a:blip>
@@ -5752,7 +5739,7 @@
           <p:cNvPr id="8" name="Rectangle: Rounded Corners 7">
             <a:extLst>
               <a:ext uri="{FF2B5EF4-FFF2-40B4-BE49-F238E27FC236}">
-                <a16:creationId xmlns:a16="http://schemas.microsoft.com/office/drawing/2014/main" xmlns="" id="{568076BC-B447-45DD-BFFC-78D227B93316}"/>
+                <a16:creationId xmlns:a16="http://schemas.microsoft.com/office/drawing/2014/main" id="{568076BC-B447-45DD-BFFC-78D227B93316}"/>
               </a:ext>
             </a:extLst>
           </p:cNvPr>
@@ -5774,7 +5761,7 @@
                   <a14:useLocalDpi xmlns:a14="http://schemas.microsoft.com/office/drawing/2010/main" val="0"/>
                 </a:ext>
                 <a:ext uri="{837473B0-CC2E-450A-ABE3-18F120FF3D39}">
-                  <a1611:picAttrSrcUrl xmlns:a1611="http://schemas.microsoft.com/office/drawing/2016/11/main" xmlns="" r:id="rId7"/>
+                  <a1611:picAttrSrcUrl xmlns:a1611="http://schemas.microsoft.com/office/drawing/2016/11/main" r:id="rId7"/>
                 </a:ext>
               </a:extLst>
             </a:blip>
@@ -5823,7 +5810,7 @@
           <p:cNvPr id="9" name="Rectangle: Rounded Corners 8">
             <a:extLst>
               <a:ext uri="{FF2B5EF4-FFF2-40B4-BE49-F238E27FC236}">
-                <a16:creationId xmlns:a16="http://schemas.microsoft.com/office/drawing/2014/main" xmlns="" id="{A1CA3B86-5D81-4A62-90E7-6A692B96B779}"/>
+                <a16:creationId xmlns:a16="http://schemas.microsoft.com/office/drawing/2014/main" id="{A1CA3B86-5D81-4A62-90E7-6A692B96B779}"/>
               </a:ext>
             </a:extLst>
           </p:cNvPr>
@@ -5845,7 +5832,7 @@
                   <a14:useLocalDpi xmlns:a14="http://schemas.microsoft.com/office/drawing/2010/main" val="0"/>
                 </a:ext>
                 <a:ext uri="{837473B0-CC2E-450A-ABE3-18F120FF3D39}">
-                  <a1611:picAttrSrcUrl xmlns:a1611="http://schemas.microsoft.com/office/drawing/2016/11/main" xmlns="" r:id="rId9"/>
+                  <a1611:picAttrSrcUrl xmlns:a1611="http://schemas.microsoft.com/office/drawing/2016/11/main" r:id="rId9"/>
                 </a:ext>
               </a:extLst>
             </a:blip>
@@ -5894,7 +5881,7 @@
           <p:cNvPr id="10" name="Rectangle: Rounded Corners 9">
             <a:extLst>
               <a:ext uri="{FF2B5EF4-FFF2-40B4-BE49-F238E27FC236}">
-                <a16:creationId xmlns:a16="http://schemas.microsoft.com/office/drawing/2014/main" xmlns="" id="{861CD96B-41CB-4C57-AFE0-DFC936A9912D}"/>
+                <a16:creationId xmlns:a16="http://schemas.microsoft.com/office/drawing/2014/main" id="{861CD96B-41CB-4C57-AFE0-DFC936A9912D}"/>
               </a:ext>
             </a:extLst>
           </p:cNvPr>
@@ -5916,7 +5903,7 @@
                   <a14:useLocalDpi xmlns:a14="http://schemas.microsoft.com/office/drawing/2010/main" val="0"/>
                 </a:ext>
                 <a:ext uri="{837473B0-CC2E-450A-ABE3-18F120FF3D39}">
-                  <a1611:picAttrSrcUrl xmlns:a1611="http://schemas.microsoft.com/office/drawing/2016/11/main" xmlns="" r:id="rId11"/>
+                  <a1611:picAttrSrcUrl xmlns:a1611="http://schemas.microsoft.com/office/drawing/2016/11/main" r:id="rId11"/>
                 </a:ext>
               </a:extLst>
             </a:blip>
@@ -5965,7 +5952,7 @@
           <p:cNvPr id="11" name="Rectangle: Rounded Corners 10">
             <a:extLst>
               <a:ext uri="{FF2B5EF4-FFF2-40B4-BE49-F238E27FC236}">
-                <a16:creationId xmlns:a16="http://schemas.microsoft.com/office/drawing/2014/main" xmlns="" id="{A049D730-445B-41E1-8D86-1636E53E014B}"/>
+                <a16:creationId xmlns:a16="http://schemas.microsoft.com/office/drawing/2014/main" id="{A049D730-445B-41E1-8D86-1636E53E014B}"/>
               </a:ext>
             </a:extLst>
           </p:cNvPr>
@@ -5987,7 +5974,7 @@
                   <a14:useLocalDpi xmlns:a14="http://schemas.microsoft.com/office/drawing/2010/main" val="0"/>
                 </a:ext>
                 <a:ext uri="{837473B0-CC2E-450A-ABE3-18F120FF3D39}">
-                  <a1611:picAttrSrcUrl xmlns:a1611="http://schemas.microsoft.com/office/drawing/2016/11/main" xmlns="" r:id="rId13"/>
+                  <a1611:picAttrSrcUrl xmlns:a1611="http://schemas.microsoft.com/office/drawing/2016/11/main" r:id="rId13"/>
                 </a:ext>
               </a:extLst>
             </a:blip>
@@ -6036,7 +6023,7 @@
           <p:cNvPr id="12" name="Rectangle: Rounded Corners 11">
             <a:extLst>
               <a:ext uri="{FF2B5EF4-FFF2-40B4-BE49-F238E27FC236}">
-                <a16:creationId xmlns:a16="http://schemas.microsoft.com/office/drawing/2014/main" xmlns="" id="{8F16978B-7F5F-4B30-94AA-AC679B3F6D91}"/>
+                <a16:creationId xmlns:a16="http://schemas.microsoft.com/office/drawing/2014/main" id="{8F16978B-7F5F-4B30-94AA-AC679B3F6D91}"/>
               </a:ext>
             </a:extLst>
           </p:cNvPr>
@@ -6058,7 +6045,7 @@
                   <a14:useLocalDpi xmlns:a14="http://schemas.microsoft.com/office/drawing/2010/main" val="0"/>
                 </a:ext>
                 <a:ext uri="{837473B0-CC2E-450A-ABE3-18F120FF3D39}">
-                  <a1611:picAttrSrcUrl xmlns:a1611="http://schemas.microsoft.com/office/drawing/2016/11/main" xmlns="" r:id="rId15"/>
+                  <a1611:picAttrSrcUrl xmlns:a1611="http://schemas.microsoft.com/office/drawing/2016/11/main" r:id="rId15"/>
                 </a:ext>
               </a:extLst>
             </a:blip>
@@ -6107,7 +6094,7 @@
           <p:cNvPr id="17" name="Group 16">
             <a:extLst>
               <a:ext uri="{FF2B5EF4-FFF2-40B4-BE49-F238E27FC236}">
-                <a16:creationId xmlns:a16="http://schemas.microsoft.com/office/drawing/2014/main" xmlns="" id="{C0ECEAF2-7E40-4D12-B72E-5EBB28CDE8E7}"/>
+                <a16:creationId xmlns:a16="http://schemas.microsoft.com/office/drawing/2014/main" id="{C0ECEAF2-7E40-4D12-B72E-5EBB28CDE8E7}"/>
               </a:ext>
             </a:extLst>
           </p:cNvPr>
@@ -6127,7 +6114,7 @@
             <p:cNvPr id="13" name="Rectangle: Rounded Corners 12">
               <a:extLst>
                 <a:ext uri="{FF2B5EF4-FFF2-40B4-BE49-F238E27FC236}">
-                  <a16:creationId xmlns:a16="http://schemas.microsoft.com/office/drawing/2014/main" xmlns="" id="{EEDEE5DB-1CA9-4D70-9B97-B9CF2D1B27C4}"/>
+                  <a16:creationId xmlns:a16="http://schemas.microsoft.com/office/drawing/2014/main" id="{EEDEE5DB-1CA9-4D70-9B97-B9CF2D1B27C4}"/>
                 </a:ext>
               </a:extLst>
             </p:cNvPr>
@@ -6175,7 +6162,7 @@
             <p:cNvPr id="14" name="TextBox 13">
               <a:extLst>
                 <a:ext uri="{FF2B5EF4-FFF2-40B4-BE49-F238E27FC236}">
-                  <a16:creationId xmlns:a16="http://schemas.microsoft.com/office/drawing/2014/main" xmlns="" id="{0119417F-7B8C-4457-B319-890D604EE57E}"/>
+                  <a16:creationId xmlns:a16="http://schemas.microsoft.com/office/drawing/2014/main" id="{0119417F-7B8C-4457-B319-890D604EE57E}"/>
                 </a:ext>
               </a:extLst>
             </p:cNvPr>
@@ -6210,7 +6197,7 @@
             <p:cNvPr id="15" name="Arrow: Down 14">
               <a:extLst>
                 <a:ext uri="{FF2B5EF4-FFF2-40B4-BE49-F238E27FC236}">
-                  <a16:creationId xmlns:a16="http://schemas.microsoft.com/office/drawing/2014/main" xmlns="" id="{BC337AC8-C6AB-459F-A43E-72D57EC55C57}"/>
+                  <a16:creationId xmlns:a16="http://schemas.microsoft.com/office/drawing/2014/main" id="{BC337AC8-C6AB-459F-A43E-72D57EC55C57}"/>
                 </a:ext>
               </a:extLst>
             </p:cNvPr>
@@ -6256,7 +6243,7 @@
             <p:cNvPr id="16" name="TextBox 15">
               <a:extLst>
                 <a:ext uri="{FF2B5EF4-FFF2-40B4-BE49-F238E27FC236}">
-                  <a16:creationId xmlns:a16="http://schemas.microsoft.com/office/drawing/2014/main" xmlns="" id="{7CC6FE22-9E6F-433A-83BF-C50D146F26C0}"/>
+                  <a16:creationId xmlns:a16="http://schemas.microsoft.com/office/drawing/2014/main" id="{7CC6FE22-9E6F-433A-83BF-C50D146F26C0}"/>
                 </a:ext>
               </a:extLst>
             </p:cNvPr>
@@ -6397,7 +6384,7 @@
           <p:cNvPr id="2" name="TextBox 1">
             <a:extLst>
               <a:ext uri="{FF2B5EF4-FFF2-40B4-BE49-F238E27FC236}">
-                <a16:creationId xmlns:a16="http://schemas.microsoft.com/office/drawing/2014/main" xmlns="" id="{29D59A62-E70A-49C9-8024-60EF785867C5}"/>
+                <a16:creationId xmlns:a16="http://schemas.microsoft.com/office/drawing/2014/main" id="{29D59A62-E70A-49C9-8024-60EF785867C5}"/>
               </a:ext>
             </a:extLst>
           </p:cNvPr>
@@ -6432,7 +6419,7 @@
           <p:cNvPr id="32" name="Group 31">
             <a:extLst>
               <a:ext uri="{FF2B5EF4-FFF2-40B4-BE49-F238E27FC236}">
-                <a16:creationId xmlns:a16="http://schemas.microsoft.com/office/drawing/2014/main" xmlns="" id="{6AF792DB-27EB-4946-B828-927148B49FD0}"/>
+                <a16:creationId xmlns:a16="http://schemas.microsoft.com/office/drawing/2014/main" id="{6AF792DB-27EB-4946-B828-927148B49FD0}"/>
               </a:ext>
             </a:extLst>
           </p:cNvPr>
@@ -6452,7 +6439,7 @@
             <p:cNvPr id="9" name="Rectangle: Rounded Corners 8">
               <a:extLst>
                 <a:ext uri="{FF2B5EF4-FFF2-40B4-BE49-F238E27FC236}">
-                  <a16:creationId xmlns:a16="http://schemas.microsoft.com/office/drawing/2014/main" xmlns="" id="{F52F6091-4484-4315-8271-D721DF502976}"/>
+                  <a16:creationId xmlns:a16="http://schemas.microsoft.com/office/drawing/2014/main" id="{F52F6091-4484-4315-8271-D721DF502976}"/>
                 </a:ext>
               </a:extLst>
             </p:cNvPr>
@@ -6501,7 +6488,7 @@
             <p:cNvPr id="10" name="Rectangle: Rounded Corners 9">
               <a:extLst>
                 <a:ext uri="{FF2B5EF4-FFF2-40B4-BE49-F238E27FC236}">
-                  <a16:creationId xmlns:a16="http://schemas.microsoft.com/office/drawing/2014/main" xmlns="" id="{2310663F-5B97-40FF-920E-495A0A70C9B0}"/>
+                  <a16:creationId xmlns:a16="http://schemas.microsoft.com/office/drawing/2014/main" id="{2310663F-5B97-40FF-920E-495A0A70C9B0}"/>
                 </a:ext>
               </a:extLst>
             </p:cNvPr>
@@ -6550,7 +6537,7 @@
             <p:cNvPr id="11" name="Rectangle: Rounded Corners 10">
               <a:extLst>
                 <a:ext uri="{FF2B5EF4-FFF2-40B4-BE49-F238E27FC236}">
-                  <a16:creationId xmlns:a16="http://schemas.microsoft.com/office/drawing/2014/main" xmlns="" id="{F6C94883-0A49-40E2-8854-58DFD485F1D1}"/>
+                  <a16:creationId xmlns:a16="http://schemas.microsoft.com/office/drawing/2014/main" id="{F6C94883-0A49-40E2-8854-58DFD485F1D1}"/>
                 </a:ext>
               </a:extLst>
             </p:cNvPr>
@@ -6599,7 +6586,7 @@
             <p:cNvPr id="12" name="Rectangle: Rounded Corners 11">
               <a:extLst>
                 <a:ext uri="{FF2B5EF4-FFF2-40B4-BE49-F238E27FC236}">
-                  <a16:creationId xmlns:a16="http://schemas.microsoft.com/office/drawing/2014/main" xmlns="" id="{B6519773-B1CF-4173-87A4-FFCD3C1ACF40}"/>
+                  <a16:creationId xmlns:a16="http://schemas.microsoft.com/office/drawing/2014/main" id="{B6519773-B1CF-4173-87A4-FFCD3C1ACF40}"/>
                 </a:ext>
               </a:extLst>
             </p:cNvPr>
@@ -6648,7 +6635,7 @@
             <p:cNvPr id="13" name="Rectangle: Rounded Corners 12">
               <a:extLst>
                 <a:ext uri="{FF2B5EF4-FFF2-40B4-BE49-F238E27FC236}">
-                  <a16:creationId xmlns:a16="http://schemas.microsoft.com/office/drawing/2014/main" xmlns="" id="{A96382AD-81C6-45AA-A98B-2EADBADC8038}"/>
+                  <a16:creationId xmlns:a16="http://schemas.microsoft.com/office/drawing/2014/main" id="{A96382AD-81C6-45AA-A98B-2EADBADC8038}"/>
                 </a:ext>
               </a:extLst>
             </p:cNvPr>
@@ -6697,7 +6684,7 @@
             <p:cNvPr id="14" name="Rectangle: Rounded Corners 13">
               <a:extLst>
                 <a:ext uri="{FF2B5EF4-FFF2-40B4-BE49-F238E27FC236}">
-                  <a16:creationId xmlns:a16="http://schemas.microsoft.com/office/drawing/2014/main" xmlns="" id="{012613B4-719D-4D3F-BDEF-E322707EAB6E}"/>
+                  <a16:creationId xmlns:a16="http://schemas.microsoft.com/office/drawing/2014/main" id="{012613B4-719D-4D3F-BDEF-E322707EAB6E}"/>
                 </a:ext>
               </a:extLst>
             </p:cNvPr>
@@ -6746,7 +6733,7 @@
             <p:cNvPr id="15" name="Rectangle: Rounded Corners 14">
               <a:extLst>
                 <a:ext uri="{FF2B5EF4-FFF2-40B4-BE49-F238E27FC236}">
-                  <a16:creationId xmlns:a16="http://schemas.microsoft.com/office/drawing/2014/main" xmlns="" id="{8356F25B-8AAD-43B4-B975-53C23791B5D7}"/>
+                  <a16:creationId xmlns:a16="http://schemas.microsoft.com/office/drawing/2014/main" id="{8356F25B-8AAD-43B4-B975-53C23791B5D7}"/>
                 </a:ext>
               </a:extLst>
             </p:cNvPr>
@@ -6795,7 +6782,7 @@
             <p:cNvPr id="16" name="Rectangle: Rounded Corners 15">
               <a:extLst>
                 <a:ext uri="{FF2B5EF4-FFF2-40B4-BE49-F238E27FC236}">
-                  <a16:creationId xmlns:a16="http://schemas.microsoft.com/office/drawing/2014/main" xmlns="" id="{4E99C617-9232-4DA2-B034-4A528711A525}"/>
+                  <a16:creationId xmlns:a16="http://schemas.microsoft.com/office/drawing/2014/main" id="{4E99C617-9232-4DA2-B034-4A528711A525}"/>
                 </a:ext>
               </a:extLst>
             </p:cNvPr>
@@ -6844,7 +6831,7 @@
             <p:cNvPr id="17" name="Rectangle: Rounded Corners 16">
               <a:extLst>
                 <a:ext uri="{FF2B5EF4-FFF2-40B4-BE49-F238E27FC236}">
-                  <a16:creationId xmlns:a16="http://schemas.microsoft.com/office/drawing/2014/main" xmlns="" id="{BCDE1A8E-590A-4425-9156-81F19717AC97}"/>
+                  <a16:creationId xmlns:a16="http://schemas.microsoft.com/office/drawing/2014/main" id="{BCDE1A8E-590A-4425-9156-81F19717AC97}"/>
                 </a:ext>
               </a:extLst>
             </p:cNvPr>
@@ -6893,7 +6880,7 @@
             <p:cNvPr id="18" name="Rectangle: Rounded Corners 17">
               <a:extLst>
                 <a:ext uri="{FF2B5EF4-FFF2-40B4-BE49-F238E27FC236}">
-                  <a16:creationId xmlns:a16="http://schemas.microsoft.com/office/drawing/2014/main" xmlns="" id="{926D988B-A87F-472F-A083-9EDC41AD2618}"/>
+                  <a16:creationId xmlns:a16="http://schemas.microsoft.com/office/drawing/2014/main" id="{926D988B-A87F-472F-A083-9EDC41AD2618}"/>
                 </a:ext>
               </a:extLst>
             </p:cNvPr>
@@ -6942,7 +6929,7 @@
             <p:cNvPr id="19" name="Rectangle: Rounded Corners 18">
               <a:extLst>
                 <a:ext uri="{FF2B5EF4-FFF2-40B4-BE49-F238E27FC236}">
-                  <a16:creationId xmlns:a16="http://schemas.microsoft.com/office/drawing/2014/main" xmlns="" id="{F67626E6-E695-4A99-BC0E-35D1AB104E50}"/>
+                  <a16:creationId xmlns:a16="http://schemas.microsoft.com/office/drawing/2014/main" id="{F67626E6-E695-4A99-BC0E-35D1AB104E50}"/>
                 </a:ext>
               </a:extLst>
             </p:cNvPr>
@@ -6991,7 +6978,7 @@
             <p:cNvPr id="20" name="Rectangle: Rounded Corners 19">
               <a:extLst>
                 <a:ext uri="{FF2B5EF4-FFF2-40B4-BE49-F238E27FC236}">
-                  <a16:creationId xmlns:a16="http://schemas.microsoft.com/office/drawing/2014/main" xmlns="" id="{0BC1A1BA-133D-4651-89DD-A802FE7AD3B4}"/>
+                  <a16:creationId xmlns:a16="http://schemas.microsoft.com/office/drawing/2014/main" id="{0BC1A1BA-133D-4651-89DD-A802FE7AD3B4}"/>
                 </a:ext>
               </a:extLst>
             </p:cNvPr>
@@ -7040,7 +7027,7 @@
             <p:cNvPr id="21" name="Rectangle: Rounded Corners 20">
               <a:extLst>
                 <a:ext uri="{FF2B5EF4-FFF2-40B4-BE49-F238E27FC236}">
-                  <a16:creationId xmlns:a16="http://schemas.microsoft.com/office/drawing/2014/main" xmlns="" id="{7B782F5A-F16F-49BE-BCF3-F27C57FA816E}"/>
+                  <a16:creationId xmlns:a16="http://schemas.microsoft.com/office/drawing/2014/main" id="{7B782F5A-F16F-49BE-BCF3-F27C57FA816E}"/>
                 </a:ext>
               </a:extLst>
             </p:cNvPr>
@@ -7089,7 +7076,7 @@
             <p:cNvPr id="22" name="Rectangle: Rounded Corners 21">
               <a:extLst>
                 <a:ext uri="{FF2B5EF4-FFF2-40B4-BE49-F238E27FC236}">
-                  <a16:creationId xmlns:a16="http://schemas.microsoft.com/office/drawing/2014/main" xmlns="" id="{C8606D9E-3608-46EE-BD13-8A9EFA39A8E1}"/>
+                  <a16:creationId xmlns:a16="http://schemas.microsoft.com/office/drawing/2014/main" id="{C8606D9E-3608-46EE-BD13-8A9EFA39A8E1}"/>
                 </a:ext>
               </a:extLst>
             </p:cNvPr>
@@ -7141,7 +7128,7 @@
             <p:cNvPr id="23" name="Rectangle: Rounded Corners 22">
               <a:extLst>
                 <a:ext uri="{FF2B5EF4-FFF2-40B4-BE49-F238E27FC236}">
-                  <a16:creationId xmlns:a16="http://schemas.microsoft.com/office/drawing/2014/main" xmlns="" id="{E1196CC7-6DDA-404B-AF85-E65601277E39}"/>
+                  <a16:creationId xmlns:a16="http://schemas.microsoft.com/office/drawing/2014/main" id="{E1196CC7-6DDA-404B-AF85-E65601277E39}"/>
                 </a:ext>
               </a:extLst>
             </p:cNvPr>
@@ -7190,7 +7177,7 @@
             <p:cNvPr id="24" name="Rectangle: Rounded Corners 23">
               <a:extLst>
                 <a:ext uri="{FF2B5EF4-FFF2-40B4-BE49-F238E27FC236}">
-                  <a16:creationId xmlns:a16="http://schemas.microsoft.com/office/drawing/2014/main" xmlns="" id="{7FD89A78-7417-4FDF-912E-8B8C94A48710}"/>
+                  <a16:creationId xmlns:a16="http://schemas.microsoft.com/office/drawing/2014/main" id="{7FD89A78-7417-4FDF-912E-8B8C94A48710}"/>
                 </a:ext>
               </a:extLst>
             </p:cNvPr>
@@ -7239,7 +7226,7 @@
             <p:cNvPr id="27" name="TextBox 26">
               <a:extLst>
                 <a:ext uri="{FF2B5EF4-FFF2-40B4-BE49-F238E27FC236}">
-                  <a16:creationId xmlns:a16="http://schemas.microsoft.com/office/drawing/2014/main" xmlns="" id="{E4F407CD-2FFC-4252-A8CA-D6A66AFF85C8}"/>
+                  <a16:creationId xmlns:a16="http://schemas.microsoft.com/office/drawing/2014/main" id="{E4F407CD-2FFC-4252-A8CA-D6A66AFF85C8}"/>
                 </a:ext>
               </a:extLst>
             </p:cNvPr>
@@ -7298,7 +7285,7 @@
             <p:cNvPr id="28" name="TextBox 27">
               <a:extLst>
                 <a:ext uri="{FF2B5EF4-FFF2-40B4-BE49-F238E27FC236}">
-                  <a16:creationId xmlns:a16="http://schemas.microsoft.com/office/drawing/2014/main" xmlns="" id="{EB2DBE27-2CEF-41E4-AFA4-D2166DC3D968}"/>
+                  <a16:creationId xmlns:a16="http://schemas.microsoft.com/office/drawing/2014/main" id="{EB2DBE27-2CEF-41E4-AFA4-D2166DC3D968}"/>
                 </a:ext>
               </a:extLst>
             </p:cNvPr>
@@ -7357,7 +7344,7 @@
             <p:cNvPr id="29" name="TextBox 28">
               <a:extLst>
                 <a:ext uri="{FF2B5EF4-FFF2-40B4-BE49-F238E27FC236}">
-                  <a16:creationId xmlns:a16="http://schemas.microsoft.com/office/drawing/2014/main" xmlns="" id="{62513543-586A-4205-BD35-217991FCA942}"/>
+                  <a16:creationId xmlns:a16="http://schemas.microsoft.com/office/drawing/2014/main" id="{62513543-586A-4205-BD35-217991FCA942}"/>
                 </a:ext>
               </a:extLst>
             </p:cNvPr>
@@ -7416,7 +7403,7 @@
             <p:cNvPr id="31" name="TextBox 30">
               <a:extLst>
                 <a:ext uri="{FF2B5EF4-FFF2-40B4-BE49-F238E27FC236}">
-                  <a16:creationId xmlns:a16="http://schemas.microsoft.com/office/drawing/2014/main" xmlns="" id="{4685DCCA-212F-42B9-A547-BADB68EC13F9}"/>
+                  <a16:creationId xmlns:a16="http://schemas.microsoft.com/office/drawing/2014/main" id="{4685DCCA-212F-42B9-A547-BADB68EC13F9}"/>
                 </a:ext>
               </a:extLst>
             </p:cNvPr>
@@ -7506,7 +7493,7 @@
           <p:cNvPr id="2" name="TextBox 1">
             <a:extLst>
               <a:ext uri="{FF2B5EF4-FFF2-40B4-BE49-F238E27FC236}">
-                <a16:creationId xmlns:a16="http://schemas.microsoft.com/office/drawing/2014/main" xmlns="" id="{29D59A62-E70A-49C9-8024-60EF785867C5}"/>
+                <a16:creationId xmlns:a16="http://schemas.microsoft.com/office/drawing/2014/main" id="{29D59A62-E70A-49C9-8024-60EF785867C5}"/>
               </a:ext>
             </a:extLst>
           </p:cNvPr>
@@ -7541,7 +7528,7 @@
           <p:cNvPr id="4" name="Group 3">
             <a:extLst>
               <a:ext uri="{FF2B5EF4-FFF2-40B4-BE49-F238E27FC236}">
-                <a16:creationId xmlns:a16="http://schemas.microsoft.com/office/drawing/2014/main" xmlns="" id="{B0F207C1-ADED-422B-8AD3-B6E8F0965A94}"/>
+                <a16:creationId xmlns:a16="http://schemas.microsoft.com/office/drawing/2014/main" id="{B0F207C1-ADED-422B-8AD3-B6E8F0965A94}"/>
               </a:ext>
             </a:extLst>
           </p:cNvPr>
@@ -7561,7 +7548,7 @@
             <p:cNvPr id="9" name="Rectangle: Rounded Corners 8">
               <a:extLst>
                 <a:ext uri="{FF2B5EF4-FFF2-40B4-BE49-F238E27FC236}">
-                  <a16:creationId xmlns:a16="http://schemas.microsoft.com/office/drawing/2014/main" xmlns="" id="{F52F6091-4484-4315-8271-D721DF502976}"/>
+                  <a16:creationId xmlns:a16="http://schemas.microsoft.com/office/drawing/2014/main" id="{F52F6091-4484-4315-8271-D721DF502976}"/>
                 </a:ext>
               </a:extLst>
             </p:cNvPr>
@@ -7618,7 +7605,7 @@
             <p:cNvPr id="10" name="Rectangle: Rounded Corners 9">
               <a:extLst>
                 <a:ext uri="{FF2B5EF4-FFF2-40B4-BE49-F238E27FC236}">
-                  <a16:creationId xmlns:a16="http://schemas.microsoft.com/office/drawing/2014/main" xmlns="" id="{2310663F-5B97-40FF-920E-495A0A70C9B0}"/>
+                  <a16:creationId xmlns:a16="http://schemas.microsoft.com/office/drawing/2014/main" id="{2310663F-5B97-40FF-920E-495A0A70C9B0}"/>
                 </a:ext>
               </a:extLst>
             </p:cNvPr>
@@ -7667,7 +7654,7 @@
             <p:cNvPr id="11" name="Rectangle: Rounded Corners 10">
               <a:extLst>
                 <a:ext uri="{FF2B5EF4-FFF2-40B4-BE49-F238E27FC236}">
-                  <a16:creationId xmlns:a16="http://schemas.microsoft.com/office/drawing/2014/main" xmlns="" id="{F6C94883-0A49-40E2-8854-58DFD485F1D1}"/>
+                  <a16:creationId xmlns:a16="http://schemas.microsoft.com/office/drawing/2014/main" id="{F6C94883-0A49-40E2-8854-58DFD485F1D1}"/>
                 </a:ext>
               </a:extLst>
             </p:cNvPr>
@@ -7716,7 +7703,7 @@
             <p:cNvPr id="12" name="Rectangle: Rounded Corners 11">
               <a:extLst>
                 <a:ext uri="{FF2B5EF4-FFF2-40B4-BE49-F238E27FC236}">
-                  <a16:creationId xmlns:a16="http://schemas.microsoft.com/office/drawing/2014/main" xmlns="" id="{B6519773-B1CF-4173-87A4-FFCD3C1ACF40}"/>
+                  <a16:creationId xmlns:a16="http://schemas.microsoft.com/office/drawing/2014/main" id="{B6519773-B1CF-4173-87A4-FFCD3C1ACF40}"/>
                 </a:ext>
               </a:extLst>
             </p:cNvPr>
@@ -7773,7 +7760,7 @@
             <p:cNvPr id="13" name="Rectangle: Rounded Corners 12">
               <a:extLst>
                 <a:ext uri="{FF2B5EF4-FFF2-40B4-BE49-F238E27FC236}">
-                  <a16:creationId xmlns:a16="http://schemas.microsoft.com/office/drawing/2014/main" xmlns="" id="{A96382AD-81C6-45AA-A98B-2EADBADC8038}"/>
+                  <a16:creationId xmlns:a16="http://schemas.microsoft.com/office/drawing/2014/main" id="{A96382AD-81C6-45AA-A98B-2EADBADC8038}"/>
                 </a:ext>
               </a:extLst>
             </p:cNvPr>
@@ -7822,7 +7809,7 @@
             <p:cNvPr id="14" name="Rectangle: Rounded Corners 13">
               <a:extLst>
                 <a:ext uri="{FF2B5EF4-FFF2-40B4-BE49-F238E27FC236}">
-                  <a16:creationId xmlns:a16="http://schemas.microsoft.com/office/drawing/2014/main" xmlns="" id="{012613B4-719D-4D3F-BDEF-E322707EAB6E}"/>
+                  <a16:creationId xmlns:a16="http://schemas.microsoft.com/office/drawing/2014/main" id="{012613B4-719D-4D3F-BDEF-E322707EAB6E}"/>
                 </a:ext>
               </a:extLst>
             </p:cNvPr>
@@ -7871,7 +7858,7 @@
             <p:cNvPr id="15" name="Rectangle: Rounded Corners 14">
               <a:extLst>
                 <a:ext uri="{FF2B5EF4-FFF2-40B4-BE49-F238E27FC236}">
-                  <a16:creationId xmlns:a16="http://schemas.microsoft.com/office/drawing/2014/main" xmlns="" id="{8356F25B-8AAD-43B4-B975-53C23791B5D7}"/>
+                  <a16:creationId xmlns:a16="http://schemas.microsoft.com/office/drawing/2014/main" id="{8356F25B-8AAD-43B4-B975-53C23791B5D7}"/>
                 </a:ext>
               </a:extLst>
             </p:cNvPr>
@@ -7920,7 +7907,7 @@
             <p:cNvPr id="16" name="Rectangle: Rounded Corners 15">
               <a:extLst>
                 <a:ext uri="{FF2B5EF4-FFF2-40B4-BE49-F238E27FC236}">
-                  <a16:creationId xmlns:a16="http://schemas.microsoft.com/office/drawing/2014/main" xmlns="" id="{4E99C617-9232-4DA2-B034-4A528711A525}"/>
+                  <a16:creationId xmlns:a16="http://schemas.microsoft.com/office/drawing/2014/main" id="{4E99C617-9232-4DA2-B034-4A528711A525}"/>
                 </a:ext>
               </a:extLst>
             </p:cNvPr>
@@ -7977,7 +7964,7 @@
             <p:cNvPr id="17" name="Rectangle: Rounded Corners 16">
               <a:extLst>
                 <a:ext uri="{FF2B5EF4-FFF2-40B4-BE49-F238E27FC236}">
-                  <a16:creationId xmlns:a16="http://schemas.microsoft.com/office/drawing/2014/main" xmlns="" id="{BCDE1A8E-590A-4425-9156-81F19717AC97}"/>
+                  <a16:creationId xmlns:a16="http://schemas.microsoft.com/office/drawing/2014/main" id="{BCDE1A8E-590A-4425-9156-81F19717AC97}"/>
                 </a:ext>
               </a:extLst>
             </p:cNvPr>
@@ -8031,7 +8018,7 @@
             <p:cNvPr id="18" name="Rectangle: Rounded Corners 17">
               <a:extLst>
                 <a:ext uri="{FF2B5EF4-FFF2-40B4-BE49-F238E27FC236}">
-                  <a16:creationId xmlns:a16="http://schemas.microsoft.com/office/drawing/2014/main" xmlns="" id="{926D988B-A87F-472F-A083-9EDC41AD2618}"/>
+                  <a16:creationId xmlns:a16="http://schemas.microsoft.com/office/drawing/2014/main" id="{926D988B-A87F-472F-A083-9EDC41AD2618}"/>
                 </a:ext>
               </a:extLst>
             </p:cNvPr>
@@ -8080,7 +8067,7 @@
             <p:cNvPr id="19" name="Rectangle: Rounded Corners 18">
               <a:extLst>
                 <a:ext uri="{FF2B5EF4-FFF2-40B4-BE49-F238E27FC236}">
-                  <a16:creationId xmlns:a16="http://schemas.microsoft.com/office/drawing/2014/main" xmlns="" id="{F67626E6-E695-4A99-BC0E-35D1AB104E50}"/>
+                  <a16:creationId xmlns:a16="http://schemas.microsoft.com/office/drawing/2014/main" id="{F67626E6-E695-4A99-BC0E-35D1AB104E50}"/>
                 </a:ext>
               </a:extLst>
             </p:cNvPr>
@@ -8129,7 +8116,7 @@
             <p:cNvPr id="20" name="Rectangle: Rounded Corners 19">
               <a:extLst>
                 <a:ext uri="{FF2B5EF4-FFF2-40B4-BE49-F238E27FC236}">
-                  <a16:creationId xmlns:a16="http://schemas.microsoft.com/office/drawing/2014/main" xmlns="" id="{0BC1A1BA-133D-4651-89DD-A802FE7AD3B4}"/>
+                  <a16:creationId xmlns:a16="http://schemas.microsoft.com/office/drawing/2014/main" id="{0BC1A1BA-133D-4651-89DD-A802FE7AD3B4}"/>
                 </a:ext>
               </a:extLst>
             </p:cNvPr>
@@ -8183,7 +8170,7 @@
             <p:cNvPr id="21" name="Rectangle: Rounded Corners 20">
               <a:extLst>
                 <a:ext uri="{FF2B5EF4-FFF2-40B4-BE49-F238E27FC236}">
-                  <a16:creationId xmlns:a16="http://schemas.microsoft.com/office/drawing/2014/main" xmlns="" id="{7B782F5A-F16F-49BE-BCF3-F27C57FA816E}"/>
+                  <a16:creationId xmlns:a16="http://schemas.microsoft.com/office/drawing/2014/main" id="{7B782F5A-F16F-49BE-BCF3-F27C57FA816E}"/>
                 </a:ext>
               </a:extLst>
             </p:cNvPr>
@@ -8232,7 +8219,7 @@
             <p:cNvPr id="22" name="Rectangle: Rounded Corners 21">
               <a:extLst>
                 <a:ext uri="{FF2B5EF4-FFF2-40B4-BE49-F238E27FC236}">
-                  <a16:creationId xmlns:a16="http://schemas.microsoft.com/office/drawing/2014/main" xmlns="" id="{C8606D9E-3608-46EE-BD13-8A9EFA39A8E1}"/>
+                  <a16:creationId xmlns:a16="http://schemas.microsoft.com/office/drawing/2014/main" id="{C8606D9E-3608-46EE-BD13-8A9EFA39A8E1}"/>
                 </a:ext>
               </a:extLst>
             </p:cNvPr>
@@ -8284,7 +8271,7 @@
             <p:cNvPr id="23" name="Rectangle: Rounded Corners 22">
               <a:extLst>
                 <a:ext uri="{FF2B5EF4-FFF2-40B4-BE49-F238E27FC236}">
-                  <a16:creationId xmlns:a16="http://schemas.microsoft.com/office/drawing/2014/main" xmlns="" id="{E1196CC7-6DDA-404B-AF85-E65601277E39}"/>
+                  <a16:creationId xmlns:a16="http://schemas.microsoft.com/office/drawing/2014/main" id="{E1196CC7-6DDA-404B-AF85-E65601277E39}"/>
                 </a:ext>
               </a:extLst>
             </p:cNvPr>
@@ -8333,7 +8320,7 @@
             <p:cNvPr id="24" name="Rectangle: Rounded Corners 23">
               <a:extLst>
                 <a:ext uri="{FF2B5EF4-FFF2-40B4-BE49-F238E27FC236}">
-                  <a16:creationId xmlns:a16="http://schemas.microsoft.com/office/drawing/2014/main" xmlns="" id="{7FD89A78-7417-4FDF-912E-8B8C94A48710}"/>
+                  <a16:creationId xmlns:a16="http://schemas.microsoft.com/office/drawing/2014/main" id="{7FD89A78-7417-4FDF-912E-8B8C94A48710}"/>
                 </a:ext>
               </a:extLst>
             </p:cNvPr>
@@ -8387,7 +8374,7 @@
             <p:cNvPr id="27" name="TextBox 26">
               <a:extLst>
                 <a:ext uri="{FF2B5EF4-FFF2-40B4-BE49-F238E27FC236}">
-                  <a16:creationId xmlns:a16="http://schemas.microsoft.com/office/drawing/2014/main" xmlns="" id="{E4F407CD-2FFC-4252-A8CA-D6A66AFF85C8}"/>
+                  <a16:creationId xmlns:a16="http://schemas.microsoft.com/office/drawing/2014/main" id="{E4F407CD-2FFC-4252-A8CA-D6A66AFF85C8}"/>
                 </a:ext>
               </a:extLst>
             </p:cNvPr>
@@ -8446,7 +8433,7 @@
             <p:cNvPr id="28" name="TextBox 27">
               <a:extLst>
                 <a:ext uri="{FF2B5EF4-FFF2-40B4-BE49-F238E27FC236}">
-                  <a16:creationId xmlns:a16="http://schemas.microsoft.com/office/drawing/2014/main" xmlns="" id="{EB2DBE27-2CEF-41E4-AFA4-D2166DC3D968}"/>
+                  <a16:creationId xmlns:a16="http://schemas.microsoft.com/office/drawing/2014/main" id="{EB2DBE27-2CEF-41E4-AFA4-D2166DC3D968}"/>
                 </a:ext>
               </a:extLst>
             </p:cNvPr>
@@ -8505,7 +8492,7 @@
             <p:cNvPr id="29" name="TextBox 28">
               <a:extLst>
                 <a:ext uri="{FF2B5EF4-FFF2-40B4-BE49-F238E27FC236}">
-                  <a16:creationId xmlns:a16="http://schemas.microsoft.com/office/drawing/2014/main" xmlns="" id="{62513543-586A-4205-BD35-217991FCA942}"/>
+                  <a16:creationId xmlns:a16="http://schemas.microsoft.com/office/drawing/2014/main" id="{62513543-586A-4205-BD35-217991FCA942}"/>
                 </a:ext>
               </a:extLst>
             </p:cNvPr>
@@ -8564,7 +8551,7 @@
             <p:cNvPr id="35" name="TextBox 34">
               <a:extLst>
                 <a:ext uri="{FF2B5EF4-FFF2-40B4-BE49-F238E27FC236}">
-                  <a16:creationId xmlns:a16="http://schemas.microsoft.com/office/drawing/2014/main" xmlns="" id="{81C18030-13F8-40B6-AC34-A6F076ED57BF}"/>
+                  <a16:creationId xmlns:a16="http://schemas.microsoft.com/office/drawing/2014/main" id="{81C18030-13F8-40B6-AC34-A6F076ED57BF}"/>
                 </a:ext>
               </a:extLst>
             </p:cNvPr>
@@ -8654,7 +8641,7 @@
           <p:cNvPr id="2" name="TextBox 1">
             <a:extLst>
               <a:ext uri="{FF2B5EF4-FFF2-40B4-BE49-F238E27FC236}">
-                <a16:creationId xmlns:a16="http://schemas.microsoft.com/office/drawing/2014/main" xmlns="" id="{E52715F9-5F16-40CE-A04B-CF83EA31FBBF}"/>
+                <a16:creationId xmlns:a16="http://schemas.microsoft.com/office/drawing/2014/main" id="{E52715F9-5F16-40CE-A04B-CF83EA31FBBF}"/>
               </a:ext>
             </a:extLst>
           </p:cNvPr>
@@ -8664,7 +8651,7 @@
         <p:spPr>
           <a:xfrm>
             <a:off x="622571" y="291830"/>
-            <a:ext cx="3627275" cy="584775"/>
+            <a:ext cx="3175228" cy="584775"/>
           </a:xfrm>
           <a:prstGeom prst="rect">
             <a:avLst/>
@@ -8678,20 +8665,8 @@
           <a:lstStyle/>
           <a:p>
             <a:r>
-              <a:rPr lang="en-US" sz="3200" b="1" dirty="0">
-                <a:solidFill>
-                  <a:srgbClr val="FF0000"/>
-                </a:solidFill>
-              </a:rPr>
-              <a:t>M</a:t>
-            </a:r>
-            <a:r>
-              <a:rPr lang="en-US" sz="3200" b="1" dirty="0" smtClean="0"/>
-              <a:t> SMART </a:t>
-            </a:r>
-            <a:r>
               <a:rPr lang="en-US" sz="3200" b="1" dirty="0"/>
-              <a:t>Question:</a:t>
+              <a:t>SMART Question:</a:t>
             </a:r>
           </a:p>
         </p:txBody>
@@ -8701,7 +8676,7 @@
           <p:cNvPr id="4" name="TextBox 3">
             <a:extLst>
               <a:ext uri="{FF2B5EF4-FFF2-40B4-BE49-F238E27FC236}">
-                <a16:creationId xmlns:a16="http://schemas.microsoft.com/office/drawing/2014/main" xmlns="" id="{B202A72A-202B-415D-B39F-6FE5382C4849}"/>
+                <a16:creationId xmlns:a16="http://schemas.microsoft.com/office/drawing/2014/main" id="{B202A72A-202B-415D-B39F-6FE5382C4849}"/>
               </a:ext>
             </a:extLst>
           </p:cNvPr>
@@ -8730,23 +8705,7 @@
                 <a:latin typeface="Times New Roman" panose="02020603050405020304" pitchFamily="18" charset="0"/>
                 <a:ea typeface="Calibri" panose="020F0502020204030204" pitchFamily="34" charset="0"/>
               </a:rPr>
-              <a:t>Based on the matches played during the 2017/2018 season for Europe’s top five leagues, the 2016 European Championship, and the 2018 World Cup, which match variables (ex: shot location, assist location, assist </a:t>
-            </a:r>
-            <a:r>
-              <a:rPr lang="en-US" sz="2400" dirty="0" smtClean="0">
-                <a:effectLst/>
-                <a:latin typeface="Times New Roman" panose="02020603050405020304" pitchFamily="18" charset="0"/>
-                <a:ea typeface="Calibri" panose="020F0502020204030204" pitchFamily="34" charset="0"/>
-              </a:rPr>
-              <a:t>distance, </a:t>
-            </a:r>
-            <a:r>
-              <a:rPr lang="en-US" sz="2400" dirty="0">
-                <a:effectLst/>
-                <a:latin typeface="Times New Roman" panose="02020603050405020304" pitchFamily="18" charset="0"/>
-                <a:ea typeface="Calibri" panose="020F0502020204030204" pitchFamily="34" charset="0"/>
-              </a:rPr>
-              <a:t>etc…) result in the highest probability of a shot on goal being successful, result in a goal?</a:t>
+              <a:t>Based on the matches played during the 2017/2018 season for Europe’s top five leagues, the 2016 European Championship, and the 2018 World Cup, which match variables (ex: shot location, assist location, assist distance, etc…) result in the highest probability of a shot on goal being successful, result in a goal?</a:t>
             </a:r>
             <a:endParaRPr lang="en-US" sz="2400" dirty="0"/>
           </a:p>
@@ -8787,7 +8746,7 @@
           <p:cNvPr id="2" name="TextBox 1">
             <a:extLst>
               <a:ext uri="{FF2B5EF4-FFF2-40B4-BE49-F238E27FC236}">
-                <a16:creationId xmlns:a16="http://schemas.microsoft.com/office/drawing/2014/main" xmlns="" id="{0B2F962F-478E-41EE-8A61-25FFDB01A5BB}"/>
+                <a16:creationId xmlns:a16="http://schemas.microsoft.com/office/drawing/2014/main" id="{0B2F962F-478E-41EE-8A61-25FFDB01A5BB}"/>
               </a:ext>
             </a:extLst>
           </p:cNvPr>
@@ -8822,7 +8781,7 @@
           <p:cNvPr id="3" name="Picture 2">
             <a:extLst>
               <a:ext uri="{FF2B5EF4-FFF2-40B4-BE49-F238E27FC236}">
-                <a16:creationId xmlns:a16="http://schemas.microsoft.com/office/drawing/2014/main" xmlns="" id="{1F3D482E-9F08-4286-BADC-6102EDFBCFEF}"/>
+                <a16:creationId xmlns:a16="http://schemas.microsoft.com/office/drawing/2014/main" id="{1F3D482E-9F08-4286-BADC-6102EDFBCFEF}"/>
               </a:ext>
             </a:extLst>
           </p:cNvPr>
@@ -8852,7 +8811,7 @@
           <p:cNvPr id="4" name="Rectangle: Rounded Corners 3">
             <a:extLst>
               <a:ext uri="{FF2B5EF4-FFF2-40B4-BE49-F238E27FC236}">
-                <a16:creationId xmlns:a16="http://schemas.microsoft.com/office/drawing/2014/main" xmlns="" id="{6E5D743D-4B8E-4A64-8FF9-0309B5CBF38E}"/>
+                <a16:creationId xmlns:a16="http://schemas.microsoft.com/office/drawing/2014/main" id="{6E5D743D-4B8E-4A64-8FF9-0309B5CBF38E}"/>
               </a:ext>
             </a:extLst>
           </p:cNvPr>
@@ -8901,7 +8860,7 @@
           <p:cNvPr id="5" name="Rectangle: Rounded Corners 4">
             <a:extLst>
               <a:ext uri="{FF2B5EF4-FFF2-40B4-BE49-F238E27FC236}">
-                <a16:creationId xmlns:a16="http://schemas.microsoft.com/office/drawing/2014/main" xmlns="" id="{B2563DD1-0E21-4485-BF64-BEE30290C5BB}"/>
+                <a16:creationId xmlns:a16="http://schemas.microsoft.com/office/drawing/2014/main" id="{B2563DD1-0E21-4485-BF64-BEE30290C5BB}"/>
               </a:ext>
             </a:extLst>
           </p:cNvPr>
@@ -8950,7 +8909,7 @@
           <p:cNvPr id="6" name="Rectangle: Rounded Corners 5">
             <a:extLst>
               <a:ext uri="{FF2B5EF4-FFF2-40B4-BE49-F238E27FC236}">
-                <a16:creationId xmlns:a16="http://schemas.microsoft.com/office/drawing/2014/main" xmlns="" id="{96EC9A64-4F95-4F7B-8C2D-15597EBF4B68}"/>
+                <a16:creationId xmlns:a16="http://schemas.microsoft.com/office/drawing/2014/main" id="{96EC9A64-4F95-4F7B-8C2D-15597EBF4B68}"/>
               </a:ext>
             </a:extLst>
           </p:cNvPr>
@@ -8999,7 +8958,7 @@
           <p:cNvPr id="7" name="Arrow: Left 6">
             <a:extLst>
               <a:ext uri="{FF2B5EF4-FFF2-40B4-BE49-F238E27FC236}">
-                <a16:creationId xmlns:a16="http://schemas.microsoft.com/office/drawing/2014/main" xmlns="" id="{E436EB20-076C-4527-ACE7-693F2E5C2E40}"/>
+                <a16:creationId xmlns:a16="http://schemas.microsoft.com/office/drawing/2014/main" id="{E436EB20-076C-4527-ACE7-693F2E5C2E40}"/>
               </a:ext>
             </a:extLst>
           </p:cNvPr>
@@ -9045,7 +9004,7 @@
           <p:cNvPr id="8" name="Arrow: Left 7">
             <a:extLst>
               <a:ext uri="{FF2B5EF4-FFF2-40B4-BE49-F238E27FC236}">
-                <a16:creationId xmlns:a16="http://schemas.microsoft.com/office/drawing/2014/main" xmlns="" id="{6428C742-0FF1-4C6F-A486-8EFCE628A655}"/>
+                <a16:creationId xmlns:a16="http://schemas.microsoft.com/office/drawing/2014/main" id="{6428C742-0FF1-4C6F-A486-8EFCE628A655}"/>
               </a:ext>
             </a:extLst>
           </p:cNvPr>
@@ -9091,7 +9050,7 @@
           <p:cNvPr id="9" name="Rectangle: Rounded Corners 8">
             <a:extLst>
               <a:ext uri="{FF2B5EF4-FFF2-40B4-BE49-F238E27FC236}">
-                <a16:creationId xmlns:a16="http://schemas.microsoft.com/office/drawing/2014/main" xmlns="" id="{A1BF728C-5458-4EC1-82A3-67D6C6AE75C4}"/>
+                <a16:creationId xmlns:a16="http://schemas.microsoft.com/office/drawing/2014/main" id="{A1BF728C-5458-4EC1-82A3-67D6C6AE75C4}"/>
               </a:ext>
             </a:extLst>
           </p:cNvPr>
@@ -9140,7 +9099,7 @@
           <p:cNvPr id="10" name="Rectangle: Rounded Corners 9">
             <a:extLst>
               <a:ext uri="{FF2B5EF4-FFF2-40B4-BE49-F238E27FC236}">
-                <a16:creationId xmlns:a16="http://schemas.microsoft.com/office/drawing/2014/main" xmlns="" id="{9CC69B22-A411-48CF-B4F2-45D0C72CC745}"/>
+                <a16:creationId xmlns:a16="http://schemas.microsoft.com/office/drawing/2014/main" id="{9CC69B22-A411-48CF-B4F2-45D0C72CC745}"/>
               </a:ext>
             </a:extLst>
           </p:cNvPr>
@@ -9178,10 +9137,9 @@
           <a:p>
             <a:pPr algn="ctr"/>
             <a:r>
-              <a:rPr lang="en-US" sz="3600" dirty="0" smtClean="0"/>
+              <a:rPr lang="en-US" sz="3600" dirty="0"/>
               <a:t>Distance</a:t>
             </a:r>
-            <a:endParaRPr lang="en-US" sz="3600" dirty="0"/>
           </a:p>
         </p:txBody>
       </p:sp>
@@ -9220,7 +9178,7 @@
           <p:cNvPr id="2" name="TextBox 1">
             <a:extLst>
               <a:ext uri="{FF2B5EF4-FFF2-40B4-BE49-F238E27FC236}">
-                <a16:creationId xmlns:a16="http://schemas.microsoft.com/office/drawing/2014/main" xmlns="" id="{C8FA0A63-E669-400A-B853-1301ADFAA5C8}"/>
+                <a16:creationId xmlns:a16="http://schemas.microsoft.com/office/drawing/2014/main" id="{C8FA0A63-E669-400A-B853-1301ADFAA5C8}"/>
               </a:ext>
             </a:extLst>
           </p:cNvPr>
@@ -9255,7 +9213,7 @@
           <p:cNvPr id="22" name="Group 21">
             <a:extLst>
               <a:ext uri="{FF2B5EF4-FFF2-40B4-BE49-F238E27FC236}">
-                <a16:creationId xmlns:a16="http://schemas.microsoft.com/office/drawing/2014/main" xmlns="" id="{DA30DEB6-6110-49A3-8FBA-099EE2B30A27}"/>
+                <a16:creationId xmlns:a16="http://schemas.microsoft.com/office/drawing/2014/main" id="{DA30DEB6-6110-49A3-8FBA-099EE2B30A27}"/>
               </a:ext>
             </a:extLst>
           </p:cNvPr>
@@ -9275,7 +9233,7 @@
             <p:cNvPr id="14" name="Group 13">
               <a:extLst>
                 <a:ext uri="{FF2B5EF4-FFF2-40B4-BE49-F238E27FC236}">
-                  <a16:creationId xmlns:a16="http://schemas.microsoft.com/office/drawing/2014/main" xmlns="" id="{AC77212E-7D1C-4E02-9FD0-F75835E8D8F2}"/>
+                  <a16:creationId xmlns:a16="http://schemas.microsoft.com/office/drawing/2014/main" id="{AC77212E-7D1C-4E02-9FD0-F75835E8D8F2}"/>
                 </a:ext>
               </a:extLst>
             </p:cNvPr>
@@ -9295,7 +9253,7 @@
               <p:cNvPr id="3" name="Picture 2">
                 <a:extLst>
                   <a:ext uri="{FF2B5EF4-FFF2-40B4-BE49-F238E27FC236}">
-                    <a16:creationId xmlns:a16="http://schemas.microsoft.com/office/drawing/2014/main" xmlns="" id="{D5876341-5DEC-4DD4-B40B-F53F7A582269}"/>
+                    <a16:creationId xmlns:a16="http://schemas.microsoft.com/office/drawing/2014/main" id="{D5876341-5DEC-4DD4-B40B-F53F7A582269}"/>
                   </a:ext>
                 </a:extLst>
               </p:cNvPr>
@@ -9325,7 +9283,7 @@
               <p:cNvPr id="7" name="Group 6">
                 <a:extLst>
                   <a:ext uri="{FF2B5EF4-FFF2-40B4-BE49-F238E27FC236}">
-                    <a16:creationId xmlns:a16="http://schemas.microsoft.com/office/drawing/2014/main" xmlns="" id="{AB5BBB8F-3AAB-4509-8223-ABD5BC5991F9}"/>
+                    <a16:creationId xmlns:a16="http://schemas.microsoft.com/office/drawing/2014/main" id="{AB5BBB8F-3AAB-4509-8223-ABD5BC5991F9}"/>
                   </a:ext>
                 </a:extLst>
               </p:cNvPr>
@@ -9345,7 +9303,7 @@
                 <p:cNvPr id="4" name="TextBox 3">
                   <a:extLst>
                     <a:ext uri="{FF2B5EF4-FFF2-40B4-BE49-F238E27FC236}">
-                      <a16:creationId xmlns:a16="http://schemas.microsoft.com/office/drawing/2014/main" xmlns="" id="{DCD921CD-DC7B-41E6-A5FB-187A65CF3EE3}"/>
+                      <a16:creationId xmlns:a16="http://schemas.microsoft.com/office/drawing/2014/main" id="{DCD921CD-DC7B-41E6-A5FB-187A65CF3EE3}"/>
                     </a:ext>
                   </a:extLst>
                 </p:cNvPr>
@@ -9381,7 +9339,7 @@
                 <p:cNvPr id="6" name="Straight Arrow Connector 5">
                   <a:extLst>
                     <a:ext uri="{FF2B5EF4-FFF2-40B4-BE49-F238E27FC236}">
-                      <a16:creationId xmlns:a16="http://schemas.microsoft.com/office/drawing/2014/main" xmlns="" id="{C8E52E64-7FE9-4B78-9F68-93C6BC9C8678}"/>
+                      <a16:creationId xmlns:a16="http://schemas.microsoft.com/office/drawing/2014/main" id="{C8E52E64-7FE9-4B78-9F68-93C6BC9C8678}"/>
                     </a:ext>
                   </a:extLst>
                 </p:cNvPr>
@@ -9423,7 +9381,7 @@
               <p:cNvPr id="8" name="TextBox 7">
                 <a:extLst>
                   <a:ext uri="{FF2B5EF4-FFF2-40B4-BE49-F238E27FC236}">
-                    <a16:creationId xmlns:a16="http://schemas.microsoft.com/office/drawing/2014/main" xmlns="" id="{FEDFDE0F-F925-4205-B331-5C7D3F310F4B}"/>
+                    <a16:creationId xmlns:a16="http://schemas.microsoft.com/office/drawing/2014/main" id="{FEDFDE0F-F925-4205-B331-5C7D3F310F4B}"/>
                   </a:ext>
                 </a:extLst>
               </p:cNvPr>
@@ -9459,7 +9417,7 @@
               <p:cNvPr id="9" name="TextBox 8">
                 <a:extLst>
                   <a:ext uri="{FF2B5EF4-FFF2-40B4-BE49-F238E27FC236}">
-                    <a16:creationId xmlns:a16="http://schemas.microsoft.com/office/drawing/2014/main" xmlns="" id="{67A32881-F932-44B9-A800-AF1E18BDC09F}"/>
+                    <a16:creationId xmlns:a16="http://schemas.microsoft.com/office/drawing/2014/main" id="{67A32881-F932-44B9-A800-AF1E18BDC09F}"/>
                   </a:ext>
                 </a:extLst>
               </p:cNvPr>
@@ -9495,7 +9453,7 @@
               <p:cNvPr id="10" name="TextBox 9">
                 <a:extLst>
                   <a:ext uri="{FF2B5EF4-FFF2-40B4-BE49-F238E27FC236}">
-                    <a16:creationId xmlns:a16="http://schemas.microsoft.com/office/drawing/2014/main" xmlns="" id="{48986CCF-5FDC-47CB-BD99-C82E33EC3378}"/>
+                    <a16:creationId xmlns:a16="http://schemas.microsoft.com/office/drawing/2014/main" id="{48986CCF-5FDC-47CB-BD99-C82E33EC3378}"/>
                   </a:ext>
                 </a:extLst>
               </p:cNvPr>
@@ -9531,7 +9489,7 @@
               <p:cNvPr id="11" name="TextBox 10">
                 <a:extLst>
                   <a:ext uri="{FF2B5EF4-FFF2-40B4-BE49-F238E27FC236}">
-                    <a16:creationId xmlns:a16="http://schemas.microsoft.com/office/drawing/2014/main" xmlns="" id="{39845953-148F-4E0F-9039-AB390F022FF7}"/>
+                    <a16:creationId xmlns:a16="http://schemas.microsoft.com/office/drawing/2014/main" id="{39845953-148F-4E0F-9039-AB390F022FF7}"/>
                   </a:ext>
                 </a:extLst>
               </p:cNvPr>
@@ -9567,7 +9525,7 @@
               <p:cNvPr id="12" name="TextBox 11">
                 <a:extLst>
                   <a:ext uri="{FF2B5EF4-FFF2-40B4-BE49-F238E27FC236}">
-                    <a16:creationId xmlns:a16="http://schemas.microsoft.com/office/drawing/2014/main" xmlns="" id="{1DCCE120-047F-4047-8B88-C6F0E81CCDF9}"/>
+                    <a16:creationId xmlns:a16="http://schemas.microsoft.com/office/drawing/2014/main" id="{1DCCE120-047F-4047-8B88-C6F0E81CCDF9}"/>
                   </a:ext>
                 </a:extLst>
               </p:cNvPr>
@@ -9603,7 +9561,7 @@
               <p:cNvPr id="13" name="TextBox 12">
                 <a:extLst>
                   <a:ext uri="{FF2B5EF4-FFF2-40B4-BE49-F238E27FC236}">
-                    <a16:creationId xmlns:a16="http://schemas.microsoft.com/office/drawing/2014/main" xmlns="" id="{BE775840-34F6-4290-BD21-FD1B27C8796F}"/>
+                    <a16:creationId xmlns:a16="http://schemas.microsoft.com/office/drawing/2014/main" id="{BE775840-34F6-4290-BD21-FD1B27C8796F}"/>
                   </a:ext>
                 </a:extLst>
               </p:cNvPr>
@@ -9640,7 +9598,7 @@
             <p:cNvPr id="15" name="Star: 5 Points 14">
               <a:extLst>
                 <a:ext uri="{FF2B5EF4-FFF2-40B4-BE49-F238E27FC236}">
-                  <a16:creationId xmlns:a16="http://schemas.microsoft.com/office/drawing/2014/main" xmlns="" id="{5AA1D222-D0B2-4F61-9C42-AC1D0DF1735C}"/>
+                  <a16:creationId xmlns:a16="http://schemas.microsoft.com/office/drawing/2014/main" id="{5AA1D222-D0B2-4F61-9C42-AC1D0DF1735C}"/>
                 </a:ext>
               </a:extLst>
             </p:cNvPr>
@@ -9686,7 +9644,7 @@
             <p:cNvPr id="17" name="Straight Arrow Connector 16">
               <a:extLst>
                 <a:ext uri="{FF2B5EF4-FFF2-40B4-BE49-F238E27FC236}">
-                  <a16:creationId xmlns:a16="http://schemas.microsoft.com/office/drawing/2014/main" xmlns="" id="{D7DD48AC-3313-49DE-9C91-B5DF4C1836FA}"/>
+                  <a16:creationId xmlns:a16="http://schemas.microsoft.com/office/drawing/2014/main" id="{D7DD48AC-3313-49DE-9C91-B5DF4C1836FA}"/>
                 </a:ext>
               </a:extLst>
             </p:cNvPr>
@@ -9728,7 +9686,7 @@
             <p:cNvPr id="18" name="Explosion: 8 Points 17">
               <a:extLst>
                 <a:ext uri="{FF2B5EF4-FFF2-40B4-BE49-F238E27FC236}">
-                  <a16:creationId xmlns:a16="http://schemas.microsoft.com/office/drawing/2014/main" xmlns="" id="{2B39A1D8-1B89-46CB-9904-6E4DB2E565C2}"/>
+                  <a16:creationId xmlns:a16="http://schemas.microsoft.com/office/drawing/2014/main" id="{2B39A1D8-1B89-46CB-9904-6E4DB2E565C2}"/>
                 </a:ext>
               </a:extLst>
             </p:cNvPr>
@@ -9782,7 +9740,7 @@
             <p:cNvPr id="19" name="TextBox 18">
               <a:extLst>
                 <a:ext uri="{FF2B5EF4-FFF2-40B4-BE49-F238E27FC236}">
-                  <a16:creationId xmlns:a16="http://schemas.microsoft.com/office/drawing/2014/main" xmlns="" id="{350D02C1-E44C-4191-B587-0B3EC392CDBF}"/>
+                  <a16:creationId xmlns:a16="http://schemas.microsoft.com/office/drawing/2014/main" id="{350D02C1-E44C-4191-B587-0B3EC392CDBF}"/>
                 </a:ext>
               </a:extLst>
             </p:cNvPr>
@@ -9826,7 +9784,7 @@
             <p:cNvPr id="20" name="TextBox 19">
               <a:extLst>
                 <a:ext uri="{FF2B5EF4-FFF2-40B4-BE49-F238E27FC236}">
-                  <a16:creationId xmlns:a16="http://schemas.microsoft.com/office/drawing/2014/main" xmlns="" id="{021924B3-F418-42FB-8871-CF2D44C6E42A}"/>
+                  <a16:creationId xmlns:a16="http://schemas.microsoft.com/office/drawing/2014/main" id="{021924B3-F418-42FB-8871-CF2D44C6E42A}"/>
                 </a:ext>
               </a:extLst>
             </p:cNvPr>
@@ -9870,7 +9828,7 @@
             <p:cNvPr id="21" name="TextBox 20">
               <a:extLst>
                 <a:ext uri="{FF2B5EF4-FFF2-40B4-BE49-F238E27FC236}">
-                  <a16:creationId xmlns:a16="http://schemas.microsoft.com/office/drawing/2014/main" xmlns="" id="{6EC244C8-5D78-4A7F-BB72-B4F6E1F68809}"/>
+                  <a16:creationId xmlns:a16="http://schemas.microsoft.com/office/drawing/2014/main" id="{6EC244C8-5D78-4A7F-BB72-B4F6E1F68809}"/>
                 </a:ext>
               </a:extLst>
             </p:cNvPr>
@@ -9895,10 +9853,9 @@
             <a:p>
               <a:pPr algn="ctr"/>
               <a:r>
-                <a:rPr lang="en-US" sz="2400" b="1" dirty="0" smtClean="0"/>
+                <a:rPr lang="en-US" sz="2400" b="1" dirty="0"/>
                 <a:t>distance</a:t>
               </a:r>
-              <a:endParaRPr lang="en-US" sz="2400" b="1" dirty="0"/>
             </a:p>
           </p:txBody>
         </p:sp>
@@ -9938,7 +9895,7 @@
           <p:cNvPr id="7" name="TextBox 6">
             <a:extLst>
               <a:ext uri="{FF2B5EF4-FFF2-40B4-BE49-F238E27FC236}">
-                <a16:creationId xmlns:a16="http://schemas.microsoft.com/office/drawing/2014/main" xmlns="" id="{C8FA0A63-E669-400A-B853-1301ADFAA5C8}"/>
+                <a16:creationId xmlns:a16="http://schemas.microsoft.com/office/drawing/2014/main" id="{C8FA0A63-E669-400A-B853-1301ADFAA5C8}"/>
               </a:ext>
             </a:extLst>
           </p:cNvPr>
@@ -9962,10 +9919,9 @@
           <a:lstStyle/>
           <a:p>
             <a:r>
-              <a:rPr lang="en-US" sz="3200" b="1" dirty="0" smtClean="0"/>
+              <a:rPr lang="en-US" sz="3200" b="1" dirty="0"/>
               <a:t>Starting Coordinates in the Data</a:t>
             </a:r>
-            <a:endParaRPr lang="en-US" sz="3200" b="1" dirty="0"/>
           </a:p>
         </p:txBody>
       </p:sp>
@@ -9990,7 +9946,7 @@
         </p:blipFill>
         <p:spPr>
           <a:xfrm>
-            <a:off x="529627" y="1510069"/>
+            <a:off x="529627" y="1292200"/>
             <a:ext cx="4572000" cy="2444436"/>
           </a:xfrm>
           <a:prstGeom prst="rect">
@@ -10006,7 +9962,7 @@
         </p:nvSpPr>
         <p:spPr>
           <a:xfrm>
-            <a:off x="923453" y="1140737"/>
+            <a:off x="923453" y="926721"/>
             <a:ext cx="3548959" cy="369332"/>
           </a:xfrm>
           <a:prstGeom prst="rect">
@@ -10021,7 +9977,7 @@
           <a:lstStyle/>
           <a:p>
             <a:r>
-              <a:rPr lang="en-US" b="1" u="sng" dirty="0" smtClean="0"/>
+              <a:rPr lang="en-US" b="1" u="sng" dirty="0"/>
               <a:t>Shots</a:t>
             </a:r>
           </a:p>
@@ -10048,7 +10004,7 @@
         </p:blipFill>
         <p:spPr>
           <a:xfrm>
-            <a:off x="5495452" y="1496488"/>
+            <a:off x="5495452" y="1282472"/>
             <a:ext cx="4572000" cy="2471597"/>
           </a:xfrm>
           <a:prstGeom prst="rect">
@@ -10064,7 +10020,7 @@
         </p:nvSpPr>
         <p:spPr>
           <a:xfrm>
-            <a:off x="6006973" y="1140737"/>
+            <a:off x="6006973" y="926721"/>
             <a:ext cx="3548959" cy="369332"/>
           </a:xfrm>
           <a:prstGeom prst="rect">
@@ -10079,7 +10035,7 @@
           <a:lstStyle/>
           <a:p>
             <a:r>
-              <a:rPr lang="en-US" b="1" u="sng" dirty="0" smtClean="0"/>
+              <a:rPr lang="en-US" b="1" u="sng" dirty="0"/>
               <a:t>Goals</a:t>
             </a:r>
           </a:p>
@@ -10106,7 +10062,7 @@
         </p:blipFill>
         <p:spPr>
           <a:xfrm>
-            <a:off x="529627" y="4323837"/>
+            <a:off x="529627" y="4100766"/>
             <a:ext cx="4572000" cy="2453489"/>
           </a:xfrm>
           <a:prstGeom prst="rect">
@@ -10122,7 +10078,7 @@
         </p:nvSpPr>
         <p:spPr>
           <a:xfrm>
-            <a:off x="923452" y="3954505"/>
+            <a:off x="923452" y="3740489"/>
             <a:ext cx="3548959" cy="369332"/>
           </a:xfrm>
           <a:prstGeom prst="rect">
@@ -10137,7 +10093,7 @@
           <a:lstStyle/>
           <a:p>
             <a:r>
-              <a:rPr lang="en-US" b="1" u="sng" dirty="0" smtClean="0"/>
+              <a:rPr lang="en-US" b="1" u="sng" dirty="0"/>
               <a:t>Key Passes</a:t>
             </a:r>
           </a:p>
@@ -10164,7 +10120,7 @@
         </p:blipFill>
         <p:spPr>
           <a:xfrm>
-            <a:off x="5495452" y="4305729"/>
+            <a:off x="5495452" y="4091713"/>
             <a:ext cx="4572000" cy="2471597"/>
           </a:xfrm>
           <a:prstGeom prst="rect">
@@ -10180,7 +10136,7 @@
         </p:nvSpPr>
         <p:spPr>
           <a:xfrm>
-            <a:off x="5914929" y="3954505"/>
+            <a:off x="5914929" y="3740489"/>
             <a:ext cx="3548959" cy="369332"/>
           </a:xfrm>
           <a:prstGeom prst="rect">
@@ -10195,10 +10151,9 @@
           <a:lstStyle/>
           <a:p>
             <a:r>
-              <a:rPr lang="en-US" b="1" u="sng" dirty="0" smtClean="0"/>
+              <a:rPr lang="en-US" b="1" u="sng" dirty="0"/>
               <a:t>Assists</a:t>
             </a:r>
-            <a:endParaRPr lang="en-US" b="1" u="sng" dirty="0"/>
           </a:p>
         </p:txBody>
       </p:sp>
@@ -10237,7 +10192,7 @@
           <p:cNvPr id="2" name="Picture 1">
             <a:extLst>
               <a:ext uri="{FF2B5EF4-FFF2-40B4-BE49-F238E27FC236}">
-                <a16:creationId xmlns:a16="http://schemas.microsoft.com/office/drawing/2014/main" xmlns="" id="{A3D0C13E-2FAD-4B38-A8AC-86F95A177DC6}"/>
+                <a16:creationId xmlns:a16="http://schemas.microsoft.com/office/drawing/2014/main" id="{A3D0C13E-2FAD-4B38-A8AC-86F95A177DC6}"/>
               </a:ext>
             </a:extLst>
           </p:cNvPr>
@@ -10267,7 +10222,7 @@
           <p:cNvPr id="3" name="TextBox 2">
             <a:extLst>
               <a:ext uri="{FF2B5EF4-FFF2-40B4-BE49-F238E27FC236}">
-                <a16:creationId xmlns:a16="http://schemas.microsoft.com/office/drawing/2014/main" xmlns="" id="{B718B72E-6A45-486D-A67D-99311A977FFE}"/>
+                <a16:creationId xmlns:a16="http://schemas.microsoft.com/office/drawing/2014/main" id="{B718B72E-6A45-486D-A67D-99311A977FFE}"/>
               </a:ext>
             </a:extLst>
           </p:cNvPr>
@@ -10291,7 +10246,7 @@
           <a:lstStyle/>
           <a:p>
             <a:r>
-              <a:rPr lang="en-US" sz="3200" b="1" dirty="0" smtClean="0">
+              <a:rPr lang="en-US" sz="3200" b="1" dirty="0">
                 <a:solidFill>
                   <a:srgbClr val="FF0000"/>
                 </a:solidFill>
@@ -10299,12 +10254,8 @@
               <a:t>D</a:t>
             </a:r>
             <a:r>
-              <a:rPr lang="en-US" sz="3200" b="1" dirty="0" smtClean="0"/>
-              <a:t> Checking </a:t>
-            </a:r>
-            <a:r>
               <a:rPr lang="en-US" sz="3200" b="1" dirty="0"/>
-              <a:t>for Outliers: </a:t>
+              <a:t> Checking for Outliers: </a:t>
             </a:r>
           </a:p>
           <a:p>
